--- a/Grafiken/Loesungskonzepte.pptx
+++ b/Grafiken/Loesungskonzepte.pptx
@@ -10,6 +10,7 @@
     <p:sldId id="258" r:id="rId4"/>
     <p:sldId id="259" r:id="rId5"/>
     <p:sldId id="260" r:id="rId6"/>
+    <p:sldId id="261" r:id="rId7"/>
   </p:sldIdLst>
   <p:sldSz cx="9144000" cy="6858000" type="screen4x3"/>
   <p:notesSz cx="6858000" cy="9144000"/>
@@ -308,7 +309,7 @@
           <a:p>
             <a:fld id="{62A7EEA7-7CF7-4A21-92C8-3CFB69AD4175}" type="datetimeFigureOut">
               <a:rPr lang="de-DE" smtClean="0"/>
-              <a:t>24.09.2016</a:t>
+              <a:t>17.02.2017</a:t>
             </a:fld>
             <a:endParaRPr lang="de-DE"/>
           </a:p>
@@ -478,7 +479,7 @@
           <a:p>
             <a:fld id="{62A7EEA7-7CF7-4A21-92C8-3CFB69AD4175}" type="datetimeFigureOut">
               <a:rPr lang="de-DE" smtClean="0"/>
-              <a:t>24.09.2016</a:t>
+              <a:t>17.02.2017</a:t>
             </a:fld>
             <a:endParaRPr lang="de-DE"/>
           </a:p>
@@ -658,7 +659,7 @@
           <a:p>
             <a:fld id="{62A7EEA7-7CF7-4A21-92C8-3CFB69AD4175}" type="datetimeFigureOut">
               <a:rPr lang="de-DE" smtClean="0"/>
-              <a:t>24.09.2016</a:t>
+              <a:t>17.02.2017</a:t>
             </a:fld>
             <a:endParaRPr lang="de-DE"/>
           </a:p>
@@ -828,7 +829,7 @@
           <a:p>
             <a:fld id="{62A7EEA7-7CF7-4A21-92C8-3CFB69AD4175}" type="datetimeFigureOut">
               <a:rPr lang="de-DE" smtClean="0"/>
-              <a:t>24.09.2016</a:t>
+              <a:t>17.02.2017</a:t>
             </a:fld>
             <a:endParaRPr lang="de-DE"/>
           </a:p>
@@ -1074,7 +1075,7 @@
           <a:p>
             <a:fld id="{62A7EEA7-7CF7-4A21-92C8-3CFB69AD4175}" type="datetimeFigureOut">
               <a:rPr lang="de-DE" smtClean="0"/>
-              <a:t>24.09.2016</a:t>
+              <a:t>17.02.2017</a:t>
             </a:fld>
             <a:endParaRPr lang="de-DE"/>
           </a:p>
@@ -1362,7 +1363,7 @@
           <a:p>
             <a:fld id="{62A7EEA7-7CF7-4A21-92C8-3CFB69AD4175}" type="datetimeFigureOut">
               <a:rPr lang="de-DE" smtClean="0"/>
-              <a:t>24.09.2016</a:t>
+              <a:t>17.02.2017</a:t>
             </a:fld>
             <a:endParaRPr lang="de-DE"/>
           </a:p>
@@ -1784,7 +1785,7 @@
           <a:p>
             <a:fld id="{62A7EEA7-7CF7-4A21-92C8-3CFB69AD4175}" type="datetimeFigureOut">
               <a:rPr lang="de-DE" smtClean="0"/>
-              <a:t>24.09.2016</a:t>
+              <a:t>17.02.2017</a:t>
             </a:fld>
             <a:endParaRPr lang="de-DE"/>
           </a:p>
@@ -1902,7 +1903,7 @@
           <a:p>
             <a:fld id="{62A7EEA7-7CF7-4A21-92C8-3CFB69AD4175}" type="datetimeFigureOut">
               <a:rPr lang="de-DE" smtClean="0"/>
-              <a:t>24.09.2016</a:t>
+              <a:t>17.02.2017</a:t>
             </a:fld>
             <a:endParaRPr lang="de-DE"/>
           </a:p>
@@ -1997,7 +1998,7 @@
           <a:p>
             <a:fld id="{62A7EEA7-7CF7-4A21-92C8-3CFB69AD4175}" type="datetimeFigureOut">
               <a:rPr lang="de-DE" smtClean="0"/>
-              <a:t>24.09.2016</a:t>
+              <a:t>17.02.2017</a:t>
             </a:fld>
             <a:endParaRPr lang="de-DE"/>
           </a:p>
@@ -2274,7 +2275,7 @@
           <a:p>
             <a:fld id="{62A7EEA7-7CF7-4A21-92C8-3CFB69AD4175}" type="datetimeFigureOut">
               <a:rPr lang="de-DE" smtClean="0"/>
-              <a:t>24.09.2016</a:t>
+              <a:t>17.02.2017</a:t>
             </a:fld>
             <a:endParaRPr lang="de-DE"/>
           </a:p>
@@ -2527,7 +2528,7 @@
           <a:p>
             <a:fld id="{62A7EEA7-7CF7-4A21-92C8-3CFB69AD4175}" type="datetimeFigureOut">
               <a:rPr lang="de-DE" smtClean="0"/>
-              <a:t>24.09.2016</a:t>
+              <a:t>17.02.2017</a:t>
             </a:fld>
             <a:endParaRPr lang="de-DE"/>
           </a:p>
@@ -2740,7 +2741,7 @@
           <a:p>
             <a:fld id="{62A7EEA7-7CF7-4A21-92C8-3CFB69AD4175}" type="datetimeFigureOut">
               <a:rPr lang="de-DE" smtClean="0"/>
-              <a:t>24.09.2016</a:t>
+              <a:t>17.02.2017</a:t>
             </a:fld>
             <a:endParaRPr lang="de-DE"/>
           </a:p>
@@ -9942,6 +9943,1098 @@
     <p:extLst>
       <p:ext uri="{BB962C8B-B14F-4D97-AF65-F5344CB8AC3E}">
         <p14:creationId xmlns:p14="http://schemas.microsoft.com/office/powerpoint/2010/main" val="2929013804"/>
+      </p:ext>
+    </p:extLst>
+  </p:cSld>
+  <p:clrMapOvr>
+    <a:masterClrMapping/>
+  </p:clrMapOvr>
+</p:sld>
+</file>
+
+<file path=ppt/slides/slide6.xml><?xml version="1.0" encoding="utf-8"?>
+<p:sld xmlns:a="http://schemas.openxmlformats.org/drawingml/2006/main" xmlns:r="http://schemas.openxmlformats.org/officeDocument/2006/relationships" xmlns:p="http://schemas.openxmlformats.org/presentationml/2006/main">
+  <p:cSld>
+    <p:spTree>
+      <p:nvGrpSpPr>
+        <p:cNvPr id="1" name=""/>
+        <p:cNvGrpSpPr/>
+        <p:nvPr/>
+      </p:nvGrpSpPr>
+      <p:grpSpPr>
+        <a:xfrm>
+          <a:off x="0" y="0"/>
+          <a:ext cx="0" cy="0"/>
+          <a:chOff x="0" y="0"/>
+          <a:chExt cx="0" cy="0"/>
+        </a:xfrm>
+      </p:grpSpPr>
+      <p:grpSp>
+        <p:nvGrpSpPr>
+          <p:cNvPr id="8" name="Gruppieren 7"/>
+          <p:cNvGrpSpPr/>
+          <p:nvPr/>
+        </p:nvGrpSpPr>
+        <p:grpSpPr>
+          <a:xfrm>
+            <a:off x="4067944" y="2492896"/>
+            <a:ext cx="1440160" cy="1537267"/>
+            <a:chOff x="6660232" y="2174999"/>
+            <a:chExt cx="1440160" cy="1537267"/>
+          </a:xfrm>
+        </p:grpSpPr>
+        <p:pic>
+          <p:nvPicPr>
+            <p:cNvPr id="7" name="Grafik 6"/>
+            <p:cNvPicPr>
+              <a:picLocks noChangeAspect="1"/>
+            </p:cNvPicPr>
+            <p:nvPr/>
+          </p:nvPicPr>
+          <p:blipFill>
+            <a:blip r:embed="rId2">
+              <a:extLst>
+                <a:ext uri="{28A0092B-C50C-407E-A947-70E740481C1C}">
+                  <a14:useLocalDpi xmlns:a14="http://schemas.microsoft.com/office/drawing/2010/main" val="0"/>
+                </a:ext>
+              </a:extLst>
+            </a:blip>
+            <a:stretch>
+              <a:fillRect/>
+            </a:stretch>
+          </p:blipFill>
+          <p:spPr>
+            <a:xfrm>
+              <a:off x="6660232" y="2492896"/>
+              <a:ext cx="1219370" cy="1219370"/>
+            </a:xfrm>
+            <a:prstGeom prst="rect">
+              <a:avLst/>
+            </a:prstGeom>
+            <a:ln w="12700">
+              <a:solidFill>
+                <a:schemeClr val="tx1"/>
+              </a:solidFill>
+            </a:ln>
+          </p:spPr>
+        </p:pic>
+        <p:pic>
+          <p:nvPicPr>
+            <p:cNvPr id="1030" name="Picture 6" descr="Datei:Bbb logo.png"/>
+            <p:cNvPicPr>
+              <a:picLocks noChangeAspect="1" noChangeArrowheads="1"/>
+            </p:cNvPicPr>
+            <p:nvPr/>
+          </p:nvPicPr>
+          <p:blipFill rotWithShape="1">
+            <a:blip r:embed="rId3">
+              <a:clrChange>
+                <a:clrFrom>
+                  <a:srgbClr val="000000">
+                    <a:alpha val="0"/>
+                  </a:srgbClr>
+                </a:clrFrom>
+                <a:clrTo>
+                  <a:srgbClr val="000000">
+                    <a:alpha val="0"/>
+                  </a:srgbClr>
+                </a:clrTo>
+              </a:clrChange>
+              <a:extLst>
+                <a:ext uri="{28A0092B-C50C-407E-A947-70E740481C1C}">
+                  <a14:useLocalDpi xmlns:a14="http://schemas.microsoft.com/office/drawing/2010/main" val="0"/>
+                </a:ext>
+              </a:extLst>
+            </a:blip>
+            <a:srcRect r="75077"/>
+            <a:stretch/>
+          </p:blipFill>
+          <p:spPr bwMode="auto">
+            <a:xfrm>
+              <a:off x="7452320" y="2174999"/>
+              <a:ext cx="648072" cy="635794"/>
+            </a:xfrm>
+            <a:prstGeom prst="rect">
+              <a:avLst/>
+            </a:prstGeom>
+            <a:noFill/>
+            <a:extLst>
+              <a:ext uri="{909E8E84-426E-40DD-AFC4-6F175D3DCCD1}">
+                <a14:hiddenFill xmlns:a14="http://schemas.microsoft.com/office/drawing/2010/main">
+                  <a:solidFill>
+                    <a:srgbClr val="FFFFFF"/>
+                  </a:solidFill>
+                </a14:hiddenFill>
+              </a:ext>
+            </a:extLst>
+          </p:spPr>
+        </p:pic>
+      </p:grpSp>
+      <p:grpSp>
+        <p:nvGrpSpPr>
+          <p:cNvPr id="15" name="Gruppieren 14"/>
+          <p:cNvGrpSpPr/>
+          <p:nvPr/>
+        </p:nvGrpSpPr>
+        <p:grpSpPr>
+          <a:xfrm>
+            <a:off x="827584" y="951008"/>
+            <a:ext cx="7481701" cy="1368152"/>
+            <a:chOff x="827584" y="951008"/>
+            <a:chExt cx="7481701" cy="1368152"/>
+          </a:xfrm>
+        </p:grpSpPr>
+        <p:grpSp>
+          <p:nvGrpSpPr>
+            <p:cNvPr id="14" name="Gruppieren 13"/>
+            <p:cNvGrpSpPr/>
+            <p:nvPr/>
+          </p:nvGrpSpPr>
+          <p:grpSpPr>
+            <a:xfrm>
+              <a:off x="5580112" y="951008"/>
+              <a:ext cx="2729173" cy="1368152"/>
+              <a:chOff x="899592" y="944724"/>
+              <a:chExt cx="2729173" cy="1368152"/>
+            </a:xfrm>
+          </p:grpSpPr>
+          <p:sp>
+            <p:nvSpPr>
+              <p:cNvPr id="9" name="Rechteck 8"/>
+              <p:cNvSpPr/>
+              <p:nvPr/>
+            </p:nvSpPr>
+            <p:spPr>
+              <a:xfrm>
+                <a:off x="899592" y="944724"/>
+                <a:ext cx="2729173" cy="1368152"/>
+              </a:xfrm>
+              <a:prstGeom prst="rect">
+                <a:avLst/>
+              </a:prstGeom>
+              <a:solidFill>
+                <a:srgbClr val="66CCFF"/>
+              </a:solidFill>
+              <a:ln w="12700">
+                <a:solidFill>
+                  <a:schemeClr val="tx1"/>
+                </a:solidFill>
+              </a:ln>
+            </p:spPr>
+            <p:style>
+              <a:lnRef idx="2">
+                <a:schemeClr val="accent1">
+                  <a:shade val="50000"/>
+                </a:schemeClr>
+              </a:lnRef>
+              <a:fillRef idx="1">
+                <a:schemeClr val="accent1"/>
+              </a:fillRef>
+              <a:effectRef idx="0">
+                <a:schemeClr val="accent1"/>
+              </a:effectRef>
+              <a:fontRef idx="minor">
+                <a:schemeClr val="lt1"/>
+              </a:fontRef>
+            </p:style>
+            <p:txBody>
+              <a:bodyPr rtlCol="0" anchor="ctr"/>
+              <a:lstStyle/>
+              <a:p>
+                <a:pPr algn="ctr"/>
+                <a:endParaRPr lang="de-DE"/>
+              </a:p>
+            </p:txBody>
+          </p:sp>
+          <p:pic>
+            <p:nvPicPr>
+              <p:cNvPr id="5" name="Grafik 4"/>
+              <p:cNvPicPr>
+                <a:picLocks noChangeAspect="1"/>
+              </p:cNvPicPr>
+              <p:nvPr/>
+            </p:nvPicPr>
+            <p:blipFill>
+              <a:blip r:embed="rId4">
+                <a:clrChange>
+                  <a:clrFrom>
+                    <a:srgbClr val="FFFFFF"/>
+                  </a:clrFrom>
+                  <a:clrTo>
+                    <a:srgbClr val="FFFFFF">
+                      <a:alpha val="0"/>
+                    </a:srgbClr>
+                  </a:clrTo>
+                </a:clrChange>
+                <a:extLst>
+                  <a:ext uri="{28A0092B-C50C-407E-A947-70E740481C1C}">
+                    <a14:useLocalDpi xmlns:a14="http://schemas.microsoft.com/office/drawing/2010/main" val="0"/>
+                  </a:ext>
+                </a:extLst>
+              </a:blip>
+              <a:stretch>
+                <a:fillRect/>
+              </a:stretch>
+            </p:blipFill>
+            <p:spPr>
+              <a:xfrm>
+                <a:off x="971600" y="1024597"/>
+                <a:ext cx="1219200" cy="1219200"/>
+              </a:xfrm>
+              <a:prstGeom prst="rect">
+                <a:avLst/>
+              </a:prstGeom>
+            </p:spPr>
+          </p:pic>
+          <p:sp>
+            <p:nvSpPr>
+              <p:cNvPr id="10" name="Plus 9"/>
+              <p:cNvSpPr/>
+              <p:nvPr/>
+            </p:nvSpPr>
+            <p:spPr>
+              <a:xfrm>
+                <a:off x="2195736" y="1340768"/>
+                <a:ext cx="509628" cy="505457"/>
+              </a:xfrm>
+              <a:prstGeom prst="mathPlus">
+                <a:avLst/>
+              </a:prstGeom>
+              <a:noFill/>
+            </p:spPr>
+            <p:style>
+              <a:lnRef idx="2">
+                <a:schemeClr val="dk1"/>
+              </a:lnRef>
+              <a:fillRef idx="1">
+                <a:schemeClr val="lt1"/>
+              </a:fillRef>
+              <a:effectRef idx="0">
+                <a:schemeClr val="dk1"/>
+              </a:effectRef>
+              <a:fontRef idx="minor">
+                <a:schemeClr val="dk1"/>
+              </a:fontRef>
+            </p:style>
+            <p:txBody>
+              <a:bodyPr rtlCol="0" anchor="ctr"/>
+              <a:lstStyle/>
+              <a:p>
+                <a:pPr algn="ctr"/>
+                <a:endParaRPr lang="de-DE"/>
+              </a:p>
+            </p:txBody>
+          </p:sp>
+          <p:pic>
+            <p:nvPicPr>
+              <p:cNvPr id="4" name="Grafik 3"/>
+              <p:cNvPicPr>
+                <a:picLocks noChangeAspect="1"/>
+              </p:cNvPicPr>
+              <p:nvPr/>
+            </p:nvPicPr>
+            <p:blipFill>
+              <a:blip r:embed="rId5" cstate="print">
+                <a:clrChange>
+                  <a:clrFrom>
+                    <a:srgbClr val="FFFFFF"/>
+                  </a:clrFrom>
+                  <a:clrTo>
+                    <a:srgbClr val="FFFFFF">
+                      <a:alpha val="0"/>
+                    </a:srgbClr>
+                  </a:clrTo>
+                </a:clrChange>
+                <a:extLst>
+                  <a:ext uri="{28A0092B-C50C-407E-A947-70E740481C1C}">
+                    <a14:useLocalDpi xmlns:a14="http://schemas.microsoft.com/office/drawing/2010/main" val="0"/>
+                  </a:ext>
+                </a:extLst>
+              </a:blip>
+              <a:stretch>
+                <a:fillRect/>
+              </a:stretch>
+            </p:blipFill>
+            <p:spPr>
+              <a:xfrm>
+                <a:off x="2661132" y="1144983"/>
+                <a:ext cx="967633" cy="967633"/>
+              </a:xfrm>
+              <a:prstGeom prst="rect">
+                <a:avLst/>
+              </a:prstGeom>
+            </p:spPr>
+          </p:pic>
+        </p:grpSp>
+        <p:grpSp>
+          <p:nvGrpSpPr>
+            <p:cNvPr id="11" name="Gruppieren 10"/>
+            <p:cNvGrpSpPr/>
+            <p:nvPr/>
+          </p:nvGrpSpPr>
+          <p:grpSpPr>
+            <a:xfrm>
+              <a:off x="3995936" y="951008"/>
+              <a:ext cx="1368152" cy="1368152"/>
+              <a:chOff x="899592" y="2780928"/>
+              <a:chExt cx="1368152" cy="1368152"/>
+            </a:xfrm>
+          </p:grpSpPr>
+          <p:sp>
+            <p:nvSpPr>
+              <p:cNvPr id="16" name="Rechteck 15"/>
+              <p:cNvSpPr/>
+              <p:nvPr/>
+            </p:nvSpPr>
+            <p:spPr>
+              <a:xfrm>
+                <a:off x="899592" y="2780928"/>
+                <a:ext cx="1368152" cy="1368152"/>
+              </a:xfrm>
+              <a:prstGeom prst="rect">
+                <a:avLst/>
+              </a:prstGeom>
+              <a:solidFill>
+                <a:srgbClr val="99FF99"/>
+              </a:solidFill>
+              <a:ln w="12700">
+                <a:solidFill>
+                  <a:schemeClr val="tx1"/>
+                </a:solidFill>
+              </a:ln>
+            </p:spPr>
+            <p:style>
+              <a:lnRef idx="2">
+                <a:schemeClr val="accent1">
+                  <a:shade val="50000"/>
+                </a:schemeClr>
+              </a:lnRef>
+              <a:fillRef idx="1">
+                <a:schemeClr val="accent1"/>
+              </a:fillRef>
+              <a:effectRef idx="0">
+                <a:schemeClr val="accent1"/>
+              </a:effectRef>
+              <a:fontRef idx="minor">
+                <a:schemeClr val="lt1"/>
+              </a:fontRef>
+            </p:style>
+            <p:txBody>
+              <a:bodyPr rtlCol="0" anchor="ctr"/>
+              <a:lstStyle/>
+              <a:p>
+                <a:pPr algn="ctr"/>
+                <a:endParaRPr lang="de-DE"/>
+              </a:p>
+            </p:txBody>
+          </p:sp>
+          <p:pic>
+            <p:nvPicPr>
+              <p:cNvPr id="13" name="Grafik 12"/>
+              <p:cNvPicPr>
+                <a:picLocks noChangeAspect="1"/>
+              </p:cNvPicPr>
+              <p:nvPr/>
+            </p:nvPicPr>
+            <p:blipFill>
+              <a:blip r:embed="rId4">
+                <a:clrChange>
+                  <a:clrFrom>
+                    <a:srgbClr val="FFFFFF"/>
+                  </a:clrFrom>
+                  <a:clrTo>
+                    <a:srgbClr val="FFFFFF">
+                      <a:alpha val="0"/>
+                    </a:srgbClr>
+                  </a:clrTo>
+                </a:clrChange>
+                <a:extLst>
+                  <a:ext uri="{28A0092B-C50C-407E-A947-70E740481C1C}">
+                    <a14:useLocalDpi xmlns:a14="http://schemas.microsoft.com/office/drawing/2010/main" val="0"/>
+                  </a:ext>
+                </a:extLst>
+              </a:blip>
+              <a:stretch>
+                <a:fillRect/>
+              </a:stretch>
+            </p:blipFill>
+            <p:spPr>
+              <a:xfrm>
+                <a:off x="971600" y="2855404"/>
+                <a:ext cx="1219200" cy="1219200"/>
+              </a:xfrm>
+              <a:prstGeom prst="rect">
+                <a:avLst/>
+              </a:prstGeom>
+            </p:spPr>
+          </p:pic>
+        </p:grpSp>
+        <p:grpSp>
+          <p:nvGrpSpPr>
+            <p:cNvPr id="19" name="Gruppieren 18"/>
+            <p:cNvGrpSpPr/>
+            <p:nvPr/>
+          </p:nvGrpSpPr>
+          <p:grpSpPr>
+            <a:xfrm>
+              <a:off x="2411760" y="951008"/>
+              <a:ext cx="1368152" cy="1368152"/>
+              <a:chOff x="899592" y="2780928"/>
+              <a:chExt cx="1368152" cy="1368152"/>
+            </a:xfrm>
+          </p:grpSpPr>
+          <p:sp>
+            <p:nvSpPr>
+              <p:cNvPr id="21" name="Rechteck 20"/>
+              <p:cNvSpPr/>
+              <p:nvPr/>
+            </p:nvSpPr>
+            <p:spPr>
+              <a:xfrm>
+                <a:off x="899592" y="2780928"/>
+                <a:ext cx="1368152" cy="1368152"/>
+              </a:xfrm>
+              <a:prstGeom prst="rect">
+                <a:avLst/>
+              </a:prstGeom>
+              <a:solidFill>
+                <a:srgbClr val="FF7C80"/>
+              </a:solidFill>
+              <a:ln w="12700">
+                <a:solidFill>
+                  <a:schemeClr val="tx1"/>
+                </a:solidFill>
+              </a:ln>
+            </p:spPr>
+            <p:style>
+              <a:lnRef idx="2">
+                <a:schemeClr val="accent1">
+                  <a:shade val="50000"/>
+                </a:schemeClr>
+              </a:lnRef>
+              <a:fillRef idx="1">
+                <a:schemeClr val="accent1"/>
+              </a:fillRef>
+              <a:effectRef idx="0">
+                <a:schemeClr val="accent1"/>
+              </a:effectRef>
+              <a:fontRef idx="minor">
+                <a:schemeClr val="lt1"/>
+              </a:fontRef>
+            </p:style>
+            <p:txBody>
+              <a:bodyPr rtlCol="0" anchor="ctr"/>
+              <a:lstStyle/>
+              <a:p>
+                <a:pPr algn="ctr"/>
+                <a:endParaRPr lang="de-DE"/>
+              </a:p>
+            </p:txBody>
+          </p:sp>
+          <p:pic>
+            <p:nvPicPr>
+              <p:cNvPr id="20" name="Grafik 19"/>
+              <p:cNvPicPr>
+                <a:picLocks noChangeAspect="1"/>
+              </p:cNvPicPr>
+              <p:nvPr/>
+            </p:nvPicPr>
+            <p:blipFill>
+              <a:blip r:embed="rId4">
+                <a:clrChange>
+                  <a:clrFrom>
+                    <a:srgbClr val="FFFFFF"/>
+                  </a:clrFrom>
+                  <a:clrTo>
+                    <a:srgbClr val="FFFFFF">
+                      <a:alpha val="0"/>
+                    </a:srgbClr>
+                  </a:clrTo>
+                </a:clrChange>
+                <a:extLst>
+                  <a:ext uri="{28A0092B-C50C-407E-A947-70E740481C1C}">
+                    <a14:useLocalDpi xmlns:a14="http://schemas.microsoft.com/office/drawing/2010/main" val="0"/>
+                  </a:ext>
+                </a:extLst>
+              </a:blip>
+              <a:stretch>
+                <a:fillRect/>
+              </a:stretch>
+            </p:blipFill>
+            <p:spPr>
+              <a:xfrm>
+                <a:off x="971600" y="2855404"/>
+                <a:ext cx="1219200" cy="1219200"/>
+              </a:xfrm>
+              <a:prstGeom prst="rect">
+                <a:avLst/>
+              </a:prstGeom>
+            </p:spPr>
+          </p:pic>
+        </p:grpSp>
+        <p:grpSp>
+          <p:nvGrpSpPr>
+            <p:cNvPr id="22" name="Gruppieren 21"/>
+            <p:cNvGrpSpPr/>
+            <p:nvPr/>
+          </p:nvGrpSpPr>
+          <p:grpSpPr>
+            <a:xfrm>
+              <a:off x="827584" y="951008"/>
+              <a:ext cx="1368152" cy="1368152"/>
+              <a:chOff x="899592" y="2780928"/>
+              <a:chExt cx="1368152" cy="1368152"/>
+            </a:xfrm>
+          </p:grpSpPr>
+          <p:sp>
+            <p:nvSpPr>
+              <p:cNvPr id="24" name="Rechteck 23"/>
+              <p:cNvSpPr/>
+              <p:nvPr/>
+            </p:nvSpPr>
+            <p:spPr>
+              <a:xfrm>
+                <a:off x="899592" y="2780928"/>
+                <a:ext cx="1368152" cy="1368152"/>
+              </a:xfrm>
+              <a:prstGeom prst="rect">
+                <a:avLst/>
+              </a:prstGeom>
+              <a:solidFill>
+                <a:srgbClr val="FFFF99"/>
+              </a:solidFill>
+              <a:ln w="12700">
+                <a:solidFill>
+                  <a:schemeClr val="tx1"/>
+                </a:solidFill>
+              </a:ln>
+            </p:spPr>
+            <p:style>
+              <a:lnRef idx="2">
+                <a:schemeClr val="accent1">
+                  <a:shade val="50000"/>
+                </a:schemeClr>
+              </a:lnRef>
+              <a:fillRef idx="1">
+                <a:schemeClr val="accent1"/>
+              </a:fillRef>
+              <a:effectRef idx="0">
+                <a:schemeClr val="accent1"/>
+              </a:effectRef>
+              <a:fontRef idx="minor">
+                <a:schemeClr val="lt1"/>
+              </a:fontRef>
+            </p:style>
+            <p:txBody>
+              <a:bodyPr rtlCol="0" anchor="ctr"/>
+              <a:lstStyle/>
+              <a:p>
+                <a:pPr algn="ctr"/>
+                <a:endParaRPr lang="de-DE"/>
+              </a:p>
+            </p:txBody>
+          </p:sp>
+          <p:pic>
+            <p:nvPicPr>
+              <p:cNvPr id="23" name="Grafik 22"/>
+              <p:cNvPicPr>
+                <a:picLocks noChangeAspect="1"/>
+              </p:cNvPicPr>
+              <p:nvPr/>
+            </p:nvPicPr>
+            <p:blipFill>
+              <a:blip r:embed="rId4">
+                <a:clrChange>
+                  <a:clrFrom>
+                    <a:srgbClr val="FFFFFF"/>
+                  </a:clrFrom>
+                  <a:clrTo>
+                    <a:srgbClr val="FFFFFF">
+                      <a:alpha val="0"/>
+                    </a:srgbClr>
+                  </a:clrTo>
+                </a:clrChange>
+                <a:extLst>
+                  <a:ext uri="{28A0092B-C50C-407E-A947-70E740481C1C}">
+                    <a14:useLocalDpi xmlns:a14="http://schemas.microsoft.com/office/drawing/2010/main" val="0"/>
+                  </a:ext>
+                </a:extLst>
+              </a:blip>
+              <a:stretch>
+                <a:fillRect/>
+              </a:stretch>
+            </p:blipFill>
+            <p:spPr>
+              <a:xfrm>
+                <a:off x="971600" y="2855404"/>
+                <a:ext cx="1219200" cy="1219200"/>
+              </a:xfrm>
+              <a:prstGeom prst="rect">
+                <a:avLst/>
+              </a:prstGeom>
+            </p:spPr>
+          </p:pic>
+        </p:grpSp>
+      </p:grpSp>
+      <p:cxnSp>
+        <p:nvCxnSpPr>
+          <p:cNvPr id="18" name="Gerade Verbindung mit Pfeil 17"/>
+          <p:cNvCxnSpPr>
+            <a:stCxn id="5" idx="2"/>
+            <a:endCxn id="7" idx="3"/>
+          </p:cNvCxnSpPr>
+          <p:nvPr/>
+        </p:nvCxnSpPr>
+        <p:spPr>
+          <a:xfrm flipH="1">
+            <a:off x="5287314" y="2250081"/>
+            <a:ext cx="974406" cy="1170397"/>
+          </a:xfrm>
+          <a:prstGeom prst="straightConnector1">
+            <a:avLst/>
+          </a:prstGeom>
+          <a:ln w="12700">
+            <a:solidFill>
+              <a:srgbClr val="E20074"/>
+            </a:solidFill>
+            <a:headEnd type="stealth" w="lg" len="lg"/>
+            <a:tailEnd type="stealth" w="lg" len="lg"/>
+          </a:ln>
+        </p:spPr>
+        <p:style>
+          <a:lnRef idx="1">
+            <a:schemeClr val="accent1"/>
+          </a:lnRef>
+          <a:fillRef idx="0">
+            <a:schemeClr val="accent1"/>
+          </a:fillRef>
+          <a:effectRef idx="0">
+            <a:schemeClr val="accent1"/>
+          </a:effectRef>
+          <a:fontRef idx="minor">
+            <a:schemeClr val="tx1"/>
+          </a:fontRef>
+        </p:style>
+      </p:cxnSp>
+      <p:cxnSp>
+        <p:nvCxnSpPr>
+          <p:cNvPr id="31" name="Gerade Verbindung mit Pfeil 30"/>
+          <p:cNvCxnSpPr>
+            <a:stCxn id="4" idx="2"/>
+            <a:endCxn id="7" idx="3"/>
+          </p:cNvCxnSpPr>
+          <p:nvPr/>
+        </p:nvCxnSpPr>
+        <p:spPr>
+          <a:xfrm flipH="1">
+            <a:off x="5287314" y="2118900"/>
+            <a:ext cx="2538155" cy="1301578"/>
+          </a:xfrm>
+          <a:prstGeom prst="straightConnector1">
+            <a:avLst/>
+          </a:prstGeom>
+          <a:ln w="12700">
+            <a:solidFill>
+              <a:srgbClr val="E20074"/>
+            </a:solidFill>
+            <a:headEnd type="stealth" w="lg" len="lg"/>
+            <a:tailEnd type="stealth" w="lg" len="lg"/>
+          </a:ln>
+        </p:spPr>
+        <p:style>
+          <a:lnRef idx="1">
+            <a:schemeClr val="accent1"/>
+          </a:lnRef>
+          <a:fillRef idx="0">
+            <a:schemeClr val="accent1"/>
+          </a:fillRef>
+          <a:effectRef idx="0">
+            <a:schemeClr val="accent1"/>
+          </a:effectRef>
+          <a:fontRef idx="minor">
+            <a:schemeClr val="tx1"/>
+          </a:fontRef>
+        </p:style>
+      </p:cxnSp>
+      <p:cxnSp>
+        <p:nvCxnSpPr>
+          <p:cNvPr id="37" name="Gerade Verbindung mit Pfeil 36"/>
+          <p:cNvCxnSpPr>
+            <a:stCxn id="16" idx="2"/>
+            <a:endCxn id="7" idx="0"/>
+          </p:cNvCxnSpPr>
+          <p:nvPr/>
+        </p:nvCxnSpPr>
+        <p:spPr>
+          <a:xfrm flipH="1">
+            <a:off x="4677629" y="2319160"/>
+            <a:ext cx="2383" cy="491633"/>
+          </a:xfrm>
+          <a:prstGeom prst="straightConnector1">
+            <a:avLst/>
+          </a:prstGeom>
+          <a:ln w="12700">
+            <a:solidFill>
+              <a:srgbClr val="E20074"/>
+            </a:solidFill>
+            <a:headEnd type="stealth" w="lg" len="lg"/>
+            <a:tailEnd type="stealth" w="lg" len="lg"/>
+          </a:ln>
+        </p:spPr>
+        <p:style>
+          <a:lnRef idx="1">
+            <a:schemeClr val="accent1"/>
+          </a:lnRef>
+          <a:fillRef idx="0">
+            <a:schemeClr val="accent1"/>
+          </a:fillRef>
+          <a:effectRef idx="0">
+            <a:schemeClr val="accent1"/>
+          </a:effectRef>
+          <a:fontRef idx="minor">
+            <a:schemeClr val="tx1"/>
+          </a:fontRef>
+        </p:style>
+      </p:cxnSp>
+      <p:cxnSp>
+        <p:nvCxnSpPr>
+          <p:cNvPr id="41" name="Gerade Verbindung mit Pfeil 40"/>
+          <p:cNvCxnSpPr>
+            <a:stCxn id="21" idx="2"/>
+            <a:endCxn id="7" idx="1"/>
+          </p:cNvCxnSpPr>
+          <p:nvPr/>
+        </p:nvCxnSpPr>
+        <p:spPr>
+          <a:xfrm>
+            <a:off x="3095836" y="2319160"/>
+            <a:ext cx="972108" cy="1101318"/>
+          </a:xfrm>
+          <a:prstGeom prst="straightConnector1">
+            <a:avLst/>
+          </a:prstGeom>
+          <a:ln w="12700">
+            <a:solidFill>
+              <a:srgbClr val="E20074"/>
+            </a:solidFill>
+            <a:headEnd type="stealth" w="lg" len="lg"/>
+            <a:tailEnd type="stealth" w="lg" len="lg"/>
+          </a:ln>
+        </p:spPr>
+        <p:style>
+          <a:lnRef idx="1">
+            <a:schemeClr val="accent1"/>
+          </a:lnRef>
+          <a:fillRef idx="0">
+            <a:schemeClr val="accent1"/>
+          </a:fillRef>
+          <a:effectRef idx="0">
+            <a:schemeClr val="accent1"/>
+          </a:effectRef>
+          <a:fontRef idx="minor">
+            <a:schemeClr val="tx1"/>
+          </a:fontRef>
+        </p:style>
+      </p:cxnSp>
+      <p:cxnSp>
+        <p:nvCxnSpPr>
+          <p:cNvPr id="44" name="Gerade Verbindung mit Pfeil 43"/>
+          <p:cNvCxnSpPr>
+            <a:stCxn id="24" idx="2"/>
+            <a:endCxn id="7" idx="1"/>
+          </p:cNvCxnSpPr>
+          <p:nvPr/>
+        </p:nvCxnSpPr>
+        <p:spPr>
+          <a:xfrm>
+            <a:off x="1511660" y="2319160"/>
+            <a:ext cx="2556284" cy="1101318"/>
+          </a:xfrm>
+          <a:prstGeom prst="straightConnector1">
+            <a:avLst/>
+          </a:prstGeom>
+          <a:ln w="12700">
+            <a:solidFill>
+              <a:srgbClr val="E20074"/>
+            </a:solidFill>
+            <a:headEnd type="stealth" w="lg" len="lg"/>
+            <a:tailEnd type="stealth" w="lg" len="lg"/>
+          </a:ln>
+        </p:spPr>
+        <p:style>
+          <a:lnRef idx="1">
+            <a:schemeClr val="accent1"/>
+          </a:lnRef>
+          <a:fillRef idx="0">
+            <a:schemeClr val="accent1"/>
+          </a:fillRef>
+          <a:effectRef idx="0">
+            <a:schemeClr val="accent1"/>
+          </a:effectRef>
+          <a:fontRef idx="minor">
+            <a:schemeClr val="tx1"/>
+          </a:fontRef>
+        </p:style>
+      </p:cxnSp>
+      <p:grpSp>
+        <p:nvGrpSpPr>
+          <p:cNvPr id="48" name="Gruppieren 47"/>
+          <p:cNvGrpSpPr/>
+          <p:nvPr/>
+        </p:nvGrpSpPr>
+        <p:grpSpPr>
+          <a:xfrm>
+            <a:off x="1277634" y="2924944"/>
+            <a:ext cx="918102" cy="763700"/>
+            <a:chOff x="1221878" y="3128690"/>
+            <a:chExt cx="918102" cy="763700"/>
+          </a:xfrm>
+        </p:grpSpPr>
+        <p:sp>
+          <p:nvSpPr>
+            <p:cNvPr id="47" name="Rechteck 46"/>
+            <p:cNvSpPr/>
+            <p:nvPr/>
+          </p:nvSpPr>
+          <p:spPr>
+            <a:xfrm>
+              <a:off x="1221878" y="3128690"/>
+              <a:ext cx="918102" cy="161673"/>
+            </a:xfrm>
+            <a:prstGeom prst="rect">
+              <a:avLst/>
+            </a:prstGeom>
+            <a:solidFill>
+              <a:srgbClr val="FFFF99"/>
+            </a:solidFill>
+            <a:ln w="12700">
+              <a:solidFill>
+                <a:schemeClr val="tx1"/>
+              </a:solidFill>
+            </a:ln>
+          </p:spPr>
+          <p:style>
+            <a:lnRef idx="2">
+              <a:schemeClr val="accent1">
+                <a:shade val="50000"/>
+              </a:schemeClr>
+            </a:lnRef>
+            <a:fillRef idx="1">
+              <a:schemeClr val="accent1"/>
+            </a:fillRef>
+            <a:effectRef idx="0">
+              <a:schemeClr val="accent1"/>
+            </a:effectRef>
+            <a:fontRef idx="minor">
+              <a:schemeClr val="lt1"/>
+            </a:fontRef>
+          </p:style>
+          <p:txBody>
+            <a:bodyPr rtlCol="0" anchor="ctr"/>
+            <a:lstStyle/>
+            <a:p>
+              <a:pPr algn="ctr"/>
+              <a:r>
+                <a:rPr lang="de-DE" sz="1400" dirty="0" smtClean="0">
+                  <a:solidFill>
+                    <a:sysClr val="windowText" lastClr="000000"/>
+                  </a:solidFill>
+                </a:rPr>
+                <a:t>Raum 1</a:t>
+              </a:r>
+              <a:endParaRPr lang="de-DE" sz="1400" dirty="0">
+                <a:solidFill>
+                  <a:sysClr val="windowText" lastClr="000000"/>
+                </a:solidFill>
+              </a:endParaRPr>
+            </a:p>
+          </p:txBody>
+        </p:sp>
+        <p:sp>
+          <p:nvSpPr>
+            <p:cNvPr id="51" name="Rechteck 50"/>
+            <p:cNvSpPr/>
+            <p:nvPr/>
+          </p:nvSpPr>
+          <p:spPr>
+            <a:xfrm>
+              <a:off x="1221878" y="3333281"/>
+              <a:ext cx="918102" cy="161673"/>
+            </a:xfrm>
+            <a:prstGeom prst="rect">
+              <a:avLst/>
+            </a:prstGeom>
+            <a:solidFill>
+              <a:srgbClr val="FF7C80"/>
+            </a:solidFill>
+            <a:ln w="12700">
+              <a:solidFill>
+                <a:schemeClr val="tx1"/>
+              </a:solidFill>
+            </a:ln>
+          </p:spPr>
+          <p:style>
+            <a:lnRef idx="2">
+              <a:schemeClr val="accent1">
+                <a:shade val="50000"/>
+              </a:schemeClr>
+            </a:lnRef>
+            <a:fillRef idx="1">
+              <a:schemeClr val="accent1"/>
+            </a:fillRef>
+            <a:effectRef idx="0">
+              <a:schemeClr val="accent1"/>
+            </a:effectRef>
+            <a:fontRef idx="minor">
+              <a:schemeClr val="lt1"/>
+            </a:fontRef>
+          </p:style>
+          <p:txBody>
+            <a:bodyPr rtlCol="0" anchor="ctr"/>
+            <a:lstStyle/>
+            <a:p>
+              <a:pPr algn="ctr"/>
+              <a:r>
+                <a:rPr lang="de-DE" sz="1400" dirty="0" smtClean="0">
+                  <a:solidFill>
+                    <a:sysClr val="windowText" lastClr="000000"/>
+                  </a:solidFill>
+                </a:rPr>
+                <a:t>Raum 2</a:t>
+              </a:r>
+              <a:endParaRPr lang="de-DE" sz="1400" dirty="0">
+                <a:solidFill>
+                  <a:sysClr val="windowText" lastClr="000000"/>
+                </a:solidFill>
+              </a:endParaRPr>
+            </a:p>
+          </p:txBody>
+        </p:sp>
+        <p:sp>
+          <p:nvSpPr>
+            <p:cNvPr id="52" name="Rechteck 51"/>
+            <p:cNvSpPr/>
+            <p:nvPr/>
+          </p:nvSpPr>
+          <p:spPr>
+            <a:xfrm>
+              <a:off x="1221878" y="3531999"/>
+              <a:ext cx="918102" cy="161673"/>
+            </a:xfrm>
+            <a:prstGeom prst="rect">
+              <a:avLst/>
+            </a:prstGeom>
+            <a:solidFill>
+              <a:srgbClr val="99FF99"/>
+            </a:solidFill>
+            <a:ln w="12700">
+              <a:solidFill>
+                <a:schemeClr val="tx1"/>
+              </a:solidFill>
+            </a:ln>
+          </p:spPr>
+          <p:style>
+            <a:lnRef idx="2">
+              <a:schemeClr val="accent1">
+                <a:shade val="50000"/>
+              </a:schemeClr>
+            </a:lnRef>
+            <a:fillRef idx="1">
+              <a:schemeClr val="accent1"/>
+            </a:fillRef>
+            <a:effectRef idx="0">
+              <a:schemeClr val="accent1"/>
+            </a:effectRef>
+            <a:fontRef idx="minor">
+              <a:schemeClr val="lt1"/>
+            </a:fontRef>
+          </p:style>
+          <p:txBody>
+            <a:bodyPr rtlCol="0" anchor="ctr"/>
+            <a:lstStyle/>
+            <a:p>
+              <a:pPr algn="ctr"/>
+              <a:r>
+                <a:rPr lang="de-DE" sz="1400" dirty="0" smtClean="0">
+                  <a:solidFill>
+                    <a:sysClr val="windowText" lastClr="000000"/>
+                  </a:solidFill>
+                </a:rPr>
+                <a:t>Raum 3</a:t>
+              </a:r>
+              <a:endParaRPr lang="de-DE" sz="1400" dirty="0">
+                <a:solidFill>
+                  <a:sysClr val="windowText" lastClr="000000"/>
+                </a:solidFill>
+              </a:endParaRPr>
+            </a:p>
+          </p:txBody>
+        </p:sp>
+        <p:sp>
+          <p:nvSpPr>
+            <p:cNvPr id="53" name="Rechteck 52"/>
+            <p:cNvSpPr/>
+            <p:nvPr/>
+          </p:nvSpPr>
+          <p:spPr>
+            <a:xfrm>
+              <a:off x="1221878" y="3730717"/>
+              <a:ext cx="918102" cy="161673"/>
+            </a:xfrm>
+            <a:prstGeom prst="rect">
+              <a:avLst/>
+            </a:prstGeom>
+            <a:solidFill>
+              <a:srgbClr val="66CCFF"/>
+            </a:solidFill>
+            <a:ln w="12700">
+              <a:solidFill>
+                <a:schemeClr val="tx1"/>
+              </a:solidFill>
+            </a:ln>
+          </p:spPr>
+          <p:style>
+            <a:lnRef idx="2">
+              <a:schemeClr val="accent1">
+                <a:shade val="50000"/>
+              </a:schemeClr>
+            </a:lnRef>
+            <a:fillRef idx="1">
+              <a:schemeClr val="accent1"/>
+            </a:fillRef>
+            <a:effectRef idx="0">
+              <a:schemeClr val="accent1"/>
+            </a:effectRef>
+            <a:fontRef idx="minor">
+              <a:schemeClr val="lt1"/>
+            </a:fontRef>
+          </p:style>
+          <p:txBody>
+            <a:bodyPr rtlCol="0" anchor="ctr"/>
+            <a:lstStyle/>
+            <a:p>
+              <a:pPr algn="ctr"/>
+              <a:r>
+                <a:rPr lang="de-DE" sz="1400" dirty="0" smtClean="0">
+                  <a:solidFill>
+                    <a:sysClr val="windowText" lastClr="000000"/>
+                  </a:solidFill>
+                </a:rPr>
+                <a:t>Raum 4</a:t>
+              </a:r>
+              <a:endParaRPr lang="de-DE" sz="1400" dirty="0">
+                <a:solidFill>
+                  <a:sysClr val="windowText" lastClr="000000"/>
+                </a:solidFill>
+              </a:endParaRPr>
+            </a:p>
+          </p:txBody>
+        </p:sp>
+      </p:grpSp>
+    </p:spTree>
+    <p:extLst>
+      <p:ext uri="{BB962C8B-B14F-4D97-AF65-F5344CB8AC3E}">
+        <p14:creationId xmlns:p14="http://schemas.microsoft.com/office/powerpoint/2010/main" val="985803368"/>
       </p:ext>
     </p:extLst>
   </p:cSld>

--- a/Grafiken/Loesungskonzepte.pptx
+++ b/Grafiken/Loesungskonzepte.pptx
@@ -11,6 +11,7 @@
     <p:sldId id="259" r:id="rId5"/>
     <p:sldId id="260" r:id="rId6"/>
     <p:sldId id="261" r:id="rId7"/>
+    <p:sldId id="262" r:id="rId8"/>
   </p:sldIdLst>
   <p:sldSz cx="9144000" cy="6858000" type="screen4x3"/>
   <p:notesSz cx="6858000" cy="9144000"/>
@@ -11044,6 +11045,2288 @@
 </p:sld>
 </file>
 
+<file path=ppt/slides/slide7.xml><?xml version="1.0" encoding="utf-8"?>
+<p:sld xmlns:a="http://schemas.openxmlformats.org/drawingml/2006/main" xmlns:r="http://schemas.openxmlformats.org/officeDocument/2006/relationships" xmlns:p="http://schemas.openxmlformats.org/presentationml/2006/main">
+  <p:cSld>
+    <p:spTree>
+      <p:nvGrpSpPr>
+        <p:cNvPr id="1" name=""/>
+        <p:cNvGrpSpPr/>
+        <p:nvPr/>
+      </p:nvGrpSpPr>
+      <p:grpSpPr>
+        <a:xfrm>
+          <a:off x="0" y="0"/>
+          <a:ext cx="0" cy="0"/>
+          <a:chOff x="0" y="0"/>
+          <a:chExt cx="0" cy="0"/>
+        </a:xfrm>
+      </p:grpSpPr>
+      <p:sp>
+        <p:nvSpPr>
+          <p:cNvPr id="4" name="Rechteck 3"/>
+          <p:cNvSpPr/>
+          <p:nvPr/>
+        </p:nvSpPr>
+        <p:spPr>
+          <a:xfrm>
+            <a:off x="2989923" y="1628800"/>
+            <a:ext cx="2037946" cy="576064"/>
+          </a:xfrm>
+          <a:prstGeom prst="rect">
+            <a:avLst/>
+          </a:prstGeom>
+          <a:noFill/>
+          <a:ln w="12700">
+            <a:solidFill>
+              <a:schemeClr val="tx1"/>
+            </a:solidFill>
+          </a:ln>
+        </p:spPr>
+        <p:style>
+          <a:lnRef idx="2">
+            <a:schemeClr val="accent6"/>
+          </a:lnRef>
+          <a:fillRef idx="1">
+            <a:schemeClr val="lt1"/>
+          </a:fillRef>
+          <a:effectRef idx="0">
+            <a:schemeClr val="accent6"/>
+          </a:effectRef>
+          <a:fontRef idx="minor">
+            <a:schemeClr val="dk1"/>
+          </a:fontRef>
+        </p:style>
+        <p:txBody>
+          <a:bodyPr rtlCol="0" anchor="ctr"/>
+          <a:lstStyle/>
+          <a:p>
+            <a:pPr algn="ctr"/>
+            <a:r>
+              <a:rPr lang="de-DE" dirty="0" err="1" smtClean="0"/>
+              <a:t>Redis</a:t>
+            </a:r>
+            <a:r>
+              <a:rPr lang="de-DE" dirty="0" smtClean="0"/>
+              <a:t> </a:t>
+            </a:r>
+            <a:r>
+              <a:rPr lang="de-DE" dirty="0" err="1" smtClean="0"/>
+              <a:t>PubSub</a:t>
+            </a:r>
+            <a:endParaRPr lang="de-DE" dirty="0"/>
+          </a:p>
+        </p:txBody>
+      </p:sp>
+      <p:sp>
+        <p:nvSpPr>
+          <p:cNvPr id="5" name="Rechteck 4"/>
+          <p:cNvSpPr/>
+          <p:nvPr/>
+        </p:nvSpPr>
+        <p:spPr>
+          <a:xfrm>
+            <a:off x="2987824" y="2571284"/>
+            <a:ext cx="5499072" cy="504056"/>
+          </a:xfrm>
+          <a:prstGeom prst="rect">
+            <a:avLst/>
+          </a:prstGeom>
+          <a:noFill/>
+          <a:ln w="12700">
+            <a:solidFill>
+              <a:schemeClr val="tx1"/>
+            </a:solidFill>
+          </a:ln>
+        </p:spPr>
+        <p:style>
+          <a:lnRef idx="2">
+            <a:schemeClr val="accent6"/>
+          </a:lnRef>
+          <a:fillRef idx="1">
+            <a:schemeClr val="lt1"/>
+          </a:fillRef>
+          <a:effectRef idx="0">
+            <a:schemeClr val="accent6"/>
+          </a:effectRef>
+          <a:fontRef idx="minor">
+            <a:schemeClr val="dk1"/>
+          </a:fontRef>
+        </p:style>
+        <p:txBody>
+          <a:bodyPr rtlCol="0" anchor="ctr"/>
+          <a:lstStyle/>
+          <a:p>
+            <a:pPr algn="ctr"/>
+            <a:r>
+              <a:rPr lang="de-DE" dirty="0" smtClean="0"/>
+              <a:t>BBB Kern</a:t>
+            </a:r>
+            <a:endParaRPr lang="de-DE" dirty="0"/>
+          </a:p>
+        </p:txBody>
+      </p:sp>
+      <p:grpSp>
+        <p:nvGrpSpPr>
+          <p:cNvPr id="15" name="Gruppieren 14"/>
+          <p:cNvGrpSpPr/>
+          <p:nvPr/>
+        </p:nvGrpSpPr>
+        <p:grpSpPr>
+          <a:xfrm>
+            <a:off x="1115616" y="548680"/>
+            <a:ext cx="1394616" cy="504056"/>
+            <a:chOff x="369072" y="548680"/>
+            <a:chExt cx="1394616" cy="504056"/>
+          </a:xfrm>
+        </p:grpSpPr>
+        <p:sp>
+          <p:nvSpPr>
+            <p:cNvPr id="8" name="Rechteck 7"/>
+            <p:cNvSpPr/>
+            <p:nvPr/>
+          </p:nvSpPr>
+          <p:spPr>
+            <a:xfrm>
+              <a:off x="467544" y="548680"/>
+              <a:ext cx="1296144" cy="288032"/>
+            </a:xfrm>
+            <a:prstGeom prst="rect">
+              <a:avLst/>
+            </a:prstGeom>
+            <a:noFill/>
+            <a:ln w="12700">
+              <a:solidFill>
+                <a:schemeClr val="tx1"/>
+              </a:solidFill>
+            </a:ln>
+          </p:spPr>
+          <p:style>
+            <a:lnRef idx="2">
+              <a:schemeClr val="accent5"/>
+            </a:lnRef>
+            <a:fillRef idx="1">
+              <a:schemeClr val="lt1"/>
+            </a:fillRef>
+            <a:effectRef idx="0">
+              <a:schemeClr val="accent5"/>
+            </a:effectRef>
+            <a:fontRef idx="minor">
+              <a:schemeClr val="dk1"/>
+            </a:fontRef>
+          </p:style>
+          <p:txBody>
+            <a:bodyPr rtlCol="0" anchor="ctr"/>
+            <a:lstStyle/>
+            <a:p>
+              <a:pPr algn="ctr"/>
+              <a:r>
+                <a:rPr lang="de-DE" dirty="0" smtClean="0"/>
+                <a:t>Teilnehmer</a:t>
+              </a:r>
+              <a:endParaRPr lang="de-DE" dirty="0"/>
+            </a:p>
+          </p:txBody>
+        </p:sp>
+        <p:pic>
+          <p:nvPicPr>
+            <p:cNvPr id="14" name="Grafik 13"/>
+            <p:cNvPicPr>
+              <a:picLocks noChangeAspect="1"/>
+            </p:cNvPicPr>
+            <p:nvPr/>
+          </p:nvPicPr>
+          <p:blipFill rotWithShape="1">
+            <a:blip r:embed="rId2" cstate="print">
+              <a:extLst>
+                <a:ext uri="{28A0092B-C50C-407E-A947-70E740481C1C}">
+                  <a14:useLocalDpi xmlns:a14="http://schemas.microsoft.com/office/drawing/2010/main" val="0"/>
+                </a:ext>
+              </a:extLst>
+            </a:blip>
+            <a:srcRect l="23443" r="21856"/>
+            <a:stretch/>
+          </p:blipFill>
+          <p:spPr>
+            <a:xfrm>
+              <a:off x="369072" y="692696"/>
+              <a:ext cx="196944" cy="360040"/>
+            </a:xfrm>
+            <a:prstGeom prst="rect">
+              <a:avLst/>
+            </a:prstGeom>
+          </p:spPr>
+        </p:pic>
+      </p:grpSp>
+      <p:grpSp>
+        <p:nvGrpSpPr>
+          <p:cNvPr id="17" name="Gruppieren 16"/>
+          <p:cNvGrpSpPr/>
+          <p:nvPr/>
+        </p:nvGrpSpPr>
+        <p:grpSpPr>
+          <a:xfrm>
+            <a:off x="2582240" y="548680"/>
+            <a:ext cx="1394616" cy="504056"/>
+            <a:chOff x="369072" y="548680"/>
+            <a:chExt cx="1394616" cy="504056"/>
+          </a:xfrm>
+        </p:grpSpPr>
+        <p:sp>
+          <p:nvSpPr>
+            <p:cNvPr id="18" name="Rechteck 17"/>
+            <p:cNvSpPr/>
+            <p:nvPr/>
+          </p:nvSpPr>
+          <p:spPr>
+            <a:xfrm>
+              <a:off x="467544" y="548680"/>
+              <a:ext cx="1296144" cy="288032"/>
+            </a:xfrm>
+            <a:prstGeom prst="rect">
+              <a:avLst/>
+            </a:prstGeom>
+            <a:noFill/>
+            <a:ln w="12700">
+              <a:solidFill>
+                <a:schemeClr val="tx1"/>
+              </a:solidFill>
+            </a:ln>
+          </p:spPr>
+          <p:style>
+            <a:lnRef idx="2">
+              <a:schemeClr val="accent5"/>
+            </a:lnRef>
+            <a:fillRef idx="1">
+              <a:schemeClr val="lt1"/>
+            </a:fillRef>
+            <a:effectRef idx="0">
+              <a:schemeClr val="accent5"/>
+            </a:effectRef>
+            <a:fontRef idx="minor">
+              <a:schemeClr val="dk1"/>
+            </a:fontRef>
+          </p:style>
+          <p:txBody>
+            <a:bodyPr rtlCol="0" anchor="ctr"/>
+            <a:lstStyle/>
+            <a:p>
+              <a:pPr algn="ctr"/>
+              <a:r>
+                <a:rPr lang="de-DE" dirty="0" smtClean="0"/>
+                <a:t>Teilnehmer</a:t>
+              </a:r>
+              <a:endParaRPr lang="de-DE" dirty="0"/>
+            </a:p>
+          </p:txBody>
+        </p:sp>
+        <p:pic>
+          <p:nvPicPr>
+            <p:cNvPr id="19" name="Grafik 18"/>
+            <p:cNvPicPr>
+              <a:picLocks noChangeAspect="1"/>
+            </p:cNvPicPr>
+            <p:nvPr/>
+          </p:nvPicPr>
+          <p:blipFill rotWithShape="1">
+            <a:blip r:embed="rId2" cstate="print">
+              <a:extLst>
+                <a:ext uri="{28A0092B-C50C-407E-A947-70E740481C1C}">
+                  <a14:useLocalDpi xmlns:a14="http://schemas.microsoft.com/office/drawing/2010/main" val="0"/>
+                </a:ext>
+              </a:extLst>
+            </a:blip>
+            <a:srcRect l="23443" r="21856"/>
+            <a:stretch/>
+          </p:blipFill>
+          <p:spPr>
+            <a:xfrm>
+              <a:off x="369072" y="692696"/>
+              <a:ext cx="196944" cy="360040"/>
+            </a:xfrm>
+            <a:prstGeom prst="rect">
+              <a:avLst/>
+            </a:prstGeom>
+          </p:spPr>
+        </p:pic>
+      </p:grpSp>
+      <p:grpSp>
+        <p:nvGrpSpPr>
+          <p:cNvPr id="20" name="Gruppieren 19"/>
+          <p:cNvGrpSpPr/>
+          <p:nvPr/>
+        </p:nvGrpSpPr>
+        <p:grpSpPr>
+          <a:xfrm>
+            <a:off x="4067944" y="548680"/>
+            <a:ext cx="1394616" cy="504056"/>
+            <a:chOff x="369072" y="548680"/>
+            <a:chExt cx="1394616" cy="504056"/>
+          </a:xfrm>
+        </p:grpSpPr>
+        <p:sp>
+          <p:nvSpPr>
+            <p:cNvPr id="21" name="Rechteck 20"/>
+            <p:cNvSpPr/>
+            <p:nvPr/>
+          </p:nvSpPr>
+          <p:spPr>
+            <a:xfrm>
+              <a:off x="467544" y="548680"/>
+              <a:ext cx="1296144" cy="288032"/>
+            </a:xfrm>
+            <a:prstGeom prst="rect">
+              <a:avLst/>
+            </a:prstGeom>
+            <a:noFill/>
+            <a:ln w="12700">
+              <a:solidFill>
+                <a:schemeClr val="tx1"/>
+              </a:solidFill>
+            </a:ln>
+          </p:spPr>
+          <p:style>
+            <a:lnRef idx="2">
+              <a:schemeClr val="accent5"/>
+            </a:lnRef>
+            <a:fillRef idx="1">
+              <a:schemeClr val="lt1"/>
+            </a:fillRef>
+            <a:effectRef idx="0">
+              <a:schemeClr val="accent5"/>
+            </a:effectRef>
+            <a:fontRef idx="minor">
+              <a:schemeClr val="dk1"/>
+            </a:fontRef>
+          </p:style>
+          <p:txBody>
+            <a:bodyPr rtlCol="0" anchor="ctr"/>
+            <a:lstStyle/>
+            <a:p>
+              <a:pPr algn="ctr"/>
+              <a:r>
+                <a:rPr lang="de-DE" dirty="0" smtClean="0"/>
+                <a:t>Teilnehmer</a:t>
+              </a:r>
+              <a:endParaRPr lang="de-DE" dirty="0"/>
+            </a:p>
+          </p:txBody>
+        </p:sp>
+        <p:pic>
+          <p:nvPicPr>
+            <p:cNvPr id="22" name="Grafik 21"/>
+            <p:cNvPicPr>
+              <a:picLocks noChangeAspect="1"/>
+            </p:cNvPicPr>
+            <p:nvPr/>
+          </p:nvPicPr>
+          <p:blipFill rotWithShape="1">
+            <a:blip r:embed="rId2" cstate="print">
+              <a:extLst>
+                <a:ext uri="{28A0092B-C50C-407E-A947-70E740481C1C}">
+                  <a14:useLocalDpi xmlns:a14="http://schemas.microsoft.com/office/drawing/2010/main" val="0"/>
+                </a:ext>
+              </a:extLst>
+            </a:blip>
+            <a:srcRect l="23443" r="21856"/>
+            <a:stretch/>
+          </p:blipFill>
+          <p:spPr>
+            <a:xfrm>
+              <a:off x="369072" y="692696"/>
+              <a:ext cx="196944" cy="360040"/>
+            </a:xfrm>
+            <a:prstGeom prst="rect">
+              <a:avLst/>
+            </a:prstGeom>
+          </p:spPr>
+        </p:pic>
+      </p:grpSp>
+      <p:grpSp>
+        <p:nvGrpSpPr>
+          <p:cNvPr id="23" name="Gruppieren 22"/>
+          <p:cNvGrpSpPr/>
+          <p:nvPr/>
+        </p:nvGrpSpPr>
+        <p:grpSpPr>
+          <a:xfrm>
+            <a:off x="5580112" y="548680"/>
+            <a:ext cx="1394616" cy="504056"/>
+            <a:chOff x="369072" y="548680"/>
+            <a:chExt cx="1394616" cy="504056"/>
+          </a:xfrm>
+        </p:grpSpPr>
+        <p:sp>
+          <p:nvSpPr>
+            <p:cNvPr id="24" name="Rechteck 23"/>
+            <p:cNvSpPr/>
+            <p:nvPr/>
+          </p:nvSpPr>
+          <p:spPr>
+            <a:xfrm>
+              <a:off x="467544" y="548680"/>
+              <a:ext cx="1296144" cy="288032"/>
+            </a:xfrm>
+            <a:prstGeom prst="rect">
+              <a:avLst/>
+            </a:prstGeom>
+            <a:noFill/>
+            <a:ln w="12700">
+              <a:solidFill>
+                <a:schemeClr val="tx1"/>
+              </a:solidFill>
+            </a:ln>
+          </p:spPr>
+          <p:style>
+            <a:lnRef idx="2">
+              <a:schemeClr val="accent5"/>
+            </a:lnRef>
+            <a:fillRef idx="1">
+              <a:schemeClr val="lt1"/>
+            </a:fillRef>
+            <a:effectRef idx="0">
+              <a:schemeClr val="accent5"/>
+            </a:effectRef>
+            <a:fontRef idx="minor">
+              <a:schemeClr val="dk1"/>
+            </a:fontRef>
+          </p:style>
+          <p:txBody>
+            <a:bodyPr rtlCol="0" anchor="ctr"/>
+            <a:lstStyle/>
+            <a:p>
+              <a:pPr algn="ctr"/>
+              <a:r>
+                <a:rPr lang="de-DE" dirty="0" smtClean="0"/>
+                <a:t>Teilnehmer</a:t>
+              </a:r>
+              <a:endParaRPr lang="de-DE" dirty="0"/>
+            </a:p>
+          </p:txBody>
+        </p:sp>
+        <p:pic>
+          <p:nvPicPr>
+            <p:cNvPr id="25" name="Grafik 24"/>
+            <p:cNvPicPr>
+              <a:picLocks noChangeAspect="1"/>
+            </p:cNvPicPr>
+            <p:nvPr/>
+          </p:nvPicPr>
+          <p:blipFill rotWithShape="1">
+            <a:blip r:embed="rId2" cstate="print">
+              <a:extLst>
+                <a:ext uri="{28A0092B-C50C-407E-A947-70E740481C1C}">
+                  <a14:useLocalDpi xmlns:a14="http://schemas.microsoft.com/office/drawing/2010/main" val="0"/>
+                </a:ext>
+              </a:extLst>
+            </a:blip>
+            <a:srcRect l="23443" r="21856"/>
+            <a:stretch/>
+          </p:blipFill>
+          <p:spPr>
+            <a:xfrm>
+              <a:off x="369072" y="692696"/>
+              <a:ext cx="196944" cy="360040"/>
+            </a:xfrm>
+            <a:prstGeom prst="rect">
+              <a:avLst/>
+            </a:prstGeom>
+          </p:spPr>
+        </p:pic>
+      </p:grpSp>
+      <p:grpSp>
+        <p:nvGrpSpPr>
+          <p:cNvPr id="26" name="Gruppieren 25"/>
+          <p:cNvGrpSpPr/>
+          <p:nvPr/>
+        </p:nvGrpSpPr>
+        <p:grpSpPr>
+          <a:xfrm>
+            <a:off x="7092280" y="548680"/>
+            <a:ext cx="1394616" cy="504056"/>
+            <a:chOff x="369072" y="548680"/>
+            <a:chExt cx="1394616" cy="504056"/>
+          </a:xfrm>
+        </p:grpSpPr>
+        <p:sp>
+          <p:nvSpPr>
+            <p:cNvPr id="27" name="Rechteck 26"/>
+            <p:cNvSpPr/>
+            <p:nvPr/>
+          </p:nvSpPr>
+          <p:spPr>
+            <a:xfrm>
+              <a:off x="467544" y="548680"/>
+              <a:ext cx="1296144" cy="288032"/>
+            </a:xfrm>
+            <a:prstGeom prst="rect">
+              <a:avLst/>
+            </a:prstGeom>
+            <a:noFill/>
+            <a:ln w="12700">
+              <a:solidFill>
+                <a:schemeClr val="tx1"/>
+              </a:solidFill>
+            </a:ln>
+          </p:spPr>
+          <p:style>
+            <a:lnRef idx="2">
+              <a:schemeClr val="accent5"/>
+            </a:lnRef>
+            <a:fillRef idx="1">
+              <a:schemeClr val="lt1"/>
+            </a:fillRef>
+            <a:effectRef idx="0">
+              <a:schemeClr val="accent5"/>
+            </a:effectRef>
+            <a:fontRef idx="minor">
+              <a:schemeClr val="dk1"/>
+            </a:fontRef>
+          </p:style>
+          <p:txBody>
+            <a:bodyPr rtlCol="0" anchor="ctr"/>
+            <a:lstStyle/>
+            <a:p>
+              <a:pPr algn="ctr"/>
+              <a:r>
+                <a:rPr lang="de-DE" dirty="0" smtClean="0"/>
+                <a:t>Teilnehmer</a:t>
+              </a:r>
+              <a:endParaRPr lang="de-DE" dirty="0"/>
+            </a:p>
+          </p:txBody>
+        </p:sp>
+        <p:pic>
+          <p:nvPicPr>
+            <p:cNvPr id="28" name="Grafik 27"/>
+            <p:cNvPicPr>
+              <a:picLocks noChangeAspect="1"/>
+            </p:cNvPicPr>
+            <p:nvPr/>
+          </p:nvPicPr>
+          <p:blipFill rotWithShape="1">
+            <a:blip r:embed="rId2" cstate="print">
+              <a:extLst>
+                <a:ext uri="{28A0092B-C50C-407E-A947-70E740481C1C}">
+                  <a14:useLocalDpi xmlns:a14="http://schemas.microsoft.com/office/drawing/2010/main" val="0"/>
+                </a:ext>
+              </a:extLst>
+            </a:blip>
+            <a:srcRect l="23443" r="21856"/>
+            <a:stretch/>
+          </p:blipFill>
+          <p:spPr>
+            <a:xfrm>
+              <a:off x="369072" y="692696"/>
+              <a:ext cx="196944" cy="360040"/>
+            </a:xfrm>
+            <a:prstGeom prst="rect">
+              <a:avLst/>
+            </a:prstGeom>
+          </p:spPr>
+        </p:pic>
+      </p:grpSp>
+      <p:grpSp>
+        <p:nvGrpSpPr>
+          <p:cNvPr id="32" name="Gruppieren 31"/>
+          <p:cNvGrpSpPr/>
+          <p:nvPr/>
+        </p:nvGrpSpPr>
+        <p:grpSpPr>
+          <a:xfrm>
+            <a:off x="7395922" y="1268760"/>
+            <a:ext cx="1280534" cy="613568"/>
+            <a:chOff x="6702312" y="2167556"/>
+            <a:chExt cx="1280534" cy="613568"/>
+          </a:xfrm>
+        </p:grpSpPr>
+        <p:sp>
+          <p:nvSpPr>
+            <p:cNvPr id="6" name="Rechteck 5"/>
+            <p:cNvSpPr/>
+            <p:nvPr/>
+          </p:nvSpPr>
+          <p:spPr>
+            <a:xfrm>
+              <a:off x="6702312" y="2167556"/>
+              <a:ext cx="894024" cy="397348"/>
+            </a:xfrm>
+            <a:prstGeom prst="rect">
+              <a:avLst/>
+            </a:prstGeom>
+            <a:noFill/>
+            <a:ln w="12700">
+              <a:solidFill>
+                <a:schemeClr val="tx1"/>
+              </a:solidFill>
+            </a:ln>
+          </p:spPr>
+          <p:style>
+            <a:lnRef idx="2">
+              <a:schemeClr val="accent5"/>
+            </a:lnRef>
+            <a:fillRef idx="1">
+              <a:schemeClr val="lt1"/>
+            </a:fillRef>
+            <a:effectRef idx="0">
+              <a:schemeClr val="accent5"/>
+            </a:effectRef>
+            <a:fontRef idx="minor">
+              <a:schemeClr val="dk1"/>
+            </a:fontRef>
+          </p:style>
+          <p:txBody>
+            <a:bodyPr rtlCol="0" anchor="ctr"/>
+            <a:lstStyle/>
+            <a:p>
+              <a:pPr algn="ctr"/>
+              <a:r>
+                <a:rPr lang="de-DE" dirty="0" smtClean="0"/>
+                <a:t>Dozent</a:t>
+              </a:r>
+              <a:endParaRPr lang="de-DE" dirty="0"/>
+            </a:p>
+          </p:txBody>
+        </p:sp>
+        <p:pic>
+          <p:nvPicPr>
+            <p:cNvPr id="31" name="Grafik 30"/>
+            <p:cNvPicPr>
+              <a:picLocks noChangeAspect="1"/>
+            </p:cNvPicPr>
+            <p:nvPr/>
+          </p:nvPicPr>
+          <p:blipFill rotWithShape="1">
+            <a:blip r:embed="rId3">
+              <a:extLst>
+                <a:ext uri="{28A0092B-C50C-407E-A947-70E740481C1C}">
+                  <a14:useLocalDpi xmlns:a14="http://schemas.microsoft.com/office/drawing/2010/main" val="0"/>
+                </a:ext>
+              </a:extLst>
+            </a:blip>
+            <a:srcRect t="13342" b="15506"/>
+            <a:stretch/>
+          </p:blipFill>
+          <p:spPr>
+            <a:xfrm>
+              <a:off x="7452320" y="2405852"/>
+              <a:ext cx="530526" cy="375272"/>
+            </a:xfrm>
+            <a:prstGeom prst="rect">
+              <a:avLst/>
+            </a:prstGeom>
+          </p:spPr>
+        </p:pic>
+      </p:grpSp>
+      <p:pic>
+        <p:nvPicPr>
+          <p:cNvPr id="37" name="Grafik 36"/>
+          <p:cNvPicPr>
+            <a:picLocks noChangeAspect="1"/>
+          </p:cNvPicPr>
+          <p:nvPr/>
+        </p:nvPicPr>
+        <p:blipFill rotWithShape="1">
+          <a:blip r:embed="rId3">
+            <a:extLst>
+              <a:ext uri="{28A0092B-C50C-407E-A947-70E740481C1C}">
+                <a14:useLocalDpi xmlns:a14="http://schemas.microsoft.com/office/drawing/2010/main" val="0"/>
+              </a:ext>
+            </a:extLst>
+          </a:blip>
+          <a:srcRect t="13342" b="15506"/>
+          <a:stretch/>
+        </p:blipFill>
+        <p:spPr>
+          <a:xfrm>
+            <a:off x="1426123" y="2492896"/>
+            <a:ext cx="939833" cy="664799"/>
+          </a:xfrm>
+          <a:prstGeom prst="rect">
+            <a:avLst/>
+          </a:prstGeom>
+        </p:spPr>
+      </p:pic>
+      <p:grpSp>
+        <p:nvGrpSpPr>
+          <p:cNvPr id="36" name="Gruppieren 35"/>
+          <p:cNvGrpSpPr/>
+          <p:nvPr/>
+        </p:nvGrpSpPr>
+        <p:grpSpPr>
+          <a:xfrm>
+            <a:off x="1111368" y="1412776"/>
+            <a:ext cx="1569344" cy="883841"/>
+            <a:chOff x="698400" y="1916832"/>
+            <a:chExt cx="1569344" cy="883841"/>
+          </a:xfrm>
+        </p:grpSpPr>
+        <p:pic>
+          <p:nvPicPr>
+            <p:cNvPr id="16" name="Grafik 15"/>
+            <p:cNvPicPr>
+              <a:picLocks noChangeAspect="1"/>
+            </p:cNvPicPr>
+            <p:nvPr/>
+          </p:nvPicPr>
+          <p:blipFill rotWithShape="1">
+            <a:blip r:embed="rId4">
+              <a:extLst>
+                <a:ext uri="{28A0092B-C50C-407E-A947-70E740481C1C}">
+                  <a14:useLocalDpi xmlns:a14="http://schemas.microsoft.com/office/drawing/2010/main" val="0"/>
+                </a:ext>
+              </a:extLst>
+            </a:blip>
+            <a:srcRect l="9641" r="13579"/>
+            <a:stretch/>
+          </p:blipFill>
+          <p:spPr>
+            <a:xfrm>
+              <a:off x="1650842" y="2027578"/>
+              <a:ext cx="550984" cy="717612"/>
+            </a:xfrm>
+            <a:prstGeom prst="rect">
+              <a:avLst/>
+            </a:prstGeom>
+          </p:spPr>
+        </p:pic>
+        <p:pic>
+          <p:nvPicPr>
+            <p:cNvPr id="29" name="Grafik 28"/>
+            <p:cNvPicPr>
+              <a:picLocks noChangeAspect="1"/>
+            </p:cNvPicPr>
+            <p:nvPr/>
+          </p:nvPicPr>
+          <p:blipFill rotWithShape="1">
+            <a:blip r:embed="rId5">
+              <a:extLst>
+                <a:ext uri="{28A0092B-C50C-407E-A947-70E740481C1C}">
+                  <a14:useLocalDpi xmlns:a14="http://schemas.microsoft.com/office/drawing/2010/main" val="0"/>
+                </a:ext>
+              </a:extLst>
+            </a:blip>
+            <a:srcRect t="15236" r="2750" b="19797"/>
+            <a:stretch/>
+          </p:blipFill>
+          <p:spPr>
+            <a:xfrm>
+              <a:off x="810185" y="1990340"/>
+              <a:ext cx="752268" cy="502556"/>
+            </a:xfrm>
+            <a:prstGeom prst="rect">
+              <a:avLst/>
+            </a:prstGeom>
+          </p:spPr>
+        </p:pic>
+        <p:sp>
+          <p:nvSpPr>
+            <p:cNvPr id="34" name="Textfeld 33"/>
+            <p:cNvSpPr txBox="1"/>
+            <p:nvPr/>
+          </p:nvSpPr>
+          <p:spPr>
+            <a:xfrm>
+              <a:off x="698400" y="2492896"/>
+              <a:ext cx="975837" cy="307777"/>
+            </a:xfrm>
+            <a:prstGeom prst="rect">
+              <a:avLst/>
+            </a:prstGeom>
+            <a:noFill/>
+            <a:ln>
+              <a:noFill/>
+            </a:ln>
+          </p:spPr>
+          <p:txBody>
+            <a:bodyPr wrap="square" rtlCol="0">
+              <a:spAutoFit/>
+            </a:bodyPr>
+            <a:lstStyle/>
+            <a:p>
+              <a:r>
+                <a:rPr lang="de-DE" sz="1400" dirty="0" smtClean="0">
+                  <a:solidFill>
+                    <a:srgbClr val="0070C0"/>
+                  </a:solidFill>
+                </a:rPr>
+                <a:t>Bild &amp; Ton</a:t>
+              </a:r>
+              <a:endParaRPr lang="de-DE" sz="1400" dirty="0">
+                <a:solidFill>
+                  <a:srgbClr val="0070C0"/>
+                </a:solidFill>
+              </a:endParaRPr>
+            </a:p>
+          </p:txBody>
+        </p:sp>
+        <p:sp>
+          <p:nvSpPr>
+            <p:cNvPr id="35" name="Rechteck 34"/>
+            <p:cNvSpPr/>
+            <p:nvPr/>
+          </p:nvSpPr>
+          <p:spPr>
+            <a:xfrm>
+              <a:off x="698400" y="1916832"/>
+              <a:ext cx="1569344" cy="883841"/>
+            </a:xfrm>
+            <a:prstGeom prst="rect">
+              <a:avLst/>
+            </a:prstGeom>
+            <a:noFill/>
+            <a:ln w="12700">
+              <a:solidFill>
+                <a:schemeClr val="tx1"/>
+              </a:solidFill>
+            </a:ln>
+          </p:spPr>
+          <p:style>
+            <a:lnRef idx="2">
+              <a:schemeClr val="accent1">
+                <a:shade val="50000"/>
+              </a:schemeClr>
+            </a:lnRef>
+            <a:fillRef idx="1">
+              <a:schemeClr val="accent1"/>
+            </a:fillRef>
+            <a:effectRef idx="0">
+              <a:schemeClr val="accent1"/>
+            </a:effectRef>
+            <a:fontRef idx="minor">
+              <a:schemeClr val="lt1"/>
+            </a:fontRef>
+          </p:style>
+          <p:txBody>
+            <a:bodyPr rtlCol="0" anchor="ctr"/>
+            <a:lstStyle/>
+            <a:p>
+              <a:pPr algn="ctr"/>
+              <a:endParaRPr lang="de-DE"/>
+            </a:p>
+          </p:txBody>
+        </p:sp>
+      </p:grpSp>
+      <p:cxnSp>
+        <p:nvCxnSpPr>
+          <p:cNvPr id="39" name="Gerader Verbinder 38"/>
+          <p:cNvCxnSpPr>
+            <a:stCxn id="37" idx="0"/>
+            <a:endCxn id="35" idx="2"/>
+          </p:cNvCxnSpPr>
+          <p:nvPr/>
+        </p:nvCxnSpPr>
+        <p:spPr>
+          <a:xfrm flipV="1">
+            <a:off x="1896040" y="2296617"/>
+            <a:ext cx="0" cy="196279"/>
+          </a:xfrm>
+          <a:prstGeom prst="line">
+            <a:avLst/>
+          </a:prstGeom>
+          <a:ln w="12700">
+            <a:solidFill>
+              <a:srgbClr val="0070C0"/>
+            </a:solidFill>
+          </a:ln>
+        </p:spPr>
+        <p:style>
+          <a:lnRef idx="1">
+            <a:schemeClr val="accent1"/>
+          </a:lnRef>
+          <a:fillRef idx="0">
+            <a:schemeClr val="accent1"/>
+          </a:fillRef>
+          <a:effectRef idx="0">
+            <a:schemeClr val="accent1"/>
+          </a:effectRef>
+          <a:fontRef idx="minor">
+            <a:schemeClr val="tx1"/>
+          </a:fontRef>
+        </p:style>
+      </p:cxnSp>
+      <p:cxnSp>
+        <p:nvCxnSpPr>
+          <p:cNvPr id="45" name="Gerade Verbindung mit Pfeil 44"/>
+          <p:cNvCxnSpPr>
+            <a:stCxn id="8" idx="0"/>
+            <a:endCxn id="35" idx="1"/>
+          </p:cNvCxnSpPr>
+          <p:nvPr/>
+        </p:nvCxnSpPr>
+        <p:spPr>
+          <a:xfrm rot="16200000" flipH="1" flipV="1">
+            <a:off x="833755" y="826292"/>
+            <a:ext cx="1306017" cy="750792"/>
+          </a:xfrm>
+          <a:prstGeom prst="bentConnector4">
+            <a:avLst>
+              <a:gd name="adj1" fmla="val -17504"/>
+              <a:gd name="adj2" fmla="val 130448"/>
+            </a:avLst>
+          </a:prstGeom>
+          <a:ln w="12700">
+            <a:solidFill>
+              <a:srgbClr val="0070C0"/>
+            </a:solidFill>
+            <a:headEnd type="stealth" w="lg" len="lg"/>
+            <a:tailEnd type="none" w="lg" len="lg"/>
+          </a:ln>
+        </p:spPr>
+        <p:style>
+          <a:lnRef idx="1">
+            <a:schemeClr val="accent1"/>
+          </a:lnRef>
+          <a:fillRef idx="0">
+            <a:schemeClr val="accent1"/>
+          </a:fillRef>
+          <a:effectRef idx="0">
+            <a:schemeClr val="accent1"/>
+          </a:effectRef>
+          <a:fontRef idx="minor">
+            <a:schemeClr val="tx1"/>
+          </a:fontRef>
+        </p:style>
+      </p:cxnSp>
+      <p:cxnSp>
+        <p:nvCxnSpPr>
+          <p:cNvPr id="48" name="Gerade Verbindung mit Pfeil 47"/>
+          <p:cNvCxnSpPr>
+            <a:stCxn id="18" idx="0"/>
+            <a:endCxn id="35" idx="1"/>
+          </p:cNvCxnSpPr>
+          <p:nvPr/>
+        </p:nvCxnSpPr>
+        <p:spPr>
+          <a:xfrm rot="16200000" flipH="1" flipV="1">
+            <a:off x="1567067" y="92980"/>
+            <a:ext cx="1306017" cy="2217416"/>
+          </a:xfrm>
+          <a:prstGeom prst="bentConnector4">
+            <a:avLst>
+              <a:gd name="adj1" fmla="val -17504"/>
+              <a:gd name="adj2" fmla="val 110309"/>
+            </a:avLst>
+          </a:prstGeom>
+          <a:ln w="12700">
+            <a:solidFill>
+              <a:srgbClr val="0070C0"/>
+            </a:solidFill>
+            <a:headEnd type="stealth" w="lg" len="lg"/>
+            <a:tailEnd type="none" w="lg" len="lg"/>
+          </a:ln>
+        </p:spPr>
+        <p:style>
+          <a:lnRef idx="1">
+            <a:schemeClr val="accent1"/>
+          </a:lnRef>
+          <a:fillRef idx="0">
+            <a:schemeClr val="accent1"/>
+          </a:fillRef>
+          <a:effectRef idx="0">
+            <a:schemeClr val="accent1"/>
+          </a:effectRef>
+          <a:fontRef idx="minor">
+            <a:schemeClr val="tx1"/>
+          </a:fontRef>
+        </p:style>
+      </p:cxnSp>
+      <p:cxnSp>
+        <p:nvCxnSpPr>
+          <p:cNvPr id="51" name="Gerade Verbindung mit Pfeil 50"/>
+          <p:cNvCxnSpPr>
+            <a:stCxn id="21" idx="0"/>
+            <a:endCxn id="35" idx="1"/>
+          </p:cNvCxnSpPr>
+          <p:nvPr/>
+        </p:nvCxnSpPr>
+        <p:spPr>
+          <a:xfrm rot="16200000" flipH="1" flipV="1">
+            <a:off x="2309919" y="-649872"/>
+            <a:ext cx="1306017" cy="3703120"/>
+          </a:xfrm>
+          <a:prstGeom prst="bentConnector4">
+            <a:avLst>
+              <a:gd name="adj1" fmla="val -17504"/>
+              <a:gd name="adj2" fmla="val 106173"/>
+            </a:avLst>
+          </a:prstGeom>
+          <a:ln w="12700">
+            <a:solidFill>
+              <a:srgbClr val="0070C0"/>
+            </a:solidFill>
+            <a:headEnd type="stealth" w="lg" len="lg"/>
+            <a:tailEnd type="none" w="lg" len="lg"/>
+          </a:ln>
+        </p:spPr>
+        <p:style>
+          <a:lnRef idx="1">
+            <a:schemeClr val="accent1"/>
+          </a:lnRef>
+          <a:fillRef idx="0">
+            <a:schemeClr val="accent1"/>
+          </a:fillRef>
+          <a:effectRef idx="0">
+            <a:schemeClr val="accent1"/>
+          </a:effectRef>
+          <a:fontRef idx="minor">
+            <a:schemeClr val="tx1"/>
+          </a:fontRef>
+        </p:style>
+      </p:cxnSp>
+      <p:cxnSp>
+        <p:nvCxnSpPr>
+          <p:cNvPr id="55" name="Gerade Verbindung mit Pfeil 54"/>
+          <p:cNvCxnSpPr>
+            <a:stCxn id="24" idx="0"/>
+            <a:endCxn id="35" idx="1"/>
+          </p:cNvCxnSpPr>
+          <p:nvPr/>
+        </p:nvCxnSpPr>
+        <p:spPr>
+          <a:xfrm rot="16200000" flipH="1" flipV="1">
+            <a:off x="3066003" y="-1405956"/>
+            <a:ext cx="1306017" cy="5215288"/>
+          </a:xfrm>
+          <a:prstGeom prst="bentConnector4">
+            <a:avLst>
+              <a:gd name="adj1" fmla="val -17504"/>
+              <a:gd name="adj2" fmla="val 104383"/>
+            </a:avLst>
+          </a:prstGeom>
+          <a:ln w="12700">
+            <a:solidFill>
+              <a:srgbClr val="0070C0"/>
+            </a:solidFill>
+            <a:headEnd type="stealth" w="lg" len="lg"/>
+            <a:tailEnd type="none" w="lg" len="lg"/>
+          </a:ln>
+        </p:spPr>
+        <p:style>
+          <a:lnRef idx="1">
+            <a:schemeClr val="accent1"/>
+          </a:lnRef>
+          <a:fillRef idx="0">
+            <a:schemeClr val="accent1"/>
+          </a:fillRef>
+          <a:effectRef idx="0">
+            <a:schemeClr val="accent1"/>
+          </a:effectRef>
+          <a:fontRef idx="minor">
+            <a:schemeClr val="tx1"/>
+          </a:fontRef>
+        </p:style>
+      </p:cxnSp>
+      <p:cxnSp>
+        <p:nvCxnSpPr>
+          <p:cNvPr id="58" name="Gerade Verbindung mit Pfeil 57"/>
+          <p:cNvCxnSpPr>
+            <a:stCxn id="27" idx="0"/>
+            <a:endCxn id="35" idx="1"/>
+          </p:cNvCxnSpPr>
+          <p:nvPr/>
+        </p:nvCxnSpPr>
+        <p:spPr>
+          <a:xfrm rot="16200000" flipH="1" flipV="1">
+            <a:off x="3822087" y="-2162040"/>
+            <a:ext cx="1306017" cy="6727456"/>
+          </a:xfrm>
+          <a:prstGeom prst="bentConnector4">
+            <a:avLst>
+              <a:gd name="adj1" fmla="val -17504"/>
+              <a:gd name="adj2" fmla="val 103398"/>
+            </a:avLst>
+          </a:prstGeom>
+          <a:ln w="12700">
+            <a:solidFill>
+              <a:srgbClr val="0070C0"/>
+            </a:solidFill>
+            <a:headEnd type="stealth" w="lg" len="lg"/>
+            <a:tailEnd type="none" w="lg" len="lg"/>
+          </a:ln>
+        </p:spPr>
+        <p:style>
+          <a:lnRef idx="1">
+            <a:schemeClr val="accent1"/>
+          </a:lnRef>
+          <a:fillRef idx="0">
+            <a:schemeClr val="accent1"/>
+          </a:fillRef>
+          <a:effectRef idx="0">
+            <a:schemeClr val="accent1"/>
+          </a:effectRef>
+          <a:fontRef idx="minor">
+            <a:schemeClr val="tx1"/>
+          </a:fontRef>
+        </p:style>
+      </p:cxnSp>
+      <p:cxnSp>
+        <p:nvCxnSpPr>
+          <p:cNvPr id="71" name="Gerade Verbindung mit Pfeil 70"/>
+          <p:cNvCxnSpPr>
+            <a:endCxn id="31" idx="2"/>
+          </p:cNvCxnSpPr>
+          <p:nvPr/>
+        </p:nvCxnSpPr>
+        <p:spPr>
+          <a:xfrm flipV="1">
+            <a:off x="8411193" y="1882328"/>
+            <a:ext cx="0" cy="688956"/>
+          </a:xfrm>
+          <a:prstGeom prst="straightConnector1">
+            <a:avLst/>
+          </a:prstGeom>
+          <a:ln w="12700">
+            <a:solidFill>
+              <a:schemeClr val="accent6"/>
+            </a:solidFill>
+            <a:headEnd type="stealth" w="lg" len="lg"/>
+            <a:tailEnd type="stealth" w="lg" len="lg"/>
+          </a:ln>
+        </p:spPr>
+        <p:style>
+          <a:lnRef idx="1">
+            <a:schemeClr val="accent1"/>
+          </a:lnRef>
+          <a:fillRef idx="0">
+            <a:schemeClr val="accent1"/>
+          </a:fillRef>
+          <a:effectRef idx="0">
+            <a:schemeClr val="accent1"/>
+          </a:effectRef>
+          <a:fontRef idx="minor">
+            <a:schemeClr val="tx1"/>
+          </a:fontRef>
+        </p:style>
+      </p:cxnSp>
+      <p:cxnSp>
+        <p:nvCxnSpPr>
+          <p:cNvPr id="75" name="Gerade Verbindung mit Pfeil 74"/>
+          <p:cNvCxnSpPr>
+            <a:stCxn id="37" idx="3"/>
+            <a:endCxn id="5" idx="1"/>
+          </p:cNvCxnSpPr>
+          <p:nvPr/>
+        </p:nvCxnSpPr>
+        <p:spPr>
+          <a:xfrm flipV="1">
+            <a:off x="2365956" y="2823312"/>
+            <a:ext cx="621868" cy="1984"/>
+          </a:xfrm>
+          <a:prstGeom prst="straightConnector1">
+            <a:avLst/>
+          </a:prstGeom>
+          <a:ln w="12700">
+            <a:solidFill>
+              <a:schemeClr val="accent6"/>
+            </a:solidFill>
+            <a:headEnd type="stealth" w="lg" len="lg"/>
+            <a:tailEnd type="none" w="lg" len="lg"/>
+          </a:ln>
+        </p:spPr>
+        <p:style>
+          <a:lnRef idx="1">
+            <a:schemeClr val="accent1"/>
+          </a:lnRef>
+          <a:fillRef idx="0">
+            <a:schemeClr val="accent1"/>
+          </a:fillRef>
+          <a:effectRef idx="0">
+            <a:schemeClr val="accent1"/>
+          </a:effectRef>
+          <a:fontRef idx="minor">
+            <a:schemeClr val="tx1"/>
+          </a:fontRef>
+        </p:style>
+      </p:cxnSp>
+      <p:cxnSp>
+        <p:nvCxnSpPr>
+          <p:cNvPr id="80" name="Gerade Verbindung mit Pfeil 79"/>
+          <p:cNvCxnSpPr>
+            <a:stCxn id="4" idx="2"/>
+          </p:cNvCxnSpPr>
+          <p:nvPr/>
+        </p:nvCxnSpPr>
+        <p:spPr>
+          <a:xfrm>
+            <a:off x="4008896" y="2204864"/>
+            <a:ext cx="0" cy="366420"/>
+          </a:xfrm>
+          <a:prstGeom prst="straightConnector1">
+            <a:avLst/>
+          </a:prstGeom>
+          <a:ln w="12700">
+            <a:solidFill>
+              <a:schemeClr val="accent6"/>
+            </a:solidFill>
+            <a:headEnd type="stealth" w="lg" len="lg"/>
+            <a:tailEnd type="stealth" w="lg" len="lg"/>
+          </a:ln>
+        </p:spPr>
+        <p:style>
+          <a:lnRef idx="1">
+            <a:schemeClr val="accent1"/>
+          </a:lnRef>
+          <a:fillRef idx="0">
+            <a:schemeClr val="accent1"/>
+          </a:fillRef>
+          <a:effectRef idx="0">
+            <a:schemeClr val="accent1"/>
+          </a:effectRef>
+          <a:fontRef idx="minor">
+            <a:schemeClr val="tx1"/>
+          </a:fontRef>
+        </p:style>
+      </p:cxnSp>
+      <p:cxnSp>
+        <p:nvCxnSpPr>
+          <p:cNvPr id="83" name="Gerade Verbindung mit Pfeil 82"/>
+          <p:cNvCxnSpPr>
+            <a:stCxn id="255" idx="2"/>
+            <a:endCxn id="4" idx="0"/>
+          </p:cNvCxnSpPr>
+          <p:nvPr/>
+        </p:nvCxnSpPr>
+        <p:spPr>
+          <a:xfrm rot="16200000" flipH="1">
+            <a:off x="2296601" y="-83495"/>
+            <a:ext cx="581000" cy="2843590"/>
+          </a:xfrm>
+          <a:prstGeom prst="bentConnector3">
+            <a:avLst>
+              <a:gd name="adj1" fmla="val 32076"/>
+            </a:avLst>
+          </a:prstGeom>
+          <a:ln w="12700">
+            <a:solidFill>
+              <a:srgbClr val="E20074"/>
+            </a:solidFill>
+            <a:headEnd type="none" w="lg" len="lg"/>
+            <a:tailEnd type="stealth" w="lg" len="lg"/>
+          </a:ln>
+        </p:spPr>
+        <p:style>
+          <a:lnRef idx="1">
+            <a:schemeClr val="accent1"/>
+          </a:lnRef>
+          <a:fillRef idx="0">
+            <a:schemeClr val="accent1"/>
+          </a:fillRef>
+          <a:effectRef idx="0">
+            <a:schemeClr val="accent1"/>
+          </a:effectRef>
+          <a:fontRef idx="minor">
+            <a:schemeClr val="tx1"/>
+          </a:fontRef>
+        </p:style>
+      </p:cxnSp>
+      <p:cxnSp>
+        <p:nvCxnSpPr>
+          <p:cNvPr id="86" name="Gerade Verbindung mit Pfeil 85"/>
+          <p:cNvCxnSpPr>
+            <a:stCxn id="261" idx="2"/>
+            <a:endCxn id="4" idx="0"/>
+          </p:cNvCxnSpPr>
+          <p:nvPr/>
+        </p:nvCxnSpPr>
+        <p:spPr>
+          <a:xfrm rot="16200000" flipH="1">
+            <a:off x="3031966" y="651870"/>
+            <a:ext cx="576064" cy="1377796"/>
+          </a:xfrm>
+          <a:prstGeom prst="bentConnector3">
+            <a:avLst>
+              <a:gd name="adj1" fmla="val 31261"/>
+            </a:avLst>
+          </a:prstGeom>
+          <a:ln w="12700">
+            <a:solidFill>
+              <a:srgbClr val="E20074"/>
+            </a:solidFill>
+            <a:headEnd type="none" w="lg" len="lg"/>
+            <a:tailEnd type="stealth" w="lg" len="lg"/>
+          </a:ln>
+        </p:spPr>
+        <p:style>
+          <a:lnRef idx="1">
+            <a:schemeClr val="accent1"/>
+          </a:lnRef>
+          <a:fillRef idx="0">
+            <a:schemeClr val="accent1"/>
+          </a:fillRef>
+          <a:effectRef idx="0">
+            <a:schemeClr val="accent1"/>
+          </a:effectRef>
+          <a:fontRef idx="minor">
+            <a:schemeClr val="tx1"/>
+          </a:fontRef>
+        </p:style>
+      </p:cxnSp>
+      <p:cxnSp>
+        <p:nvCxnSpPr>
+          <p:cNvPr id="89" name="Gerade Verbindung mit Pfeil 88"/>
+          <p:cNvCxnSpPr>
+            <a:stCxn id="264" idx="2"/>
+            <a:endCxn id="4" idx="0"/>
+          </p:cNvCxnSpPr>
+          <p:nvPr/>
+        </p:nvCxnSpPr>
+        <p:spPr>
+          <a:xfrm rot="5400000">
+            <a:off x="3774041" y="1287591"/>
+            <a:ext cx="576064" cy="106354"/>
+          </a:xfrm>
+          <a:prstGeom prst="bentConnector3">
+            <a:avLst>
+              <a:gd name="adj1" fmla="val 31261"/>
+            </a:avLst>
+          </a:prstGeom>
+          <a:ln w="12700">
+            <a:solidFill>
+              <a:srgbClr val="E20074"/>
+            </a:solidFill>
+            <a:headEnd type="none" w="lg" len="lg"/>
+            <a:tailEnd type="stealth" w="lg" len="lg"/>
+          </a:ln>
+        </p:spPr>
+        <p:style>
+          <a:lnRef idx="1">
+            <a:schemeClr val="accent1"/>
+          </a:lnRef>
+          <a:fillRef idx="0">
+            <a:schemeClr val="accent1"/>
+          </a:fillRef>
+          <a:effectRef idx="0">
+            <a:schemeClr val="accent1"/>
+          </a:effectRef>
+          <a:fontRef idx="minor">
+            <a:schemeClr val="tx1"/>
+          </a:fontRef>
+        </p:style>
+      </p:cxnSp>
+      <p:cxnSp>
+        <p:nvCxnSpPr>
+          <p:cNvPr id="92" name="Gerade Verbindung mit Pfeil 91"/>
+          <p:cNvCxnSpPr>
+            <a:stCxn id="270" idx="2"/>
+            <a:endCxn id="4" idx="0"/>
+          </p:cNvCxnSpPr>
+          <p:nvPr/>
+        </p:nvCxnSpPr>
+        <p:spPr>
+          <a:xfrm rot="5400000">
+            <a:off x="4527081" y="534552"/>
+            <a:ext cx="576064" cy="1612433"/>
+          </a:xfrm>
+          <a:prstGeom prst="bentConnector3">
+            <a:avLst>
+              <a:gd name="adj1" fmla="val 31261"/>
+            </a:avLst>
+          </a:prstGeom>
+          <a:ln w="12700">
+            <a:solidFill>
+              <a:srgbClr val="E20074"/>
+            </a:solidFill>
+            <a:headEnd type="none" w="lg" len="lg"/>
+            <a:tailEnd type="stealth" w="lg" len="lg"/>
+          </a:ln>
+        </p:spPr>
+        <p:style>
+          <a:lnRef idx="1">
+            <a:schemeClr val="accent1"/>
+          </a:lnRef>
+          <a:fillRef idx="0">
+            <a:schemeClr val="accent1"/>
+          </a:fillRef>
+          <a:effectRef idx="0">
+            <a:schemeClr val="accent1"/>
+          </a:effectRef>
+          <a:fontRef idx="minor">
+            <a:schemeClr val="tx1"/>
+          </a:fontRef>
+        </p:style>
+      </p:cxnSp>
+      <p:cxnSp>
+        <p:nvCxnSpPr>
+          <p:cNvPr id="95" name="Gerade Verbindung mit Pfeil 94"/>
+          <p:cNvCxnSpPr>
+            <a:stCxn id="274" idx="2"/>
+            <a:endCxn id="4" idx="0"/>
+          </p:cNvCxnSpPr>
+          <p:nvPr/>
+        </p:nvCxnSpPr>
+        <p:spPr>
+          <a:xfrm rot="5400000">
+            <a:off x="5289193" y="-227561"/>
+            <a:ext cx="576064" cy="3136658"/>
+          </a:xfrm>
+          <a:prstGeom prst="bentConnector3">
+            <a:avLst>
+              <a:gd name="adj1" fmla="val 31260"/>
+            </a:avLst>
+          </a:prstGeom>
+          <a:ln w="12700">
+            <a:solidFill>
+              <a:srgbClr val="E20074"/>
+            </a:solidFill>
+            <a:headEnd type="none" w="lg" len="lg"/>
+            <a:tailEnd type="stealth" w="lg" len="lg"/>
+          </a:ln>
+        </p:spPr>
+        <p:style>
+          <a:lnRef idx="1">
+            <a:schemeClr val="accent1"/>
+          </a:lnRef>
+          <a:fillRef idx="0">
+            <a:schemeClr val="accent1"/>
+          </a:fillRef>
+          <a:effectRef idx="0">
+            <a:schemeClr val="accent1"/>
+          </a:effectRef>
+          <a:fontRef idx="minor">
+            <a:schemeClr val="tx1"/>
+          </a:fontRef>
+        </p:style>
+      </p:cxnSp>
+      <p:sp>
+        <p:nvSpPr>
+          <p:cNvPr id="168" name="Rechteck 167"/>
+          <p:cNvSpPr/>
+          <p:nvPr/>
+        </p:nvSpPr>
+        <p:spPr>
+          <a:xfrm>
+            <a:off x="5203531" y="1628800"/>
+            <a:ext cx="2032869" cy="576064"/>
+          </a:xfrm>
+          <a:prstGeom prst="rect">
+            <a:avLst/>
+          </a:prstGeom>
+          <a:noFill/>
+          <a:ln w="12700">
+            <a:solidFill>
+              <a:schemeClr val="tx1"/>
+            </a:solidFill>
+          </a:ln>
+        </p:spPr>
+        <p:style>
+          <a:lnRef idx="2">
+            <a:schemeClr val="accent6"/>
+          </a:lnRef>
+          <a:fillRef idx="1">
+            <a:schemeClr val="lt1"/>
+          </a:fillRef>
+          <a:effectRef idx="0">
+            <a:schemeClr val="accent6"/>
+          </a:effectRef>
+          <a:fontRef idx="minor">
+            <a:schemeClr val="dk1"/>
+          </a:fontRef>
+        </p:style>
+        <p:txBody>
+          <a:bodyPr rtlCol="0" anchor="ctr"/>
+          <a:lstStyle/>
+          <a:p>
+            <a:pPr algn="ctr"/>
+            <a:r>
+              <a:rPr lang="de-DE" dirty="0" err="1" smtClean="0"/>
+              <a:t>MongoDB</a:t>
+            </a:r>
+            <a:endParaRPr lang="de-DE" dirty="0"/>
+          </a:p>
+        </p:txBody>
+      </p:sp>
+      <p:cxnSp>
+        <p:nvCxnSpPr>
+          <p:cNvPr id="179" name="Gerade Verbindung mit Pfeil 178"/>
+          <p:cNvCxnSpPr>
+            <a:stCxn id="168" idx="1"/>
+            <a:endCxn id="4" idx="3"/>
+          </p:cNvCxnSpPr>
+          <p:nvPr/>
+        </p:nvCxnSpPr>
+        <p:spPr>
+          <a:xfrm flipH="1">
+            <a:off x="5027869" y="1916832"/>
+            <a:ext cx="175662" cy="0"/>
+          </a:xfrm>
+          <a:prstGeom prst="straightConnector1">
+            <a:avLst/>
+          </a:prstGeom>
+          <a:ln w="12700">
+            <a:solidFill>
+              <a:srgbClr val="990099"/>
+            </a:solidFill>
+            <a:headEnd type="stealth" w="lg" len="lg"/>
+            <a:tailEnd type="none" w="lg" len="lg"/>
+          </a:ln>
+        </p:spPr>
+        <p:style>
+          <a:lnRef idx="1">
+            <a:schemeClr val="accent1"/>
+          </a:lnRef>
+          <a:fillRef idx="0">
+            <a:schemeClr val="accent1"/>
+          </a:fillRef>
+          <a:effectRef idx="0">
+            <a:schemeClr val="accent1"/>
+          </a:effectRef>
+          <a:fontRef idx="minor">
+            <a:schemeClr val="tx1"/>
+          </a:fontRef>
+        </p:style>
+      </p:cxnSp>
+      <p:cxnSp>
+        <p:nvCxnSpPr>
+          <p:cNvPr id="195" name="Gerade Verbindung mit Pfeil 82"/>
+          <p:cNvCxnSpPr>
+            <a:stCxn id="168" idx="0"/>
+            <a:endCxn id="169" idx="2"/>
+          </p:cNvCxnSpPr>
+          <p:nvPr/>
+        </p:nvCxnSpPr>
+        <p:spPr>
+          <a:xfrm rot="16200000" flipV="1">
+            <a:off x="3453425" y="-1137741"/>
+            <a:ext cx="576064" cy="4957018"/>
+          </a:xfrm>
+          <a:prstGeom prst="bentConnector3">
+            <a:avLst>
+              <a:gd name="adj1" fmla="val 50000"/>
+            </a:avLst>
+          </a:prstGeom>
+          <a:ln w="12700">
+            <a:solidFill>
+              <a:srgbClr val="00B050"/>
+            </a:solidFill>
+            <a:headEnd type="none" w="lg" len="lg"/>
+            <a:tailEnd type="stealth" w="lg" len="lg"/>
+          </a:ln>
+        </p:spPr>
+        <p:style>
+          <a:lnRef idx="1">
+            <a:schemeClr val="accent1"/>
+          </a:lnRef>
+          <a:fillRef idx="0">
+            <a:schemeClr val="accent1"/>
+          </a:fillRef>
+          <a:effectRef idx="0">
+            <a:schemeClr val="accent1"/>
+          </a:effectRef>
+          <a:fontRef idx="minor">
+            <a:schemeClr val="tx1"/>
+          </a:fontRef>
+        </p:style>
+      </p:cxnSp>
+      <p:cxnSp>
+        <p:nvCxnSpPr>
+          <p:cNvPr id="209" name="Gerade Verbindung mit Pfeil 82"/>
+          <p:cNvCxnSpPr>
+            <a:stCxn id="168" idx="0"/>
+            <a:endCxn id="243" idx="2"/>
+          </p:cNvCxnSpPr>
+          <p:nvPr/>
+        </p:nvCxnSpPr>
+        <p:spPr>
+          <a:xfrm rot="16200000" flipV="1">
+            <a:off x="4185327" y="-405840"/>
+            <a:ext cx="581000" cy="3488279"/>
+          </a:xfrm>
+          <a:prstGeom prst="bentConnector3">
+            <a:avLst>
+              <a:gd name="adj1" fmla="val 49672"/>
+            </a:avLst>
+          </a:prstGeom>
+          <a:ln w="12700">
+            <a:solidFill>
+              <a:srgbClr val="00B050"/>
+            </a:solidFill>
+            <a:headEnd type="none" w="lg" len="lg"/>
+            <a:tailEnd type="stealth" w="lg" len="lg"/>
+          </a:ln>
+        </p:spPr>
+        <p:style>
+          <a:lnRef idx="1">
+            <a:schemeClr val="accent1"/>
+          </a:lnRef>
+          <a:fillRef idx="0">
+            <a:schemeClr val="accent1"/>
+          </a:fillRef>
+          <a:effectRef idx="0">
+            <a:schemeClr val="accent1"/>
+          </a:effectRef>
+          <a:fontRef idx="minor">
+            <a:schemeClr val="tx1"/>
+          </a:fontRef>
+        </p:style>
+      </p:cxnSp>
+      <p:cxnSp>
+        <p:nvCxnSpPr>
+          <p:cNvPr id="212" name="Gerade Verbindung mit Pfeil 82"/>
+          <p:cNvCxnSpPr>
+            <a:stCxn id="168" idx="0"/>
+            <a:endCxn id="246" idx="2"/>
+          </p:cNvCxnSpPr>
+          <p:nvPr/>
+        </p:nvCxnSpPr>
+        <p:spPr>
+          <a:xfrm rot="16200000" flipV="1">
+            <a:off x="4926273" y="335107"/>
+            <a:ext cx="576064" cy="2011322"/>
+          </a:xfrm>
+          <a:prstGeom prst="bentConnector3">
+            <a:avLst>
+              <a:gd name="adj1" fmla="val 50221"/>
+            </a:avLst>
+          </a:prstGeom>
+          <a:ln w="12700">
+            <a:solidFill>
+              <a:srgbClr val="00B050"/>
+            </a:solidFill>
+            <a:headEnd type="none" w="lg" len="lg"/>
+            <a:tailEnd type="stealth" w="lg" len="lg"/>
+          </a:ln>
+        </p:spPr>
+        <p:style>
+          <a:lnRef idx="1">
+            <a:schemeClr val="accent1"/>
+          </a:lnRef>
+          <a:fillRef idx="0">
+            <a:schemeClr val="accent1"/>
+          </a:fillRef>
+          <a:effectRef idx="0">
+            <a:schemeClr val="accent1"/>
+          </a:effectRef>
+          <a:fontRef idx="minor">
+            <a:schemeClr val="tx1"/>
+          </a:fontRef>
+        </p:style>
+      </p:cxnSp>
+      <p:cxnSp>
+        <p:nvCxnSpPr>
+          <p:cNvPr id="215" name="Gerade Verbindung mit Pfeil 82"/>
+          <p:cNvCxnSpPr>
+            <a:stCxn id="168" idx="0"/>
+            <a:endCxn id="248" idx="2"/>
+          </p:cNvCxnSpPr>
+          <p:nvPr/>
+        </p:nvCxnSpPr>
+        <p:spPr>
+          <a:xfrm rot="16200000" flipV="1">
+            <a:off x="5682357" y="1091191"/>
+            <a:ext cx="576064" cy="499154"/>
+          </a:xfrm>
+          <a:prstGeom prst="bentConnector3">
+            <a:avLst>
+              <a:gd name="adj1" fmla="val 50330"/>
+            </a:avLst>
+          </a:prstGeom>
+          <a:ln w="12700">
+            <a:solidFill>
+              <a:srgbClr val="00B050"/>
+            </a:solidFill>
+            <a:headEnd type="none" w="lg" len="lg"/>
+            <a:tailEnd type="stealth" w="lg" len="lg"/>
+          </a:ln>
+        </p:spPr>
+        <p:style>
+          <a:lnRef idx="1">
+            <a:schemeClr val="accent1"/>
+          </a:lnRef>
+          <a:fillRef idx="0">
+            <a:schemeClr val="accent1"/>
+          </a:fillRef>
+          <a:effectRef idx="0">
+            <a:schemeClr val="accent1"/>
+          </a:effectRef>
+          <a:fontRef idx="minor">
+            <a:schemeClr val="tx1"/>
+          </a:fontRef>
+        </p:style>
+      </p:cxnSp>
+      <p:cxnSp>
+        <p:nvCxnSpPr>
+          <p:cNvPr id="218" name="Gerade Verbindung mit Pfeil 82"/>
+          <p:cNvCxnSpPr>
+            <a:stCxn id="168" idx="0"/>
+            <a:endCxn id="251" idx="2"/>
+          </p:cNvCxnSpPr>
+          <p:nvPr/>
+        </p:nvCxnSpPr>
+        <p:spPr>
+          <a:xfrm rot="5400000" flipH="1" flipV="1">
+            <a:off x="6441757" y="830945"/>
+            <a:ext cx="576064" cy="1019646"/>
+          </a:xfrm>
+          <a:prstGeom prst="bentConnector3">
+            <a:avLst>
+              <a:gd name="adj1" fmla="val 50331"/>
+            </a:avLst>
+          </a:prstGeom>
+          <a:ln w="12700">
+            <a:solidFill>
+              <a:srgbClr val="00B050"/>
+            </a:solidFill>
+            <a:headEnd type="none" w="lg" len="lg"/>
+            <a:tailEnd type="stealth" w="lg" len="lg"/>
+          </a:ln>
+        </p:spPr>
+        <p:style>
+          <a:lnRef idx="1">
+            <a:schemeClr val="accent1"/>
+          </a:lnRef>
+          <a:fillRef idx="0">
+            <a:schemeClr val="accent1"/>
+          </a:fillRef>
+          <a:effectRef idx="0">
+            <a:schemeClr val="accent1"/>
+          </a:effectRef>
+          <a:fontRef idx="minor">
+            <a:schemeClr val="tx1"/>
+          </a:fontRef>
+        </p:style>
+      </p:cxnSp>
+      <p:sp>
+        <p:nvSpPr>
+          <p:cNvPr id="169" name="Rechteck 168"/>
+          <p:cNvSpPr/>
+          <p:nvPr/>
+        </p:nvSpPr>
+        <p:spPr>
+          <a:xfrm>
+            <a:off x="1050240" y="692696"/>
+            <a:ext cx="425416" cy="360040"/>
+          </a:xfrm>
+          <a:prstGeom prst="rect">
+            <a:avLst/>
+          </a:prstGeom>
+          <a:noFill/>
+          <a:ln>
+            <a:noFill/>
+          </a:ln>
+        </p:spPr>
+        <p:style>
+          <a:lnRef idx="2">
+            <a:schemeClr val="accent1">
+              <a:shade val="50000"/>
+            </a:schemeClr>
+          </a:lnRef>
+          <a:fillRef idx="1">
+            <a:schemeClr val="accent1"/>
+          </a:fillRef>
+          <a:effectRef idx="0">
+            <a:schemeClr val="accent1"/>
+          </a:effectRef>
+          <a:fontRef idx="minor">
+            <a:schemeClr val="lt1"/>
+          </a:fontRef>
+        </p:style>
+        <p:txBody>
+          <a:bodyPr rtlCol="0" anchor="ctr"/>
+          <a:lstStyle/>
+          <a:p>
+            <a:pPr algn="ctr"/>
+            <a:endParaRPr lang="de-DE"/>
+          </a:p>
+        </p:txBody>
+      </p:sp>
+      <p:sp>
+        <p:nvSpPr>
+          <p:cNvPr id="243" name="Rechteck 242"/>
+          <p:cNvSpPr/>
+          <p:nvPr/>
+        </p:nvSpPr>
+        <p:spPr>
+          <a:xfrm>
+            <a:off x="2518979" y="687760"/>
+            <a:ext cx="425416" cy="360040"/>
+          </a:xfrm>
+          <a:prstGeom prst="rect">
+            <a:avLst/>
+          </a:prstGeom>
+          <a:noFill/>
+          <a:ln>
+            <a:noFill/>
+          </a:ln>
+        </p:spPr>
+        <p:style>
+          <a:lnRef idx="2">
+            <a:schemeClr val="accent1">
+              <a:shade val="50000"/>
+            </a:schemeClr>
+          </a:lnRef>
+          <a:fillRef idx="1">
+            <a:schemeClr val="accent1"/>
+          </a:fillRef>
+          <a:effectRef idx="0">
+            <a:schemeClr val="accent1"/>
+          </a:effectRef>
+          <a:fontRef idx="minor">
+            <a:schemeClr val="lt1"/>
+          </a:fontRef>
+        </p:style>
+        <p:txBody>
+          <a:bodyPr rtlCol="0" anchor="ctr"/>
+          <a:lstStyle/>
+          <a:p>
+            <a:pPr algn="ctr"/>
+            <a:endParaRPr lang="de-DE"/>
+          </a:p>
+        </p:txBody>
+      </p:sp>
+      <p:sp>
+        <p:nvSpPr>
+          <p:cNvPr id="246" name="Rechteck 245"/>
+          <p:cNvSpPr/>
+          <p:nvPr/>
+        </p:nvSpPr>
+        <p:spPr>
+          <a:xfrm>
+            <a:off x="3995936" y="692696"/>
+            <a:ext cx="425416" cy="360040"/>
+          </a:xfrm>
+          <a:prstGeom prst="rect">
+            <a:avLst/>
+          </a:prstGeom>
+          <a:noFill/>
+          <a:ln>
+            <a:noFill/>
+          </a:ln>
+        </p:spPr>
+        <p:style>
+          <a:lnRef idx="2">
+            <a:schemeClr val="accent1">
+              <a:shade val="50000"/>
+            </a:schemeClr>
+          </a:lnRef>
+          <a:fillRef idx="1">
+            <a:schemeClr val="accent1"/>
+          </a:fillRef>
+          <a:effectRef idx="0">
+            <a:schemeClr val="accent1"/>
+          </a:effectRef>
+          <a:fontRef idx="minor">
+            <a:schemeClr val="lt1"/>
+          </a:fontRef>
+        </p:style>
+        <p:txBody>
+          <a:bodyPr rtlCol="0" anchor="ctr"/>
+          <a:lstStyle/>
+          <a:p>
+            <a:pPr algn="ctr"/>
+            <a:endParaRPr lang="de-DE"/>
+          </a:p>
+        </p:txBody>
+      </p:sp>
+      <p:sp>
+        <p:nvSpPr>
+          <p:cNvPr id="248" name="Rechteck 247"/>
+          <p:cNvSpPr/>
+          <p:nvPr/>
+        </p:nvSpPr>
+        <p:spPr>
+          <a:xfrm>
+            <a:off x="5508104" y="692696"/>
+            <a:ext cx="425416" cy="360040"/>
+          </a:xfrm>
+          <a:prstGeom prst="rect">
+            <a:avLst/>
+          </a:prstGeom>
+          <a:noFill/>
+          <a:ln>
+            <a:noFill/>
+          </a:ln>
+        </p:spPr>
+        <p:style>
+          <a:lnRef idx="2">
+            <a:schemeClr val="accent1">
+              <a:shade val="50000"/>
+            </a:schemeClr>
+          </a:lnRef>
+          <a:fillRef idx="1">
+            <a:schemeClr val="accent1"/>
+          </a:fillRef>
+          <a:effectRef idx="0">
+            <a:schemeClr val="accent1"/>
+          </a:effectRef>
+          <a:fontRef idx="minor">
+            <a:schemeClr val="lt1"/>
+          </a:fontRef>
+        </p:style>
+        <p:txBody>
+          <a:bodyPr rtlCol="0" anchor="ctr"/>
+          <a:lstStyle/>
+          <a:p>
+            <a:pPr algn="ctr"/>
+            <a:endParaRPr lang="de-DE"/>
+          </a:p>
+        </p:txBody>
+      </p:sp>
+      <p:sp>
+        <p:nvSpPr>
+          <p:cNvPr id="251" name="Rechteck 250"/>
+          <p:cNvSpPr/>
+          <p:nvPr/>
+        </p:nvSpPr>
+        <p:spPr>
+          <a:xfrm>
+            <a:off x="7026904" y="692696"/>
+            <a:ext cx="425416" cy="360040"/>
+          </a:xfrm>
+          <a:prstGeom prst="rect">
+            <a:avLst/>
+          </a:prstGeom>
+          <a:noFill/>
+          <a:ln>
+            <a:noFill/>
+          </a:ln>
+        </p:spPr>
+        <p:style>
+          <a:lnRef idx="2">
+            <a:schemeClr val="accent1">
+              <a:shade val="50000"/>
+            </a:schemeClr>
+          </a:lnRef>
+          <a:fillRef idx="1">
+            <a:schemeClr val="accent1"/>
+          </a:fillRef>
+          <a:effectRef idx="0">
+            <a:schemeClr val="accent1"/>
+          </a:effectRef>
+          <a:fontRef idx="minor">
+            <a:schemeClr val="lt1"/>
+          </a:fontRef>
+        </p:style>
+        <p:txBody>
+          <a:bodyPr rtlCol="0" anchor="ctr"/>
+          <a:lstStyle/>
+          <a:p>
+            <a:pPr algn="ctr"/>
+            <a:endParaRPr lang="de-DE"/>
+          </a:p>
+        </p:txBody>
+      </p:sp>
+      <p:sp>
+        <p:nvSpPr>
+          <p:cNvPr id="255" name="Rechteck 254"/>
+          <p:cNvSpPr/>
+          <p:nvPr/>
+        </p:nvSpPr>
+        <p:spPr>
+          <a:xfrm>
+            <a:off x="952598" y="687760"/>
+            <a:ext cx="425416" cy="360040"/>
+          </a:xfrm>
+          <a:prstGeom prst="rect">
+            <a:avLst/>
+          </a:prstGeom>
+          <a:noFill/>
+          <a:ln>
+            <a:noFill/>
+          </a:ln>
+        </p:spPr>
+        <p:style>
+          <a:lnRef idx="2">
+            <a:schemeClr val="accent1">
+              <a:shade val="50000"/>
+            </a:schemeClr>
+          </a:lnRef>
+          <a:fillRef idx="1">
+            <a:schemeClr val="accent1"/>
+          </a:fillRef>
+          <a:effectRef idx="0">
+            <a:schemeClr val="accent1"/>
+          </a:effectRef>
+          <a:fontRef idx="minor">
+            <a:schemeClr val="lt1"/>
+          </a:fontRef>
+        </p:style>
+        <p:txBody>
+          <a:bodyPr rtlCol="0" anchor="ctr"/>
+          <a:lstStyle/>
+          <a:p>
+            <a:pPr algn="ctr"/>
+            <a:endParaRPr lang="de-DE"/>
+          </a:p>
+        </p:txBody>
+      </p:sp>
+      <p:sp>
+        <p:nvSpPr>
+          <p:cNvPr id="261" name="Rechteck 260"/>
+          <p:cNvSpPr/>
+          <p:nvPr/>
+        </p:nvSpPr>
+        <p:spPr>
+          <a:xfrm>
+            <a:off x="2418392" y="692696"/>
+            <a:ext cx="425416" cy="360040"/>
+          </a:xfrm>
+          <a:prstGeom prst="rect">
+            <a:avLst/>
+          </a:prstGeom>
+          <a:noFill/>
+          <a:ln>
+            <a:noFill/>
+          </a:ln>
+        </p:spPr>
+        <p:style>
+          <a:lnRef idx="2">
+            <a:schemeClr val="accent1">
+              <a:shade val="50000"/>
+            </a:schemeClr>
+          </a:lnRef>
+          <a:fillRef idx="1">
+            <a:schemeClr val="accent1"/>
+          </a:fillRef>
+          <a:effectRef idx="0">
+            <a:schemeClr val="accent1"/>
+          </a:effectRef>
+          <a:fontRef idx="minor">
+            <a:schemeClr val="lt1"/>
+          </a:fontRef>
+        </p:style>
+        <p:txBody>
+          <a:bodyPr rtlCol="0" anchor="ctr"/>
+          <a:lstStyle/>
+          <a:p>
+            <a:pPr algn="ctr"/>
+            <a:endParaRPr lang="de-DE"/>
+          </a:p>
+        </p:txBody>
+      </p:sp>
+      <p:sp>
+        <p:nvSpPr>
+          <p:cNvPr id="264" name="Rechteck 263"/>
+          <p:cNvSpPr/>
+          <p:nvPr/>
+        </p:nvSpPr>
+        <p:spPr>
+          <a:xfrm>
+            <a:off x="3902542" y="692696"/>
+            <a:ext cx="425416" cy="360040"/>
+          </a:xfrm>
+          <a:prstGeom prst="rect">
+            <a:avLst/>
+          </a:prstGeom>
+          <a:noFill/>
+          <a:ln>
+            <a:noFill/>
+          </a:ln>
+        </p:spPr>
+        <p:style>
+          <a:lnRef idx="2">
+            <a:schemeClr val="accent1">
+              <a:shade val="50000"/>
+            </a:schemeClr>
+          </a:lnRef>
+          <a:fillRef idx="1">
+            <a:schemeClr val="accent1"/>
+          </a:fillRef>
+          <a:effectRef idx="0">
+            <a:schemeClr val="accent1"/>
+          </a:effectRef>
+          <a:fontRef idx="minor">
+            <a:schemeClr val="lt1"/>
+          </a:fontRef>
+        </p:style>
+        <p:txBody>
+          <a:bodyPr rtlCol="0" anchor="ctr"/>
+          <a:lstStyle/>
+          <a:p>
+            <a:pPr algn="ctr"/>
+            <a:endParaRPr lang="de-DE"/>
+          </a:p>
+        </p:txBody>
+      </p:sp>
+      <p:sp>
+        <p:nvSpPr>
+          <p:cNvPr id="270" name="Rechteck 269"/>
+          <p:cNvSpPr/>
+          <p:nvPr/>
+        </p:nvSpPr>
+        <p:spPr>
+          <a:xfrm>
+            <a:off x="5408621" y="692696"/>
+            <a:ext cx="425416" cy="360040"/>
+          </a:xfrm>
+          <a:prstGeom prst="rect">
+            <a:avLst/>
+          </a:prstGeom>
+          <a:noFill/>
+          <a:ln>
+            <a:noFill/>
+          </a:ln>
+        </p:spPr>
+        <p:style>
+          <a:lnRef idx="2">
+            <a:schemeClr val="accent1">
+              <a:shade val="50000"/>
+            </a:schemeClr>
+          </a:lnRef>
+          <a:fillRef idx="1">
+            <a:schemeClr val="accent1"/>
+          </a:fillRef>
+          <a:effectRef idx="0">
+            <a:schemeClr val="accent1"/>
+          </a:effectRef>
+          <a:fontRef idx="minor">
+            <a:schemeClr val="lt1"/>
+          </a:fontRef>
+        </p:style>
+        <p:txBody>
+          <a:bodyPr rtlCol="0" anchor="ctr"/>
+          <a:lstStyle/>
+          <a:p>
+            <a:pPr algn="ctr"/>
+            <a:endParaRPr lang="de-DE"/>
+          </a:p>
+        </p:txBody>
+      </p:sp>
+      <p:sp>
+        <p:nvSpPr>
+          <p:cNvPr id="274" name="Rechteck 273"/>
+          <p:cNvSpPr/>
+          <p:nvPr/>
+        </p:nvSpPr>
+        <p:spPr>
+          <a:xfrm>
+            <a:off x="6932846" y="692696"/>
+            <a:ext cx="425416" cy="360040"/>
+          </a:xfrm>
+          <a:prstGeom prst="rect">
+            <a:avLst/>
+          </a:prstGeom>
+          <a:noFill/>
+          <a:ln>
+            <a:noFill/>
+          </a:ln>
+        </p:spPr>
+        <p:style>
+          <a:lnRef idx="2">
+            <a:schemeClr val="accent1">
+              <a:shade val="50000"/>
+            </a:schemeClr>
+          </a:lnRef>
+          <a:fillRef idx="1">
+            <a:schemeClr val="accent1"/>
+          </a:fillRef>
+          <a:effectRef idx="0">
+            <a:schemeClr val="accent1"/>
+          </a:effectRef>
+          <a:fontRef idx="minor">
+            <a:schemeClr val="lt1"/>
+          </a:fontRef>
+        </p:style>
+        <p:txBody>
+          <a:bodyPr rtlCol="0" anchor="ctr"/>
+          <a:lstStyle/>
+          <a:p>
+            <a:pPr algn="ctr"/>
+            <a:endParaRPr lang="de-DE"/>
+          </a:p>
+        </p:txBody>
+      </p:sp>
+      <p:sp>
+        <p:nvSpPr>
+          <p:cNvPr id="225" name="Textfeld 224"/>
+          <p:cNvSpPr txBox="1"/>
+          <p:nvPr/>
+        </p:nvSpPr>
+        <p:spPr>
+          <a:xfrm>
+            <a:off x="924264" y="3488111"/>
+            <a:ext cx="7464160" cy="1477328"/>
+          </a:xfrm>
+          <a:prstGeom prst="rect">
+            <a:avLst/>
+          </a:prstGeom>
+          <a:noFill/>
+        </p:spPr>
+        <p:txBody>
+          <a:bodyPr wrap="square" rtlCol="0">
+            <a:spAutoFit/>
+          </a:bodyPr>
+          <a:lstStyle/>
+          <a:p>
+            <a:r>
+              <a:rPr lang="de-DE" dirty="0" smtClean="0">
+                <a:solidFill>
+                  <a:schemeClr val="accent6"/>
+                </a:solidFill>
+              </a:rPr>
+              <a:t>Komplette Kommunikation</a:t>
+            </a:r>
+            <a:r>
+              <a:rPr lang="de-DE" dirty="0" smtClean="0"/>
+              <a:t/>
+            </a:r>
+            <a:br>
+              <a:rPr lang="de-DE" dirty="0" smtClean="0"/>
+            </a:br>
+            <a:r>
+              <a:rPr lang="de-DE" dirty="0" smtClean="0">
+                <a:solidFill>
+                  <a:srgbClr val="990099"/>
+                </a:solidFill>
+              </a:rPr>
+              <a:t>Eventnachrichten</a:t>
+            </a:r>
+            <a:br>
+              <a:rPr lang="de-DE" dirty="0" smtClean="0">
+                <a:solidFill>
+                  <a:srgbClr val="990099"/>
+                </a:solidFill>
+              </a:rPr>
+            </a:br>
+            <a:r>
+              <a:rPr lang="de-DE" dirty="0" smtClean="0">
+                <a:solidFill>
+                  <a:srgbClr val="0070C0"/>
+                </a:solidFill>
+              </a:rPr>
+              <a:t>Bild &amp; Ton</a:t>
+            </a:r>
+          </a:p>
+          <a:p>
+            <a:r>
+              <a:rPr lang="de-DE" dirty="0" smtClean="0">
+                <a:solidFill>
+                  <a:srgbClr val="E20074"/>
+                </a:solidFill>
+              </a:rPr>
+              <a:t>Informationen schreiben (Chatnachrichten, Umfrageergebnisse)</a:t>
+            </a:r>
+          </a:p>
+          <a:p>
+            <a:r>
+              <a:rPr lang="de-DE" dirty="0" smtClean="0">
+                <a:solidFill>
+                  <a:srgbClr val="00B050"/>
+                </a:solidFill>
+              </a:rPr>
+              <a:t>Informationen lesen (Chatnachrichten, Antwortmöglichkeiten bei Umfragen)</a:t>
+            </a:r>
+            <a:endParaRPr lang="de-DE" dirty="0">
+              <a:solidFill>
+                <a:srgbClr val="00B050"/>
+              </a:solidFill>
+            </a:endParaRPr>
+          </a:p>
+        </p:txBody>
+      </p:sp>
+    </p:spTree>
+    <p:extLst>
+      <p:ext uri="{BB962C8B-B14F-4D97-AF65-F5344CB8AC3E}">
+        <p14:creationId xmlns:p14="http://schemas.microsoft.com/office/powerpoint/2010/main" val="3758294792"/>
+      </p:ext>
+    </p:extLst>
+  </p:cSld>
+  <p:clrMapOvr>
+    <a:masterClrMapping/>
+  </p:clrMapOvr>
+</p:sld>
+</file>
+
 <file path=ppt/theme/theme1.xml><?xml version="1.0" encoding="utf-8"?>
 <a:theme xmlns:a="http://schemas.openxmlformats.org/drawingml/2006/main" name="Larissa">
   <a:themeElements>

--- a/Grafiken/Loesungskonzepte.pptx
+++ b/Grafiken/Loesungskonzepte.pptx
@@ -310,7 +310,7 @@
           <a:p>
             <a:fld id="{62A7EEA7-7CF7-4A21-92C8-3CFB69AD4175}" type="datetimeFigureOut">
               <a:rPr lang="de-DE" smtClean="0"/>
-              <a:t>17.02.2017</a:t>
+              <a:t>26.02.2017</a:t>
             </a:fld>
             <a:endParaRPr lang="de-DE"/>
           </a:p>
@@ -480,7 +480,7 @@
           <a:p>
             <a:fld id="{62A7EEA7-7CF7-4A21-92C8-3CFB69AD4175}" type="datetimeFigureOut">
               <a:rPr lang="de-DE" smtClean="0"/>
-              <a:t>17.02.2017</a:t>
+              <a:t>26.02.2017</a:t>
             </a:fld>
             <a:endParaRPr lang="de-DE"/>
           </a:p>
@@ -660,7 +660,7 @@
           <a:p>
             <a:fld id="{62A7EEA7-7CF7-4A21-92C8-3CFB69AD4175}" type="datetimeFigureOut">
               <a:rPr lang="de-DE" smtClean="0"/>
-              <a:t>17.02.2017</a:t>
+              <a:t>26.02.2017</a:t>
             </a:fld>
             <a:endParaRPr lang="de-DE"/>
           </a:p>
@@ -830,7 +830,7 @@
           <a:p>
             <a:fld id="{62A7EEA7-7CF7-4A21-92C8-3CFB69AD4175}" type="datetimeFigureOut">
               <a:rPr lang="de-DE" smtClean="0"/>
-              <a:t>17.02.2017</a:t>
+              <a:t>26.02.2017</a:t>
             </a:fld>
             <a:endParaRPr lang="de-DE"/>
           </a:p>
@@ -1076,7 +1076,7 @@
           <a:p>
             <a:fld id="{62A7EEA7-7CF7-4A21-92C8-3CFB69AD4175}" type="datetimeFigureOut">
               <a:rPr lang="de-DE" smtClean="0"/>
-              <a:t>17.02.2017</a:t>
+              <a:t>26.02.2017</a:t>
             </a:fld>
             <a:endParaRPr lang="de-DE"/>
           </a:p>
@@ -1364,7 +1364,7 @@
           <a:p>
             <a:fld id="{62A7EEA7-7CF7-4A21-92C8-3CFB69AD4175}" type="datetimeFigureOut">
               <a:rPr lang="de-DE" smtClean="0"/>
-              <a:t>17.02.2017</a:t>
+              <a:t>26.02.2017</a:t>
             </a:fld>
             <a:endParaRPr lang="de-DE"/>
           </a:p>
@@ -1786,7 +1786,7 @@
           <a:p>
             <a:fld id="{62A7EEA7-7CF7-4A21-92C8-3CFB69AD4175}" type="datetimeFigureOut">
               <a:rPr lang="de-DE" smtClean="0"/>
-              <a:t>17.02.2017</a:t>
+              <a:t>26.02.2017</a:t>
             </a:fld>
             <a:endParaRPr lang="de-DE"/>
           </a:p>
@@ -1904,7 +1904,7 @@
           <a:p>
             <a:fld id="{62A7EEA7-7CF7-4A21-92C8-3CFB69AD4175}" type="datetimeFigureOut">
               <a:rPr lang="de-DE" smtClean="0"/>
-              <a:t>17.02.2017</a:t>
+              <a:t>26.02.2017</a:t>
             </a:fld>
             <a:endParaRPr lang="de-DE"/>
           </a:p>
@@ -1999,7 +1999,7 @@
           <a:p>
             <a:fld id="{62A7EEA7-7CF7-4A21-92C8-3CFB69AD4175}" type="datetimeFigureOut">
               <a:rPr lang="de-DE" smtClean="0"/>
-              <a:t>17.02.2017</a:t>
+              <a:t>26.02.2017</a:t>
             </a:fld>
             <a:endParaRPr lang="de-DE"/>
           </a:p>
@@ -2276,7 +2276,7 @@
           <a:p>
             <a:fld id="{62A7EEA7-7CF7-4A21-92C8-3CFB69AD4175}" type="datetimeFigureOut">
               <a:rPr lang="de-DE" smtClean="0"/>
-              <a:t>17.02.2017</a:t>
+              <a:t>26.02.2017</a:t>
             </a:fld>
             <a:endParaRPr lang="de-DE"/>
           </a:p>
@@ -2529,7 +2529,7 @@
           <a:p>
             <a:fld id="{62A7EEA7-7CF7-4A21-92C8-3CFB69AD4175}" type="datetimeFigureOut">
               <a:rPr lang="de-DE" smtClean="0"/>
-              <a:t>17.02.2017</a:t>
+              <a:t>26.02.2017</a:t>
             </a:fld>
             <a:endParaRPr lang="de-DE"/>
           </a:p>
@@ -2742,7 +2742,7 @@
           <a:p>
             <a:fld id="{62A7EEA7-7CF7-4A21-92C8-3CFB69AD4175}" type="datetimeFigureOut">
               <a:rPr lang="de-DE" smtClean="0"/>
-              <a:t>17.02.2017</a:t>
+              <a:t>26.02.2017</a:t>
             </a:fld>
             <a:endParaRPr lang="de-DE"/>
           </a:p>
@@ -9978,7 +9978,7 @@
         </p:nvGrpSpPr>
         <p:grpSpPr>
           <a:xfrm>
-            <a:off x="4067944" y="2492896"/>
+            <a:off x="3419872" y="1730528"/>
             <a:ext cx="1440160" cy="1537267"/>
             <a:chOff x="6660232" y="2174999"/>
             <a:chExt cx="1440160" cy="1537267"/>
@@ -10079,7 +10079,7 @@
         </p:nvGrpSpPr>
         <p:grpSpPr>
           <a:xfrm>
-            <a:off x="827584" y="951008"/>
+            <a:off x="179512" y="188640"/>
             <a:ext cx="7481701" cy="1368152"/>
             <a:chOff x="827584" y="951008"/>
             <a:chExt cx="7481701" cy="1368152"/>
@@ -10588,7 +10588,7 @@
         </p:nvCxnSpPr>
         <p:spPr>
           <a:xfrm flipH="1">
-            <a:off x="5287314" y="2250081"/>
+            <a:off x="4639242" y="1487713"/>
             <a:ext cx="974406" cy="1170397"/>
           </a:xfrm>
           <a:prstGeom prst="straightConnector1">
@@ -10628,7 +10628,7 @@
         </p:nvCxnSpPr>
         <p:spPr>
           <a:xfrm flipH="1">
-            <a:off x="5287314" y="2118900"/>
+            <a:off x="4639242" y="1356532"/>
             <a:ext cx="2538155" cy="1301578"/>
           </a:xfrm>
           <a:prstGeom prst="straightConnector1">
@@ -10668,7 +10668,7 @@
         </p:nvCxnSpPr>
         <p:spPr>
           <a:xfrm flipH="1">
-            <a:off x="4677629" y="2319160"/>
+            <a:off x="4029557" y="1556792"/>
             <a:ext cx="2383" cy="491633"/>
           </a:xfrm>
           <a:prstGeom prst="straightConnector1">
@@ -10708,7 +10708,7 @@
         </p:nvCxnSpPr>
         <p:spPr>
           <a:xfrm>
-            <a:off x="3095836" y="2319160"/>
+            <a:off x="2447764" y="1556792"/>
             <a:ext cx="972108" cy="1101318"/>
           </a:xfrm>
           <a:prstGeom prst="straightConnector1">
@@ -10748,7 +10748,7 @@
         </p:nvCxnSpPr>
         <p:spPr>
           <a:xfrm>
-            <a:off x="1511660" y="2319160"/>
+            <a:off x="863588" y="1556792"/>
             <a:ext cx="2556284" cy="1101318"/>
           </a:xfrm>
           <a:prstGeom prst="straightConnector1">
@@ -10785,7 +10785,7 @@
         </p:nvGrpSpPr>
         <p:grpSpPr>
           <a:xfrm>
-            <a:off x="1277634" y="2924944"/>
+            <a:off x="629562" y="2162576"/>
             <a:ext cx="918102" cy="763700"/>
             <a:chOff x="1221878" y="3128690"/>
             <a:chExt cx="918102" cy="763700"/>
@@ -11070,7 +11070,7 @@
         </p:nvSpPr>
         <p:spPr>
           <a:xfrm>
-            <a:off x="2989923" y="1628800"/>
+            <a:off x="2245171" y="1412777"/>
             <a:ext cx="2037946" cy="576064"/>
           </a:xfrm>
           <a:prstGeom prst="rect">
@@ -11126,7 +11126,7 @@
         </p:nvSpPr>
         <p:spPr>
           <a:xfrm>
-            <a:off x="2987824" y="2571284"/>
+            <a:off x="2243072" y="2355261"/>
             <a:ext cx="5499072" cy="504056"/>
           </a:xfrm>
           <a:prstGeom prst="rect">
@@ -11174,7 +11174,7 @@
         </p:nvGrpSpPr>
         <p:grpSpPr>
           <a:xfrm>
-            <a:off x="1115616" y="548680"/>
+            <a:off x="370864" y="332657"/>
             <a:ext cx="1394616" cy="504056"/>
             <a:chOff x="369072" y="548680"/>
             <a:chExt cx="1394616" cy="504056"/>
@@ -11266,7 +11266,7 @@
         </p:nvGrpSpPr>
         <p:grpSpPr>
           <a:xfrm>
-            <a:off x="2582240" y="548680"/>
+            <a:off x="1837488" y="332657"/>
             <a:ext cx="1394616" cy="504056"/>
             <a:chOff x="369072" y="548680"/>
             <a:chExt cx="1394616" cy="504056"/>
@@ -11358,7 +11358,7 @@
         </p:nvGrpSpPr>
         <p:grpSpPr>
           <a:xfrm>
-            <a:off x="4067944" y="548680"/>
+            <a:off x="3323192" y="332657"/>
             <a:ext cx="1394616" cy="504056"/>
             <a:chOff x="369072" y="548680"/>
             <a:chExt cx="1394616" cy="504056"/>
@@ -11450,7 +11450,7 @@
         </p:nvGrpSpPr>
         <p:grpSpPr>
           <a:xfrm>
-            <a:off x="5580112" y="548680"/>
+            <a:off x="4835360" y="332657"/>
             <a:ext cx="1394616" cy="504056"/>
             <a:chOff x="369072" y="548680"/>
             <a:chExt cx="1394616" cy="504056"/>
@@ -11542,7 +11542,7 @@
         </p:nvGrpSpPr>
         <p:grpSpPr>
           <a:xfrm>
-            <a:off x="7092280" y="548680"/>
+            <a:off x="6347528" y="332657"/>
             <a:ext cx="1394616" cy="504056"/>
             <a:chOff x="369072" y="548680"/>
             <a:chExt cx="1394616" cy="504056"/>
@@ -11634,7 +11634,7 @@
         </p:nvGrpSpPr>
         <p:grpSpPr>
           <a:xfrm>
-            <a:off x="7395922" y="1268760"/>
+            <a:off x="6651170" y="1052737"/>
             <a:ext cx="1280534" cy="613568"/>
             <a:chOff x="6702312" y="2167556"/>
             <a:chExt cx="1280534" cy="613568"/>
@@ -11697,7 +11697,7 @@
             <p:nvPr/>
           </p:nvPicPr>
           <p:blipFill rotWithShape="1">
-            <a:blip r:embed="rId3">
+            <a:blip r:embed="rId3" cstate="print">
               <a:extLst>
                 <a:ext uri="{28A0092B-C50C-407E-A947-70E740481C1C}">
                   <a14:useLocalDpi xmlns:a14="http://schemas.microsoft.com/office/drawing/2010/main" val="0"/>
@@ -11727,7 +11727,7 @@
           <p:nvPr/>
         </p:nvPicPr>
         <p:blipFill rotWithShape="1">
-          <a:blip r:embed="rId3">
+          <a:blip r:embed="rId4">
             <a:extLst>
               <a:ext uri="{28A0092B-C50C-407E-A947-70E740481C1C}">
                 <a14:useLocalDpi xmlns:a14="http://schemas.microsoft.com/office/drawing/2010/main" val="0"/>
@@ -11739,7 +11739,7 @@
         </p:blipFill>
         <p:spPr>
           <a:xfrm>
-            <a:off x="1426123" y="2492896"/>
+            <a:off x="681371" y="2276873"/>
             <a:ext cx="939833" cy="664799"/>
           </a:xfrm>
           <a:prstGeom prst="rect">
@@ -11755,7 +11755,7 @@
         </p:nvGrpSpPr>
         <p:grpSpPr>
           <a:xfrm>
-            <a:off x="1111368" y="1412776"/>
+            <a:off x="366616" y="1196753"/>
             <a:ext cx="1569344" cy="883841"/>
             <a:chOff x="698400" y="1916832"/>
             <a:chExt cx="1569344" cy="883841"/>
@@ -11770,7 +11770,7 @@
             <p:nvPr/>
           </p:nvPicPr>
           <p:blipFill rotWithShape="1">
-            <a:blip r:embed="rId4">
+            <a:blip r:embed="rId5">
               <a:extLst>
                 <a:ext uri="{28A0092B-C50C-407E-A947-70E740481C1C}">
                   <a14:useLocalDpi xmlns:a14="http://schemas.microsoft.com/office/drawing/2010/main" val="0"/>
@@ -11799,7 +11799,7 @@
             <p:nvPr/>
           </p:nvPicPr>
           <p:blipFill rotWithShape="1">
-            <a:blip r:embed="rId5">
+            <a:blip r:embed="rId6">
               <a:extLst>
                 <a:ext uri="{28A0092B-C50C-407E-A947-70E740481C1C}">
                   <a14:useLocalDpi xmlns:a14="http://schemas.microsoft.com/office/drawing/2010/main" val="0"/>
@@ -11918,7 +11918,7 @@
         </p:nvCxnSpPr>
         <p:spPr>
           <a:xfrm flipV="1">
-            <a:off x="1896040" y="2296617"/>
+            <a:off x="1151288" y="2080594"/>
             <a:ext cx="0" cy="196279"/>
           </a:xfrm>
           <a:prstGeom prst="line">
@@ -11956,7 +11956,7 @@
         </p:nvCxnSpPr>
         <p:spPr>
           <a:xfrm rot="16200000" flipH="1" flipV="1">
-            <a:off x="833755" y="826292"/>
+            <a:off x="89003" y="610269"/>
             <a:ext cx="1306017" cy="750792"/>
           </a:xfrm>
           <a:prstGeom prst="bentConnector4">
@@ -11999,7 +11999,7 @@
         </p:nvCxnSpPr>
         <p:spPr>
           <a:xfrm rot="16200000" flipH="1" flipV="1">
-            <a:off x="1567067" y="92980"/>
+            <a:off x="822315" y="-123043"/>
             <a:ext cx="1306017" cy="2217416"/>
           </a:xfrm>
           <a:prstGeom prst="bentConnector4">
@@ -12042,7 +12042,7 @@
         </p:nvCxnSpPr>
         <p:spPr>
           <a:xfrm rot="16200000" flipH="1" flipV="1">
-            <a:off x="2309919" y="-649872"/>
+            <a:off x="1565167" y="-865895"/>
             <a:ext cx="1306017" cy="3703120"/>
           </a:xfrm>
           <a:prstGeom prst="bentConnector4">
@@ -12085,7 +12085,7 @@
         </p:nvCxnSpPr>
         <p:spPr>
           <a:xfrm rot="16200000" flipH="1" flipV="1">
-            <a:off x="3066003" y="-1405956"/>
+            <a:off x="2321251" y="-1621979"/>
             <a:ext cx="1306017" cy="5215288"/>
           </a:xfrm>
           <a:prstGeom prst="bentConnector4">
@@ -12128,7 +12128,7 @@
         </p:nvCxnSpPr>
         <p:spPr>
           <a:xfrm rot="16200000" flipH="1" flipV="1">
-            <a:off x="3822087" y="-2162040"/>
+            <a:off x="3077335" y="-2378063"/>
             <a:ext cx="1306017" cy="6727456"/>
           </a:xfrm>
           <a:prstGeom prst="bentConnector4">
@@ -12170,7 +12170,7 @@
         </p:nvCxnSpPr>
         <p:spPr>
           <a:xfrm flipV="1">
-            <a:off x="8411193" y="1882328"/>
+            <a:off x="7666441" y="1666305"/>
             <a:ext cx="0" cy="688956"/>
           </a:xfrm>
           <a:prstGeom prst="straightConnector1">
@@ -12210,7 +12210,7 @@
         </p:nvCxnSpPr>
         <p:spPr>
           <a:xfrm flipV="1">
-            <a:off x="2365956" y="2823312"/>
+            <a:off x="1621204" y="2607289"/>
             <a:ext cx="621868" cy="1984"/>
           </a:xfrm>
           <a:prstGeom prst="straightConnector1">
@@ -12249,7 +12249,7 @@
         </p:nvCxnSpPr>
         <p:spPr>
           <a:xfrm>
-            <a:off x="4008896" y="2204864"/>
+            <a:off x="3264144" y="1988841"/>
             <a:ext cx="0" cy="366420"/>
           </a:xfrm>
           <a:prstGeom prst="straightConnector1">
@@ -12289,7 +12289,7 @@
         </p:nvCxnSpPr>
         <p:spPr>
           <a:xfrm rot="16200000" flipH="1">
-            <a:off x="2296601" y="-83495"/>
+            <a:off x="1551849" y="-299518"/>
             <a:ext cx="581000" cy="2843590"/>
           </a:xfrm>
           <a:prstGeom prst="bentConnector3">
@@ -12331,7 +12331,7 @@
         </p:nvCxnSpPr>
         <p:spPr>
           <a:xfrm rot="16200000" flipH="1">
-            <a:off x="3031966" y="651870"/>
+            <a:off x="2287214" y="435847"/>
             <a:ext cx="576064" cy="1377796"/>
           </a:xfrm>
           <a:prstGeom prst="bentConnector3">
@@ -12373,7 +12373,7 @@
         </p:nvCxnSpPr>
         <p:spPr>
           <a:xfrm rot="5400000">
-            <a:off x="3774041" y="1287591"/>
+            <a:off x="3029289" y="1071568"/>
             <a:ext cx="576064" cy="106354"/>
           </a:xfrm>
           <a:prstGeom prst="bentConnector3">
@@ -12415,7 +12415,7 @@
         </p:nvCxnSpPr>
         <p:spPr>
           <a:xfrm rot="5400000">
-            <a:off x="4527081" y="534552"/>
+            <a:off x="3782329" y="318529"/>
             <a:ext cx="576064" cy="1612433"/>
           </a:xfrm>
           <a:prstGeom prst="bentConnector3">
@@ -12457,7 +12457,7 @@
         </p:nvCxnSpPr>
         <p:spPr>
           <a:xfrm rot="5400000">
-            <a:off x="5289193" y="-227561"/>
+            <a:off x="4544441" y="-443584"/>
             <a:ext cx="576064" cy="3136658"/>
           </a:xfrm>
           <a:prstGeom prst="bentConnector3">
@@ -12496,7 +12496,7 @@
         </p:nvSpPr>
         <p:spPr>
           <a:xfrm>
-            <a:off x="5203531" y="1628800"/>
+            <a:off x="4458779" y="1412777"/>
             <a:ext cx="2032869" cy="576064"/>
           </a:xfrm>
           <a:prstGeom prst="rect">
@@ -12547,7 +12547,7 @@
         </p:nvCxnSpPr>
         <p:spPr>
           <a:xfrm flipH="1">
-            <a:off x="5027869" y="1916832"/>
+            <a:off x="4283117" y="1700809"/>
             <a:ext cx="175662" cy="0"/>
           </a:xfrm>
           <a:prstGeom prst="straightConnector1">
@@ -12587,7 +12587,7 @@
         </p:nvCxnSpPr>
         <p:spPr>
           <a:xfrm rot="16200000" flipV="1">
-            <a:off x="3453425" y="-1137741"/>
+            <a:off x="2708673" y="-1353764"/>
             <a:ext cx="576064" cy="4957018"/>
           </a:xfrm>
           <a:prstGeom prst="bentConnector3">
@@ -12629,7 +12629,7 @@
         </p:nvCxnSpPr>
         <p:spPr>
           <a:xfrm rot="16200000" flipV="1">
-            <a:off x="4185327" y="-405840"/>
+            <a:off x="3440575" y="-621863"/>
             <a:ext cx="581000" cy="3488279"/>
           </a:xfrm>
           <a:prstGeom prst="bentConnector3">
@@ -12671,7 +12671,7 @@
         </p:nvCxnSpPr>
         <p:spPr>
           <a:xfrm rot="16200000" flipV="1">
-            <a:off x="4926273" y="335107"/>
+            <a:off x="4181521" y="119084"/>
             <a:ext cx="576064" cy="2011322"/>
           </a:xfrm>
           <a:prstGeom prst="bentConnector3">
@@ -12713,7 +12713,7 @@
         </p:nvCxnSpPr>
         <p:spPr>
           <a:xfrm rot="16200000" flipV="1">
-            <a:off x="5682357" y="1091191"/>
+            <a:off x="4937605" y="875168"/>
             <a:ext cx="576064" cy="499154"/>
           </a:xfrm>
           <a:prstGeom prst="bentConnector3">
@@ -12755,7 +12755,7 @@
         </p:nvCxnSpPr>
         <p:spPr>
           <a:xfrm rot="5400000" flipH="1" flipV="1">
-            <a:off x="6441757" y="830945"/>
+            <a:off x="5697005" y="614922"/>
             <a:ext cx="576064" cy="1019646"/>
           </a:xfrm>
           <a:prstGeom prst="bentConnector3">
@@ -12794,7 +12794,7 @@
         </p:nvSpPr>
         <p:spPr>
           <a:xfrm>
-            <a:off x="1050240" y="692696"/>
+            <a:off x="305488" y="476673"/>
             <a:ext cx="425416" cy="360040"/>
           </a:xfrm>
           <a:prstGeom prst="rect">
@@ -12838,7 +12838,7 @@
         </p:nvSpPr>
         <p:spPr>
           <a:xfrm>
-            <a:off x="2518979" y="687760"/>
+            <a:off x="1774227" y="471737"/>
             <a:ext cx="425416" cy="360040"/>
           </a:xfrm>
           <a:prstGeom prst="rect">
@@ -12882,7 +12882,7 @@
         </p:nvSpPr>
         <p:spPr>
           <a:xfrm>
-            <a:off x="3995936" y="692696"/>
+            <a:off x="3251184" y="476673"/>
             <a:ext cx="425416" cy="360040"/>
           </a:xfrm>
           <a:prstGeom prst="rect">
@@ -12926,7 +12926,7 @@
         </p:nvSpPr>
         <p:spPr>
           <a:xfrm>
-            <a:off x="5508104" y="692696"/>
+            <a:off x="4763352" y="476673"/>
             <a:ext cx="425416" cy="360040"/>
           </a:xfrm>
           <a:prstGeom prst="rect">
@@ -12970,7 +12970,7 @@
         </p:nvSpPr>
         <p:spPr>
           <a:xfrm>
-            <a:off x="7026904" y="692696"/>
+            <a:off x="6282152" y="476673"/>
             <a:ext cx="425416" cy="360040"/>
           </a:xfrm>
           <a:prstGeom prst="rect">
@@ -13014,7 +13014,7 @@
         </p:nvSpPr>
         <p:spPr>
           <a:xfrm>
-            <a:off x="952598" y="687760"/>
+            <a:off x="207846" y="471737"/>
             <a:ext cx="425416" cy="360040"/>
           </a:xfrm>
           <a:prstGeom prst="rect">
@@ -13058,7 +13058,7 @@
         </p:nvSpPr>
         <p:spPr>
           <a:xfrm>
-            <a:off x="2418392" y="692696"/>
+            <a:off x="1673640" y="476673"/>
             <a:ext cx="425416" cy="360040"/>
           </a:xfrm>
           <a:prstGeom prst="rect">
@@ -13102,7 +13102,7 @@
         </p:nvSpPr>
         <p:spPr>
           <a:xfrm>
-            <a:off x="3902542" y="692696"/>
+            <a:off x="3157790" y="476673"/>
             <a:ext cx="425416" cy="360040"/>
           </a:xfrm>
           <a:prstGeom prst="rect">
@@ -13146,7 +13146,7 @@
         </p:nvSpPr>
         <p:spPr>
           <a:xfrm>
-            <a:off x="5408621" y="692696"/>
+            <a:off x="4663869" y="476673"/>
             <a:ext cx="425416" cy="360040"/>
           </a:xfrm>
           <a:prstGeom prst="rect">
@@ -13190,7 +13190,7 @@
         </p:nvSpPr>
         <p:spPr>
           <a:xfrm>
-            <a:off x="6932846" y="692696"/>
+            <a:off x="6188094" y="476673"/>
             <a:ext cx="425416" cy="360040"/>
           </a:xfrm>
           <a:prstGeom prst="rect">
@@ -13234,7 +13234,7 @@
         </p:nvSpPr>
         <p:spPr>
           <a:xfrm>
-            <a:off x="924264" y="3488111"/>
+            <a:off x="179512" y="3272088"/>
             <a:ext cx="7464160" cy="1477328"/>
           </a:xfrm>
           <a:prstGeom prst="rect">

--- a/Grafiken/Loesungskonzepte.pptx
+++ b/Grafiken/Loesungskonzepte.pptx
@@ -310,7 +310,7 @@
           <a:p>
             <a:fld id="{62A7EEA7-7CF7-4A21-92C8-3CFB69AD4175}" type="datetimeFigureOut">
               <a:rPr lang="de-DE" smtClean="0"/>
-              <a:t>26.02.2017</a:t>
+              <a:t>27.02.2017</a:t>
             </a:fld>
             <a:endParaRPr lang="de-DE"/>
           </a:p>
@@ -480,7 +480,7 @@
           <a:p>
             <a:fld id="{62A7EEA7-7CF7-4A21-92C8-3CFB69AD4175}" type="datetimeFigureOut">
               <a:rPr lang="de-DE" smtClean="0"/>
-              <a:t>26.02.2017</a:t>
+              <a:t>27.02.2017</a:t>
             </a:fld>
             <a:endParaRPr lang="de-DE"/>
           </a:p>
@@ -660,7 +660,7 @@
           <a:p>
             <a:fld id="{62A7EEA7-7CF7-4A21-92C8-3CFB69AD4175}" type="datetimeFigureOut">
               <a:rPr lang="de-DE" smtClean="0"/>
-              <a:t>26.02.2017</a:t>
+              <a:t>27.02.2017</a:t>
             </a:fld>
             <a:endParaRPr lang="de-DE"/>
           </a:p>
@@ -830,7 +830,7 @@
           <a:p>
             <a:fld id="{62A7EEA7-7CF7-4A21-92C8-3CFB69AD4175}" type="datetimeFigureOut">
               <a:rPr lang="de-DE" smtClean="0"/>
-              <a:t>26.02.2017</a:t>
+              <a:t>27.02.2017</a:t>
             </a:fld>
             <a:endParaRPr lang="de-DE"/>
           </a:p>
@@ -1076,7 +1076,7 @@
           <a:p>
             <a:fld id="{62A7EEA7-7CF7-4A21-92C8-3CFB69AD4175}" type="datetimeFigureOut">
               <a:rPr lang="de-DE" smtClean="0"/>
-              <a:t>26.02.2017</a:t>
+              <a:t>27.02.2017</a:t>
             </a:fld>
             <a:endParaRPr lang="de-DE"/>
           </a:p>
@@ -1364,7 +1364,7 @@
           <a:p>
             <a:fld id="{62A7EEA7-7CF7-4A21-92C8-3CFB69AD4175}" type="datetimeFigureOut">
               <a:rPr lang="de-DE" smtClean="0"/>
-              <a:t>26.02.2017</a:t>
+              <a:t>27.02.2017</a:t>
             </a:fld>
             <a:endParaRPr lang="de-DE"/>
           </a:p>
@@ -1786,7 +1786,7 @@
           <a:p>
             <a:fld id="{62A7EEA7-7CF7-4A21-92C8-3CFB69AD4175}" type="datetimeFigureOut">
               <a:rPr lang="de-DE" smtClean="0"/>
-              <a:t>26.02.2017</a:t>
+              <a:t>27.02.2017</a:t>
             </a:fld>
             <a:endParaRPr lang="de-DE"/>
           </a:p>
@@ -1904,7 +1904,7 @@
           <a:p>
             <a:fld id="{62A7EEA7-7CF7-4A21-92C8-3CFB69AD4175}" type="datetimeFigureOut">
               <a:rPr lang="de-DE" smtClean="0"/>
-              <a:t>26.02.2017</a:t>
+              <a:t>27.02.2017</a:t>
             </a:fld>
             <a:endParaRPr lang="de-DE"/>
           </a:p>
@@ -1999,7 +1999,7 @@
           <a:p>
             <a:fld id="{62A7EEA7-7CF7-4A21-92C8-3CFB69AD4175}" type="datetimeFigureOut">
               <a:rPr lang="de-DE" smtClean="0"/>
-              <a:t>26.02.2017</a:t>
+              <a:t>27.02.2017</a:t>
             </a:fld>
             <a:endParaRPr lang="de-DE"/>
           </a:p>
@@ -2276,7 +2276,7 @@
           <a:p>
             <a:fld id="{62A7EEA7-7CF7-4A21-92C8-3CFB69AD4175}" type="datetimeFigureOut">
               <a:rPr lang="de-DE" smtClean="0"/>
-              <a:t>26.02.2017</a:t>
+              <a:t>27.02.2017</a:t>
             </a:fld>
             <a:endParaRPr lang="de-DE"/>
           </a:p>
@@ -2529,7 +2529,7 @@
           <a:p>
             <a:fld id="{62A7EEA7-7CF7-4A21-92C8-3CFB69AD4175}" type="datetimeFigureOut">
               <a:rPr lang="de-DE" smtClean="0"/>
-              <a:t>26.02.2017</a:t>
+              <a:t>27.02.2017</a:t>
             </a:fld>
             <a:endParaRPr lang="de-DE"/>
           </a:p>
@@ -2742,7 +2742,7 @@
           <a:p>
             <a:fld id="{62A7EEA7-7CF7-4A21-92C8-3CFB69AD4175}" type="datetimeFigureOut">
               <a:rPr lang="de-DE" smtClean="0"/>
-              <a:t>26.02.2017</a:t>
+              <a:t>27.02.2017</a:t>
             </a:fld>
             <a:endParaRPr lang="de-DE"/>
           </a:p>
@@ -13234,8 +13234,8 @@
         </p:nvSpPr>
         <p:spPr>
           <a:xfrm>
-            <a:off x="179512" y="3272088"/>
-            <a:ext cx="7464160" cy="1477328"/>
+            <a:off x="179512" y="2996952"/>
+            <a:ext cx="7562632" cy="923330"/>
           </a:xfrm>
           <a:prstGeom prst="rect">
             <a:avLst/>
@@ -13254,15 +13254,24 @@
                   <a:schemeClr val="accent6"/>
                 </a:solidFill>
               </a:rPr>
-              <a:t>Komplette Kommunikation</a:t>
+              <a:t>Komplette </a:t>
+            </a:r>
+            <a:r>
+              <a:rPr lang="de-DE" dirty="0" smtClean="0">
+                <a:solidFill>
+                  <a:schemeClr val="accent6"/>
+                </a:solidFill>
+              </a:rPr>
+              <a:t>Kommunikation</a:t>
+            </a:r>
+            <a:r>
+              <a:rPr lang="de-DE" dirty="0"/>
+              <a:t> </a:t>
             </a:r>
             <a:r>
               <a:rPr lang="de-DE" dirty="0" smtClean="0"/>
-              <a:t/>
-            </a:r>
-            <a:br>
-              <a:rPr lang="de-DE" dirty="0" smtClean="0"/>
-            </a:br>
+              <a:t>		</a:t>
+            </a:r>
             <a:r>
               <a:rPr lang="de-DE" dirty="0" smtClean="0">
                 <a:solidFill>
@@ -13271,20 +13280,29 @@
               </a:rPr>
               <a:t>Eventnachrichten</a:t>
             </a:r>
-            <a:br>
+            <a:r>
               <a:rPr lang="de-DE" dirty="0" smtClean="0">
                 <a:solidFill>
                   <a:srgbClr val="990099"/>
                 </a:solidFill>
               </a:rPr>
-            </a:br>
+              <a:t> 		</a:t>
+            </a:r>
             <a:r>
               <a:rPr lang="de-DE" dirty="0" smtClean="0">
                 <a:solidFill>
                   <a:srgbClr val="0070C0"/>
                 </a:solidFill>
               </a:rPr>
-              <a:t>Bild &amp; Ton</a:t>
+              <a:t>Bild </a:t>
+            </a:r>
+            <a:r>
+              <a:rPr lang="de-DE" dirty="0" smtClean="0">
+                <a:solidFill>
+                  <a:srgbClr val="0070C0"/>
+                </a:solidFill>
+              </a:rPr>
+              <a:t>&amp; Ton</a:t>
             </a:r>
           </a:p>
           <a:p>

--- a/Grafiken/Loesungskonzepte.pptx
+++ b/Grafiken/Loesungskonzepte.pptx
@@ -310,7 +310,7 @@
           <a:p>
             <a:fld id="{62A7EEA7-7CF7-4A21-92C8-3CFB69AD4175}" type="datetimeFigureOut">
               <a:rPr lang="de-DE" smtClean="0"/>
-              <a:t>27.02.2017</a:t>
+              <a:t>03.03.2017</a:t>
             </a:fld>
             <a:endParaRPr lang="de-DE"/>
           </a:p>
@@ -480,7 +480,7 @@
           <a:p>
             <a:fld id="{62A7EEA7-7CF7-4A21-92C8-3CFB69AD4175}" type="datetimeFigureOut">
               <a:rPr lang="de-DE" smtClean="0"/>
-              <a:t>27.02.2017</a:t>
+              <a:t>03.03.2017</a:t>
             </a:fld>
             <a:endParaRPr lang="de-DE"/>
           </a:p>
@@ -660,7 +660,7 @@
           <a:p>
             <a:fld id="{62A7EEA7-7CF7-4A21-92C8-3CFB69AD4175}" type="datetimeFigureOut">
               <a:rPr lang="de-DE" smtClean="0"/>
-              <a:t>27.02.2017</a:t>
+              <a:t>03.03.2017</a:t>
             </a:fld>
             <a:endParaRPr lang="de-DE"/>
           </a:p>
@@ -830,7 +830,7 @@
           <a:p>
             <a:fld id="{62A7EEA7-7CF7-4A21-92C8-3CFB69AD4175}" type="datetimeFigureOut">
               <a:rPr lang="de-DE" smtClean="0"/>
-              <a:t>27.02.2017</a:t>
+              <a:t>03.03.2017</a:t>
             </a:fld>
             <a:endParaRPr lang="de-DE"/>
           </a:p>
@@ -1076,7 +1076,7 @@
           <a:p>
             <a:fld id="{62A7EEA7-7CF7-4A21-92C8-3CFB69AD4175}" type="datetimeFigureOut">
               <a:rPr lang="de-DE" smtClean="0"/>
-              <a:t>27.02.2017</a:t>
+              <a:t>03.03.2017</a:t>
             </a:fld>
             <a:endParaRPr lang="de-DE"/>
           </a:p>
@@ -1364,7 +1364,7 @@
           <a:p>
             <a:fld id="{62A7EEA7-7CF7-4A21-92C8-3CFB69AD4175}" type="datetimeFigureOut">
               <a:rPr lang="de-DE" smtClean="0"/>
-              <a:t>27.02.2017</a:t>
+              <a:t>03.03.2017</a:t>
             </a:fld>
             <a:endParaRPr lang="de-DE"/>
           </a:p>
@@ -1786,7 +1786,7 @@
           <a:p>
             <a:fld id="{62A7EEA7-7CF7-4A21-92C8-3CFB69AD4175}" type="datetimeFigureOut">
               <a:rPr lang="de-DE" smtClean="0"/>
-              <a:t>27.02.2017</a:t>
+              <a:t>03.03.2017</a:t>
             </a:fld>
             <a:endParaRPr lang="de-DE"/>
           </a:p>
@@ -1904,7 +1904,7 @@
           <a:p>
             <a:fld id="{62A7EEA7-7CF7-4A21-92C8-3CFB69AD4175}" type="datetimeFigureOut">
               <a:rPr lang="de-DE" smtClean="0"/>
-              <a:t>27.02.2017</a:t>
+              <a:t>03.03.2017</a:t>
             </a:fld>
             <a:endParaRPr lang="de-DE"/>
           </a:p>
@@ -1999,7 +1999,7 @@
           <a:p>
             <a:fld id="{62A7EEA7-7CF7-4A21-92C8-3CFB69AD4175}" type="datetimeFigureOut">
               <a:rPr lang="de-DE" smtClean="0"/>
-              <a:t>27.02.2017</a:t>
+              <a:t>03.03.2017</a:t>
             </a:fld>
             <a:endParaRPr lang="de-DE"/>
           </a:p>
@@ -2276,7 +2276,7 @@
           <a:p>
             <a:fld id="{62A7EEA7-7CF7-4A21-92C8-3CFB69AD4175}" type="datetimeFigureOut">
               <a:rPr lang="de-DE" smtClean="0"/>
-              <a:t>27.02.2017</a:t>
+              <a:t>03.03.2017</a:t>
             </a:fld>
             <a:endParaRPr lang="de-DE"/>
           </a:p>
@@ -2529,7 +2529,7 @@
           <a:p>
             <a:fld id="{62A7EEA7-7CF7-4A21-92C8-3CFB69AD4175}" type="datetimeFigureOut">
               <a:rPr lang="de-DE" smtClean="0"/>
-              <a:t>27.02.2017</a:t>
+              <a:t>03.03.2017</a:t>
             </a:fld>
             <a:endParaRPr lang="de-DE"/>
           </a:p>
@@ -2742,7 +2742,7 @@
           <a:p>
             <a:fld id="{62A7EEA7-7CF7-4A21-92C8-3CFB69AD4175}" type="datetimeFigureOut">
               <a:rPr lang="de-DE" smtClean="0"/>
-              <a:t>27.02.2017</a:t>
+              <a:t>03.03.2017</a:t>
             </a:fld>
             <a:endParaRPr lang="de-DE"/>
           </a:p>
@@ -9978,10 +9978,10 @@
         </p:nvGrpSpPr>
         <p:grpSpPr>
           <a:xfrm>
-            <a:off x="3419872" y="1730528"/>
-            <a:ext cx="1440160" cy="1537267"/>
-            <a:chOff x="6660232" y="2174999"/>
-            <a:chExt cx="1440160" cy="1537267"/>
+            <a:off x="3673139" y="1971050"/>
+            <a:ext cx="1330909" cy="1385942"/>
+            <a:chOff x="6660232" y="2326324"/>
+            <a:chExt cx="1330909" cy="1385942"/>
           </a:xfrm>
         </p:grpSpPr>
         <p:pic>
@@ -10052,8 +10052,8 @@
           </p:blipFill>
           <p:spPr bwMode="auto">
             <a:xfrm>
-              <a:off x="7452320" y="2174999"/>
-              <a:ext cx="648072" cy="635794"/>
+              <a:off x="7497317" y="2326324"/>
+              <a:ext cx="493824" cy="484468"/>
             </a:xfrm>
             <a:prstGeom prst="rect">
               <a:avLst/>
@@ -10073,722 +10073,16 @@
       </p:grpSp>
       <p:grpSp>
         <p:nvGrpSpPr>
-          <p:cNvPr id="15" name="Gruppieren 14"/>
+          <p:cNvPr id="48" name="Gruppieren 47"/>
           <p:cNvGrpSpPr/>
           <p:nvPr/>
         </p:nvGrpSpPr>
         <p:grpSpPr>
           <a:xfrm>
-            <a:off x="179512" y="188640"/>
-            <a:ext cx="7481701" cy="1368152"/>
-            <a:chOff x="827584" y="951008"/>
-            <a:chExt cx="7481701" cy="1368152"/>
-          </a:xfrm>
-        </p:grpSpPr>
-        <p:grpSp>
-          <p:nvGrpSpPr>
-            <p:cNvPr id="14" name="Gruppieren 13"/>
-            <p:cNvGrpSpPr/>
-            <p:nvPr/>
-          </p:nvGrpSpPr>
-          <p:grpSpPr>
-            <a:xfrm>
-              <a:off x="5580112" y="951008"/>
-              <a:ext cx="2729173" cy="1368152"/>
-              <a:chOff x="899592" y="944724"/>
-              <a:chExt cx="2729173" cy="1368152"/>
-            </a:xfrm>
-          </p:grpSpPr>
-          <p:sp>
-            <p:nvSpPr>
-              <p:cNvPr id="9" name="Rechteck 8"/>
-              <p:cNvSpPr/>
-              <p:nvPr/>
-            </p:nvSpPr>
-            <p:spPr>
-              <a:xfrm>
-                <a:off x="899592" y="944724"/>
-                <a:ext cx="2729173" cy="1368152"/>
-              </a:xfrm>
-              <a:prstGeom prst="rect">
-                <a:avLst/>
-              </a:prstGeom>
-              <a:solidFill>
-                <a:srgbClr val="66CCFF"/>
-              </a:solidFill>
-              <a:ln w="12700">
-                <a:solidFill>
-                  <a:schemeClr val="tx1"/>
-                </a:solidFill>
-              </a:ln>
-            </p:spPr>
-            <p:style>
-              <a:lnRef idx="2">
-                <a:schemeClr val="accent1">
-                  <a:shade val="50000"/>
-                </a:schemeClr>
-              </a:lnRef>
-              <a:fillRef idx="1">
-                <a:schemeClr val="accent1"/>
-              </a:fillRef>
-              <a:effectRef idx="0">
-                <a:schemeClr val="accent1"/>
-              </a:effectRef>
-              <a:fontRef idx="minor">
-                <a:schemeClr val="lt1"/>
-              </a:fontRef>
-            </p:style>
-            <p:txBody>
-              <a:bodyPr rtlCol="0" anchor="ctr"/>
-              <a:lstStyle/>
-              <a:p>
-                <a:pPr algn="ctr"/>
-                <a:endParaRPr lang="de-DE"/>
-              </a:p>
-            </p:txBody>
-          </p:sp>
-          <p:pic>
-            <p:nvPicPr>
-              <p:cNvPr id="5" name="Grafik 4"/>
-              <p:cNvPicPr>
-                <a:picLocks noChangeAspect="1"/>
-              </p:cNvPicPr>
-              <p:nvPr/>
-            </p:nvPicPr>
-            <p:blipFill>
-              <a:blip r:embed="rId4">
-                <a:clrChange>
-                  <a:clrFrom>
-                    <a:srgbClr val="FFFFFF"/>
-                  </a:clrFrom>
-                  <a:clrTo>
-                    <a:srgbClr val="FFFFFF">
-                      <a:alpha val="0"/>
-                    </a:srgbClr>
-                  </a:clrTo>
-                </a:clrChange>
-                <a:extLst>
-                  <a:ext uri="{28A0092B-C50C-407E-A947-70E740481C1C}">
-                    <a14:useLocalDpi xmlns:a14="http://schemas.microsoft.com/office/drawing/2010/main" val="0"/>
-                  </a:ext>
-                </a:extLst>
-              </a:blip>
-              <a:stretch>
-                <a:fillRect/>
-              </a:stretch>
-            </p:blipFill>
-            <p:spPr>
-              <a:xfrm>
-                <a:off x="971600" y="1024597"/>
-                <a:ext cx="1219200" cy="1219200"/>
-              </a:xfrm>
-              <a:prstGeom prst="rect">
-                <a:avLst/>
-              </a:prstGeom>
-            </p:spPr>
-          </p:pic>
-          <p:sp>
-            <p:nvSpPr>
-              <p:cNvPr id="10" name="Plus 9"/>
-              <p:cNvSpPr/>
-              <p:nvPr/>
-            </p:nvSpPr>
-            <p:spPr>
-              <a:xfrm>
-                <a:off x="2195736" y="1340768"/>
-                <a:ext cx="509628" cy="505457"/>
-              </a:xfrm>
-              <a:prstGeom prst="mathPlus">
-                <a:avLst/>
-              </a:prstGeom>
-              <a:noFill/>
-            </p:spPr>
-            <p:style>
-              <a:lnRef idx="2">
-                <a:schemeClr val="dk1"/>
-              </a:lnRef>
-              <a:fillRef idx="1">
-                <a:schemeClr val="lt1"/>
-              </a:fillRef>
-              <a:effectRef idx="0">
-                <a:schemeClr val="dk1"/>
-              </a:effectRef>
-              <a:fontRef idx="minor">
-                <a:schemeClr val="dk1"/>
-              </a:fontRef>
-            </p:style>
-            <p:txBody>
-              <a:bodyPr rtlCol="0" anchor="ctr"/>
-              <a:lstStyle/>
-              <a:p>
-                <a:pPr algn="ctr"/>
-                <a:endParaRPr lang="de-DE"/>
-              </a:p>
-            </p:txBody>
-          </p:sp>
-          <p:pic>
-            <p:nvPicPr>
-              <p:cNvPr id="4" name="Grafik 3"/>
-              <p:cNvPicPr>
-                <a:picLocks noChangeAspect="1"/>
-              </p:cNvPicPr>
-              <p:nvPr/>
-            </p:nvPicPr>
-            <p:blipFill>
-              <a:blip r:embed="rId5" cstate="print">
-                <a:clrChange>
-                  <a:clrFrom>
-                    <a:srgbClr val="FFFFFF"/>
-                  </a:clrFrom>
-                  <a:clrTo>
-                    <a:srgbClr val="FFFFFF">
-                      <a:alpha val="0"/>
-                    </a:srgbClr>
-                  </a:clrTo>
-                </a:clrChange>
-                <a:extLst>
-                  <a:ext uri="{28A0092B-C50C-407E-A947-70E740481C1C}">
-                    <a14:useLocalDpi xmlns:a14="http://schemas.microsoft.com/office/drawing/2010/main" val="0"/>
-                  </a:ext>
-                </a:extLst>
-              </a:blip>
-              <a:stretch>
-                <a:fillRect/>
-              </a:stretch>
-            </p:blipFill>
-            <p:spPr>
-              <a:xfrm>
-                <a:off x="2661132" y="1144983"/>
-                <a:ext cx="967633" cy="967633"/>
-              </a:xfrm>
-              <a:prstGeom prst="rect">
-                <a:avLst/>
-              </a:prstGeom>
-            </p:spPr>
-          </p:pic>
-        </p:grpSp>
-        <p:grpSp>
-          <p:nvGrpSpPr>
-            <p:cNvPr id="11" name="Gruppieren 10"/>
-            <p:cNvGrpSpPr/>
-            <p:nvPr/>
-          </p:nvGrpSpPr>
-          <p:grpSpPr>
-            <a:xfrm>
-              <a:off x="3995936" y="951008"/>
-              <a:ext cx="1368152" cy="1368152"/>
-              <a:chOff x="899592" y="2780928"/>
-              <a:chExt cx="1368152" cy="1368152"/>
-            </a:xfrm>
-          </p:grpSpPr>
-          <p:sp>
-            <p:nvSpPr>
-              <p:cNvPr id="16" name="Rechteck 15"/>
-              <p:cNvSpPr/>
-              <p:nvPr/>
-            </p:nvSpPr>
-            <p:spPr>
-              <a:xfrm>
-                <a:off x="899592" y="2780928"/>
-                <a:ext cx="1368152" cy="1368152"/>
-              </a:xfrm>
-              <a:prstGeom prst="rect">
-                <a:avLst/>
-              </a:prstGeom>
-              <a:solidFill>
-                <a:srgbClr val="99FF99"/>
-              </a:solidFill>
-              <a:ln w="12700">
-                <a:solidFill>
-                  <a:schemeClr val="tx1"/>
-                </a:solidFill>
-              </a:ln>
-            </p:spPr>
-            <p:style>
-              <a:lnRef idx="2">
-                <a:schemeClr val="accent1">
-                  <a:shade val="50000"/>
-                </a:schemeClr>
-              </a:lnRef>
-              <a:fillRef idx="1">
-                <a:schemeClr val="accent1"/>
-              </a:fillRef>
-              <a:effectRef idx="0">
-                <a:schemeClr val="accent1"/>
-              </a:effectRef>
-              <a:fontRef idx="minor">
-                <a:schemeClr val="lt1"/>
-              </a:fontRef>
-            </p:style>
-            <p:txBody>
-              <a:bodyPr rtlCol="0" anchor="ctr"/>
-              <a:lstStyle/>
-              <a:p>
-                <a:pPr algn="ctr"/>
-                <a:endParaRPr lang="de-DE"/>
-              </a:p>
-            </p:txBody>
-          </p:sp>
-          <p:pic>
-            <p:nvPicPr>
-              <p:cNvPr id="13" name="Grafik 12"/>
-              <p:cNvPicPr>
-                <a:picLocks noChangeAspect="1"/>
-              </p:cNvPicPr>
-              <p:nvPr/>
-            </p:nvPicPr>
-            <p:blipFill>
-              <a:blip r:embed="rId4">
-                <a:clrChange>
-                  <a:clrFrom>
-                    <a:srgbClr val="FFFFFF"/>
-                  </a:clrFrom>
-                  <a:clrTo>
-                    <a:srgbClr val="FFFFFF">
-                      <a:alpha val="0"/>
-                    </a:srgbClr>
-                  </a:clrTo>
-                </a:clrChange>
-                <a:extLst>
-                  <a:ext uri="{28A0092B-C50C-407E-A947-70E740481C1C}">
-                    <a14:useLocalDpi xmlns:a14="http://schemas.microsoft.com/office/drawing/2010/main" val="0"/>
-                  </a:ext>
-                </a:extLst>
-              </a:blip>
-              <a:stretch>
-                <a:fillRect/>
-              </a:stretch>
-            </p:blipFill>
-            <p:spPr>
-              <a:xfrm>
-                <a:off x="971600" y="2855404"/>
-                <a:ext cx="1219200" cy="1219200"/>
-              </a:xfrm>
-              <a:prstGeom prst="rect">
-                <a:avLst/>
-              </a:prstGeom>
-            </p:spPr>
-          </p:pic>
-        </p:grpSp>
-        <p:grpSp>
-          <p:nvGrpSpPr>
-            <p:cNvPr id="19" name="Gruppieren 18"/>
-            <p:cNvGrpSpPr/>
-            <p:nvPr/>
-          </p:nvGrpSpPr>
-          <p:grpSpPr>
-            <a:xfrm>
-              <a:off x="2411760" y="951008"/>
-              <a:ext cx="1368152" cy="1368152"/>
-              <a:chOff x="899592" y="2780928"/>
-              <a:chExt cx="1368152" cy="1368152"/>
-            </a:xfrm>
-          </p:grpSpPr>
-          <p:sp>
-            <p:nvSpPr>
-              <p:cNvPr id="21" name="Rechteck 20"/>
-              <p:cNvSpPr/>
-              <p:nvPr/>
-            </p:nvSpPr>
-            <p:spPr>
-              <a:xfrm>
-                <a:off x="899592" y="2780928"/>
-                <a:ext cx="1368152" cy="1368152"/>
-              </a:xfrm>
-              <a:prstGeom prst="rect">
-                <a:avLst/>
-              </a:prstGeom>
-              <a:solidFill>
-                <a:srgbClr val="FF7C80"/>
-              </a:solidFill>
-              <a:ln w="12700">
-                <a:solidFill>
-                  <a:schemeClr val="tx1"/>
-                </a:solidFill>
-              </a:ln>
-            </p:spPr>
-            <p:style>
-              <a:lnRef idx="2">
-                <a:schemeClr val="accent1">
-                  <a:shade val="50000"/>
-                </a:schemeClr>
-              </a:lnRef>
-              <a:fillRef idx="1">
-                <a:schemeClr val="accent1"/>
-              </a:fillRef>
-              <a:effectRef idx="0">
-                <a:schemeClr val="accent1"/>
-              </a:effectRef>
-              <a:fontRef idx="minor">
-                <a:schemeClr val="lt1"/>
-              </a:fontRef>
-            </p:style>
-            <p:txBody>
-              <a:bodyPr rtlCol="0" anchor="ctr"/>
-              <a:lstStyle/>
-              <a:p>
-                <a:pPr algn="ctr"/>
-                <a:endParaRPr lang="de-DE"/>
-              </a:p>
-            </p:txBody>
-          </p:sp>
-          <p:pic>
-            <p:nvPicPr>
-              <p:cNvPr id="20" name="Grafik 19"/>
-              <p:cNvPicPr>
-                <a:picLocks noChangeAspect="1"/>
-              </p:cNvPicPr>
-              <p:nvPr/>
-            </p:nvPicPr>
-            <p:blipFill>
-              <a:blip r:embed="rId4">
-                <a:clrChange>
-                  <a:clrFrom>
-                    <a:srgbClr val="FFFFFF"/>
-                  </a:clrFrom>
-                  <a:clrTo>
-                    <a:srgbClr val="FFFFFF">
-                      <a:alpha val="0"/>
-                    </a:srgbClr>
-                  </a:clrTo>
-                </a:clrChange>
-                <a:extLst>
-                  <a:ext uri="{28A0092B-C50C-407E-A947-70E740481C1C}">
-                    <a14:useLocalDpi xmlns:a14="http://schemas.microsoft.com/office/drawing/2010/main" val="0"/>
-                  </a:ext>
-                </a:extLst>
-              </a:blip>
-              <a:stretch>
-                <a:fillRect/>
-              </a:stretch>
-            </p:blipFill>
-            <p:spPr>
-              <a:xfrm>
-                <a:off x="971600" y="2855404"/>
-                <a:ext cx="1219200" cy="1219200"/>
-              </a:xfrm>
-              <a:prstGeom prst="rect">
-                <a:avLst/>
-              </a:prstGeom>
-            </p:spPr>
-          </p:pic>
-        </p:grpSp>
-        <p:grpSp>
-          <p:nvGrpSpPr>
-            <p:cNvPr id="22" name="Gruppieren 21"/>
-            <p:cNvGrpSpPr/>
-            <p:nvPr/>
-          </p:nvGrpSpPr>
-          <p:grpSpPr>
-            <a:xfrm>
-              <a:off x="827584" y="951008"/>
-              <a:ext cx="1368152" cy="1368152"/>
-              <a:chOff x="899592" y="2780928"/>
-              <a:chExt cx="1368152" cy="1368152"/>
-            </a:xfrm>
-          </p:grpSpPr>
-          <p:sp>
-            <p:nvSpPr>
-              <p:cNvPr id="24" name="Rechteck 23"/>
-              <p:cNvSpPr/>
-              <p:nvPr/>
-            </p:nvSpPr>
-            <p:spPr>
-              <a:xfrm>
-                <a:off x="899592" y="2780928"/>
-                <a:ext cx="1368152" cy="1368152"/>
-              </a:xfrm>
-              <a:prstGeom prst="rect">
-                <a:avLst/>
-              </a:prstGeom>
-              <a:solidFill>
-                <a:srgbClr val="FFFF99"/>
-              </a:solidFill>
-              <a:ln w="12700">
-                <a:solidFill>
-                  <a:schemeClr val="tx1"/>
-                </a:solidFill>
-              </a:ln>
-            </p:spPr>
-            <p:style>
-              <a:lnRef idx="2">
-                <a:schemeClr val="accent1">
-                  <a:shade val="50000"/>
-                </a:schemeClr>
-              </a:lnRef>
-              <a:fillRef idx="1">
-                <a:schemeClr val="accent1"/>
-              </a:fillRef>
-              <a:effectRef idx="0">
-                <a:schemeClr val="accent1"/>
-              </a:effectRef>
-              <a:fontRef idx="minor">
-                <a:schemeClr val="lt1"/>
-              </a:fontRef>
-            </p:style>
-            <p:txBody>
-              <a:bodyPr rtlCol="0" anchor="ctr"/>
-              <a:lstStyle/>
-              <a:p>
-                <a:pPr algn="ctr"/>
-                <a:endParaRPr lang="de-DE"/>
-              </a:p>
-            </p:txBody>
-          </p:sp>
-          <p:pic>
-            <p:nvPicPr>
-              <p:cNvPr id="23" name="Grafik 22"/>
-              <p:cNvPicPr>
-                <a:picLocks noChangeAspect="1"/>
-              </p:cNvPicPr>
-              <p:nvPr/>
-            </p:nvPicPr>
-            <p:blipFill>
-              <a:blip r:embed="rId4">
-                <a:clrChange>
-                  <a:clrFrom>
-                    <a:srgbClr val="FFFFFF"/>
-                  </a:clrFrom>
-                  <a:clrTo>
-                    <a:srgbClr val="FFFFFF">
-                      <a:alpha val="0"/>
-                    </a:srgbClr>
-                  </a:clrTo>
-                </a:clrChange>
-                <a:extLst>
-                  <a:ext uri="{28A0092B-C50C-407E-A947-70E740481C1C}">
-                    <a14:useLocalDpi xmlns:a14="http://schemas.microsoft.com/office/drawing/2010/main" val="0"/>
-                  </a:ext>
-                </a:extLst>
-              </a:blip>
-              <a:stretch>
-                <a:fillRect/>
-              </a:stretch>
-            </p:blipFill>
-            <p:spPr>
-              <a:xfrm>
-                <a:off x="971600" y="2855404"/>
-                <a:ext cx="1219200" cy="1219200"/>
-              </a:xfrm>
-              <a:prstGeom prst="rect">
-                <a:avLst/>
-              </a:prstGeom>
-            </p:spPr>
-          </p:pic>
-        </p:grpSp>
-      </p:grpSp>
-      <p:cxnSp>
-        <p:nvCxnSpPr>
-          <p:cNvPr id="18" name="Gerade Verbindung mit Pfeil 17"/>
-          <p:cNvCxnSpPr>
-            <a:stCxn id="5" idx="2"/>
-            <a:endCxn id="7" idx="3"/>
-          </p:cNvCxnSpPr>
-          <p:nvPr/>
-        </p:nvCxnSpPr>
-        <p:spPr>
-          <a:xfrm flipH="1">
-            <a:off x="4639242" y="1487713"/>
-            <a:ext cx="974406" cy="1170397"/>
-          </a:xfrm>
-          <a:prstGeom prst="straightConnector1">
-            <a:avLst/>
-          </a:prstGeom>
-          <a:ln w="12700">
-            <a:solidFill>
-              <a:srgbClr val="E20074"/>
-            </a:solidFill>
-            <a:headEnd type="stealth" w="lg" len="lg"/>
-            <a:tailEnd type="stealth" w="lg" len="lg"/>
-          </a:ln>
-        </p:spPr>
-        <p:style>
-          <a:lnRef idx="1">
-            <a:schemeClr val="accent1"/>
-          </a:lnRef>
-          <a:fillRef idx="0">
-            <a:schemeClr val="accent1"/>
-          </a:fillRef>
-          <a:effectRef idx="0">
-            <a:schemeClr val="accent1"/>
-          </a:effectRef>
-          <a:fontRef idx="minor">
-            <a:schemeClr val="tx1"/>
-          </a:fontRef>
-        </p:style>
-      </p:cxnSp>
-      <p:cxnSp>
-        <p:nvCxnSpPr>
-          <p:cNvPr id="31" name="Gerade Verbindung mit Pfeil 30"/>
-          <p:cNvCxnSpPr>
-            <a:stCxn id="4" idx="2"/>
-            <a:endCxn id="7" idx="3"/>
-          </p:cNvCxnSpPr>
-          <p:nvPr/>
-        </p:nvCxnSpPr>
-        <p:spPr>
-          <a:xfrm flipH="1">
-            <a:off x="4639242" y="1356532"/>
-            <a:ext cx="2538155" cy="1301578"/>
-          </a:xfrm>
-          <a:prstGeom prst="straightConnector1">
-            <a:avLst/>
-          </a:prstGeom>
-          <a:ln w="12700">
-            <a:solidFill>
-              <a:srgbClr val="E20074"/>
-            </a:solidFill>
-            <a:headEnd type="stealth" w="lg" len="lg"/>
-            <a:tailEnd type="stealth" w="lg" len="lg"/>
-          </a:ln>
-        </p:spPr>
-        <p:style>
-          <a:lnRef idx="1">
-            <a:schemeClr val="accent1"/>
-          </a:lnRef>
-          <a:fillRef idx="0">
-            <a:schemeClr val="accent1"/>
-          </a:fillRef>
-          <a:effectRef idx="0">
-            <a:schemeClr val="accent1"/>
-          </a:effectRef>
-          <a:fontRef idx="minor">
-            <a:schemeClr val="tx1"/>
-          </a:fontRef>
-        </p:style>
-      </p:cxnSp>
-      <p:cxnSp>
-        <p:nvCxnSpPr>
-          <p:cNvPr id="37" name="Gerade Verbindung mit Pfeil 36"/>
-          <p:cNvCxnSpPr>
-            <a:stCxn id="16" idx="2"/>
-            <a:endCxn id="7" idx="0"/>
-          </p:cNvCxnSpPr>
-          <p:nvPr/>
-        </p:nvCxnSpPr>
-        <p:spPr>
-          <a:xfrm flipH="1">
-            <a:off x="4029557" y="1556792"/>
-            <a:ext cx="2383" cy="491633"/>
-          </a:xfrm>
-          <a:prstGeom prst="straightConnector1">
-            <a:avLst/>
-          </a:prstGeom>
-          <a:ln w="12700">
-            <a:solidFill>
-              <a:srgbClr val="E20074"/>
-            </a:solidFill>
-            <a:headEnd type="stealth" w="lg" len="lg"/>
-            <a:tailEnd type="stealth" w="lg" len="lg"/>
-          </a:ln>
-        </p:spPr>
-        <p:style>
-          <a:lnRef idx="1">
-            <a:schemeClr val="accent1"/>
-          </a:lnRef>
-          <a:fillRef idx="0">
-            <a:schemeClr val="accent1"/>
-          </a:fillRef>
-          <a:effectRef idx="0">
-            <a:schemeClr val="accent1"/>
-          </a:effectRef>
-          <a:fontRef idx="minor">
-            <a:schemeClr val="tx1"/>
-          </a:fontRef>
-        </p:style>
-      </p:cxnSp>
-      <p:cxnSp>
-        <p:nvCxnSpPr>
-          <p:cNvPr id="41" name="Gerade Verbindung mit Pfeil 40"/>
-          <p:cNvCxnSpPr>
-            <a:stCxn id="21" idx="2"/>
-            <a:endCxn id="7" idx="1"/>
-          </p:cNvCxnSpPr>
-          <p:nvPr/>
-        </p:nvCxnSpPr>
-        <p:spPr>
-          <a:xfrm>
-            <a:off x="2447764" y="1556792"/>
-            <a:ext cx="972108" cy="1101318"/>
-          </a:xfrm>
-          <a:prstGeom prst="straightConnector1">
-            <a:avLst/>
-          </a:prstGeom>
-          <a:ln w="12700">
-            <a:solidFill>
-              <a:srgbClr val="E20074"/>
-            </a:solidFill>
-            <a:headEnd type="stealth" w="lg" len="lg"/>
-            <a:tailEnd type="stealth" w="lg" len="lg"/>
-          </a:ln>
-        </p:spPr>
-        <p:style>
-          <a:lnRef idx="1">
-            <a:schemeClr val="accent1"/>
-          </a:lnRef>
-          <a:fillRef idx="0">
-            <a:schemeClr val="accent1"/>
-          </a:fillRef>
-          <a:effectRef idx="0">
-            <a:schemeClr val="accent1"/>
-          </a:effectRef>
-          <a:fontRef idx="minor">
-            <a:schemeClr val="tx1"/>
-          </a:fontRef>
-        </p:style>
-      </p:cxnSp>
-      <p:cxnSp>
-        <p:nvCxnSpPr>
-          <p:cNvPr id="44" name="Gerade Verbindung mit Pfeil 43"/>
-          <p:cNvCxnSpPr>
-            <a:stCxn id="24" idx="2"/>
-            <a:endCxn id="7" idx="1"/>
-          </p:cNvCxnSpPr>
-          <p:nvPr/>
-        </p:nvCxnSpPr>
-        <p:spPr>
-          <a:xfrm>
-            <a:off x="863588" y="1556792"/>
-            <a:ext cx="2556284" cy="1101318"/>
-          </a:xfrm>
-          <a:prstGeom prst="straightConnector1">
-            <a:avLst/>
-          </a:prstGeom>
-          <a:ln w="12700">
-            <a:solidFill>
-              <a:srgbClr val="E20074"/>
-            </a:solidFill>
-            <a:headEnd type="stealth" w="lg" len="lg"/>
-            <a:tailEnd type="stealth" w="lg" len="lg"/>
-          </a:ln>
-        </p:spPr>
-        <p:style>
-          <a:lnRef idx="1">
-            <a:schemeClr val="accent1"/>
-          </a:lnRef>
-          <a:fillRef idx="0">
-            <a:schemeClr val="accent1"/>
-          </a:fillRef>
-          <a:effectRef idx="0">
-            <a:schemeClr val="accent1"/>
-          </a:effectRef>
-          <a:fontRef idx="minor">
-            <a:schemeClr val="tx1"/>
-          </a:fontRef>
-        </p:style>
-      </p:cxnSp>
-      <p:grpSp>
-        <p:nvGrpSpPr>
-          <p:cNvPr id="48" name="Gruppieren 47"/>
-          <p:cNvGrpSpPr/>
-          <p:nvPr/>
-        </p:nvGrpSpPr>
-        <p:grpSpPr>
-          <a:xfrm>
-            <a:off x="629562" y="2162576"/>
-            <a:ext cx="918102" cy="763700"/>
+            <a:off x="6156176" y="2708920"/>
+            <a:ext cx="918102" cy="564982"/>
             <a:chOff x="1221878" y="3128690"/>
-            <a:chExt cx="918102" cy="763700"/>
+            <a:chExt cx="918102" cy="564982"/>
           </a:xfrm>
         </p:grpSpPr>
         <p:sp>
@@ -10926,66 +10220,6 @@
               <a:avLst/>
             </a:prstGeom>
             <a:solidFill>
-              <a:srgbClr val="99FF99"/>
-            </a:solidFill>
-            <a:ln w="12700">
-              <a:solidFill>
-                <a:schemeClr val="tx1"/>
-              </a:solidFill>
-            </a:ln>
-          </p:spPr>
-          <p:style>
-            <a:lnRef idx="2">
-              <a:schemeClr val="accent1">
-                <a:shade val="50000"/>
-              </a:schemeClr>
-            </a:lnRef>
-            <a:fillRef idx="1">
-              <a:schemeClr val="accent1"/>
-            </a:fillRef>
-            <a:effectRef idx="0">
-              <a:schemeClr val="accent1"/>
-            </a:effectRef>
-            <a:fontRef idx="minor">
-              <a:schemeClr val="lt1"/>
-            </a:fontRef>
-          </p:style>
-          <p:txBody>
-            <a:bodyPr rtlCol="0" anchor="ctr"/>
-            <a:lstStyle/>
-            <a:p>
-              <a:pPr algn="ctr"/>
-              <a:r>
-                <a:rPr lang="de-DE" sz="1400" dirty="0" smtClean="0">
-                  <a:solidFill>
-                    <a:sysClr val="windowText" lastClr="000000"/>
-                  </a:solidFill>
-                </a:rPr>
-                <a:t>Raum 3</a:t>
-              </a:r>
-              <a:endParaRPr lang="de-DE" sz="1400" dirty="0">
-                <a:solidFill>
-                  <a:sysClr val="windowText" lastClr="000000"/>
-                </a:solidFill>
-              </a:endParaRPr>
-            </a:p>
-          </p:txBody>
-        </p:sp>
-        <p:sp>
-          <p:nvSpPr>
-            <p:cNvPr id="53" name="Rechteck 52"/>
-            <p:cNvSpPr/>
-            <p:nvPr/>
-          </p:nvSpPr>
-          <p:spPr>
-            <a:xfrm>
-              <a:off x="1221878" y="3730717"/>
-              <a:ext cx="918102" cy="161673"/>
-            </a:xfrm>
-            <a:prstGeom prst="rect">
-              <a:avLst/>
-            </a:prstGeom>
-            <a:solidFill>
               <a:srgbClr val="66CCFF"/>
             </a:solidFill>
             <a:ln w="12700">
@@ -11021,7 +10255,2539 @@
                     <a:sysClr val="windowText" lastClr="000000"/>
                   </a:solidFill>
                 </a:rPr>
-                <a:t>Raum 4</a:t>
+                <a:t>Raum </a:t>
+              </a:r>
+              <a:r>
+                <a:rPr lang="de-DE" sz="1400" dirty="0" smtClean="0">
+                  <a:solidFill>
+                    <a:sysClr val="windowText" lastClr="000000"/>
+                  </a:solidFill>
+                </a:rPr>
+                <a:t>3</a:t>
+              </a:r>
+              <a:endParaRPr lang="de-DE" sz="1400" dirty="0">
+                <a:solidFill>
+                  <a:sysClr val="windowText" lastClr="000000"/>
+                </a:solidFill>
+              </a:endParaRPr>
+            </a:p>
+          </p:txBody>
+        </p:sp>
+      </p:grpSp>
+      <p:grpSp>
+        <p:nvGrpSpPr>
+          <p:cNvPr id="1026" name="Gruppieren 1025"/>
+          <p:cNvGrpSpPr/>
+          <p:nvPr/>
+        </p:nvGrpSpPr>
+        <p:grpSpPr>
+          <a:xfrm>
+            <a:off x="177813" y="148190"/>
+            <a:ext cx="2346810" cy="1408602"/>
+            <a:chOff x="177813" y="220198"/>
+            <a:chExt cx="2346810" cy="1408602"/>
+          </a:xfrm>
+        </p:grpSpPr>
+        <p:sp>
+          <p:nvSpPr>
+            <p:cNvPr id="38" name="Rechteck 37"/>
+            <p:cNvSpPr/>
+            <p:nvPr/>
+          </p:nvSpPr>
+          <p:spPr>
+            <a:xfrm>
+              <a:off x="177813" y="220198"/>
+              <a:ext cx="2346810" cy="1408602"/>
+            </a:xfrm>
+            <a:prstGeom prst="rect">
+              <a:avLst/>
+            </a:prstGeom>
+            <a:solidFill>
+              <a:srgbClr val="FFFF99"/>
+            </a:solidFill>
+            <a:ln w="12700">
+              <a:solidFill>
+                <a:schemeClr val="tx1"/>
+              </a:solidFill>
+            </a:ln>
+          </p:spPr>
+          <p:style>
+            <a:lnRef idx="2">
+              <a:schemeClr val="accent1">
+                <a:shade val="50000"/>
+              </a:schemeClr>
+            </a:lnRef>
+            <a:fillRef idx="1">
+              <a:schemeClr val="accent1"/>
+            </a:fillRef>
+            <a:effectRef idx="0">
+              <a:schemeClr val="accent1"/>
+            </a:effectRef>
+            <a:fontRef idx="minor">
+              <a:schemeClr val="lt1"/>
+            </a:fontRef>
+          </p:style>
+          <p:txBody>
+            <a:bodyPr rtlCol="0" anchor="ctr"/>
+            <a:lstStyle/>
+            <a:p>
+              <a:pPr algn="ctr"/>
+              <a:endParaRPr lang="de-DE"/>
+            </a:p>
+          </p:txBody>
+        </p:sp>
+        <p:grpSp>
+          <p:nvGrpSpPr>
+            <p:cNvPr id="1025" name="Gruppieren 1024"/>
+            <p:cNvGrpSpPr/>
+            <p:nvPr/>
+          </p:nvGrpSpPr>
+          <p:grpSpPr>
+            <a:xfrm>
+              <a:off x="1660624" y="244749"/>
+              <a:ext cx="751136" cy="952003"/>
+              <a:chOff x="1660624" y="244749"/>
+              <a:chExt cx="751136" cy="952003"/>
+            </a:xfrm>
+          </p:grpSpPr>
+          <p:pic>
+            <p:nvPicPr>
+              <p:cNvPr id="34" name="Grafik 33"/>
+              <p:cNvPicPr>
+                <a:picLocks noChangeAspect="1"/>
+              </p:cNvPicPr>
+              <p:nvPr/>
+            </p:nvPicPr>
+            <p:blipFill rotWithShape="1">
+              <a:blip r:embed="rId4" cstate="print">
+                <a:extLst>
+                  <a:ext uri="{28A0092B-C50C-407E-A947-70E740481C1C}">
+                    <a14:useLocalDpi xmlns:a14="http://schemas.microsoft.com/office/drawing/2010/main" val="0"/>
+                  </a:ext>
+                </a:extLst>
+              </a:blip>
+              <a:srcRect l="15026" r="13579"/>
+              <a:stretch/>
+            </p:blipFill>
+            <p:spPr>
+              <a:xfrm>
+                <a:off x="1907704" y="764704"/>
+                <a:ext cx="257050" cy="360040"/>
+              </a:xfrm>
+              <a:prstGeom prst="rect">
+                <a:avLst/>
+              </a:prstGeom>
+            </p:spPr>
+          </p:pic>
+          <p:pic>
+            <p:nvPicPr>
+              <p:cNvPr id="35" name="Grafik 34"/>
+              <p:cNvPicPr>
+                <a:picLocks noChangeAspect="1"/>
+              </p:cNvPicPr>
+              <p:nvPr/>
+            </p:nvPicPr>
+            <p:blipFill rotWithShape="1">
+              <a:blip r:embed="rId5">
+                <a:extLst>
+                  <a:ext uri="{28A0092B-C50C-407E-A947-70E740481C1C}">
+                    <a14:useLocalDpi xmlns:a14="http://schemas.microsoft.com/office/drawing/2010/main" val="0"/>
+                  </a:ext>
+                </a:extLst>
+              </a:blip>
+              <a:srcRect t="15236" r="2750" b="19797"/>
+              <a:stretch/>
+            </p:blipFill>
+            <p:spPr>
+              <a:xfrm>
+                <a:off x="1691680" y="279156"/>
+                <a:ext cx="672916" cy="449544"/>
+              </a:xfrm>
+              <a:prstGeom prst="rect">
+                <a:avLst/>
+              </a:prstGeom>
+            </p:spPr>
+          </p:pic>
+          <p:sp>
+            <p:nvSpPr>
+              <p:cNvPr id="39" name="Rechteck 38"/>
+              <p:cNvSpPr/>
+              <p:nvPr/>
+            </p:nvSpPr>
+            <p:spPr>
+              <a:xfrm>
+                <a:off x="1660624" y="244749"/>
+                <a:ext cx="751136" cy="952003"/>
+              </a:xfrm>
+              <a:prstGeom prst="rect">
+                <a:avLst/>
+              </a:prstGeom>
+              <a:noFill/>
+              <a:ln w="12700">
+                <a:solidFill>
+                  <a:schemeClr val="tx1"/>
+                </a:solidFill>
+              </a:ln>
+            </p:spPr>
+            <p:style>
+              <a:lnRef idx="2">
+                <a:schemeClr val="accent1">
+                  <a:shade val="50000"/>
+                </a:schemeClr>
+              </a:lnRef>
+              <a:fillRef idx="1">
+                <a:schemeClr val="accent1"/>
+              </a:fillRef>
+              <a:effectRef idx="0">
+                <a:schemeClr val="accent1"/>
+              </a:effectRef>
+              <a:fontRef idx="minor">
+                <a:schemeClr val="lt1"/>
+              </a:fontRef>
+            </p:style>
+            <p:txBody>
+              <a:bodyPr rtlCol="0" anchor="ctr"/>
+              <a:lstStyle/>
+              <a:p>
+                <a:pPr algn="ctr"/>
+                <a:endParaRPr lang="de-DE"/>
+              </a:p>
+            </p:txBody>
+          </p:sp>
+        </p:grpSp>
+        <p:grpSp>
+          <p:nvGrpSpPr>
+            <p:cNvPr id="3" name="Gruppieren 2"/>
+            <p:cNvGrpSpPr/>
+            <p:nvPr/>
+          </p:nvGrpSpPr>
+          <p:grpSpPr>
+            <a:xfrm>
+              <a:off x="1958155" y="1216341"/>
+              <a:ext cx="453605" cy="320862"/>
+              <a:chOff x="1814139" y="1221303"/>
+              <a:chExt cx="3731830" cy="2639745"/>
+            </a:xfrm>
+          </p:grpSpPr>
+          <p:pic>
+            <p:nvPicPr>
+              <p:cNvPr id="30" name="Grafik 29"/>
+              <p:cNvPicPr>
+                <a:picLocks noChangeAspect="1"/>
+              </p:cNvPicPr>
+              <p:nvPr/>
+            </p:nvPicPr>
+            <p:blipFill rotWithShape="1">
+              <a:blip r:embed="rId6" cstate="print">
+                <a:extLst>
+                  <a:ext uri="{28A0092B-C50C-407E-A947-70E740481C1C}">
+                    <a14:useLocalDpi xmlns:a14="http://schemas.microsoft.com/office/drawing/2010/main" val="0"/>
+                  </a:ext>
+                </a:extLst>
+              </a:blip>
+              <a:srcRect t="13342" b="15506"/>
+              <a:stretch/>
+            </p:blipFill>
+            <p:spPr>
+              <a:xfrm>
+                <a:off x="1814139" y="1221303"/>
+                <a:ext cx="3731830" cy="2639745"/>
+              </a:xfrm>
+              <a:prstGeom prst="rect">
+                <a:avLst/>
+              </a:prstGeom>
+            </p:spPr>
+          </p:pic>
+          <p:pic>
+            <p:nvPicPr>
+              <p:cNvPr id="49" name="Picture 6" descr="Datei:Bbb logo.png"/>
+              <p:cNvPicPr>
+                <a:picLocks noChangeAspect="1" noChangeArrowheads="1"/>
+              </p:cNvPicPr>
+              <p:nvPr/>
+            </p:nvPicPr>
+            <p:blipFill rotWithShape="1">
+              <a:blip r:embed="rId7" cstate="print">
+                <a:clrChange>
+                  <a:clrFrom>
+                    <a:srgbClr val="000000">
+                      <a:alpha val="0"/>
+                    </a:srgbClr>
+                  </a:clrFrom>
+                  <a:clrTo>
+                    <a:srgbClr val="000000">
+                      <a:alpha val="0"/>
+                    </a:srgbClr>
+                  </a:clrTo>
+                </a:clrChange>
+                <a:extLst>
+                  <a:ext uri="{28A0092B-C50C-407E-A947-70E740481C1C}">
+                    <a14:useLocalDpi xmlns:a14="http://schemas.microsoft.com/office/drawing/2010/main" val="0"/>
+                  </a:ext>
+                </a:extLst>
+              </a:blip>
+              <a:srcRect r="75077"/>
+              <a:stretch/>
+            </p:blipFill>
+            <p:spPr bwMode="auto">
+              <a:xfrm>
+                <a:off x="3048198" y="1862319"/>
+                <a:ext cx="1266190" cy="1242203"/>
+              </a:xfrm>
+              <a:prstGeom prst="rect">
+                <a:avLst/>
+              </a:prstGeom>
+              <a:noFill/>
+              <a:extLst>
+                <a:ext uri="{909E8E84-426E-40DD-AFC4-6F175D3DCCD1}">
+                  <a14:hiddenFill xmlns:a14="http://schemas.microsoft.com/office/drawing/2010/main">
+                    <a:solidFill>
+                      <a:srgbClr val="FFFFFF"/>
+                    </a:solidFill>
+                  </a14:hiddenFill>
+                </a:ext>
+              </a:extLst>
+            </p:spPr>
+          </p:pic>
+        </p:grpSp>
+        <p:cxnSp>
+          <p:nvCxnSpPr>
+            <p:cNvPr id="12" name="Gerade Verbindung mit Pfeil 11"/>
+            <p:cNvCxnSpPr>
+              <a:stCxn id="30" idx="1"/>
+            </p:cNvCxnSpPr>
+            <p:nvPr/>
+          </p:nvCxnSpPr>
+          <p:spPr>
+            <a:xfrm rot="10800000">
+              <a:off x="1834397" y="1216346"/>
+              <a:ext cx="123758" cy="160426"/>
+            </a:xfrm>
+            <a:prstGeom prst="bentConnector2">
+              <a:avLst/>
+            </a:prstGeom>
+            <a:ln>
+              <a:solidFill>
+                <a:schemeClr val="tx1"/>
+              </a:solidFill>
+              <a:tailEnd type="triangle"/>
+            </a:ln>
+          </p:spPr>
+          <p:style>
+            <a:lnRef idx="1">
+              <a:schemeClr val="accent1"/>
+            </a:lnRef>
+            <a:fillRef idx="0">
+              <a:schemeClr val="accent1"/>
+            </a:fillRef>
+            <a:effectRef idx="0">
+              <a:schemeClr val="accent1"/>
+            </a:effectRef>
+            <a:fontRef idx="minor">
+              <a:schemeClr val="tx1"/>
+            </a:fontRef>
+          </p:style>
+        </p:cxnSp>
+        <p:cxnSp>
+          <p:nvCxnSpPr>
+            <p:cNvPr id="59" name="Gerade Verbindung mit Pfeil 58"/>
+            <p:cNvCxnSpPr>
+              <a:stCxn id="39" idx="1"/>
+            </p:cNvCxnSpPr>
+            <p:nvPr/>
+          </p:nvCxnSpPr>
+          <p:spPr>
+            <a:xfrm flipH="1" flipV="1">
+              <a:off x="1504085" y="720750"/>
+              <a:ext cx="156539" cy="1"/>
+            </a:xfrm>
+            <a:prstGeom prst="straightConnector1">
+              <a:avLst/>
+            </a:prstGeom>
+            <a:ln>
+              <a:solidFill>
+                <a:schemeClr val="tx1"/>
+              </a:solidFill>
+              <a:tailEnd type="triangle"/>
+            </a:ln>
+          </p:spPr>
+          <p:style>
+            <a:lnRef idx="1">
+              <a:schemeClr val="accent1"/>
+            </a:lnRef>
+            <a:fillRef idx="0">
+              <a:schemeClr val="accent1"/>
+            </a:fillRef>
+            <a:effectRef idx="0">
+              <a:schemeClr val="accent1"/>
+            </a:effectRef>
+            <a:fontRef idx="minor">
+              <a:schemeClr val="tx1"/>
+            </a:fontRef>
+          </p:style>
+        </p:cxnSp>
+        <p:grpSp>
+          <p:nvGrpSpPr>
+            <p:cNvPr id="63" name="Gruppieren 62"/>
+            <p:cNvGrpSpPr/>
+            <p:nvPr/>
+          </p:nvGrpSpPr>
+          <p:grpSpPr>
+            <a:xfrm>
+              <a:off x="236029" y="264338"/>
+              <a:ext cx="1251794" cy="1292454"/>
+              <a:chOff x="236029" y="244749"/>
+              <a:chExt cx="1251794" cy="1292454"/>
+            </a:xfrm>
+          </p:grpSpPr>
+          <p:grpSp>
+            <p:nvGrpSpPr>
+              <p:cNvPr id="61" name="Gruppieren 60"/>
+              <p:cNvGrpSpPr/>
+              <p:nvPr/>
+            </p:nvGrpSpPr>
+            <p:grpSpPr>
+              <a:xfrm>
+                <a:off x="253829" y="279156"/>
+                <a:ext cx="1219200" cy="1219200"/>
+                <a:chOff x="251520" y="263116"/>
+                <a:chExt cx="1219200" cy="1219200"/>
+              </a:xfrm>
+            </p:grpSpPr>
+            <p:pic>
+              <p:nvPicPr>
+                <p:cNvPr id="23" name="Grafik 22"/>
+                <p:cNvPicPr>
+                  <a:picLocks noChangeAspect="1"/>
+                </p:cNvPicPr>
+                <p:nvPr/>
+              </p:nvPicPr>
+              <p:blipFill>
+                <a:blip r:embed="rId8">
+                  <a:clrChange>
+                    <a:clrFrom>
+                      <a:srgbClr val="FFFFFF"/>
+                    </a:clrFrom>
+                    <a:clrTo>
+                      <a:srgbClr val="FFFFFF">
+                        <a:alpha val="0"/>
+                      </a:srgbClr>
+                    </a:clrTo>
+                  </a:clrChange>
+                  <a:extLst>
+                    <a:ext uri="{28A0092B-C50C-407E-A947-70E740481C1C}">
+                      <a14:useLocalDpi xmlns:a14="http://schemas.microsoft.com/office/drawing/2010/main" val="0"/>
+                    </a:ext>
+                  </a:extLst>
+                </a:blip>
+                <a:stretch>
+                  <a:fillRect/>
+                </a:stretch>
+              </p:blipFill>
+              <p:spPr>
+                <a:xfrm>
+                  <a:off x="251520" y="263116"/>
+                  <a:ext cx="1219200" cy="1219200"/>
+                </a:xfrm>
+                <a:prstGeom prst="rect">
+                  <a:avLst/>
+                </a:prstGeom>
+                <a:noFill/>
+                <a:ln w="12700">
+                  <a:noFill/>
+                </a:ln>
+              </p:spPr>
+            </p:pic>
+            <p:pic>
+              <p:nvPicPr>
+                <p:cNvPr id="40" name="Grafik 39"/>
+                <p:cNvPicPr>
+                  <a:picLocks noChangeAspect="1"/>
+                </p:cNvPicPr>
+                <p:nvPr/>
+              </p:nvPicPr>
+              <p:blipFill rotWithShape="1">
+                <a:blip r:embed="rId9" cstate="print">
+                  <a:extLst>
+                    <a:ext uri="{28A0092B-C50C-407E-A947-70E740481C1C}">
+                      <a14:useLocalDpi xmlns:a14="http://schemas.microsoft.com/office/drawing/2010/main" val="0"/>
+                    </a:ext>
+                  </a:extLst>
+                </a:blip>
+                <a:srcRect l="23443" r="21856"/>
+                <a:stretch/>
+              </p:blipFill>
+              <p:spPr>
+                <a:xfrm>
+                  <a:off x="441080" y="404664"/>
+                  <a:ext cx="98472" cy="180020"/>
+                </a:xfrm>
+                <a:prstGeom prst="rect">
+                  <a:avLst/>
+                </a:prstGeom>
+              </p:spPr>
+            </p:pic>
+            <p:pic>
+              <p:nvPicPr>
+                <p:cNvPr id="42" name="Grafik 41"/>
+                <p:cNvPicPr>
+                  <a:picLocks noChangeAspect="1"/>
+                </p:cNvPicPr>
+                <p:nvPr/>
+              </p:nvPicPr>
+              <p:blipFill rotWithShape="1">
+                <a:blip r:embed="rId9" cstate="print">
+                  <a:extLst>
+                    <a:ext uri="{28A0092B-C50C-407E-A947-70E740481C1C}">
+                      <a14:useLocalDpi xmlns:a14="http://schemas.microsoft.com/office/drawing/2010/main" val="0"/>
+                    </a:ext>
+                  </a:extLst>
+                </a:blip>
+                <a:srcRect l="23443" r="21856"/>
+                <a:stretch/>
+              </p:blipFill>
+              <p:spPr>
+                <a:xfrm>
+                  <a:off x="873128" y="404664"/>
+                  <a:ext cx="98472" cy="180020"/>
+                </a:xfrm>
+                <a:prstGeom prst="rect">
+                  <a:avLst/>
+                </a:prstGeom>
+              </p:spPr>
+            </p:pic>
+            <p:pic>
+              <p:nvPicPr>
+                <p:cNvPr id="43" name="Grafik 42"/>
+                <p:cNvPicPr>
+                  <a:picLocks noChangeAspect="1"/>
+                </p:cNvPicPr>
+                <p:nvPr/>
+              </p:nvPicPr>
+              <p:blipFill rotWithShape="1">
+                <a:blip r:embed="rId9" cstate="print">
+                  <a:extLst>
+                    <a:ext uri="{28A0092B-C50C-407E-A947-70E740481C1C}">
+                      <a14:useLocalDpi xmlns:a14="http://schemas.microsoft.com/office/drawing/2010/main" val="0"/>
+                    </a:ext>
+                  </a:extLst>
+                </a:blip>
+                <a:srcRect l="23443" r="21856"/>
+                <a:stretch/>
+              </p:blipFill>
+              <p:spPr>
+                <a:xfrm>
+                  <a:off x="320162" y="871227"/>
+                  <a:ext cx="98472" cy="180020"/>
+                </a:xfrm>
+                <a:prstGeom prst="rect">
+                  <a:avLst/>
+                </a:prstGeom>
+              </p:spPr>
+            </p:pic>
+            <p:pic>
+              <p:nvPicPr>
+                <p:cNvPr id="45" name="Grafik 44"/>
+                <p:cNvPicPr>
+                  <a:picLocks noChangeAspect="1"/>
+                </p:cNvPicPr>
+                <p:nvPr/>
+              </p:nvPicPr>
+              <p:blipFill rotWithShape="1">
+                <a:blip r:embed="rId9" cstate="print">
+                  <a:extLst>
+                    <a:ext uri="{28A0092B-C50C-407E-A947-70E740481C1C}">
+                      <a14:useLocalDpi xmlns:a14="http://schemas.microsoft.com/office/drawing/2010/main" val="0"/>
+                    </a:ext>
+                  </a:extLst>
+                </a:blip>
+                <a:srcRect l="23443" r="21856"/>
+                <a:stretch/>
+              </p:blipFill>
+              <p:spPr>
+                <a:xfrm>
+                  <a:off x="729112" y="871227"/>
+                  <a:ext cx="98472" cy="180020"/>
+                </a:xfrm>
+                <a:prstGeom prst="rect">
+                  <a:avLst/>
+                </a:prstGeom>
+              </p:spPr>
+            </p:pic>
+            <p:pic>
+              <p:nvPicPr>
+                <p:cNvPr id="46" name="Grafik 45"/>
+                <p:cNvPicPr>
+                  <a:picLocks noChangeAspect="1"/>
+                </p:cNvPicPr>
+                <p:nvPr/>
+              </p:nvPicPr>
+              <p:blipFill rotWithShape="1">
+                <a:blip r:embed="rId9" cstate="print">
+                  <a:extLst>
+                    <a:ext uri="{28A0092B-C50C-407E-A947-70E740481C1C}">
+                      <a14:useLocalDpi xmlns:a14="http://schemas.microsoft.com/office/drawing/2010/main" val="0"/>
+                    </a:ext>
+                  </a:extLst>
+                </a:blip>
+                <a:srcRect l="23443" r="21856"/>
+                <a:stretch/>
+              </p:blipFill>
+              <p:spPr>
+                <a:xfrm>
+                  <a:off x="1138062" y="871227"/>
+                  <a:ext cx="98472" cy="180020"/>
+                </a:xfrm>
+                <a:prstGeom prst="rect">
+                  <a:avLst/>
+                </a:prstGeom>
+              </p:spPr>
+            </p:pic>
+          </p:grpSp>
+          <p:sp>
+            <p:nvSpPr>
+              <p:cNvPr id="62" name="Rechteck 61"/>
+              <p:cNvSpPr/>
+              <p:nvPr/>
+            </p:nvSpPr>
+            <p:spPr>
+              <a:xfrm>
+                <a:off x="236029" y="244749"/>
+                <a:ext cx="1251794" cy="1292454"/>
+              </a:xfrm>
+              <a:prstGeom prst="rect">
+                <a:avLst/>
+              </a:prstGeom>
+              <a:noFill/>
+              <a:ln w="12700">
+                <a:solidFill>
+                  <a:schemeClr val="tx1"/>
+                </a:solidFill>
+              </a:ln>
+            </p:spPr>
+            <p:style>
+              <a:lnRef idx="2">
+                <a:schemeClr val="accent1">
+                  <a:shade val="50000"/>
+                </a:schemeClr>
+              </a:lnRef>
+              <a:fillRef idx="1">
+                <a:schemeClr val="accent1"/>
+              </a:fillRef>
+              <a:effectRef idx="0">
+                <a:schemeClr val="accent1"/>
+              </a:effectRef>
+              <a:fontRef idx="minor">
+                <a:schemeClr val="lt1"/>
+              </a:fontRef>
+            </p:style>
+            <p:txBody>
+              <a:bodyPr rtlCol="0" anchor="ctr"/>
+              <a:lstStyle/>
+              <a:p>
+                <a:pPr algn="ctr"/>
+                <a:endParaRPr lang="de-DE"/>
+              </a:p>
+            </p:txBody>
+          </p:sp>
+        </p:grpSp>
+      </p:grpSp>
+      <p:grpSp>
+        <p:nvGrpSpPr>
+          <p:cNvPr id="68" name="Gruppieren 67"/>
+          <p:cNvGrpSpPr/>
+          <p:nvPr/>
+        </p:nvGrpSpPr>
+        <p:grpSpPr>
+          <a:xfrm>
+            <a:off x="2736635" y="145542"/>
+            <a:ext cx="2346810" cy="1408602"/>
+            <a:chOff x="177813" y="220198"/>
+            <a:chExt cx="2346810" cy="1408602"/>
+          </a:xfrm>
+        </p:grpSpPr>
+        <p:sp>
+          <p:nvSpPr>
+            <p:cNvPr id="69" name="Rechteck 68"/>
+            <p:cNvSpPr/>
+            <p:nvPr/>
+          </p:nvSpPr>
+          <p:spPr>
+            <a:xfrm>
+              <a:off x="177813" y="220198"/>
+              <a:ext cx="2346810" cy="1408602"/>
+            </a:xfrm>
+            <a:prstGeom prst="rect">
+              <a:avLst/>
+            </a:prstGeom>
+            <a:solidFill>
+              <a:srgbClr val="FF7C80"/>
+            </a:solidFill>
+            <a:ln w="12700">
+              <a:solidFill>
+                <a:schemeClr val="tx1"/>
+              </a:solidFill>
+            </a:ln>
+          </p:spPr>
+          <p:style>
+            <a:lnRef idx="2">
+              <a:schemeClr val="accent1">
+                <a:shade val="50000"/>
+              </a:schemeClr>
+            </a:lnRef>
+            <a:fillRef idx="1">
+              <a:schemeClr val="accent1"/>
+            </a:fillRef>
+            <a:effectRef idx="0">
+              <a:schemeClr val="accent1"/>
+            </a:effectRef>
+            <a:fontRef idx="minor">
+              <a:schemeClr val="lt1"/>
+            </a:fontRef>
+          </p:style>
+          <p:txBody>
+            <a:bodyPr rtlCol="0" anchor="ctr"/>
+            <a:lstStyle/>
+            <a:p>
+              <a:pPr algn="ctr"/>
+              <a:endParaRPr lang="de-DE"/>
+            </a:p>
+          </p:txBody>
+        </p:sp>
+        <p:grpSp>
+          <p:nvGrpSpPr>
+            <p:cNvPr id="70" name="Gruppieren 69"/>
+            <p:cNvGrpSpPr/>
+            <p:nvPr/>
+          </p:nvGrpSpPr>
+          <p:grpSpPr>
+            <a:xfrm>
+              <a:off x="1660624" y="244749"/>
+              <a:ext cx="751136" cy="952003"/>
+              <a:chOff x="1660624" y="244749"/>
+              <a:chExt cx="751136" cy="952003"/>
+            </a:xfrm>
+          </p:grpSpPr>
+          <p:pic>
+            <p:nvPicPr>
+              <p:cNvPr id="85" name="Grafik 84"/>
+              <p:cNvPicPr>
+                <a:picLocks noChangeAspect="1"/>
+              </p:cNvPicPr>
+              <p:nvPr/>
+            </p:nvPicPr>
+            <p:blipFill rotWithShape="1">
+              <a:blip r:embed="rId4" cstate="print">
+                <a:extLst>
+                  <a:ext uri="{28A0092B-C50C-407E-A947-70E740481C1C}">
+                    <a14:useLocalDpi xmlns:a14="http://schemas.microsoft.com/office/drawing/2010/main" val="0"/>
+                  </a:ext>
+                </a:extLst>
+              </a:blip>
+              <a:srcRect l="15026" r="13579"/>
+              <a:stretch/>
+            </p:blipFill>
+            <p:spPr>
+              <a:xfrm>
+                <a:off x="1907704" y="764704"/>
+                <a:ext cx="257050" cy="360040"/>
+              </a:xfrm>
+              <a:prstGeom prst="rect">
+                <a:avLst/>
+              </a:prstGeom>
+            </p:spPr>
+          </p:pic>
+          <p:pic>
+            <p:nvPicPr>
+              <p:cNvPr id="86" name="Grafik 85"/>
+              <p:cNvPicPr>
+                <a:picLocks noChangeAspect="1"/>
+              </p:cNvPicPr>
+              <p:nvPr/>
+            </p:nvPicPr>
+            <p:blipFill rotWithShape="1">
+              <a:blip r:embed="rId5">
+                <a:extLst>
+                  <a:ext uri="{28A0092B-C50C-407E-A947-70E740481C1C}">
+                    <a14:useLocalDpi xmlns:a14="http://schemas.microsoft.com/office/drawing/2010/main" val="0"/>
+                  </a:ext>
+                </a:extLst>
+              </a:blip>
+              <a:srcRect t="15236" r="2750" b="19797"/>
+              <a:stretch/>
+            </p:blipFill>
+            <p:spPr>
+              <a:xfrm>
+                <a:off x="1691680" y="279156"/>
+                <a:ext cx="672916" cy="449544"/>
+              </a:xfrm>
+              <a:prstGeom prst="rect">
+                <a:avLst/>
+              </a:prstGeom>
+            </p:spPr>
+          </p:pic>
+          <p:sp>
+            <p:nvSpPr>
+              <p:cNvPr id="87" name="Rechteck 86"/>
+              <p:cNvSpPr/>
+              <p:nvPr/>
+            </p:nvSpPr>
+            <p:spPr>
+              <a:xfrm>
+                <a:off x="1660624" y="244749"/>
+                <a:ext cx="751136" cy="952003"/>
+              </a:xfrm>
+              <a:prstGeom prst="rect">
+                <a:avLst/>
+              </a:prstGeom>
+              <a:noFill/>
+              <a:ln w="12700">
+                <a:solidFill>
+                  <a:schemeClr val="tx1"/>
+                </a:solidFill>
+              </a:ln>
+            </p:spPr>
+            <p:style>
+              <a:lnRef idx="2">
+                <a:schemeClr val="accent1">
+                  <a:shade val="50000"/>
+                </a:schemeClr>
+              </a:lnRef>
+              <a:fillRef idx="1">
+                <a:schemeClr val="accent1"/>
+              </a:fillRef>
+              <a:effectRef idx="0">
+                <a:schemeClr val="accent1"/>
+              </a:effectRef>
+              <a:fontRef idx="minor">
+                <a:schemeClr val="lt1"/>
+              </a:fontRef>
+            </p:style>
+            <p:txBody>
+              <a:bodyPr rtlCol="0" anchor="ctr"/>
+              <a:lstStyle/>
+              <a:p>
+                <a:pPr algn="ctr"/>
+                <a:endParaRPr lang="de-DE"/>
+              </a:p>
+            </p:txBody>
+          </p:sp>
+        </p:grpSp>
+        <p:grpSp>
+          <p:nvGrpSpPr>
+            <p:cNvPr id="71" name="Gruppieren 70"/>
+            <p:cNvGrpSpPr/>
+            <p:nvPr/>
+          </p:nvGrpSpPr>
+          <p:grpSpPr>
+            <a:xfrm>
+              <a:off x="1958155" y="1216341"/>
+              <a:ext cx="453605" cy="320862"/>
+              <a:chOff x="1814139" y="1221303"/>
+              <a:chExt cx="3731830" cy="2639745"/>
+            </a:xfrm>
+          </p:grpSpPr>
+          <p:pic>
+            <p:nvPicPr>
+              <p:cNvPr id="83" name="Grafik 82"/>
+              <p:cNvPicPr>
+                <a:picLocks noChangeAspect="1"/>
+              </p:cNvPicPr>
+              <p:nvPr/>
+            </p:nvPicPr>
+            <p:blipFill rotWithShape="1">
+              <a:blip r:embed="rId6" cstate="print">
+                <a:extLst>
+                  <a:ext uri="{28A0092B-C50C-407E-A947-70E740481C1C}">
+                    <a14:useLocalDpi xmlns:a14="http://schemas.microsoft.com/office/drawing/2010/main" val="0"/>
+                  </a:ext>
+                </a:extLst>
+              </a:blip>
+              <a:srcRect t="13342" b="15506"/>
+              <a:stretch/>
+            </p:blipFill>
+            <p:spPr>
+              <a:xfrm>
+                <a:off x="1814139" y="1221303"/>
+                <a:ext cx="3731830" cy="2639745"/>
+              </a:xfrm>
+              <a:prstGeom prst="rect">
+                <a:avLst/>
+              </a:prstGeom>
+            </p:spPr>
+          </p:pic>
+          <p:pic>
+            <p:nvPicPr>
+              <p:cNvPr id="84" name="Picture 6" descr="Datei:Bbb logo.png"/>
+              <p:cNvPicPr>
+                <a:picLocks noChangeAspect="1" noChangeArrowheads="1"/>
+              </p:cNvPicPr>
+              <p:nvPr/>
+            </p:nvPicPr>
+            <p:blipFill rotWithShape="1">
+              <a:blip r:embed="rId7" cstate="print">
+                <a:clrChange>
+                  <a:clrFrom>
+                    <a:srgbClr val="000000">
+                      <a:alpha val="0"/>
+                    </a:srgbClr>
+                  </a:clrFrom>
+                  <a:clrTo>
+                    <a:srgbClr val="000000">
+                      <a:alpha val="0"/>
+                    </a:srgbClr>
+                  </a:clrTo>
+                </a:clrChange>
+                <a:extLst>
+                  <a:ext uri="{28A0092B-C50C-407E-A947-70E740481C1C}">
+                    <a14:useLocalDpi xmlns:a14="http://schemas.microsoft.com/office/drawing/2010/main" val="0"/>
+                  </a:ext>
+                </a:extLst>
+              </a:blip>
+              <a:srcRect r="75077"/>
+              <a:stretch/>
+            </p:blipFill>
+            <p:spPr bwMode="auto">
+              <a:xfrm>
+                <a:off x="3048198" y="1862319"/>
+                <a:ext cx="1266190" cy="1242203"/>
+              </a:xfrm>
+              <a:prstGeom prst="rect">
+                <a:avLst/>
+              </a:prstGeom>
+              <a:noFill/>
+              <a:extLst>
+                <a:ext uri="{909E8E84-426E-40DD-AFC4-6F175D3DCCD1}">
+                  <a14:hiddenFill xmlns:a14="http://schemas.microsoft.com/office/drawing/2010/main">
+                    <a:solidFill>
+                      <a:srgbClr val="FFFFFF"/>
+                    </a:solidFill>
+                  </a14:hiddenFill>
+                </a:ext>
+              </a:extLst>
+            </p:spPr>
+          </p:pic>
+        </p:grpSp>
+        <p:cxnSp>
+          <p:nvCxnSpPr>
+            <p:cNvPr id="72" name="Gerade Verbindung mit Pfeil 11"/>
+            <p:cNvCxnSpPr>
+              <a:stCxn id="83" idx="1"/>
+            </p:cNvCxnSpPr>
+            <p:nvPr/>
+          </p:nvCxnSpPr>
+          <p:spPr>
+            <a:xfrm rot="10800000">
+              <a:off x="1834397" y="1216346"/>
+              <a:ext cx="123758" cy="160426"/>
+            </a:xfrm>
+            <a:prstGeom prst="bentConnector2">
+              <a:avLst/>
+            </a:prstGeom>
+            <a:ln>
+              <a:solidFill>
+                <a:schemeClr val="tx1"/>
+              </a:solidFill>
+              <a:tailEnd type="triangle"/>
+            </a:ln>
+          </p:spPr>
+          <p:style>
+            <a:lnRef idx="1">
+              <a:schemeClr val="accent1"/>
+            </a:lnRef>
+            <a:fillRef idx="0">
+              <a:schemeClr val="accent1"/>
+            </a:fillRef>
+            <a:effectRef idx="0">
+              <a:schemeClr val="accent1"/>
+            </a:effectRef>
+            <a:fontRef idx="minor">
+              <a:schemeClr val="tx1"/>
+            </a:fontRef>
+          </p:style>
+        </p:cxnSp>
+        <p:cxnSp>
+          <p:nvCxnSpPr>
+            <p:cNvPr id="73" name="Gerade Verbindung mit Pfeil 72"/>
+            <p:cNvCxnSpPr>
+              <a:stCxn id="87" idx="1"/>
+            </p:cNvCxnSpPr>
+            <p:nvPr/>
+          </p:nvCxnSpPr>
+          <p:spPr>
+            <a:xfrm flipH="1" flipV="1">
+              <a:off x="1504085" y="720750"/>
+              <a:ext cx="156539" cy="1"/>
+            </a:xfrm>
+            <a:prstGeom prst="straightConnector1">
+              <a:avLst/>
+            </a:prstGeom>
+            <a:ln>
+              <a:solidFill>
+                <a:schemeClr val="tx1"/>
+              </a:solidFill>
+              <a:tailEnd type="triangle"/>
+            </a:ln>
+          </p:spPr>
+          <p:style>
+            <a:lnRef idx="1">
+              <a:schemeClr val="accent1"/>
+            </a:lnRef>
+            <a:fillRef idx="0">
+              <a:schemeClr val="accent1"/>
+            </a:fillRef>
+            <a:effectRef idx="0">
+              <a:schemeClr val="accent1"/>
+            </a:effectRef>
+            <a:fontRef idx="minor">
+              <a:schemeClr val="tx1"/>
+            </a:fontRef>
+          </p:style>
+        </p:cxnSp>
+        <p:grpSp>
+          <p:nvGrpSpPr>
+            <p:cNvPr id="74" name="Gruppieren 73"/>
+            <p:cNvGrpSpPr/>
+            <p:nvPr/>
+          </p:nvGrpSpPr>
+          <p:grpSpPr>
+            <a:xfrm>
+              <a:off x="236029" y="264338"/>
+              <a:ext cx="1251794" cy="1292454"/>
+              <a:chOff x="236029" y="244749"/>
+              <a:chExt cx="1251794" cy="1292454"/>
+            </a:xfrm>
+          </p:grpSpPr>
+          <p:grpSp>
+            <p:nvGrpSpPr>
+              <p:cNvPr id="75" name="Gruppieren 74"/>
+              <p:cNvGrpSpPr/>
+              <p:nvPr/>
+            </p:nvGrpSpPr>
+            <p:grpSpPr>
+              <a:xfrm>
+                <a:off x="253829" y="279156"/>
+                <a:ext cx="1219200" cy="1219200"/>
+                <a:chOff x="251520" y="263116"/>
+                <a:chExt cx="1219200" cy="1219200"/>
+              </a:xfrm>
+            </p:grpSpPr>
+            <p:pic>
+              <p:nvPicPr>
+                <p:cNvPr id="77" name="Grafik 76"/>
+                <p:cNvPicPr>
+                  <a:picLocks noChangeAspect="1"/>
+                </p:cNvPicPr>
+                <p:nvPr/>
+              </p:nvPicPr>
+              <p:blipFill>
+                <a:blip r:embed="rId8">
+                  <a:clrChange>
+                    <a:clrFrom>
+                      <a:srgbClr val="FFFFFF"/>
+                    </a:clrFrom>
+                    <a:clrTo>
+                      <a:srgbClr val="FFFFFF">
+                        <a:alpha val="0"/>
+                      </a:srgbClr>
+                    </a:clrTo>
+                  </a:clrChange>
+                  <a:extLst>
+                    <a:ext uri="{28A0092B-C50C-407E-A947-70E740481C1C}">
+                      <a14:useLocalDpi xmlns:a14="http://schemas.microsoft.com/office/drawing/2010/main" val="0"/>
+                    </a:ext>
+                  </a:extLst>
+                </a:blip>
+                <a:stretch>
+                  <a:fillRect/>
+                </a:stretch>
+              </p:blipFill>
+              <p:spPr>
+                <a:xfrm>
+                  <a:off x="251520" y="263116"/>
+                  <a:ext cx="1219200" cy="1219200"/>
+                </a:xfrm>
+                <a:prstGeom prst="rect">
+                  <a:avLst/>
+                </a:prstGeom>
+                <a:noFill/>
+                <a:ln w="12700">
+                  <a:noFill/>
+                </a:ln>
+              </p:spPr>
+            </p:pic>
+            <p:pic>
+              <p:nvPicPr>
+                <p:cNvPr id="78" name="Grafik 77"/>
+                <p:cNvPicPr>
+                  <a:picLocks noChangeAspect="1"/>
+                </p:cNvPicPr>
+                <p:nvPr/>
+              </p:nvPicPr>
+              <p:blipFill rotWithShape="1">
+                <a:blip r:embed="rId9" cstate="print">
+                  <a:extLst>
+                    <a:ext uri="{28A0092B-C50C-407E-A947-70E740481C1C}">
+                      <a14:useLocalDpi xmlns:a14="http://schemas.microsoft.com/office/drawing/2010/main" val="0"/>
+                    </a:ext>
+                  </a:extLst>
+                </a:blip>
+                <a:srcRect l="23443" r="21856"/>
+                <a:stretch/>
+              </p:blipFill>
+              <p:spPr>
+                <a:xfrm>
+                  <a:off x="441080" y="404664"/>
+                  <a:ext cx="98472" cy="180020"/>
+                </a:xfrm>
+                <a:prstGeom prst="rect">
+                  <a:avLst/>
+                </a:prstGeom>
+              </p:spPr>
+            </p:pic>
+            <p:pic>
+              <p:nvPicPr>
+                <p:cNvPr id="79" name="Grafik 78"/>
+                <p:cNvPicPr>
+                  <a:picLocks noChangeAspect="1"/>
+                </p:cNvPicPr>
+                <p:nvPr/>
+              </p:nvPicPr>
+              <p:blipFill rotWithShape="1">
+                <a:blip r:embed="rId9" cstate="print">
+                  <a:extLst>
+                    <a:ext uri="{28A0092B-C50C-407E-A947-70E740481C1C}">
+                      <a14:useLocalDpi xmlns:a14="http://schemas.microsoft.com/office/drawing/2010/main" val="0"/>
+                    </a:ext>
+                  </a:extLst>
+                </a:blip>
+                <a:srcRect l="23443" r="21856"/>
+                <a:stretch/>
+              </p:blipFill>
+              <p:spPr>
+                <a:xfrm>
+                  <a:off x="873128" y="404664"/>
+                  <a:ext cx="98472" cy="180020"/>
+                </a:xfrm>
+                <a:prstGeom prst="rect">
+                  <a:avLst/>
+                </a:prstGeom>
+              </p:spPr>
+            </p:pic>
+            <p:pic>
+              <p:nvPicPr>
+                <p:cNvPr id="80" name="Grafik 79"/>
+                <p:cNvPicPr>
+                  <a:picLocks noChangeAspect="1"/>
+                </p:cNvPicPr>
+                <p:nvPr/>
+              </p:nvPicPr>
+              <p:blipFill rotWithShape="1">
+                <a:blip r:embed="rId9" cstate="print">
+                  <a:extLst>
+                    <a:ext uri="{28A0092B-C50C-407E-A947-70E740481C1C}">
+                      <a14:useLocalDpi xmlns:a14="http://schemas.microsoft.com/office/drawing/2010/main" val="0"/>
+                    </a:ext>
+                  </a:extLst>
+                </a:blip>
+                <a:srcRect l="23443" r="21856"/>
+                <a:stretch/>
+              </p:blipFill>
+              <p:spPr>
+                <a:xfrm>
+                  <a:off x="320162" y="871227"/>
+                  <a:ext cx="98472" cy="180020"/>
+                </a:xfrm>
+                <a:prstGeom prst="rect">
+                  <a:avLst/>
+                </a:prstGeom>
+              </p:spPr>
+            </p:pic>
+            <p:pic>
+              <p:nvPicPr>
+                <p:cNvPr id="81" name="Grafik 80"/>
+                <p:cNvPicPr>
+                  <a:picLocks noChangeAspect="1"/>
+                </p:cNvPicPr>
+                <p:nvPr/>
+              </p:nvPicPr>
+              <p:blipFill rotWithShape="1">
+                <a:blip r:embed="rId9" cstate="print">
+                  <a:extLst>
+                    <a:ext uri="{28A0092B-C50C-407E-A947-70E740481C1C}">
+                      <a14:useLocalDpi xmlns:a14="http://schemas.microsoft.com/office/drawing/2010/main" val="0"/>
+                    </a:ext>
+                  </a:extLst>
+                </a:blip>
+                <a:srcRect l="23443" r="21856"/>
+                <a:stretch/>
+              </p:blipFill>
+              <p:spPr>
+                <a:xfrm>
+                  <a:off x="729112" y="871227"/>
+                  <a:ext cx="98472" cy="180020"/>
+                </a:xfrm>
+                <a:prstGeom prst="rect">
+                  <a:avLst/>
+                </a:prstGeom>
+              </p:spPr>
+            </p:pic>
+            <p:pic>
+              <p:nvPicPr>
+                <p:cNvPr id="82" name="Grafik 81"/>
+                <p:cNvPicPr>
+                  <a:picLocks noChangeAspect="1"/>
+                </p:cNvPicPr>
+                <p:nvPr/>
+              </p:nvPicPr>
+              <p:blipFill rotWithShape="1">
+                <a:blip r:embed="rId9" cstate="print">
+                  <a:extLst>
+                    <a:ext uri="{28A0092B-C50C-407E-A947-70E740481C1C}">
+                      <a14:useLocalDpi xmlns:a14="http://schemas.microsoft.com/office/drawing/2010/main" val="0"/>
+                    </a:ext>
+                  </a:extLst>
+                </a:blip>
+                <a:srcRect l="23443" r="21856"/>
+                <a:stretch/>
+              </p:blipFill>
+              <p:spPr>
+                <a:xfrm>
+                  <a:off x="1138062" y="871227"/>
+                  <a:ext cx="98472" cy="180020"/>
+                </a:xfrm>
+                <a:prstGeom prst="rect">
+                  <a:avLst/>
+                </a:prstGeom>
+              </p:spPr>
+            </p:pic>
+          </p:grpSp>
+          <p:sp>
+            <p:nvSpPr>
+              <p:cNvPr id="76" name="Rechteck 75"/>
+              <p:cNvSpPr/>
+              <p:nvPr/>
+            </p:nvSpPr>
+            <p:spPr>
+              <a:xfrm>
+                <a:off x="236029" y="244749"/>
+                <a:ext cx="1251794" cy="1292454"/>
+              </a:xfrm>
+              <a:prstGeom prst="rect">
+                <a:avLst/>
+              </a:prstGeom>
+              <a:noFill/>
+              <a:ln w="12700">
+                <a:solidFill>
+                  <a:schemeClr val="tx1"/>
+                </a:solidFill>
+              </a:ln>
+            </p:spPr>
+            <p:style>
+              <a:lnRef idx="2">
+                <a:schemeClr val="accent1">
+                  <a:shade val="50000"/>
+                </a:schemeClr>
+              </a:lnRef>
+              <a:fillRef idx="1">
+                <a:schemeClr val="accent1"/>
+              </a:fillRef>
+              <a:effectRef idx="0">
+                <a:schemeClr val="accent1"/>
+              </a:effectRef>
+              <a:fontRef idx="minor">
+                <a:schemeClr val="lt1"/>
+              </a:fontRef>
+            </p:style>
+            <p:txBody>
+              <a:bodyPr rtlCol="0" anchor="ctr"/>
+              <a:lstStyle/>
+              <a:p>
+                <a:pPr algn="ctr"/>
+                <a:endParaRPr lang="de-DE"/>
+              </a:p>
+            </p:txBody>
+          </p:sp>
+        </p:grpSp>
+      </p:grpSp>
+      <p:grpSp>
+        <p:nvGrpSpPr>
+          <p:cNvPr id="1029" name="Gruppieren 1028"/>
+          <p:cNvGrpSpPr/>
+          <p:nvPr/>
+        </p:nvGrpSpPr>
+        <p:grpSpPr>
+          <a:xfrm>
+            <a:off x="5256246" y="145542"/>
+            <a:ext cx="3060170" cy="1408602"/>
+            <a:chOff x="5256246" y="145542"/>
+            <a:chExt cx="3060170" cy="1408602"/>
+          </a:xfrm>
+        </p:grpSpPr>
+        <p:grpSp>
+          <p:nvGrpSpPr>
+            <p:cNvPr id="88" name="Gruppieren 87"/>
+            <p:cNvGrpSpPr/>
+            <p:nvPr/>
+          </p:nvGrpSpPr>
+          <p:grpSpPr>
+            <a:xfrm>
+              <a:off x="5256246" y="145542"/>
+              <a:ext cx="3060170" cy="1408602"/>
+              <a:chOff x="177813" y="220198"/>
+              <a:chExt cx="3060170" cy="1408602"/>
+            </a:xfrm>
+          </p:grpSpPr>
+          <p:sp>
+            <p:nvSpPr>
+              <p:cNvPr id="89" name="Rechteck 88"/>
+              <p:cNvSpPr/>
+              <p:nvPr/>
+            </p:nvSpPr>
+            <p:spPr>
+              <a:xfrm>
+                <a:off x="177813" y="220198"/>
+                <a:ext cx="3060170" cy="1408602"/>
+              </a:xfrm>
+              <a:prstGeom prst="rect">
+                <a:avLst/>
+              </a:prstGeom>
+              <a:solidFill>
+                <a:srgbClr val="66CCFF"/>
+              </a:solidFill>
+              <a:ln w="12700">
+                <a:solidFill>
+                  <a:schemeClr val="tx1"/>
+                </a:solidFill>
+              </a:ln>
+            </p:spPr>
+            <p:style>
+              <a:lnRef idx="2">
+                <a:schemeClr val="accent1">
+                  <a:shade val="50000"/>
+                </a:schemeClr>
+              </a:lnRef>
+              <a:fillRef idx="1">
+                <a:schemeClr val="accent1"/>
+              </a:fillRef>
+              <a:effectRef idx="0">
+                <a:schemeClr val="accent1"/>
+              </a:effectRef>
+              <a:fontRef idx="minor">
+                <a:schemeClr val="lt1"/>
+              </a:fontRef>
+            </p:style>
+            <p:txBody>
+              <a:bodyPr rtlCol="0" anchor="ctr"/>
+              <a:lstStyle/>
+              <a:p>
+                <a:pPr algn="ctr"/>
+                <a:endParaRPr lang="de-DE"/>
+              </a:p>
+            </p:txBody>
+          </p:sp>
+          <p:grpSp>
+            <p:nvGrpSpPr>
+              <p:cNvPr id="90" name="Gruppieren 89"/>
+              <p:cNvGrpSpPr/>
+              <p:nvPr/>
+            </p:nvGrpSpPr>
+            <p:grpSpPr>
+              <a:xfrm>
+                <a:off x="1660624" y="244749"/>
+                <a:ext cx="751136" cy="952003"/>
+                <a:chOff x="1660624" y="244749"/>
+                <a:chExt cx="751136" cy="952003"/>
+              </a:xfrm>
+            </p:grpSpPr>
+            <p:pic>
+              <p:nvPicPr>
+                <p:cNvPr id="105" name="Grafik 104"/>
+                <p:cNvPicPr>
+                  <a:picLocks noChangeAspect="1"/>
+                </p:cNvPicPr>
+                <p:nvPr/>
+              </p:nvPicPr>
+              <p:blipFill rotWithShape="1">
+                <a:blip r:embed="rId4" cstate="print">
+                  <a:extLst>
+                    <a:ext uri="{28A0092B-C50C-407E-A947-70E740481C1C}">
+                      <a14:useLocalDpi xmlns:a14="http://schemas.microsoft.com/office/drawing/2010/main" val="0"/>
+                    </a:ext>
+                  </a:extLst>
+                </a:blip>
+                <a:srcRect l="15026" r="13579"/>
+                <a:stretch/>
+              </p:blipFill>
+              <p:spPr>
+                <a:xfrm>
+                  <a:off x="1907704" y="764704"/>
+                  <a:ext cx="257050" cy="360040"/>
+                </a:xfrm>
+                <a:prstGeom prst="rect">
+                  <a:avLst/>
+                </a:prstGeom>
+              </p:spPr>
+            </p:pic>
+            <p:pic>
+              <p:nvPicPr>
+                <p:cNvPr id="106" name="Grafik 105"/>
+                <p:cNvPicPr>
+                  <a:picLocks noChangeAspect="1"/>
+                </p:cNvPicPr>
+                <p:nvPr/>
+              </p:nvPicPr>
+              <p:blipFill rotWithShape="1">
+                <a:blip r:embed="rId5">
+                  <a:extLst>
+                    <a:ext uri="{28A0092B-C50C-407E-A947-70E740481C1C}">
+                      <a14:useLocalDpi xmlns:a14="http://schemas.microsoft.com/office/drawing/2010/main" val="0"/>
+                    </a:ext>
+                  </a:extLst>
+                </a:blip>
+                <a:srcRect t="15236" r="2750" b="19797"/>
+                <a:stretch/>
+              </p:blipFill>
+              <p:spPr>
+                <a:xfrm>
+                  <a:off x="1691680" y="279156"/>
+                  <a:ext cx="672916" cy="449544"/>
+                </a:xfrm>
+                <a:prstGeom prst="rect">
+                  <a:avLst/>
+                </a:prstGeom>
+              </p:spPr>
+            </p:pic>
+            <p:sp>
+              <p:nvSpPr>
+                <p:cNvPr id="107" name="Rechteck 106"/>
+                <p:cNvSpPr/>
+                <p:nvPr/>
+              </p:nvSpPr>
+              <p:spPr>
+                <a:xfrm>
+                  <a:off x="1660624" y="244749"/>
+                  <a:ext cx="751136" cy="952003"/>
+                </a:xfrm>
+                <a:prstGeom prst="rect">
+                  <a:avLst/>
+                </a:prstGeom>
+                <a:noFill/>
+                <a:ln w="12700">
+                  <a:solidFill>
+                    <a:schemeClr val="tx1"/>
+                  </a:solidFill>
+                </a:ln>
+              </p:spPr>
+              <p:style>
+                <a:lnRef idx="2">
+                  <a:schemeClr val="accent1">
+                    <a:shade val="50000"/>
+                  </a:schemeClr>
+                </a:lnRef>
+                <a:fillRef idx="1">
+                  <a:schemeClr val="accent1"/>
+                </a:fillRef>
+                <a:effectRef idx="0">
+                  <a:schemeClr val="accent1"/>
+                </a:effectRef>
+                <a:fontRef idx="minor">
+                  <a:schemeClr val="lt1"/>
+                </a:fontRef>
+              </p:style>
+              <p:txBody>
+                <a:bodyPr rtlCol="0" anchor="ctr"/>
+                <a:lstStyle/>
+                <a:p>
+                  <a:pPr algn="ctr"/>
+                  <a:endParaRPr lang="de-DE"/>
+                </a:p>
+              </p:txBody>
+            </p:sp>
+          </p:grpSp>
+          <p:grpSp>
+            <p:nvGrpSpPr>
+              <p:cNvPr id="91" name="Gruppieren 90"/>
+              <p:cNvGrpSpPr/>
+              <p:nvPr/>
+            </p:nvGrpSpPr>
+            <p:grpSpPr>
+              <a:xfrm>
+                <a:off x="1958155" y="1216341"/>
+                <a:ext cx="453605" cy="320862"/>
+                <a:chOff x="1814139" y="1221303"/>
+                <a:chExt cx="3731830" cy="2639745"/>
+              </a:xfrm>
+            </p:grpSpPr>
+            <p:pic>
+              <p:nvPicPr>
+                <p:cNvPr id="103" name="Grafik 102"/>
+                <p:cNvPicPr>
+                  <a:picLocks noChangeAspect="1"/>
+                </p:cNvPicPr>
+                <p:nvPr/>
+              </p:nvPicPr>
+              <p:blipFill rotWithShape="1">
+                <a:blip r:embed="rId6" cstate="print">
+                  <a:extLst>
+                    <a:ext uri="{28A0092B-C50C-407E-A947-70E740481C1C}">
+                      <a14:useLocalDpi xmlns:a14="http://schemas.microsoft.com/office/drawing/2010/main" val="0"/>
+                    </a:ext>
+                  </a:extLst>
+                </a:blip>
+                <a:srcRect t="13342" b="15506"/>
+                <a:stretch/>
+              </p:blipFill>
+              <p:spPr>
+                <a:xfrm>
+                  <a:off x="1814139" y="1221303"/>
+                  <a:ext cx="3731830" cy="2639745"/>
+                </a:xfrm>
+                <a:prstGeom prst="rect">
+                  <a:avLst/>
+                </a:prstGeom>
+              </p:spPr>
+            </p:pic>
+            <p:pic>
+              <p:nvPicPr>
+                <p:cNvPr id="104" name="Picture 6" descr="Datei:Bbb logo.png"/>
+                <p:cNvPicPr>
+                  <a:picLocks noChangeAspect="1" noChangeArrowheads="1"/>
+                </p:cNvPicPr>
+                <p:nvPr/>
+              </p:nvPicPr>
+              <p:blipFill rotWithShape="1">
+                <a:blip r:embed="rId7" cstate="print">
+                  <a:clrChange>
+                    <a:clrFrom>
+                      <a:srgbClr val="000000">
+                        <a:alpha val="0"/>
+                      </a:srgbClr>
+                    </a:clrFrom>
+                    <a:clrTo>
+                      <a:srgbClr val="000000">
+                        <a:alpha val="0"/>
+                      </a:srgbClr>
+                    </a:clrTo>
+                  </a:clrChange>
+                  <a:extLst>
+                    <a:ext uri="{28A0092B-C50C-407E-A947-70E740481C1C}">
+                      <a14:useLocalDpi xmlns:a14="http://schemas.microsoft.com/office/drawing/2010/main" val="0"/>
+                    </a:ext>
+                  </a:extLst>
+                </a:blip>
+                <a:srcRect r="75077"/>
+                <a:stretch/>
+              </p:blipFill>
+              <p:spPr bwMode="auto">
+                <a:xfrm>
+                  <a:off x="3048198" y="1862319"/>
+                  <a:ext cx="1266190" cy="1242203"/>
+                </a:xfrm>
+                <a:prstGeom prst="rect">
+                  <a:avLst/>
+                </a:prstGeom>
+                <a:noFill/>
+                <a:extLst>
+                  <a:ext uri="{909E8E84-426E-40DD-AFC4-6F175D3DCCD1}">
+                    <a14:hiddenFill xmlns:a14="http://schemas.microsoft.com/office/drawing/2010/main">
+                      <a:solidFill>
+                        <a:srgbClr val="FFFFFF"/>
+                      </a:solidFill>
+                    </a14:hiddenFill>
+                  </a:ext>
+                </a:extLst>
+              </p:spPr>
+            </p:pic>
+          </p:grpSp>
+          <p:cxnSp>
+            <p:nvCxnSpPr>
+              <p:cNvPr id="92" name="Gerade Verbindung mit Pfeil 11"/>
+              <p:cNvCxnSpPr>
+                <a:stCxn id="103" idx="1"/>
+              </p:cNvCxnSpPr>
+              <p:nvPr/>
+            </p:nvCxnSpPr>
+            <p:spPr>
+              <a:xfrm rot="10800000">
+                <a:off x="1834397" y="1216346"/>
+                <a:ext cx="123758" cy="160426"/>
+              </a:xfrm>
+              <a:prstGeom prst="bentConnector2">
+                <a:avLst/>
+              </a:prstGeom>
+              <a:ln>
+                <a:solidFill>
+                  <a:schemeClr val="tx1"/>
+                </a:solidFill>
+                <a:tailEnd type="triangle"/>
+              </a:ln>
+            </p:spPr>
+            <p:style>
+              <a:lnRef idx="1">
+                <a:schemeClr val="accent1"/>
+              </a:lnRef>
+              <a:fillRef idx="0">
+                <a:schemeClr val="accent1"/>
+              </a:fillRef>
+              <a:effectRef idx="0">
+                <a:schemeClr val="accent1"/>
+              </a:effectRef>
+              <a:fontRef idx="minor">
+                <a:schemeClr val="tx1"/>
+              </a:fontRef>
+            </p:style>
+          </p:cxnSp>
+          <p:cxnSp>
+            <p:nvCxnSpPr>
+              <p:cNvPr id="93" name="Gerade Verbindung mit Pfeil 92"/>
+              <p:cNvCxnSpPr>
+                <a:stCxn id="107" idx="1"/>
+              </p:cNvCxnSpPr>
+              <p:nvPr/>
+            </p:nvCxnSpPr>
+            <p:spPr>
+              <a:xfrm flipH="1" flipV="1">
+                <a:off x="1504085" y="720750"/>
+                <a:ext cx="156539" cy="1"/>
+              </a:xfrm>
+              <a:prstGeom prst="straightConnector1">
+                <a:avLst/>
+              </a:prstGeom>
+              <a:ln>
+                <a:solidFill>
+                  <a:schemeClr val="tx1"/>
+                </a:solidFill>
+                <a:tailEnd type="triangle"/>
+              </a:ln>
+            </p:spPr>
+            <p:style>
+              <a:lnRef idx="1">
+                <a:schemeClr val="accent1"/>
+              </a:lnRef>
+              <a:fillRef idx="0">
+                <a:schemeClr val="accent1"/>
+              </a:fillRef>
+              <a:effectRef idx="0">
+                <a:schemeClr val="accent1"/>
+              </a:effectRef>
+              <a:fontRef idx="minor">
+                <a:schemeClr val="tx1"/>
+              </a:fontRef>
+            </p:style>
+          </p:cxnSp>
+          <p:grpSp>
+            <p:nvGrpSpPr>
+              <p:cNvPr id="94" name="Gruppieren 93"/>
+              <p:cNvGrpSpPr/>
+              <p:nvPr/>
+            </p:nvGrpSpPr>
+            <p:grpSpPr>
+              <a:xfrm>
+                <a:off x="236029" y="264338"/>
+                <a:ext cx="1251794" cy="1292454"/>
+                <a:chOff x="236029" y="244749"/>
+                <a:chExt cx="1251794" cy="1292454"/>
+              </a:xfrm>
+            </p:grpSpPr>
+            <p:grpSp>
+              <p:nvGrpSpPr>
+                <p:cNvPr id="95" name="Gruppieren 94"/>
+                <p:cNvGrpSpPr/>
+                <p:nvPr/>
+              </p:nvGrpSpPr>
+              <p:grpSpPr>
+                <a:xfrm>
+                  <a:off x="253829" y="279156"/>
+                  <a:ext cx="1219200" cy="1219200"/>
+                  <a:chOff x="251520" y="263116"/>
+                  <a:chExt cx="1219200" cy="1219200"/>
+                </a:xfrm>
+              </p:grpSpPr>
+              <p:pic>
+                <p:nvPicPr>
+                  <p:cNvPr id="97" name="Grafik 96"/>
+                  <p:cNvPicPr>
+                    <a:picLocks noChangeAspect="1"/>
+                  </p:cNvPicPr>
+                  <p:nvPr/>
+                </p:nvPicPr>
+                <p:blipFill>
+                  <a:blip r:embed="rId8">
+                    <a:clrChange>
+                      <a:clrFrom>
+                        <a:srgbClr val="FFFFFF"/>
+                      </a:clrFrom>
+                      <a:clrTo>
+                        <a:srgbClr val="FFFFFF">
+                          <a:alpha val="0"/>
+                        </a:srgbClr>
+                      </a:clrTo>
+                    </a:clrChange>
+                    <a:extLst>
+                      <a:ext uri="{28A0092B-C50C-407E-A947-70E740481C1C}">
+                        <a14:useLocalDpi xmlns:a14="http://schemas.microsoft.com/office/drawing/2010/main" val="0"/>
+                      </a:ext>
+                    </a:extLst>
+                  </a:blip>
+                  <a:stretch>
+                    <a:fillRect/>
+                  </a:stretch>
+                </p:blipFill>
+                <p:spPr>
+                  <a:xfrm>
+                    <a:off x="251520" y="263116"/>
+                    <a:ext cx="1219200" cy="1219200"/>
+                  </a:xfrm>
+                  <a:prstGeom prst="rect">
+                    <a:avLst/>
+                  </a:prstGeom>
+                  <a:noFill/>
+                  <a:ln w="12700">
+                    <a:noFill/>
+                  </a:ln>
+                </p:spPr>
+              </p:pic>
+              <p:pic>
+                <p:nvPicPr>
+                  <p:cNvPr id="98" name="Grafik 97"/>
+                  <p:cNvPicPr>
+                    <a:picLocks noChangeAspect="1"/>
+                  </p:cNvPicPr>
+                  <p:nvPr/>
+                </p:nvPicPr>
+                <p:blipFill rotWithShape="1">
+                  <a:blip r:embed="rId9" cstate="print">
+                    <a:extLst>
+                      <a:ext uri="{28A0092B-C50C-407E-A947-70E740481C1C}">
+                        <a14:useLocalDpi xmlns:a14="http://schemas.microsoft.com/office/drawing/2010/main" val="0"/>
+                      </a:ext>
+                    </a:extLst>
+                  </a:blip>
+                  <a:srcRect l="23443" r="21856"/>
+                  <a:stretch/>
+                </p:blipFill>
+                <p:spPr>
+                  <a:xfrm>
+                    <a:off x="441080" y="404664"/>
+                    <a:ext cx="98472" cy="180020"/>
+                  </a:xfrm>
+                  <a:prstGeom prst="rect">
+                    <a:avLst/>
+                  </a:prstGeom>
+                </p:spPr>
+              </p:pic>
+              <p:pic>
+                <p:nvPicPr>
+                  <p:cNvPr id="99" name="Grafik 98"/>
+                  <p:cNvPicPr>
+                    <a:picLocks noChangeAspect="1"/>
+                  </p:cNvPicPr>
+                  <p:nvPr/>
+                </p:nvPicPr>
+                <p:blipFill rotWithShape="1">
+                  <a:blip r:embed="rId9" cstate="print">
+                    <a:extLst>
+                      <a:ext uri="{28A0092B-C50C-407E-A947-70E740481C1C}">
+                        <a14:useLocalDpi xmlns:a14="http://schemas.microsoft.com/office/drawing/2010/main" val="0"/>
+                      </a:ext>
+                    </a:extLst>
+                  </a:blip>
+                  <a:srcRect l="23443" r="21856"/>
+                  <a:stretch/>
+                </p:blipFill>
+                <p:spPr>
+                  <a:xfrm>
+                    <a:off x="873128" y="404664"/>
+                    <a:ext cx="98472" cy="180020"/>
+                  </a:xfrm>
+                  <a:prstGeom prst="rect">
+                    <a:avLst/>
+                  </a:prstGeom>
+                </p:spPr>
+              </p:pic>
+              <p:pic>
+                <p:nvPicPr>
+                  <p:cNvPr id="100" name="Grafik 99"/>
+                  <p:cNvPicPr>
+                    <a:picLocks noChangeAspect="1"/>
+                  </p:cNvPicPr>
+                  <p:nvPr/>
+                </p:nvPicPr>
+                <p:blipFill rotWithShape="1">
+                  <a:blip r:embed="rId9" cstate="print">
+                    <a:extLst>
+                      <a:ext uri="{28A0092B-C50C-407E-A947-70E740481C1C}">
+                        <a14:useLocalDpi xmlns:a14="http://schemas.microsoft.com/office/drawing/2010/main" val="0"/>
+                      </a:ext>
+                    </a:extLst>
+                  </a:blip>
+                  <a:srcRect l="23443" r="21856"/>
+                  <a:stretch/>
+                </p:blipFill>
+                <p:spPr>
+                  <a:xfrm>
+                    <a:off x="320162" y="871227"/>
+                    <a:ext cx="98472" cy="180020"/>
+                  </a:xfrm>
+                  <a:prstGeom prst="rect">
+                    <a:avLst/>
+                  </a:prstGeom>
+                </p:spPr>
+              </p:pic>
+              <p:pic>
+                <p:nvPicPr>
+                  <p:cNvPr id="101" name="Grafik 100"/>
+                  <p:cNvPicPr>
+                    <a:picLocks noChangeAspect="1"/>
+                  </p:cNvPicPr>
+                  <p:nvPr/>
+                </p:nvPicPr>
+                <p:blipFill rotWithShape="1">
+                  <a:blip r:embed="rId9" cstate="print">
+                    <a:extLst>
+                      <a:ext uri="{28A0092B-C50C-407E-A947-70E740481C1C}">
+                        <a14:useLocalDpi xmlns:a14="http://schemas.microsoft.com/office/drawing/2010/main" val="0"/>
+                      </a:ext>
+                    </a:extLst>
+                  </a:blip>
+                  <a:srcRect l="23443" r="21856"/>
+                  <a:stretch/>
+                </p:blipFill>
+                <p:spPr>
+                  <a:xfrm>
+                    <a:off x="729112" y="871227"/>
+                    <a:ext cx="98472" cy="180020"/>
+                  </a:xfrm>
+                  <a:prstGeom prst="rect">
+                    <a:avLst/>
+                  </a:prstGeom>
+                </p:spPr>
+              </p:pic>
+              <p:pic>
+                <p:nvPicPr>
+                  <p:cNvPr id="102" name="Grafik 101"/>
+                  <p:cNvPicPr>
+                    <a:picLocks noChangeAspect="1"/>
+                  </p:cNvPicPr>
+                  <p:nvPr/>
+                </p:nvPicPr>
+                <p:blipFill rotWithShape="1">
+                  <a:blip r:embed="rId9" cstate="print">
+                    <a:extLst>
+                      <a:ext uri="{28A0092B-C50C-407E-A947-70E740481C1C}">
+                        <a14:useLocalDpi xmlns:a14="http://schemas.microsoft.com/office/drawing/2010/main" val="0"/>
+                      </a:ext>
+                    </a:extLst>
+                  </a:blip>
+                  <a:srcRect l="23443" r="21856"/>
+                  <a:stretch/>
+                </p:blipFill>
+                <p:spPr>
+                  <a:xfrm>
+                    <a:off x="1138062" y="871227"/>
+                    <a:ext cx="98472" cy="180020"/>
+                  </a:xfrm>
+                  <a:prstGeom prst="rect">
+                    <a:avLst/>
+                  </a:prstGeom>
+                </p:spPr>
+              </p:pic>
+            </p:grpSp>
+            <p:sp>
+              <p:nvSpPr>
+                <p:cNvPr id="96" name="Rechteck 95"/>
+                <p:cNvSpPr/>
+                <p:nvPr/>
+              </p:nvSpPr>
+              <p:spPr>
+                <a:xfrm>
+                  <a:off x="236029" y="244749"/>
+                  <a:ext cx="1251794" cy="1292454"/>
+                </a:xfrm>
+                <a:prstGeom prst="rect">
+                  <a:avLst/>
+                </a:prstGeom>
+                <a:noFill/>
+                <a:ln w="12700">
+                  <a:solidFill>
+                    <a:schemeClr val="tx1"/>
+                  </a:solidFill>
+                </a:ln>
+              </p:spPr>
+              <p:style>
+                <a:lnRef idx="2">
+                  <a:schemeClr val="accent1">
+                    <a:shade val="50000"/>
+                  </a:schemeClr>
+                </a:lnRef>
+                <a:fillRef idx="1">
+                  <a:schemeClr val="accent1"/>
+                </a:fillRef>
+                <a:effectRef idx="0">
+                  <a:schemeClr val="accent1"/>
+                </a:effectRef>
+                <a:fontRef idx="minor">
+                  <a:schemeClr val="lt1"/>
+                </a:fontRef>
+              </p:style>
+              <p:txBody>
+                <a:bodyPr rtlCol="0" anchor="ctr"/>
+                <a:lstStyle/>
+                <a:p>
+                  <a:pPr algn="ctr"/>
+                  <a:endParaRPr lang="de-DE"/>
+                </a:p>
+              </p:txBody>
+            </p:sp>
+          </p:grpSp>
+        </p:grpSp>
+        <p:pic>
+          <p:nvPicPr>
+            <p:cNvPr id="4" name="Grafik 3"/>
+            <p:cNvPicPr>
+              <a:picLocks noChangeAspect="1"/>
+            </p:cNvPicPr>
+            <p:nvPr/>
+          </p:nvPicPr>
+          <p:blipFill>
+            <a:blip r:embed="rId10" cstate="print">
+              <a:clrChange>
+                <a:clrFrom>
+                  <a:srgbClr val="FFFFFF"/>
+                </a:clrFrom>
+                <a:clrTo>
+                  <a:srgbClr val="FFFFFF">
+                    <a:alpha val="0"/>
+                  </a:srgbClr>
+                </a:clrTo>
+              </a:clrChange>
+              <a:extLst>
+                <a:ext uri="{28A0092B-C50C-407E-A947-70E740481C1C}">
+                  <a14:useLocalDpi xmlns:a14="http://schemas.microsoft.com/office/drawing/2010/main" val="0"/>
+                </a:ext>
+              </a:extLst>
+            </a:blip>
+            <a:stretch>
+              <a:fillRect/>
+            </a:stretch>
+          </p:blipFill>
+          <p:spPr>
+            <a:xfrm>
+              <a:off x="7596336" y="300381"/>
+              <a:ext cx="691426" cy="691426"/>
+            </a:xfrm>
+            <a:prstGeom prst="rect">
+              <a:avLst/>
+            </a:prstGeom>
+          </p:spPr>
+        </p:pic>
+      </p:grpSp>
+      <p:cxnSp>
+        <p:nvCxnSpPr>
+          <p:cNvPr id="109" name="Gerade Verbindung mit Pfeil 11"/>
+          <p:cNvCxnSpPr>
+            <a:stCxn id="4" idx="2"/>
+            <a:endCxn id="103" idx="3"/>
+          </p:cNvCxnSpPr>
+          <p:nvPr/>
+        </p:nvCxnSpPr>
+        <p:spPr>
+          <a:xfrm rot="5400000">
+            <a:off x="7560967" y="921033"/>
+            <a:ext cx="310309" cy="451856"/>
+          </a:xfrm>
+          <a:prstGeom prst="bentConnector2">
+            <a:avLst/>
+          </a:prstGeom>
+          <a:ln>
+            <a:solidFill>
+              <a:schemeClr val="tx1"/>
+            </a:solidFill>
+            <a:tailEnd type="triangle"/>
+          </a:ln>
+        </p:spPr>
+        <p:style>
+          <a:lnRef idx="1">
+            <a:schemeClr val="accent1"/>
+          </a:lnRef>
+          <a:fillRef idx="0">
+            <a:schemeClr val="accent1"/>
+          </a:fillRef>
+          <a:effectRef idx="0">
+            <a:schemeClr val="accent1"/>
+          </a:effectRef>
+          <a:fontRef idx="minor">
+            <a:schemeClr val="tx1"/>
+          </a:fontRef>
+        </p:style>
+      </p:cxnSp>
+      <p:cxnSp>
+        <p:nvCxnSpPr>
+          <p:cNvPr id="113" name="Gerade Verbindung mit Pfeil 11"/>
+          <p:cNvCxnSpPr/>
+          <p:nvPr/>
+        </p:nvCxnSpPr>
+        <p:spPr>
+          <a:xfrm rot="10800000" flipV="1">
+            <a:off x="6582519" y="991806"/>
+            <a:ext cx="1359535" cy="490329"/>
+          </a:xfrm>
+          <a:prstGeom prst="bentConnector3">
+            <a:avLst>
+              <a:gd name="adj1" fmla="val -78"/>
+            </a:avLst>
+          </a:prstGeom>
+          <a:ln>
+            <a:solidFill>
+              <a:schemeClr val="tx1"/>
+            </a:solidFill>
+            <a:prstDash val="dash"/>
+            <a:tailEnd type="triangle"/>
+          </a:ln>
+        </p:spPr>
+        <p:style>
+          <a:lnRef idx="1">
+            <a:schemeClr val="accent1"/>
+          </a:lnRef>
+          <a:fillRef idx="0">
+            <a:schemeClr val="accent1"/>
+          </a:fillRef>
+          <a:effectRef idx="0">
+            <a:schemeClr val="accent1"/>
+          </a:effectRef>
+          <a:fontRef idx="minor">
+            <a:schemeClr val="tx1"/>
+          </a:fontRef>
+        </p:style>
+      </p:cxnSp>
+      <p:cxnSp>
+        <p:nvCxnSpPr>
+          <p:cNvPr id="127" name="Gerade Verbindung mit Pfeil 1039"/>
+          <p:cNvCxnSpPr>
+            <a:stCxn id="62" idx="2"/>
+            <a:endCxn id="7" idx="1"/>
+          </p:cNvCxnSpPr>
+          <p:nvPr/>
+        </p:nvCxnSpPr>
+        <p:spPr>
+          <a:xfrm rot="16200000" flipH="1">
+            <a:off x="1636271" y="710438"/>
+            <a:ext cx="1262523" cy="2811213"/>
+          </a:xfrm>
+          <a:prstGeom prst="bentConnector2">
+            <a:avLst/>
+          </a:prstGeom>
+          <a:ln>
+            <a:solidFill>
+              <a:srgbClr val="00B0F0"/>
+            </a:solidFill>
+            <a:prstDash val="lgDash"/>
+            <a:headEnd type="triangle"/>
+            <a:tailEnd type="triangle"/>
+          </a:ln>
+        </p:spPr>
+        <p:style>
+          <a:lnRef idx="1">
+            <a:schemeClr val="accent1"/>
+          </a:lnRef>
+          <a:fillRef idx="0">
+            <a:schemeClr val="accent1"/>
+          </a:fillRef>
+          <a:effectRef idx="0">
+            <a:schemeClr val="accent1"/>
+          </a:effectRef>
+          <a:fontRef idx="minor">
+            <a:schemeClr val="tx1"/>
+          </a:fontRef>
+        </p:style>
+      </p:cxnSp>
+      <p:cxnSp>
+        <p:nvCxnSpPr>
+          <p:cNvPr id="139" name="Gerade Verbindung mit Pfeil 1039"/>
+          <p:cNvCxnSpPr>
+            <a:stCxn id="7" idx="0"/>
+            <a:endCxn id="30" idx="2"/>
+          </p:cNvCxnSpPr>
+          <p:nvPr/>
+        </p:nvCxnSpPr>
+        <p:spPr>
+          <a:xfrm rot="16200000" flipV="1">
+            <a:off x="2897678" y="752476"/>
+            <a:ext cx="672427" cy="2097866"/>
+          </a:xfrm>
+          <a:prstGeom prst="bentConnector3">
+            <a:avLst>
+              <a:gd name="adj1" fmla="val 50000"/>
+            </a:avLst>
+          </a:prstGeom>
+          <a:ln>
+            <a:solidFill>
+              <a:srgbClr val="00B050"/>
+            </a:solidFill>
+            <a:tailEnd type="triangle"/>
+          </a:ln>
+        </p:spPr>
+        <p:style>
+          <a:lnRef idx="1">
+            <a:schemeClr val="accent1"/>
+          </a:lnRef>
+          <a:fillRef idx="0">
+            <a:schemeClr val="accent1"/>
+          </a:fillRef>
+          <a:effectRef idx="0">
+            <a:schemeClr val="accent1"/>
+          </a:effectRef>
+          <a:fontRef idx="minor">
+            <a:schemeClr val="tx1"/>
+          </a:fontRef>
+        </p:style>
+      </p:cxnSp>
+      <p:cxnSp>
+        <p:nvCxnSpPr>
+          <p:cNvPr id="142" name="Gerade Verbindung mit Pfeil 1039"/>
+          <p:cNvCxnSpPr>
+            <a:stCxn id="7" idx="0"/>
+            <a:endCxn id="83" idx="2"/>
+          </p:cNvCxnSpPr>
+          <p:nvPr/>
+        </p:nvCxnSpPr>
+        <p:spPr>
+          <a:xfrm rot="5400000" flipH="1" flipV="1">
+            <a:off x="4175765" y="1569607"/>
+            <a:ext cx="675075" cy="460956"/>
+          </a:xfrm>
+          <a:prstGeom prst="bentConnector3">
+            <a:avLst>
+              <a:gd name="adj1" fmla="val 50000"/>
+            </a:avLst>
+          </a:prstGeom>
+          <a:ln>
+            <a:solidFill>
+              <a:srgbClr val="00B050"/>
+            </a:solidFill>
+            <a:tailEnd type="triangle"/>
+          </a:ln>
+        </p:spPr>
+        <p:style>
+          <a:lnRef idx="1">
+            <a:schemeClr val="accent1"/>
+          </a:lnRef>
+          <a:fillRef idx="0">
+            <a:schemeClr val="accent1"/>
+          </a:fillRef>
+          <a:effectRef idx="0">
+            <a:schemeClr val="accent1"/>
+          </a:effectRef>
+          <a:fontRef idx="minor">
+            <a:schemeClr val="tx1"/>
+          </a:fontRef>
+        </p:style>
+      </p:cxnSp>
+      <p:cxnSp>
+        <p:nvCxnSpPr>
+          <p:cNvPr id="151" name="Gerade Verbindung mit Pfeil 1039"/>
+          <p:cNvCxnSpPr>
+            <a:stCxn id="76" idx="2"/>
+            <a:endCxn id="7" idx="1"/>
+          </p:cNvCxnSpPr>
+          <p:nvPr/>
+        </p:nvCxnSpPr>
+        <p:spPr>
+          <a:xfrm rot="16200000" flipH="1">
+            <a:off x="2914358" y="1988525"/>
+            <a:ext cx="1265171" cy="252391"/>
+          </a:xfrm>
+          <a:prstGeom prst="bentConnector2">
+            <a:avLst/>
+          </a:prstGeom>
+          <a:ln>
+            <a:solidFill>
+              <a:srgbClr val="00B0F0"/>
+            </a:solidFill>
+            <a:prstDash val="lgDash"/>
+            <a:headEnd type="triangle"/>
+            <a:tailEnd type="triangle"/>
+          </a:ln>
+        </p:spPr>
+        <p:style>
+          <a:lnRef idx="1">
+            <a:schemeClr val="accent1"/>
+          </a:lnRef>
+          <a:fillRef idx="0">
+            <a:schemeClr val="accent1"/>
+          </a:fillRef>
+          <a:effectRef idx="0">
+            <a:schemeClr val="accent1"/>
+          </a:effectRef>
+          <a:fontRef idx="minor">
+            <a:schemeClr val="tx1"/>
+          </a:fontRef>
+        </p:style>
+      </p:cxnSp>
+      <p:cxnSp>
+        <p:nvCxnSpPr>
+          <p:cNvPr id="173" name="Gerade Verbindung mit Pfeil 1039"/>
+          <p:cNvCxnSpPr>
+            <a:endCxn id="7" idx="3"/>
+          </p:cNvCxnSpPr>
+          <p:nvPr/>
+        </p:nvCxnSpPr>
+        <p:spPr>
+          <a:xfrm rot="5400000">
+            <a:off x="4790604" y="1584040"/>
+            <a:ext cx="1265173" cy="1061361"/>
+          </a:xfrm>
+          <a:prstGeom prst="bentConnector2">
+            <a:avLst/>
+          </a:prstGeom>
+          <a:ln>
+            <a:solidFill>
+              <a:srgbClr val="00B0F0"/>
+            </a:solidFill>
+            <a:prstDash val="lgDash"/>
+            <a:headEnd type="triangle"/>
+            <a:tailEnd type="triangle"/>
+          </a:ln>
+        </p:spPr>
+        <p:style>
+          <a:lnRef idx="1">
+            <a:schemeClr val="accent1"/>
+          </a:lnRef>
+          <a:fillRef idx="0">
+            <a:schemeClr val="accent1"/>
+          </a:fillRef>
+          <a:effectRef idx="0">
+            <a:schemeClr val="accent1"/>
+          </a:effectRef>
+          <a:fontRef idx="minor">
+            <a:schemeClr val="tx1"/>
+          </a:fontRef>
+        </p:style>
+      </p:cxnSp>
+      <p:cxnSp>
+        <p:nvCxnSpPr>
+          <p:cNvPr id="145" name="Gerade Verbindung mit Pfeil 1039"/>
+          <p:cNvCxnSpPr>
+            <a:stCxn id="7" idx="0"/>
+            <a:endCxn id="103" idx="2"/>
+          </p:cNvCxnSpPr>
+          <p:nvPr/>
+        </p:nvCxnSpPr>
+        <p:spPr>
+          <a:xfrm rot="5400000" flipH="1" flipV="1">
+            <a:off x="5435570" y="309802"/>
+            <a:ext cx="675075" cy="2980567"/>
+          </a:xfrm>
+          <a:prstGeom prst="bentConnector3">
+            <a:avLst>
+              <a:gd name="adj1" fmla="val 50000"/>
+            </a:avLst>
+          </a:prstGeom>
+          <a:ln>
+            <a:solidFill>
+              <a:srgbClr val="00B050"/>
+            </a:solidFill>
+            <a:headEnd type="triangle"/>
+            <a:tailEnd type="triangle"/>
+          </a:ln>
+        </p:spPr>
+        <p:style>
+          <a:lnRef idx="1">
+            <a:schemeClr val="accent1"/>
+          </a:lnRef>
+          <a:fillRef idx="0">
+            <a:schemeClr val="accent1"/>
+          </a:fillRef>
+          <a:effectRef idx="0">
+            <a:schemeClr val="accent1"/>
+          </a:effectRef>
+          <a:fontRef idx="minor">
+            <a:schemeClr val="tx1"/>
+          </a:fontRef>
+        </p:style>
+      </p:cxnSp>
+      <p:grpSp>
+        <p:nvGrpSpPr>
+          <p:cNvPr id="116" name="Gruppieren 115"/>
+          <p:cNvGrpSpPr/>
+          <p:nvPr/>
+        </p:nvGrpSpPr>
+        <p:grpSpPr>
+          <a:xfrm>
+            <a:off x="6156176" y="1988840"/>
+            <a:ext cx="1728192" cy="606654"/>
+            <a:chOff x="683568" y="3470418"/>
+            <a:chExt cx="1728192" cy="606654"/>
+          </a:xfrm>
+        </p:grpSpPr>
+        <p:cxnSp>
+          <p:nvCxnSpPr>
+            <p:cNvPr id="111" name="Gerader Verbinder 110"/>
+            <p:cNvCxnSpPr/>
+            <p:nvPr/>
+          </p:nvCxnSpPr>
+          <p:spPr>
+            <a:xfrm>
+              <a:off x="683568" y="4005064"/>
+              <a:ext cx="475672" cy="0"/>
+            </a:xfrm>
+            <a:prstGeom prst="line">
+              <a:avLst/>
+            </a:prstGeom>
+            <a:ln>
+              <a:solidFill>
+                <a:srgbClr val="66CCFF"/>
+              </a:solidFill>
+              <a:prstDash val="lgDash"/>
+            </a:ln>
+          </p:spPr>
+          <p:style>
+            <a:lnRef idx="1">
+              <a:schemeClr val="accent1"/>
+            </a:lnRef>
+            <a:fillRef idx="0">
+              <a:schemeClr val="accent1"/>
+            </a:fillRef>
+            <a:effectRef idx="0">
+              <a:schemeClr val="accent1"/>
+            </a:effectRef>
+            <a:fontRef idx="minor">
+              <a:schemeClr val="tx1"/>
+            </a:fontRef>
+          </p:style>
+        </p:cxnSp>
+        <p:cxnSp>
+          <p:nvCxnSpPr>
+            <p:cNvPr id="198" name="Gerader Verbinder 197"/>
+            <p:cNvCxnSpPr/>
+            <p:nvPr/>
+          </p:nvCxnSpPr>
+          <p:spPr>
+            <a:xfrm>
+              <a:off x="683568" y="3789040"/>
+              <a:ext cx="475672" cy="0"/>
+            </a:xfrm>
+            <a:prstGeom prst="line">
+              <a:avLst/>
+            </a:prstGeom>
+            <a:ln>
+              <a:solidFill>
+                <a:schemeClr val="tx1"/>
+              </a:solidFill>
+              <a:prstDash val="solid"/>
+            </a:ln>
+          </p:spPr>
+          <p:style>
+            <a:lnRef idx="1">
+              <a:schemeClr val="accent1"/>
+            </a:lnRef>
+            <a:fillRef idx="0">
+              <a:schemeClr val="accent1"/>
+            </a:fillRef>
+            <a:effectRef idx="0">
+              <a:schemeClr val="accent1"/>
+            </a:effectRef>
+            <a:fontRef idx="minor">
+              <a:schemeClr val="tx1"/>
+            </a:fontRef>
+          </p:style>
+        </p:cxnSp>
+        <p:cxnSp>
+          <p:nvCxnSpPr>
+            <p:cNvPr id="199" name="Gerader Verbinder 198"/>
+            <p:cNvCxnSpPr/>
+            <p:nvPr/>
+          </p:nvCxnSpPr>
+          <p:spPr>
+            <a:xfrm>
+              <a:off x="683568" y="3573016"/>
+              <a:ext cx="475672" cy="0"/>
+            </a:xfrm>
+            <a:prstGeom prst="line">
+              <a:avLst/>
+            </a:prstGeom>
+            <a:ln>
+              <a:solidFill>
+                <a:srgbClr val="00B050"/>
+              </a:solidFill>
+              <a:prstDash val="solid"/>
+            </a:ln>
+          </p:spPr>
+          <p:style>
+            <a:lnRef idx="1">
+              <a:schemeClr val="accent1"/>
+            </a:lnRef>
+            <a:fillRef idx="0">
+              <a:schemeClr val="accent1"/>
+            </a:fillRef>
+            <a:effectRef idx="0">
+              <a:schemeClr val="accent1"/>
+            </a:effectRef>
+            <a:fontRef idx="minor">
+              <a:schemeClr val="tx1"/>
+            </a:fontRef>
+          </p:style>
+        </p:cxnSp>
+        <p:sp>
+          <p:nvSpPr>
+            <p:cNvPr id="201" name="Rechteck 200"/>
+            <p:cNvSpPr/>
+            <p:nvPr/>
+          </p:nvSpPr>
+          <p:spPr>
+            <a:xfrm>
+              <a:off x="1084751" y="3470418"/>
+              <a:ext cx="995206" cy="174606"/>
+            </a:xfrm>
+            <a:prstGeom prst="rect">
+              <a:avLst/>
+            </a:prstGeom>
+            <a:noFill/>
+            <a:ln w="12700">
+              <a:noFill/>
+            </a:ln>
+          </p:spPr>
+          <p:style>
+            <a:lnRef idx="2">
+              <a:schemeClr val="accent1">
+                <a:shade val="50000"/>
+              </a:schemeClr>
+            </a:lnRef>
+            <a:fillRef idx="1">
+              <a:schemeClr val="accent1"/>
+            </a:fillRef>
+            <a:effectRef idx="0">
+              <a:schemeClr val="accent1"/>
+            </a:effectRef>
+            <a:fontRef idx="minor">
+              <a:schemeClr val="lt1"/>
+            </a:fontRef>
+          </p:style>
+          <p:txBody>
+            <a:bodyPr rtlCol="0" anchor="ctr"/>
+            <a:lstStyle/>
+            <a:p>
+              <a:pPr algn="ctr"/>
+              <a:r>
+                <a:rPr lang="de-DE" sz="1400" dirty="0" smtClean="0">
+                  <a:solidFill>
+                    <a:sysClr val="windowText" lastClr="000000"/>
+                  </a:solidFill>
+                </a:rPr>
+                <a:t>BBB Client</a:t>
+              </a:r>
+              <a:endParaRPr lang="de-DE" sz="1400" dirty="0">
+                <a:solidFill>
+                  <a:sysClr val="windowText" lastClr="000000"/>
+                </a:solidFill>
+              </a:endParaRPr>
+            </a:p>
+          </p:txBody>
+        </p:sp>
+        <p:sp>
+          <p:nvSpPr>
+            <p:cNvPr id="202" name="Rechteck 201"/>
+            <p:cNvSpPr/>
+            <p:nvPr/>
+          </p:nvSpPr>
+          <p:spPr>
+            <a:xfrm>
+              <a:off x="1043608" y="3902466"/>
+              <a:ext cx="635166" cy="174606"/>
+            </a:xfrm>
+            <a:prstGeom prst="rect">
+              <a:avLst/>
+            </a:prstGeom>
+            <a:noFill/>
+            <a:ln w="12700">
+              <a:noFill/>
+            </a:ln>
+          </p:spPr>
+          <p:style>
+            <a:lnRef idx="2">
+              <a:schemeClr val="accent1">
+                <a:shade val="50000"/>
+              </a:schemeClr>
+            </a:lnRef>
+            <a:fillRef idx="1">
+              <a:schemeClr val="accent1"/>
+            </a:fillRef>
+            <a:effectRef idx="0">
+              <a:schemeClr val="accent1"/>
+            </a:effectRef>
+            <a:fontRef idx="minor">
+              <a:schemeClr val="lt1"/>
+            </a:fontRef>
+          </p:style>
+          <p:txBody>
+            <a:bodyPr rtlCol="0" anchor="ctr"/>
+            <a:lstStyle/>
+            <a:p>
+              <a:pPr algn="ctr"/>
+              <a:r>
+                <a:rPr lang="de-DE" sz="1400" dirty="0" smtClean="0">
+                  <a:solidFill>
+                    <a:sysClr val="windowText" lastClr="000000"/>
+                  </a:solidFill>
+                </a:rPr>
+                <a:t>DIAL</a:t>
+              </a:r>
+              <a:endParaRPr lang="de-DE" sz="1400" dirty="0">
+                <a:solidFill>
+                  <a:sysClr val="windowText" lastClr="000000"/>
+                </a:solidFill>
+              </a:endParaRPr>
+            </a:p>
+          </p:txBody>
+        </p:sp>
+        <p:sp>
+          <p:nvSpPr>
+            <p:cNvPr id="203" name="Rechteck 202"/>
+            <p:cNvSpPr/>
+            <p:nvPr/>
+          </p:nvSpPr>
+          <p:spPr>
+            <a:xfrm>
+              <a:off x="1016025" y="3679718"/>
+              <a:ext cx="1395735" cy="181330"/>
+            </a:xfrm>
+            <a:prstGeom prst="rect">
+              <a:avLst/>
+            </a:prstGeom>
+            <a:noFill/>
+            <a:ln w="12700">
+              <a:noFill/>
+            </a:ln>
+          </p:spPr>
+          <p:style>
+            <a:lnRef idx="2">
+              <a:schemeClr val="accent1">
+                <a:shade val="50000"/>
+              </a:schemeClr>
+            </a:lnRef>
+            <a:fillRef idx="1">
+              <a:schemeClr val="accent1"/>
+            </a:fillRef>
+            <a:effectRef idx="0">
+              <a:schemeClr val="accent1"/>
+            </a:effectRef>
+            <a:fontRef idx="minor">
+              <a:schemeClr val="lt1"/>
+            </a:fontRef>
+          </p:style>
+          <p:txBody>
+            <a:bodyPr rtlCol="0" anchor="ctr"/>
+            <a:lstStyle/>
+            <a:p>
+              <a:pPr algn="ctr"/>
+              <a:r>
+                <a:rPr lang="de-DE" sz="1400" dirty="0" smtClean="0">
+                  <a:solidFill>
+                    <a:sysClr val="windowText" lastClr="000000"/>
+                  </a:solidFill>
+                </a:rPr>
+                <a:t>Audio &amp; Video</a:t>
               </a:r>
               <a:endParaRPr lang="de-DE" sz="1400" dirty="0">
                 <a:solidFill>
@@ -13254,15 +15020,7 @@
                   <a:schemeClr val="accent6"/>
                 </a:solidFill>
               </a:rPr>
-              <a:t>Komplette </a:t>
-            </a:r>
-            <a:r>
-              <a:rPr lang="de-DE" dirty="0" smtClean="0">
-                <a:solidFill>
-                  <a:schemeClr val="accent6"/>
-                </a:solidFill>
-              </a:rPr>
-              <a:t>Kommunikation</a:t>
+              <a:t>Komplette Kommunikation</a:t>
             </a:r>
             <a:r>
               <a:rPr lang="de-DE" dirty="0"/>
@@ -13278,15 +15036,7 @@
                   <a:srgbClr val="990099"/>
                 </a:solidFill>
               </a:rPr>
-              <a:t>Eventnachrichten</a:t>
-            </a:r>
-            <a:r>
-              <a:rPr lang="de-DE" dirty="0" smtClean="0">
-                <a:solidFill>
-                  <a:srgbClr val="990099"/>
-                </a:solidFill>
-              </a:rPr>
-              <a:t> 		</a:t>
+              <a:t>Eventnachrichten 		</a:t>
             </a:r>
             <a:r>
               <a:rPr lang="de-DE" dirty="0" smtClean="0">
@@ -13294,15 +15044,7 @@
                   <a:srgbClr val="0070C0"/>
                 </a:solidFill>
               </a:rPr>
-              <a:t>Bild </a:t>
-            </a:r>
-            <a:r>
-              <a:rPr lang="de-DE" dirty="0" smtClean="0">
-                <a:solidFill>
-                  <a:srgbClr val="0070C0"/>
-                </a:solidFill>
-              </a:rPr>
-              <a:t>&amp; Ton</a:t>
+              <a:t>Bild &amp; Ton</a:t>
             </a:r>
           </a:p>
           <a:p>

--- a/Grafiken/Loesungskonzepte.pptx
+++ b/Grafiken/Loesungskonzepte.pptx
@@ -11,7 +11,8 @@
     <p:sldId id="259" r:id="rId5"/>
     <p:sldId id="260" r:id="rId6"/>
     <p:sldId id="261" r:id="rId7"/>
-    <p:sldId id="262" r:id="rId8"/>
+    <p:sldId id="263" r:id="rId8"/>
+    <p:sldId id="262" r:id="rId9"/>
   </p:sldIdLst>
   <p:sldSz cx="9144000" cy="6858000" type="screen4x3"/>
   <p:notesSz cx="6858000" cy="9144000"/>
@@ -10079,10 +10080,10 @@
         </p:nvGrpSpPr>
         <p:grpSpPr>
           <a:xfrm>
-            <a:off x="6156176" y="2708920"/>
-            <a:ext cx="918102" cy="564982"/>
-            <a:chOff x="1221878" y="3128690"/>
-            <a:chExt cx="918102" cy="564982"/>
+            <a:off x="5284404" y="3023466"/>
+            <a:ext cx="2952328" cy="172755"/>
+            <a:chOff x="1221878" y="3117608"/>
+            <a:chExt cx="2952328" cy="172755"/>
           </a:xfrm>
         </p:grpSpPr>
         <p:sp>
@@ -10153,7 +10154,7 @@
           </p:nvSpPr>
           <p:spPr>
             <a:xfrm>
-              <a:off x="1221878" y="3333281"/>
+              <a:off x="2247992" y="3117608"/>
               <a:ext cx="918102" cy="161673"/>
             </a:xfrm>
             <a:prstGeom prst="rect">
@@ -10213,7 +10214,7 @@
           </p:nvSpPr>
           <p:spPr>
             <a:xfrm>
-              <a:off x="1221878" y="3531999"/>
+              <a:off x="3256104" y="3117608"/>
               <a:ext cx="918102" cy="161673"/>
             </a:xfrm>
             <a:prstGeom prst="rect">
@@ -12516,9 +12517,9 @@
         <p:grpSpPr>
           <a:xfrm>
             <a:off x="6156176" y="1988840"/>
-            <a:ext cx="1728192" cy="606654"/>
+            <a:ext cx="2808312" cy="790713"/>
             <a:chOff x="683568" y="3470418"/>
-            <a:chExt cx="1728192" cy="606654"/>
+            <a:chExt cx="2808312" cy="790713"/>
           </a:xfrm>
         </p:grpSpPr>
         <p:cxnSp>
@@ -12637,7 +12638,7 @@
           </p:nvSpPr>
           <p:spPr>
             <a:xfrm>
-              <a:off x="1084751" y="3470418"/>
+              <a:off x="1128522" y="3470418"/>
               <a:ext cx="995206" cy="174606"/>
             </a:xfrm>
             <a:prstGeom prst="rect">
@@ -12668,7 +12669,6 @@
             <a:bodyPr rtlCol="0" anchor="ctr"/>
             <a:lstStyle/>
             <a:p>
-              <a:pPr algn="ctr"/>
               <a:r>
                 <a:rPr lang="de-DE" sz="1400" dirty="0" smtClean="0">
                   <a:solidFill>
@@ -12693,8 +12693,8 @@
           </p:nvSpPr>
           <p:spPr>
             <a:xfrm>
-              <a:off x="1043608" y="3902466"/>
-              <a:ext cx="635166" cy="174606"/>
+              <a:off x="1115616" y="3902466"/>
+              <a:ext cx="2376264" cy="358665"/>
             </a:xfrm>
             <a:prstGeom prst="rect">
               <a:avLst/>
@@ -12724,14 +12724,13 @@
             <a:bodyPr rtlCol="0" anchor="ctr"/>
             <a:lstStyle/>
             <a:p>
-              <a:pPr algn="ctr"/>
               <a:r>
                 <a:rPr lang="de-DE" sz="1400" dirty="0" smtClean="0">
                   <a:solidFill>
                     <a:sysClr val="windowText" lastClr="000000"/>
                   </a:solidFill>
                 </a:rPr>
-                <a:t>DIAL</a:t>
+                <a:t>Kommunikationserweiterung durch DIAL</a:t>
               </a:r>
               <a:endParaRPr lang="de-DE" sz="1400" dirty="0">
                 <a:solidFill>
@@ -12749,7 +12748,7 @@
           </p:nvSpPr>
           <p:spPr>
             <a:xfrm>
-              <a:off x="1016025" y="3679718"/>
+              <a:off x="1115616" y="3679718"/>
               <a:ext cx="1395735" cy="181330"/>
             </a:xfrm>
             <a:prstGeom prst="rect">
@@ -12780,7 +12779,6 @@
             <a:bodyPr rtlCol="0" anchor="ctr"/>
             <a:lstStyle/>
             <a:p>
-              <a:pPr algn="ctr"/>
               <a:r>
                 <a:rPr lang="de-DE" sz="1400" dirty="0" smtClean="0">
                   <a:solidFill>
@@ -12812,6 +12810,1096 @@
 </file>
 
 <file path=ppt/slides/slide7.xml><?xml version="1.0" encoding="utf-8"?>
+<p:sld xmlns:a="http://schemas.openxmlformats.org/drawingml/2006/main" xmlns:r="http://schemas.openxmlformats.org/officeDocument/2006/relationships" xmlns:p="http://schemas.openxmlformats.org/presentationml/2006/main">
+  <p:cSld>
+    <p:spTree>
+      <p:nvGrpSpPr>
+        <p:cNvPr id="1" name=""/>
+        <p:cNvGrpSpPr/>
+        <p:nvPr/>
+      </p:nvGrpSpPr>
+      <p:grpSpPr>
+        <a:xfrm>
+          <a:off x="0" y="0"/>
+          <a:ext cx="0" cy="0"/>
+          <a:chOff x="0" y="0"/>
+          <a:chExt cx="0" cy="0"/>
+        </a:xfrm>
+      </p:grpSpPr>
+      <p:grpSp>
+        <p:nvGrpSpPr>
+          <p:cNvPr id="11" name="Gruppieren 10"/>
+          <p:cNvGrpSpPr/>
+          <p:nvPr/>
+        </p:nvGrpSpPr>
+        <p:grpSpPr>
+          <a:xfrm>
+            <a:off x="4644009" y="53415"/>
+            <a:ext cx="1894046" cy="1339772"/>
+            <a:chOff x="755576" y="1067389"/>
+            <a:chExt cx="2110070" cy="1492579"/>
+          </a:xfrm>
+        </p:grpSpPr>
+        <p:pic>
+          <p:nvPicPr>
+            <p:cNvPr id="4" name="Grafik 3"/>
+            <p:cNvPicPr>
+              <a:picLocks noChangeAspect="1"/>
+            </p:cNvPicPr>
+            <p:nvPr/>
+          </p:nvPicPr>
+          <p:blipFill rotWithShape="1">
+            <a:blip r:embed="rId2" cstate="print">
+              <a:extLst>
+                <a:ext uri="{28A0092B-C50C-407E-A947-70E740481C1C}">
+                  <a14:useLocalDpi xmlns:a14="http://schemas.microsoft.com/office/drawing/2010/main" val="0"/>
+                </a:ext>
+              </a:extLst>
+            </a:blip>
+            <a:srcRect t="13342" b="15506"/>
+            <a:stretch/>
+          </p:blipFill>
+          <p:spPr>
+            <a:xfrm>
+              <a:off x="755576" y="1067389"/>
+              <a:ext cx="2110070" cy="1492579"/>
+            </a:xfrm>
+            <a:prstGeom prst="rect">
+              <a:avLst/>
+            </a:prstGeom>
+          </p:spPr>
+        </p:pic>
+        <p:pic>
+          <p:nvPicPr>
+            <p:cNvPr id="8" name="Grafik 7"/>
+            <p:cNvPicPr>
+              <a:picLocks noChangeAspect="1"/>
+            </p:cNvPicPr>
+            <p:nvPr/>
+          </p:nvPicPr>
+          <p:blipFill rotWithShape="1">
+            <a:blip r:embed="rId3">
+              <a:extLst>
+                <a:ext uri="{28A0092B-C50C-407E-A947-70E740481C1C}">
+                  <a14:useLocalDpi xmlns:a14="http://schemas.microsoft.com/office/drawing/2010/main" val="0"/>
+                </a:ext>
+              </a:extLst>
+            </a:blip>
+            <a:srcRect r="74926"/>
+            <a:stretch/>
+          </p:blipFill>
+          <p:spPr>
+            <a:xfrm>
+              <a:off x="1499913" y="1448459"/>
+              <a:ext cx="621395" cy="605941"/>
+            </a:xfrm>
+            <a:prstGeom prst="rect">
+              <a:avLst/>
+            </a:prstGeom>
+          </p:spPr>
+        </p:pic>
+      </p:grpSp>
+      <p:grpSp>
+        <p:nvGrpSpPr>
+          <p:cNvPr id="12" name="Gruppieren 11"/>
+          <p:cNvGrpSpPr/>
+          <p:nvPr/>
+        </p:nvGrpSpPr>
+        <p:grpSpPr>
+          <a:xfrm>
+            <a:off x="2313076" y="135665"/>
+            <a:ext cx="818765" cy="1219200"/>
+            <a:chOff x="4126613" y="1340768"/>
+            <a:chExt cx="818765" cy="1219200"/>
+          </a:xfrm>
+        </p:grpSpPr>
+        <p:pic>
+          <p:nvPicPr>
+            <p:cNvPr id="7" name="Grafik 6"/>
+            <p:cNvPicPr>
+              <a:picLocks noChangeAspect="1"/>
+            </p:cNvPicPr>
+            <p:nvPr/>
+          </p:nvPicPr>
+          <p:blipFill rotWithShape="1">
+            <a:blip r:embed="rId4">
+              <a:extLst>
+                <a:ext uri="{28A0092B-C50C-407E-A947-70E740481C1C}">
+                  <a14:useLocalDpi xmlns:a14="http://schemas.microsoft.com/office/drawing/2010/main" val="0"/>
+                </a:ext>
+              </a:extLst>
+            </a:blip>
+            <a:srcRect l="23624" r="23219"/>
+            <a:stretch/>
+          </p:blipFill>
+          <p:spPr>
+            <a:xfrm>
+              <a:off x="4211960" y="1340768"/>
+              <a:ext cx="648072" cy="1219200"/>
+            </a:xfrm>
+            <a:prstGeom prst="rect">
+              <a:avLst/>
+            </a:prstGeom>
+          </p:spPr>
+        </p:pic>
+        <p:sp>
+          <p:nvSpPr>
+            <p:cNvPr id="9" name="Textfeld 8"/>
+            <p:cNvSpPr txBox="1"/>
+            <p:nvPr/>
+          </p:nvSpPr>
+          <p:spPr>
+            <a:xfrm>
+              <a:off x="4126613" y="1461930"/>
+              <a:ext cx="818765" cy="592470"/>
+            </a:xfrm>
+            <a:prstGeom prst="rect">
+              <a:avLst/>
+            </a:prstGeom>
+            <a:noFill/>
+          </p:spPr>
+          <p:txBody>
+            <a:bodyPr wrap="square" rtlCol="0">
+              <a:spAutoFit/>
+            </a:bodyPr>
+            <a:lstStyle/>
+            <a:p>
+              <a:pPr algn="ctr">
+                <a:lnSpc>
+                  <a:spcPts val="1300"/>
+                </a:lnSpc>
+              </a:pPr>
+              <a:r>
+                <a:rPr lang="de-DE" b="1" dirty="0" smtClean="0">
+                  <a:solidFill>
+                    <a:srgbClr val="E20074"/>
+                  </a:solidFill>
+                </a:rPr>
+                <a:t>DIAL</a:t>
+              </a:r>
+              <a:r>
+                <a:rPr lang="de-DE" dirty="0" smtClean="0"/>
+                <a:t/>
+              </a:r>
+              <a:br>
+                <a:rPr lang="de-DE" dirty="0" smtClean="0"/>
+              </a:br>
+              <a:r>
+                <a:rPr lang="de-DE" sz="1050" dirty="0" err="1" smtClean="0"/>
+                <a:t>powered</a:t>
+              </a:r>
+              <a:r>
+                <a:rPr lang="de-DE" sz="1050" dirty="0" smtClean="0"/>
+                <a:t> </a:t>
+              </a:r>
+              <a:r>
+                <a:rPr lang="de-DE" sz="1050" dirty="0" err="1" smtClean="0"/>
+                <a:t>by</a:t>
+              </a:r>
+              <a:endParaRPr lang="de-DE" sz="1050" dirty="0"/>
+            </a:p>
+          </p:txBody>
+        </p:sp>
+        <p:pic>
+          <p:nvPicPr>
+            <p:cNvPr id="10" name="Grafik 9"/>
+            <p:cNvPicPr>
+              <a:picLocks noChangeAspect="1"/>
+            </p:cNvPicPr>
+            <p:nvPr/>
+          </p:nvPicPr>
+          <p:blipFill rotWithShape="1">
+            <a:blip r:embed="rId3" cstate="print">
+              <a:extLst>
+                <a:ext uri="{28A0092B-C50C-407E-A947-70E740481C1C}">
+                  <a14:useLocalDpi xmlns:a14="http://schemas.microsoft.com/office/drawing/2010/main" val="0"/>
+                </a:ext>
+              </a:extLst>
+            </a:blip>
+            <a:srcRect r="74926"/>
+            <a:stretch/>
+          </p:blipFill>
+          <p:spPr>
+            <a:xfrm>
+              <a:off x="4362644" y="2054400"/>
+              <a:ext cx="346702" cy="338080"/>
+            </a:xfrm>
+            <a:prstGeom prst="rect">
+              <a:avLst/>
+            </a:prstGeom>
+          </p:spPr>
+        </p:pic>
+      </p:grpSp>
+      <p:grpSp>
+        <p:nvGrpSpPr>
+          <p:cNvPr id="17" name="Gruppieren 16"/>
+          <p:cNvGrpSpPr/>
+          <p:nvPr/>
+        </p:nvGrpSpPr>
+        <p:grpSpPr>
+          <a:xfrm>
+            <a:off x="107504" y="1556792"/>
+            <a:ext cx="7848873" cy="1368152"/>
+            <a:chOff x="611559" y="3645024"/>
+            <a:chExt cx="7848873" cy="1368152"/>
+          </a:xfrm>
+        </p:grpSpPr>
+        <p:sp>
+          <p:nvSpPr>
+            <p:cNvPr id="13" name="Rechteck 12"/>
+            <p:cNvSpPr/>
+            <p:nvPr/>
+          </p:nvSpPr>
+          <p:spPr>
+            <a:xfrm>
+              <a:off x="611559" y="4293096"/>
+              <a:ext cx="7848873" cy="720080"/>
+            </a:xfrm>
+            <a:prstGeom prst="rect">
+              <a:avLst/>
+            </a:prstGeom>
+            <a:solidFill>
+              <a:srgbClr val="0070C0"/>
+            </a:solidFill>
+            <a:ln>
+              <a:noFill/>
+            </a:ln>
+          </p:spPr>
+          <p:style>
+            <a:lnRef idx="2">
+              <a:schemeClr val="accent1">
+                <a:shade val="50000"/>
+              </a:schemeClr>
+            </a:lnRef>
+            <a:fillRef idx="1">
+              <a:schemeClr val="accent1"/>
+            </a:fillRef>
+            <a:effectRef idx="0">
+              <a:schemeClr val="accent1"/>
+            </a:effectRef>
+            <a:fontRef idx="minor">
+              <a:schemeClr val="lt1"/>
+            </a:fontRef>
+          </p:style>
+          <p:txBody>
+            <a:bodyPr rtlCol="0" anchor="b"/>
+            <a:lstStyle/>
+            <a:p>
+              <a:pPr algn="ctr"/>
+              <a:r>
+                <a:rPr lang="de-DE" dirty="0" err="1" smtClean="0"/>
+                <a:t>BigBlueButton</a:t>
+              </a:r>
+              <a:r>
+                <a:rPr lang="de-DE" dirty="0" smtClean="0"/>
+                <a:t> Kern</a:t>
+              </a:r>
+              <a:endParaRPr lang="de-DE" dirty="0"/>
+            </a:p>
+          </p:txBody>
+        </p:sp>
+        <p:sp>
+          <p:nvSpPr>
+            <p:cNvPr id="14" name="Rechteck 13"/>
+            <p:cNvSpPr/>
+            <p:nvPr/>
+          </p:nvSpPr>
+          <p:spPr>
+            <a:xfrm>
+              <a:off x="1187624" y="3645024"/>
+              <a:ext cx="1152128" cy="1008112"/>
+            </a:xfrm>
+            <a:prstGeom prst="rect">
+              <a:avLst/>
+            </a:prstGeom>
+            <a:gradFill flip="none" rotWithShape="1">
+              <a:gsLst>
+                <a:gs pos="0">
+                  <a:srgbClr val="0070C0">
+                    <a:shade val="30000"/>
+                    <a:satMod val="115000"/>
+                  </a:srgbClr>
+                </a:gs>
+                <a:gs pos="50000">
+                  <a:srgbClr val="0070C0">
+                    <a:shade val="67500"/>
+                    <a:satMod val="115000"/>
+                  </a:srgbClr>
+                </a:gs>
+                <a:gs pos="100000">
+                  <a:srgbClr val="0070C0">
+                    <a:shade val="100000"/>
+                    <a:satMod val="115000"/>
+                  </a:srgbClr>
+                </a:gs>
+              </a:gsLst>
+              <a:lin ang="16200000" scaled="1"/>
+              <a:tileRect/>
+            </a:gradFill>
+            <a:ln>
+              <a:noFill/>
+            </a:ln>
+          </p:spPr>
+          <p:style>
+            <a:lnRef idx="2">
+              <a:schemeClr val="accent1">
+                <a:shade val="50000"/>
+              </a:schemeClr>
+            </a:lnRef>
+            <a:fillRef idx="1">
+              <a:schemeClr val="accent1"/>
+            </a:fillRef>
+            <a:effectRef idx="0">
+              <a:schemeClr val="accent1"/>
+            </a:effectRef>
+            <a:fontRef idx="minor">
+              <a:schemeClr val="lt1"/>
+            </a:fontRef>
+          </p:style>
+          <p:txBody>
+            <a:bodyPr rtlCol="0" anchor="ctr"/>
+            <a:lstStyle/>
+            <a:p>
+              <a:pPr algn="ctr"/>
+              <a:r>
+                <a:rPr lang="de-DE" dirty="0" err="1" smtClean="0"/>
+                <a:t>MongoDB</a:t>
+              </a:r>
+              <a:endParaRPr lang="de-DE" dirty="0"/>
+            </a:p>
+          </p:txBody>
+        </p:sp>
+        <p:sp>
+          <p:nvSpPr>
+            <p:cNvPr id="15" name="Rechteck 14"/>
+            <p:cNvSpPr/>
+            <p:nvPr/>
+          </p:nvSpPr>
+          <p:spPr>
+            <a:xfrm>
+              <a:off x="3995936" y="3645024"/>
+              <a:ext cx="1152128" cy="1008112"/>
+            </a:xfrm>
+            <a:prstGeom prst="rect">
+              <a:avLst/>
+            </a:prstGeom>
+            <a:gradFill flip="none" rotWithShape="1">
+              <a:gsLst>
+                <a:gs pos="0">
+                  <a:srgbClr val="0070C0">
+                    <a:shade val="30000"/>
+                    <a:satMod val="115000"/>
+                  </a:srgbClr>
+                </a:gs>
+                <a:gs pos="50000">
+                  <a:srgbClr val="0070C0">
+                    <a:shade val="67500"/>
+                    <a:satMod val="115000"/>
+                  </a:srgbClr>
+                </a:gs>
+                <a:gs pos="100000">
+                  <a:srgbClr val="0070C0">
+                    <a:shade val="100000"/>
+                    <a:satMod val="115000"/>
+                  </a:srgbClr>
+                </a:gs>
+              </a:gsLst>
+              <a:lin ang="16200000" scaled="1"/>
+              <a:tileRect/>
+            </a:gradFill>
+            <a:ln>
+              <a:noFill/>
+            </a:ln>
+          </p:spPr>
+          <p:style>
+            <a:lnRef idx="2">
+              <a:schemeClr val="accent1">
+                <a:shade val="50000"/>
+              </a:schemeClr>
+            </a:lnRef>
+            <a:fillRef idx="1">
+              <a:schemeClr val="accent1"/>
+            </a:fillRef>
+            <a:effectRef idx="0">
+              <a:schemeClr val="accent1"/>
+            </a:effectRef>
+            <a:fontRef idx="minor">
+              <a:schemeClr val="lt1"/>
+            </a:fontRef>
+          </p:style>
+          <p:txBody>
+            <a:bodyPr rtlCol="0" anchor="ctr"/>
+            <a:lstStyle/>
+            <a:p>
+              <a:pPr algn="ctr"/>
+              <a:r>
+                <a:rPr lang="de-DE" dirty="0" err="1" smtClean="0"/>
+                <a:t>Redis</a:t>
+              </a:r>
+              <a:r>
+                <a:rPr lang="de-DE" dirty="0" smtClean="0"/>
+                <a:t> </a:t>
+              </a:r>
+              <a:r>
+                <a:rPr lang="de-DE" dirty="0" err="1" smtClean="0"/>
+                <a:t>PubSub</a:t>
+              </a:r>
+              <a:endParaRPr lang="de-DE" dirty="0"/>
+            </a:p>
+          </p:txBody>
+        </p:sp>
+        <p:sp>
+          <p:nvSpPr>
+            <p:cNvPr id="16" name="Rechteck 15"/>
+            <p:cNvSpPr/>
+            <p:nvPr/>
+          </p:nvSpPr>
+          <p:spPr>
+            <a:xfrm>
+              <a:off x="6732240" y="3645024"/>
+              <a:ext cx="1152128" cy="1008112"/>
+            </a:xfrm>
+            <a:prstGeom prst="rect">
+              <a:avLst/>
+            </a:prstGeom>
+            <a:gradFill flip="none" rotWithShape="1">
+              <a:gsLst>
+                <a:gs pos="0">
+                  <a:srgbClr val="0070C0">
+                    <a:shade val="30000"/>
+                    <a:satMod val="115000"/>
+                  </a:srgbClr>
+                </a:gs>
+                <a:gs pos="50000">
+                  <a:srgbClr val="0070C0">
+                    <a:shade val="67500"/>
+                    <a:satMod val="115000"/>
+                  </a:srgbClr>
+                </a:gs>
+                <a:gs pos="100000">
+                  <a:srgbClr val="0070C0">
+                    <a:shade val="100000"/>
+                    <a:satMod val="115000"/>
+                  </a:srgbClr>
+                </a:gs>
+              </a:gsLst>
+              <a:lin ang="16200000" scaled="1"/>
+              <a:tileRect/>
+            </a:gradFill>
+            <a:ln>
+              <a:noFill/>
+            </a:ln>
+          </p:spPr>
+          <p:style>
+            <a:lnRef idx="2">
+              <a:schemeClr val="accent1">
+                <a:shade val="50000"/>
+              </a:schemeClr>
+            </a:lnRef>
+            <a:fillRef idx="1">
+              <a:schemeClr val="accent1"/>
+            </a:fillRef>
+            <a:effectRef idx="0">
+              <a:schemeClr val="accent1"/>
+            </a:effectRef>
+            <a:fontRef idx="minor">
+              <a:schemeClr val="lt1"/>
+            </a:fontRef>
+          </p:style>
+          <p:txBody>
+            <a:bodyPr rtlCol="0" anchor="ctr"/>
+            <a:lstStyle/>
+            <a:p>
+              <a:pPr algn="ctr"/>
+              <a:r>
+                <a:rPr lang="de-DE" dirty="0" smtClean="0"/>
+                <a:t>BBB Client</a:t>
+              </a:r>
+              <a:endParaRPr lang="de-DE" dirty="0"/>
+            </a:p>
+          </p:txBody>
+        </p:sp>
+      </p:grpSp>
+      <p:cxnSp>
+        <p:nvCxnSpPr>
+          <p:cNvPr id="19" name="Gerade Verbindung mit Pfeil 18"/>
+          <p:cNvCxnSpPr>
+            <a:stCxn id="14" idx="0"/>
+            <a:endCxn id="7" idx="1"/>
+          </p:cNvCxnSpPr>
+          <p:nvPr/>
+        </p:nvCxnSpPr>
+        <p:spPr>
+          <a:xfrm rot="5400000" flipH="1" flipV="1">
+            <a:off x="1423265" y="581634"/>
+            <a:ext cx="811527" cy="1138790"/>
+          </a:xfrm>
+          <a:prstGeom prst="bentConnector2">
+            <a:avLst/>
+          </a:prstGeom>
+          <a:ln w="38100">
+            <a:solidFill>
+              <a:srgbClr val="E20074"/>
+            </a:solidFill>
+            <a:prstDash val="dash"/>
+            <a:tailEnd type="triangle"/>
+          </a:ln>
+        </p:spPr>
+        <p:style>
+          <a:lnRef idx="1">
+            <a:schemeClr val="accent1"/>
+          </a:lnRef>
+          <a:fillRef idx="0">
+            <a:schemeClr val="accent1"/>
+          </a:fillRef>
+          <a:effectRef idx="0">
+            <a:schemeClr val="accent1"/>
+          </a:effectRef>
+          <a:fontRef idx="minor">
+            <a:schemeClr val="tx1"/>
+          </a:fontRef>
+        </p:style>
+      </p:cxnSp>
+      <p:cxnSp>
+        <p:nvCxnSpPr>
+          <p:cNvPr id="23" name="Gerade Verbindung mit Pfeil 18"/>
+          <p:cNvCxnSpPr>
+            <a:stCxn id="7" idx="3"/>
+            <a:endCxn id="15" idx="0"/>
+          </p:cNvCxnSpPr>
+          <p:nvPr/>
+        </p:nvCxnSpPr>
+        <p:spPr>
+          <a:xfrm>
+            <a:off x="3046495" y="745265"/>
+            <a:ext cx="1021450" cy="811527"/>
+          </a:xfrm>
+          <a:prstGeom prst="bentConnector2">
+            <a:avLst/>
+          </a:prstGeom>
+          <a:ln w="38100">
+            <a:solidFill>
+              <a:srgbClr val="E20074"/>
+            </a:solidFill>
+            <a:prstDash val="dash"/>
+            <a:tailEnd type="triangle"/>
+          </a:ln>
+        </p:spPr>
+        <p:style>
+          <a:lnRef idx="1">
+            <a:schemeClr val="accent1"/>
+          </a:lnRef>
+          <a:fillRef idx="0">
+            <a:schemeClr val="accent1"/>
+          </a:fillRef>
+          <a:effectRef idx="0">
+            <a:schemeClr val="accent1"/>
+          </a:effectRef>
+          <a:fontRef idx="minor">
+            <a:schemeClr val="tx1"/>
+          </a:fontRef>
+        </p:style>
+      </p:cxnSp>
+      <p:cxnSp>
+        <p:nvCxnSpPr>
+          <p:cNvPr id="26" name="Gerade Verbindung mit Pfeil 18"/>
+          <p:cNvCxnSpPr>
+            <a:stCxn id="8" idx="3"/>
+            <a:endCxn id="16" idx="0"/>
+          </p:cNvCxnSpPr>
+          <p:nvPr/>
+        </p:nvCxnSpPr>
+        <p:spPr>
+          <a:xfrm>
+            <a:off x="5869921" y="667425"/>
+            <a:ext cx="934328" cy="889367"/>
+          </a:xfrm>
+          <a:prstGeom prst="bentConnector2">
+            <a:avLst/>
+          </a:prstGeom>
+          <a:ln w="38100">
+            <a:solidFill>
+              <a:srgbClr val="66CCFF"/>
+            </a:solidFill>
+            <a:prstDash val="dash"/>
+            <a:headEnd type="triangle"/>
+            <a:tailEnd type="triangle"/>
+          </a:ln>
+        </p:spPr>
+        <p:style>
+          <a:lnRef idx="1">
+            <a:schemeClr val="accent1"/>
+          </a:lnRef>
+          <a:fillRef idx="0">
+            <a:schemeClr val="accent1"/>
+          </a:fillRef>
+          <a:effectRef idx="0">
+            <a:schemeClr val="accent1"/>
+          </a:effectRef>
+          <a:fontRef idx="minor">
+            <a:schemeClr val="tx1"/>
+          </a:fontRef>
+        </p:style>
+      </p:cxnSp>
+      <p:cxnSp>
+        <p:nvCxnSpPr>
+          <p:cNvPr id="30" name="Gerade Verbindung mit Pfeil 18"/>
+          <p:cNvCxnSpPr/>
+          <p:nvPr/>
+        </p:nvCxnSpPr>
+        <p:spPr>
+          <a:xfrm flipV="1">
+            <a:off x="179512" y="3068960"/>
+            <a:ext cx="1439922" cy="5345"/>
+          </a:xfrm>
+          <a:prstGeom prst="straightConnector1">
+            <a:avLst/>
+          </a:prstGeom>
+          <a:ln w="38100">
+            <a:solidFill>
+              <a:srgbClr val="E20074"/>
+            </a:solidFill>
+            <a:prstDash val="dash"/>
+            <a:tailEnd type="none"/>
+          </a:ln>
+        </p:spPr>
+        <p:style>
+          <a:lnRef idx="1">
+            <a:schemeClr val="accent1"/>
+          </a:lnRef>
+          <a:fillRef idx="0">
+            <a:schemeClr val="accent1"/>
+          </a:fillRef>
+          <a:effectRef idx="0">
+            <a:schemeClr val="accent1"/>
+          </a:effectRef>
+          <a:fontRef idx="minor">
+            <a:schemeClr val="tx1"/>
+          </a:fontRef>
+        </p:style>
+      </p:cxnSp>
+      <p:cxnSp>
+        <p:nvCxnSpPr>
+          <p:cNvPr id="33" name="Gerade Verbindung mit Pfeil 18"/>
+          <p:cNvCxnSpPr/>
+          <p:nvPr/>
+        </p:nvCxnSpPr>
+        <p:spPr>
+          <a:xfrm flipV="1">
+            <a:off x="4932278" y="3068960"/>
+            <a:ext cx="1439922" cy="5345"/>
+          </a:xfrm>
+          <a:prstGeom prst="straightConnector1">
+            <a:avLst/>
+          </a:prstGeom>
+          <a:ln w="38100">
+            <a:solidFill>
+              <a:srgbClr val="66CCFF"/>
+            </a:solidFill>
+            <a:prstDash val="dash"/>
+            <a:tailEnd type="none"/>
+          </a:ln>
+        </p:spPr>
+        <p:style>
+          <a:lnRef idx="1">
+            <a:schemeClr val="accent1"/>
+          </a:lnRef>
+          <a:fillRef idx="0">
+            <a:schemeClr val="accent1"/>
+          </a:fillRef>
+          <a:effectRef idx="0">
+            <a:schemeClr val="accent1"/>
+          </a:effectRef>
+          <a:fontRef idx="minor">
+            <a:schemeClr val="tx1"/>
+          </a:fontRef>
+        </p:style>
+      </p:cxnSp>
+      <p:sp>
+        <p:nvSpPr>
+          <p:cNvPr id="34" name="Rechteck 33"/>
+          <p:cNvSpPr/>
+          <p:nvPr/>
+        </p:nvSpPr>
+        <p:spPr>
+          <a:xfrm>
+            <a:off x="1619672" y="2996952"/>
+            <a:ext cx="3385193" cy="179332"/>
+          </a:xfrm>
+          <a:prstGeom prst="rect">
+            <a:avLst/>
+          </a:prstGeom>
+          <a:noFill/>
+          <a:ln w="12700">
+            <a:noFill/>
+          </a:ln>
+        </p:spPr>
+        <p:style>
+          <a:lnRef idx="2">
+            <a:schemeClr val="accent1">
+              <a:shade val="50000"/>
+            </a:schemeClr>
+          </a:lnRef>
+          <a:fillRef idx="1">
+            <a:schemeClr val="accent1"/>
+          </a:fillRef>
+          <a:effectRef idx="0">
+            <a:schemeClr val="accent1"/>
+          </a:effectRef>
+          <a:fontRef idx="minor">
+            <a:schemeClr val="lt1"/>
+          </a:fontRef>
+        </p:style>
+        <p:txBody>
+          <a:bodyPr rtlCol="0" anchor="ctr"/>
+          <a:lstStyle/>
+          <a:p>
+            <a:r>
+              <a:rPr lang="de-DE" sz="1400" dirty="0" smtClean="0">
+                <a:solidFill>
+                  <a:sysClr val="windowText" lastClr="000000"/>
+                </a:solidFill>
+              </a:rPr>
+              <a:t>Kommunikationserweiterung durch DIAL</a:t>
+            </a:r>
+            <a:endParaRPr lang="de-DE" sz="1400" dirty="0">
+              <a:solidFill>
+                <a:sysClr val="windowText" lastClr="000000"/>
+              </a:solidFill>
+            </a:endParaRPr>
+          </a:p>
+        </p:txBody>
+      </p:sp>
+      <p:sp>
+        <p:nvSpPr>
+          <p:cNvPr id="35" name="Rechteck 34"/>
+          <p:cNvSpPr/>
+          <p:nvPr/>
+        </p:nvSpPr>
+        <p:spPr>
+          <a:xfrm>
+            <a:off x="6385106" y="2996952"/>
+            <a:ext cx="995206" cy="174606"/>
+          </a:xfrm>
+          <a:prstGeom prst="rect">
+            <a:avLst/>
+          </a:prstGeom>
+          <a:noFill/>
+          <a:ln w="12700">
+            <a:noFill/>
+          </a:ln>
+        </p:spPr>
+        <p:style>
+          <a:lnRef idx="2">
+            <a:schemeClr val="accent1">
+              <a:shade val="50000"/>
+            </a:schemeClr>
+          </a:lnRef>
+          <a:fillRef idx="1">
+            <a:schemeClr val="accent1"/>
+          </a:fillRef>
+          <a:effectRef idx="0">
+            <a:schemeClr val="accent1"/>
+          </a:effectRef>
+          <a:fontRef idx="minor">
+            <a:schemeClr val="lt1"/>
+          </a:fontRef>
+        </p:style>
+        <p:txBody>
+          <a:bodyPr rtlCol="0" anchor="ctr"/>
+          <a:lstStyle/>
+          <a:p>
+            <a:r>
+              <a:rPr lang="de-DE" sz="1400" dirty="0" smtClean="0">
+                <a:solidFill>
+                  <a:sysClr val="windowText" lastClr="000000"/>
+                </a:solidFill>
+              </a:rPr>
+              <a:t>BBB Client</a:t>
+            </a:r>
+            <a:endParaRPr lang="de-DE" sz="1400" dirty="0">
+              <a:solidFill>
+                <a:sysClr val="windowText" lastClr="000000"/>
+              </a:solidFill>
+            </a:endParaRPr>
+          </a:p>
+        </p:txBody>
+      </p:sp>
+      <p:sp>
+        <p:nvSpPr>
+          <p:cNvPr id="36" name="Rechteck 35"/>
+          <p:cNvSpPr/>
+          <p:nvPr/>
+        </p:nvSpPr>
+        <p:spPr>
+          <a:xfrm>
+            <a:off x="1095213" y="260648"/>
+            <a:ext cx="1332557" cy="595654"/>
+          </a:xfrm>
+          <a:prstGeom prst="rect">
+            <a:avLst/>
+          </a:prstGeom>
+          <a:noFill/>
+          <a:ln w="12700">
+            <a:noFill/>
+          </a:ln>
+        </p:spPr>
+        <p:style>
+          <a:lnRef idx="2">
+            <a:schemeClr val="accent1">
+              <a:shade val="50000"/>
+            </a:schemeClr>
+          </a:lnRef>
+          <a:fillRef idx="1">
+            <a:schemeClr val="accent1"/>
+          </a:fillRef>
+          <a:effectRef idx="0">
+            <a:schemeClr val="accent1"/>
+          </a:effectRef>
+          <a:fontRef idx="minor">
+            <a:schemeClr val="lt1"/>
+          </a:fontRef>
+        </p:style>
+        <p:txBody>
+          <a:bodyPr rtlCol="0" anchor="ctr"/>
+          <a:lstStyle/>
+          <a:p>
+            <a:pPr algn="r"/>
+            <a:r>
+              <a:rPr lang="de-DE" sz="1400" dirty="0" smtClean="0">
+                <a:solidFill>
+                  <a:srgbClr val="E20074"/>
+                </a:solidFill>
+              </a:rPr>
+              <a:t>Chat lesen</a:t>
+            </a:r>
+            <a:endParaRPr lang="de-DE" sz="1400" dirty="0">
+              <a:solidFill>
+                <a:srgbClr val="E20074"/>
+              </a:solidFill>
+            </a:endParaRPr>
+          </a:p>
+        </p:txBody>
+      </p:sp>
+      <p:sp>
+        <p:nvSpPr>
+          <p:cNvPr id="37" name="Rechteck 36"/>
+          <p:cNvSpPr/>
+          <p:nvPr/>
+        </p:nvSpPr>
+        <p:spPr>
+          <a:xfrm>
+            <a:off x="1070733" y="730447"/>
+            <a:ext cx="1332557" cy="595654"/>
+          </a:xfrm>
+          <a:prstGeom prst="rect">
+            <a:avLst/>
+          </a:prstGeom>
+          <a:noFill/>
+          <a:ln w="12700">
+            <a:noFill/>
+          </a:ln>
+        </p:spPr>
+        <p:style>
+          <a:lnRef idx="2">
+            <a:schemeClr val="accent1">
+              <a:shade val="50000"/>
+            </a:schemeClr>
+          </a:lnRef>
+          <a:fillRef idx="1">
+            <a:schemeClr val="accent1"/>
+          </a:fillRef>
+          <a:effectRef idx="0">
+            <a:schemeClr val="accent1"/>
+          </a:effectRef>
+          <a:fontRef idx="minor">
+            <a:schemeClr val="lt1"/>
+          </a:fontRef>
+        </p:style>
+        <p:txBody>
+          <a:bodyPr rtlCol="0" anchor="ctr"/>
+          <a:lstStyle/>
+          <a:p>
+            <a:pPr algn="r"/>
+            <a:r>
+              <a:rPr lang="de-DE" sz="1400" dirty="0" smtClean="0">
+                <a:solidFill>
+                  <a:srgbClr val="E20074"/>
+                </a:solidFill>
+              </a:rPr>
+              <a:t>Abfrage von</a:t>
+            </a:r>
+            <a:r>
+              <a:rPr lang="de-DE" sz="1400" dirty="0">
+                <a:solidFill>
+                  <a:srgbClr val="E20074"/>
+                </a:solidFill>
+              </a:rPr>
+              <a:t/>
+            </a:r>
+            <a:br>
+              <a:rPr lang="de-DE" sz="1400" dirty="0">
+                <a:solidFill>
+                  <a:srgbClr val="E20074"/>
+                </a:solidFill>
+              </a:rPr>
+            </a:br>
+            <a:r>
+              <a:rPr lang="de-DE" sz="1400" dirty="0" smtClean="0">
+                <a:solidFill>
+                  <a:srgbClr val="E20074"/>
+                </a:solidFill>
+              </a:rPr>
+              <a:t>Umfragen</a:t>
+            </a:r>
+            <a:endParaRPr lang="de-DE" sz="1400" dirty="0">
+              <a:solidFill>
+                <a:srgbClr val="E20074"/>
+              </a:solidFill>
+            </a:endParaRPr>
+          </a:p>
+        </p:txBody>
+      </p:sp>
+      <p:sp>
+        <p:nvSpPr>
+          <p:cNvPr id="38" name="Rechteck 37"/>
+          <p:cNvSpPr/>
+          <p:nvPr/>
+        </p:nvSpPr>
+        <p:spPr>
+          <a:xfrm>
+            <a:off x="2771800" y="730446"/>
+            <a:ext cx="1332557" cy="595654"/>
+          </a:xfrm>
+          <a:prstGeom prst="rect">
+            <a:avLst/>
+          </a:prstGeom>
+          <a:noFill/>
+          <a:ln w="12700">
+            <a:noFill/>
+          </a:ln>
+        </p:spPr>
+        <p:style>
+          <a:lnRef idx="2">
+            <a:schemeClr val="accent1">
+              <a:shade val="50000"/>
+            </a:schemeClr>
+          </a:lnRef>
+          <a:fillRef idx="1">
+            <a:schemeClr val="accent1"/>
+          </a:fillRef>
+          <a:effectRef idx="0">
+            <a:schemeClr val="accent1"/>
+          </a:effectRef>
+          <a:fontRef idx="minor">
+            <a:schemeClr val="lt1"/>
+          </a:fontRef>
+        </p:style>
+        <p:txBody>
+          <a:bodyPr rtlCol="0" anchor="ctr"/>
+          <a:lstStyle/>
+          <a:p>
+            <a:pPr algn="r"/>
+            <a:r>
+              <a:rPr lang="de-DE" sz="1400" dirty="0" smtClean="0">
+                <a:solidFill>
+                  <a:srgbClr val="E20074"/>
+                </a:solidFill>
+              </a:rPr>
+              <a:t>Teilnahme</a:t>
+            </a:r>
+            <a:br>
+              <a:rPr lang="de-DE" sz="1400" dirty="0" smtClean="0">
+                <a:solidFill>
+                  <a:srgbClr val="E20074"/>
+                </a:solidFill>
+              </a:rPr>
+            </a:br>
+            <a:r>
+              <a:rPr lang="de-DE" sz="1400" dirty="0" smtClean="0">
+                <a:solidFill>
+                  <a:srgbClr val="E20074"/>
+                </a:solidFill>
+              </a:rPr>
+              <a:t>an Umfragen</a:t>
+            </a:r>
+            <a:endParaRPr lang="de-DE" sz="1400" dirty="0">
+              <a:solidFill>
+                <a:srgbClr val="E20074"/>
+              </a:solidFill>
+            </a:endParaRPr>
+          </a:p>
+        </p:txBody>
+      </p:sp>
+      <p:sp>
+        <p:nvSpPr>
+          <p:cNvPr id="39" name="Rechteck 38"/>
+          <p:cNvSpPr/>
+          <p:nvPr/>
+        </p:nvSpPr>
+        <p:spPr>
+          <a:xfrm>
+            <a:off x="3023419" y="251091"/>
+            <a:ext cx="1332557" cy="595654"/>
+          </a:xfrm>
+          <a:prstGeom prst="rect">
+            <a:avLst/>
+          </a:prstGeom>
+          <a:noFill/>
+          <a:ln w="12700">
+            <a:noFill/>
+          </a:ln>
+        </p:spPr>
+        <p:style>
+          <a:lnRef idx="2">
+            <a:schemeClr val="accent1">
+              <a:shade val="50000"/>
+            </a:schemeClr>
+          </a:lnRef>
+          <a:fillRef idx="1">
+            <a:schemeClr val="accent1"/>
+          </a:fillRef>
+          <a:effectRef idx="0">
+            <a:schemeClr val="accent1"/>
+          </a:effectRef>
+          <a:fontRef idx="minor">
+            <a:schemeClr val="lt1"/>
+          </a:fontRef>
+        </p:style>
+        <p:txBody>
+          <a:bodyPr rtlCol="0" anchor="ctr"/>
+          <a:lstStyle/>
+          <a:p>
+            <a:r>
+              <a:rPr lang="de-DE" sz="1400" dirty="0" smtClean="0">
+                <a:solidFill>
+                  <a:srgbClr val="E20074"/>
+                </a:solidFill>
+              </a:rPr>
+              <a:t>Chat schreiben</a:t>
+            </a:r>
+            <a:endParaRPr lang="de-DE" sz="1400" dirty="0">
+              <a:solidFill>
+                <a:srgbClr val="E20074"/>
+              </a:solidFill>
+            </a:endParaRPr>
+          </a:p>
+        </p:txBody>
+      </p:sp>
+    </p:spTree>
+    <p:extLst>
+      <p:ext uri="{BB962C8B-B14F-4D97-AF65-F5344CB8AC3E}">
+        <p14:creationId xmlns:p14="http://schemas.microsoft.com/office/powerpoint/2010/main" val="2763222647"/>
+      </p:ext>
+    </p:extLst>
+  </p:cSld>
+  <p:clrMapOvr>
+    <a:masterClrMapping/>
+  </p:clrMapOvr>
+</p:sld>
+</file>
+
+<file path=ppt/slides/slide8.xml><?xml version="1.0" encoding="utf-8"?>
 <p:sld xmlns:a="http://schemas.openxmlformats.org/drawingml/2006/main" xmlns:r="http://schemas.openxmlformats.org/officeDocument/2006/relationships" xmlns:p="http://schemas.openxmlformats.org/presentationml/2006/main">
   <p:cSld>
     <p:spTree>
@@ -15000,7 +16088,7 @@
         </p:nvSpPr>
         <p:spPr>
           <a:xfrm>
-            <a:off x="179512" y="2996952"/>
+            <a:off x="179512" y="5169966"/>
             <a:ext cx="7562632" cy="923330"/>
           </a:xfrm>
           <a:prstGeom prst="rect">

--- a/Grafiken/Loesungskonzepte.pptx
+++ b/Grafiken/Loesungskonzepte.pptx
@@ -10256,15 +10256,7 @@
                     <a:sysClr val="windowText" lastClr="000000"/>
                   </a:solidFill>
                 </a:rPr>
-                <a:t>Raum </a:t>
-              </a:r>
-              <a:r>
-                <a:rPr lang="de-DE" sz="1400" dirty="0" smtClean="0">
-                  <a:solidFill>
-                    <a:sysClr val="windowText" lastClr="000000"/>
-                  </a:solidFill>
-                </a:rPr>
-                <a:t>3</a:t>
+                <a:t>Raum 3</a:t>
               </a:r>
               <a:endParaRPr lang="de-DE" sz="1400" dirty="0">
                 <a:solidFill>
@@ -13030,312 +13022,23 @@
           </p:spPr>
         </p:pic>
       </p:grpSp>
-      <p:grpSp>
-        <p:nvGrpSpPr>
-          <p:cNvPr id="17" name="Gruppieren 16"/>
-          <p:cNvGrpSpPr/>
-          <p:nvPr/>
-        </p:nvGrpSpPr>
-        <p:grpSpPr>
-          <a:xfrm>
-            <a:off x="107504" y="1556792"/>
-            <a:ext cx="7848873" cy="1368152"/>
-            <a:chOff x="611559" y="3645024"/>
-            <a:chExt cx="7848873" cy="1368152"/>
-          </a:xfrm>
-        </p:grpSpPr>
-        <p:sp>
-          <p:nvSpPr>
-            <p:cNvPr id="13" name="Rechteck 12"/>
-            <p:cNvSpPr/>
-            <p:nvPr/>
-          </p:nvSpPr>
-          <p:spPr>
-            <a:xfrm>
-              <a:off x="611559" y="4293096"/>
-              <a:ext cx="7848873" cy="720080"/>
-            </a:xfrm>
-            <a:prstGeom prst="rect">
-              <a:avLst/>
-            </a:prstGeom>
-            <a:solidFill>
-              <a:srgbClr val="0070C0"/>
-            </a:solidFill>
-            <a:ln>
-              <a:noFill/>
-            </a:ln>
-          </p:spPr>
-          <p:style>
-            <a:lnRef idx="2">
-              <a:schemeClr val="accent1">
-                <a:shade val="50000"/>
-              </a:schemeClr>
-            </a:lnRef>
-            <a:fillRef idx="1">
-              <a:schemeClr val="accent1"/>
-            </a:fillRef>
-            <a:effectRef idx="0">
-              <a:schemeClr val="accent1"/>
-            </a:effectRef>
-            <a:fontRef idx="minor">
-              <a:schemeClr val="lt1"/>
-            </a:fontRef>
-          </p:style>
-          <p:txBody>
-            <a:bodyPr rtlCol="0" anchor="b"/>
-            <a:lstStyle/>
-            <a:p>
-              <a:pPr algn="ctr"/>
-              <a:r>
-                <a:rPr lang="de-DE" dirty="0" err="1" smtClean="0"/>
-                <a:t>BigBlueButton</a:t>
-              </a:r>
-              <a:r>
-                <a:rPr lang="de-DE" dirty="0" smtClean="0"/>
-                <a:t> Kern</a:t>
-              </a:r>
-              <a:endParaRPr lang="de-DE" dirty="0"/>
-            </a:p>
-          </p:txBody>
-        </p:sp>
-        <p:sp>
-          <p:nvSpPr>
-            <p:cNvPr id="14" name="Rechteck 13"/>
-            <p:cNvSpPr/>
-            <p:nvPr/>
-          </p:nvSpPr>
-          <p:spPr>
-            <a:xfrm>
-              <a:off x="1187624" y="3645024"/>
-              <a:ext cx="1152128" cy="1008112"/>
-            </a:xfrm>
-            <a:prstGeom prst="rect">
-              <a:avLst/>
-            </a:prstGeom>
-            <a:gradFill flip="none" rotWithShape="1">
-              <a:gsLst>
-                <a:gs pos="0">
-                  <a:srgbClr val="0070C0">
-                    <a:shade val="30000"/>
-                    <a:satMod val="115000"/>
-                  </a:srgbClr>
-                </a:gs>
-                <a:gs pos="50000">
-                  <a:srgbClr val="0070C0">
-                    <a:shade val="67500"/>
-                    <a:satMod val="115000"/>
-                  </a:srgbClr>
-                </a:gs>
-                <a:gs pos="100000">
-                  <a:srgbClr val="0070C0">
-                    <a:shade val="100000"/>
-                    <a:satMod val="115000"/>
-                  </a:srgbClr>
-                </a:gs>
-              </a:gsLst>
-              <a:lin ang="16200000" scaled="1"/>
-              <a:tileRect/>
-            </a:gradFill>
-            <a:ln>
-              <a:noFill/>
-            </a:ln>
-          </p:spPr>
-          <p:style>
-            <a:lnRef idx="2">
-              <a:schemeClr val="accent1">
-                <a:shade val="50000"/>
-              </a:schemeClr>
-            </a:lnRef>
-            <a:fillRef idx="1">
-              <a:schemeClr val="accent1"/>
-            </a:fillRef>
-            <a:effectRef idx="0">
-              <a:schemeClr val="accent1"/>
-            </a:effectRef>
-            <a:fontRef idx="minor">
-              <a:schemeClr val="lt1"/>
-            </a:fontRef>
-          </p:style>
-          <p:txBody>
-            <a:bodyPr rtlCol="0" anchor="ctr"/>
-            <a:lstStyle/>
-            <a:p>
-              <a:pPr algn="ctr"/>
-              <a:r>
-                <a:rPr lang="de-DE" dirty="0" err="1" smtClean="0"/>
-                <a:t>MongoDB</a:t>
-              </a:r>
-              <a:endParaRPr lang="de-DE" dirty="0"/>
-            </a:p>
-          </p:txBody>
-        </p:sp>
-        <p:sp>
-          <p:nvSpPr>
-            <p:cNvPr id="15" name="Rechteck 14"/>
-            <p:cNvSpPr/>
-            <p:nvPr/>
-          </p:nvSpPr>
-          <p:spPr>
-            <a:xfrm>
-              <a:off x="3995936" y="3645024"/>
-              <a:ext cx="1152128" cy="1008112"/>
-            </a:xfrm>
-            <a:prstGeom prst="rect">
-              <a:avLst/>
-            </a:prstGeom>
-            <a:gradFill flip="none" rotWithShape="1">
-              <a:gsLst>
-                <a:gs pos="0">
-                  <a:srgbClr val="0070C0">
-                    <a:shade val="30000"/>
-                    <a:satMod val="115000"/>
-                  </a:srgbClr>
-                </a:gs>
-                <a:gs pos="50000">
-                  <a:srgbClr val="0070C0">
-                    <a:shade val="67500"/>
-                    <a:satMod val="115000"/>
-                  </a:srgbClr>
-                </a:gs>
-                <a:gs pos="100000">
-                  <a:srgbClr val="0070C0">
-                    <a:shade val="100000"/>
-                    <a:satMod val="115000"/>
-                  </a:srgbClr>
-                </a:gs>
-              </a:gsLst>
-              <a:lin ang="16200000" scaled="1"/>
-              <a:tileRect/>
-            </a:gradFill>
-            <a:ln>
-              <a:noFill/>
-            </a:ln>
-          </p:spPr>
-          <p:style>
-            <a:lnRef idx="2">
-              <a:schemeClr val="accent1">
-                <a:shade val="50000"/>
-              </a:schemeClr>
-            </a:lnRef>
-            <a:fillRef idx="1">
-              <a:schemeClr val="accent1"/>
-            </a:fillRef>
-            <a:effectRef idx="0">
-              <a:schemeClr val="accent1"/>
-            </a:effectRef>
-            <a:fontRef idx="minor">
-              <a:schemeClr val="lt1"/>
-            </a:fontRef>
-          </p:style>
-          <p:txBody>
-            <a:bodyPr rtlCol="0" anchor="ctr"/>
-            <a:lstStyle/>
-            <a:p>
-              <a:pPr algn="ctr"/>
-              <a:r>
-                <a:rPr lang="de-DE" dirty="0" err="1" smtClean="0"/>
-                <a:t>Redis</a:t>
-              </a:r>
-              <a:r>
-                <a:rPr lang="de-DE" dirty="0" smtClean="0"/>
-                <a:t> </a:t>
-              </a:r>
-              <a:r>
-                <a:rPr lang="de-DE" dirty="0" err="1" smtClean="0"/>
-                <a:t>PubSub</a:t>
-              </a:r>
-              <a:endParaRPr lang="de-DE" dirty="0"/>
-            </a:p>
-          </p:txBody>
-        </p:sp>
-        <p:sp>
-          <p:nvSpPr>
-            <p:cNvPr id="16" name="Rechteck 15"/>
-            <p:cNvSpPr/>
-            <p:nvPr/>
-          </p:nvSpPr>
-          <p:spPr>
-            <a:xfrm>
-              <a:off x="6732240" y="3645024"/>
-              <a:ext cx="1152128" cy="1008112"/>
-            </a:xfrm>
-            <a:prstGeom prst="rect">
-              <a:avLst/>
-            </a:prstGeom>
-            <a:gradFill flip="none" rotWithShape="1">
-              <a:gsLst>
-                <a:gs pos="0">
-                  <a:srgbClr val="0070C0">
-                    <a:shade val="30000"/>
-                    <a:satMod val="115000"/>
-                  </a:srgbClr>
-                </a:gs>
-                <a:gs pos="50000">
-                  <a:srgbClr val="0070C0">
-                    <a:shade val="67500"/>
-                    <a:satMod val="115000"/>
-                  </a:srgbClr>
-                </a:gs>
-                <a:gs pos="100000">
-                  <a:srgbClr val="0070C0">
-                    <a:shade val="100000"/>
-                    <a:satMod val="115000"/>
-                  </a:srgbClr>
-                </a:gs>
-              </a:gsLst>
-              <a:lin ang="16200000" scaled="1"/>
-              <a:tileRect/>
-            </a:gradFill>
-            <a:ln>
-              <a:noFill/>
-            </a:ln>
-          </p:spPr>
-          <p:style>
-            <a:lnRef idx="2">
-              <a:schemeClr val="accent1">
-                <a:shade val="50000"/>
-              </a:schemeClr>
-            </a:lnRef>
-            <a:fillRef idx="1">
-              <a:schemeClr val="accent1"/>
-            </a:fillRef>
-            <a:effectRef idx="0">
-              <a:schemeClr val="accent1"/>
-            </a:effectRef>
-            <a:fontRef idx="minor">
-              <a:schemeClr val="lt1"/>
-            </a:fontRef>
-          </p:style>
-          <p:txBody>
-            <a:bodyPr rtlCol="0" anchor="ctr"/>
-            <a:lstStyle/>
-            <a:p>
-              <a:pPr algn="ctr"/>
-              <a:r>
-                <a:rPr lang="de-DE" dirty="0" smtClean="0"/>
-                <a:t>BBB Client</a:t>
-              </a:r>
-              <a:endParaRPr lang="de-DE" dirty="0"/>
-            </a:p>
-          </p:txBody>
-        </p:sp>
-      </p:grpSp>
       <p:cxnSp>
         <p:nvCxnSpPr>
           <p:cNvPr id="19" name="Gerade Verbindung mit Pfeil 18"/>
           <p:cNvCxnSpPr>
-            <a:stCxn id="14" idx="0"/>
             <a:endCxn id="7" idx="1"/>
           </p:cNvCxnSpPr>
           <p:nvPr/>
         </p:nvCxnSpPr>
         <p:spPr>
-          <a:xfrm rot="5400000" flipH="1" flipV="1">
-            <a:off x="1423265" y="581634"/>
-            <a:ext cx="811527" cy="1138790"/>
-          </a:xfrm>
-          <a:prstGeom prst="bentConnector2">
-            <a:avLst/>
+          <a:xfrm flipV="1">
+            <a:off x="1215185" y="745265"/>
+            <a:ext cx="1183238" cy="873819"/>
+          </a:xfrm>
+          <a:prstGeom prst="bentConnector3">
+            <a:avLst>
+              <a:gd name="adj1" fmla="val 1314"/>
+            </a:avLst>
           </a:prstGeom>
           <a:ln w="38100">
             <a:solidFill>
@@ -13365,17 +13068,18 @@
           <p:cNvPr id="23" name="Gerade Verbindung mit Pfeil 18"/>
           <p:cNvCxnSpPr>
             <a:stCxn id="7" idx="3"/>
-            <a:endCxn id="15" idx="0"/>
           </p:cNvCxnSpPr>
           <p:nvPr/>
         </p:nvCxnSpPr>
         <p:spPr>
           <a:xfrm>
             <a:off x="3046495" y="745265"/>
-            <a:ext cx="1021450" cy="811527"/>
-          </a:xfrm>
-          <a:prstGeom prst="bentConnector2">
-            <a:avLst/>
+            <a:ext cx="1057862" cy="883534"/>
+          </a:xfrm>
+          <a:prstGeom prst="bentConnector3">
+            <a:avLst>
+              <a:gd name="adj1" fmla="val 100134"/>
+            </a:avLst>
           </a:prstGeom>
           <a:ln w="38100">
             <a:solidFill>
@@ -13412,7 +13116,7 @@
         <p:spPr>
           <a:xfrm>
             <a:off x="5869921" y="667425"/>
-            <a:ext cx="934328" cy="889367"/>
+            <a:ext cx="934328" cy="1825471"/>
           </a:xfrm>
           <a:prstGeom prst="bentConnector2">
             <a:avLst/>
@@ -13441,16 +13145,833 @@
           </a:fontRef>
         </p:style>
       </p:cxnSp>
+      <p:grpSp>
+        <p:nvGrpSpPr>
+          <p:cNvPr id="3" name="Gruppieren 2"/>
+          <p:cNvGrpSpPr/>
+          <p:nvPr/>
+        </p:nvGrpSpPr>
+        <p:grpSpPr>
+          <a:xfrm>
+            <a:off x="107504" y="2492896"/>
+            <a:ext cx="7848873" cy="1619492"/>
+            <a:chOff x="107504" y="1556792"/>
+            <a:chExt cx="7848873" cy="1619492"/>
+          </a:xfrm>
+        </p:grpSpPr>
+        <p:grpSp>
+          <p:nvGrpSpPr>
+            <p:cNvPr id="17" name="Gruppieren 16"/>
+            <p:cNvGrpSpPr/>
+            <p:nvPr/>
+          </p:nvGrpSpPr>
+          <p:grpSpPr>
+            <a:xfrm>
+              <a:off x="107504" y="1556792"/>
+              <a:ext cx="7848873" cy="1368152"/>
+              <a:chOff x="611559" y="3645024"/>
+              <a:chExt cx="7848873" cy="1368152"/>
+            </a:xfrm>
+          </p:grpSpPr>
+          <p:sp>
+            <p:nvSpPr>
+              <p:cNvPr id="13" name="Rechteck 12"/>
+              <p:cNvSpPr/>
+              <p:nvPr/>
+            </p:nvSpPr>
+            <p:spPr>
+              <a:xfrm>
+                <a:off x="611559" y="4293096"/>
+                <a:ext cx="7848873" cy="720080"/>
+              </a:xfrm>
+              <a:prstGeom prst="rect">
+                <a:avLst/>
+              </a:prstGeom>
+              <a:solidFill>
+                <a:srgbClr val="0070C0"/>
+              </a:solidFill>
+              <a:ln>
+                <a:noFill/>
+              </a:ln>
+            </p:spPr>
+            <p:style>
+              <a:lnRef idx="2">
+                <a:schemeClr val="accent1">
+                  <a:shade val="50000"/>
+                </a:schemeClr>
+              </a:lnRef>
+              <a:fillRef idx="1">
+                <a:schemeClr val="accent1"/>
+              </a:fillRef>
+              <a:effectRef idx="0">
+                <a:schemeClr val="accent1"/>
+              </a:effectRef>
+              <a:fontRef idx="minor">
+                <a:schemeClr val="lt1"/>
+              </a:fontRef>
+            </p:style>
+            <p:txBody>
+              <a:bodyPr rtlCol="0" anchor="b"/>
+              <a:lstStyle/>
+              <a:p>
+                <a:pPr algn="ctr"/>
+                <a:r>
+                  <a:rPr lang="de-DE" dirty="0" err="1" smtClean="0"/>
+                  <a:t>BigBlueButton</a:t>
+                </a:r>
+                <a:r>
+                  <a:rPr lang="de-DE" dirty="0" smtClean="0"/>
+                  <a:t> Kern</a:t>
+                </a:r>
+                <a:endParaRPr lang="de-DE" dirty="0"/>
+              </a:p>
+            </p:txBody>
+          </p:sp>
+          <p:sp>
+            <p:nvSpPr>
+              <p:cNvPr id="14" name="Rechteck 13"/>
+              <p:cNvSpPr/>
+              <p:nvPr/>
+            </p:nvSpPr>
+            <p:spPr>
+              <a:xfrm>
+                <a:off x="1187624" y="3645024"/>
+                <a:ext cx="1152128" cy="1008112"/>
+              </a:xfrm>
+              <a:prstGeom prst="rect">
+                <a:avLst/>
+              </a:prstGeom>
+              <a:gradFill flip="none" rotWithShape="1">
+                <a:gsLst>
+                  <a:gs pos="0">
+                    <a:srgbClr val="0070C0">
+                      <a:shade val="30000"/>
+                      <a:satMod val="115000"/>
+                    </a:srgbClr>
+                  </a:gs>
+                  <a:gs pos="50000">
+                    <a:srgbClr val="0070C0">
+                      <a:shade val="67500"/>
+                      <a:satMod val="115000"/>
+                    </a:srgbClr>
+                  </a:gs>
+                  <a:gs pos="100000">
+                    <a:srgbClr val="0070C0">
+                      <a:shade val="100000"/>
+                      <a:satMod val="115000"/>
+                    </a:srgbClr>
+                  </a:gs>
+                </a:gsLst>
+                <a:lin ang="16200000" scaled="1"/>
+                <a:tileRect/>
+              </a:gradFill>
+              <a:ln>
+                <a:noFill/>
+              </a:ln>
+            </p:spPr>
+            <p:style>
+              <a:lnRef idx="2">
+                <a:schemeClr val="accent1">
+                  <a:shade val="50000"/>
+                </a:schemeClr>
+              </a:lnRef>
+              <a:fillRef idx="1">
+                <a:schemeClr val="accent1"/>
+              </a:fillRef>
+              <a:effectRef idx="0">
+                <a:schemeClr val="accent1"/>
+              </a:effectRef>
+              <a:fontRef idx="minor">
+                <a:schemeClr val="lt1"/>
+              </a:fontRef>
+            </p:style>
+            <p:txBody>
+              <a:bodyPr rtlCol="0" anchor="ctr"/>
+              <a:lstStyle/>
+              <a:p>
+                <a:pPr algn="ctr"/>
+                <a:r>
+                  <a:rPr lang="de-DE" dirty="0" err="1" smtClean="0"/>
+                  <a:t>MongoDB</a:t>
+                </a:r>
+                <a:endParaRPr lang="de-DE" dirty="0"/>
+              </a:p>
+            </p:txBody>
+          </p:sp>
+          <p:sp>
+            <p:nvSpPr>
+              <p:cNvPr id="15" name="Rechteck 14"/>
+              <p:cNvSpPr/>
+              <p:nvPr/>
+            </p:nvSpPr>
+            <p:spPr>
+              <a:xfrm>
+                <a:off x="3995936" y="3645024"/>
+                <a:ext cx="1152128" cy="1008112"/>
+              </a:xfrm>
+              <a:prstGeom prst="rect">
+                <a:avLst/>
+              </a:prstGeom>
+              <a:gradFill flip="none" rotWithShape="1">
+                <a:gsLst>
+                  <a:gs pos="0">
+                    <a:srgbClr val="0070C0">
+                      <a:shade val="30000"/>
+                      <a:satMod val="115000"/>
+                    </a:srgbClr>
+                  </a:gs>
+                  <a:gs pos="50000">
+                    <a:srgbClr val="0070C0">
+                      <a:shade val="67500"/>
+                      <a:satMod val="115000"/>
+                    </a:srgbClr>
+                  </a:gs>
+                  <a:gs pos="100000">
+                    <a:srgbClr val="0070C0">
+                      <a:shade val="100000"/>
+                      <a:satMod val="115000"/>
+                    </a:srgbClr>
+                  </a:gs>
+                </a:gsLst>
+                <a:lin ang="16200000" scaled="1"/>
+                <a:tileRect/>
+              </a:gradFill>
+              <a:ln>
+                <a:noFill/>
+              </a:ln>
+            </p:spPr>
+            <p:style>
+              <a:lnRef idx="2">
+                <a:schemeClr val="accent1">
+                  <a:shade val="50000"/>
+                </a:schemeClr>
+              </a:lnRef>
+              <a:fillRef idx="1">
+                <a:schemeClr val="accent1"/>
+              </a:fillRef>
+              <a:effectRef idx="0">
+                <a:schemeClr val="accent1"/>
+              </a:effectRef>
+              <a:fontRef idx="minor">
+                <a:schemeClr val="lt1"/>
+              </a:fontRef>
+            </p:style>
+            <p:txBody>
+              <a:bodyPr rtlCol="0" anchor="ctr"/>
+              <a:lstStyle/>
+              <a:p>
+                <a:pPr algn="ctr"/>
+                <a:r>
+                  <a:rPr lang="de-DE" dirty="0" err="1" smtClean="0"/>
+                  <a:t>Redis</a:t>
+                </a:r>
+                <a:r>
+                  <a:rPr lang="de-DE" dirty="0" smtClean="0"/>
+                  <a:t> </a:t>
+                </a:r>
+                <a:r>
+                  <a:rPr lang="de-DE" dirty="0" err="1" smtClean="0"/>
+                  <a:t>PubSub</a:t>
+                </a:r>
+                <a:endParaRPr lang="de-DE" dirty="0"/>
+              </a:p>
+            </p:txBody>
+          </p:sp>
+          <p:sp>
+            <p:nvSpPr>
+              <p:cNvPr id="16" name="Rechteck 15"/>
+              <p:cNvSpPr/>
+              <p:nvPr/>
+            </p:nvSpPr>
+            <p:spPr>
+              <a:xfrm>
+                <a:off x="6732240" y="3645024"/>
+                <a:ext cx="1152128" cy="1008112"/>
+              </a:xfrm>
+              <a:prstGeom prst="rect">
+                <a:avLst/>
+              </a:prstGeom>
+              <a:gradFill flip="none" rotWithShape="1">
+                <a:gsLst>
+                  <a:gs pos="0">
+                    <a:srgbClr val="0070C0">
+                      <a:shade val="30000"/>
+                      <a:satMod val="115000"/>
+                    </a:srgbClr>
+                  </a:gs>
+                  <a:gs pos="50000">
+                    <a:srgbClr val="0070C0">
+                      <a:shade val="67500"/>
+                      <a:satMod val="115000"/>
+                    </a:srgbClr>
+                  </a:gs>
+                  <a:gs pos="100000">
+                    <a:srgbClr val="0070C0">
+                      <a:shade val="100000"/>
+                      <a:satMod val="115000"/>
+                    </a:srgbClr>
+                  </a:gs>
+                </a:gsLst>
+                <a:lin ang="16200000" scaled="1"/>
+                <a:tileRect/>
+              </a:gradFill>
+              <a:ln>
+                <a:noFill/>
+              </a:ln>
+            </p:spPr>
+            <p:style>
+              <a:lnRef idx="2">
+                <a:schemeClr val="accent1">
+                  <a:shade val="50000"/>
+                </a:schemeClr>
+              </a:lnRef>
+              <a:fillRef idx="1">
+                <a:schemeClr val="accent1"/>
+              </a:fillRef>
+              <a:effectRef idx="0">
+                <a:schemeClr val="accent1"/>
+              </a:effectRef>
+              <a:fontRef idx="minor">
+                <a:schemeClr val="lt1"/>
+              </a:fontRef>
+            </p:style>
+            <p:txBody>
+              <a:bodyPr rtlCol="0" anchor="ctr"/>
+              <a:lstStyle/>
+              <a:p>
+                <a:pPr algn="ctr"/>
+                <a:r>
+                  <a:rPr lang="de-DE" dirty="0" smtClean="0"/>
+                  <a:t>BBB Client</a:t>
+                </a:r>
+                <a:endParaRPr lang="de-DE" dirty="0"/>
+              </a:p>
+            </p:txBody>
+          </p:sp>
+        </p:grpSp>
+        <p:grpSp>
+          <p:nvGrpSpPr>
+            <p:cNvPr id="2" name="Gruppieren 1"/>
+            <p:cNvGrpSpPr/>
+            <p:nvPr/>
+          </p:nvGrpSpPr>
+          <p:grpSpPr>
+            <a:xfrm>
+              <a:off x="179512" y="2996952"/>
+              <a:ext cx="7200800" cy="179332"/>
+              <a:chOff x="179512" y="2996952"/>
+              <a:chExt cx="7200800" cy="179332"/>
+            </a:xfrm>
+          </p:grpSpPr>
+          <p:cxnSp>
+            <p:nvCxnSpPr>
+              <p:cNvPr id="30" name="Gerade Verbindung mit Pfeil 18"/>
+              <p:cNvCxnSpPr/>
+              <p:nvPr/>
+            </p:nvCxnSpPr>
+            <p:spPr>
+              <a:xfrm flipV="1">
+                <a:off x="179512" y="3068960"/>
+                <a:ext cx="1439922" cy="5345"/>
+              </a:xfrm>
+              <a:prstGeom prst="straightConnector1">
+                <a:avLst/>
+              </a:prstGeom>
+              <a:ln w="38100">
+                <a:solidFill>
+                  <a:srgbClr val="E20074"/>
+                </a:solidFill>
+                <a:prstDash val="dash"/>
+                <a:tailEnd type="none"/>
+              </a:ln>
+            </p:spPr>
+            <p:style>
+              <a:lnRef idx="1">
+                <a:schemeClr val="accent1"/>
+              </a:lnRef>
+              <a:fillRef idx="0">
+                <a:schemeClr val="accent1"/>
+              </a:fillRef>
+              <a:effectRef idx="0">
+                <a:schemeClr val="accent1"/>
+              </a:effectRef>
+              <a:fontRef idx="minor">
+                <a:schemeClr val="tx1"/>
+              </a:fontRef>
+            </p:style>
+          </p:cxnSp>
+          <p:cxnSp>
+            <p:nvCxnSpPr>
+              <p:cNvPr id="33" name="Gerade Verbindung mit Pfeil 18"/>
+              <p:cNvCxnSpPr/>
+              <p:nvPr/>
+            </p:nvCxnSpPr>
+            <p:spPr>
+              <a:xfrm flipV="1">
+                <a:off x="4932278" y="3068960"/>
+                <a:ext cx="1439922" cy="5345"/>
+              </a:xfrm>
+              <a:prstGeom prst="straightConnector1">
+                <a:avLst/>
+              </a:prstGeom>
+              <a:ln w="38100">
+                <a:solidFill>
+                  <a:srgbClr val="66CCFF"/>
+                </a:solidFill>
+                <a:prstDash val="dash"/>
+                <a:tailEnd type="none"/>
+              </a:ln>
+            </p:spPr>
+            <p:style>
+              <a:lnRef idx="1">
+                <a:schemeClr val="accent1"/>
+              </a:lnRef>
+              <a:fillRef idx="0">
+                <a:schemeClr val="accent1"/>
+              </a:fillRef>
+              <a:effectRef idx="0">
+                <a:schemeClr val="accent1"/>
+              </a:effectRef>
+              <a:fontRef idx="minor">
+                <a:schemeClr val="tx1"/>
+              </a:fontRef>
+            </p:style>
+          </p:cxnSp>
+          <p:sp>
+            <p:nvSpPr>
+              <p:cNvPr id="34" name="Rechteck 33"/>
+              <p:cNvSpPr/>
+              <p:nvPr/>
+            </p:nvSpPr>
+            <p:spPr>
+              <a:xfrm>
+                <a:off x="1619672" y="2996952"/>
+                <a:ext cx="3385193" cy="179332"/>
+              </a:xfrm>
+              <a:prstGeom prst="rect">
+                <a:avLst/>
+              </a:prstGeom>
+              <a:noFill/>
+              <a:ln w="12700">
+                <a:noFill/>
+              </a:ln>
+            </p:spPr>
+            <p:style>
+              <a:lnRef idx="2">
+                <a:schemeClr val="accent1">
+                  <a:shade val="50000"/>
+                </a:schemeClr>
+              </a:lnRef>
+              <a:fillRef idx="1">
+                <a:schemeClr val="accent1"/>
+              </a:fillRef>
+              <a:effectRef idx="0">
+                <a:schemeClr val="accent1"/>
+              </a:effectRef>
+              <a:fontRef idx="minor">
+                <a:schemeClr val="lt1"/>
+              </a:fontRef>
+            </p:style>
+            <p:txBody>
+              <a:bodyPr rtlCol="0" anchor="ctr"/>
+              <a:lstStyle/>
+              <a:p>
+                <a:r>
+                  <a:rPr lang="de-DE" sz="1400" dirty="0" smtClean="0">
+                    <a:solidFill>
+                      <a:sysClr val="windowText" lastClr="000000"/>
+                    </a:solidFill>
+                  </a:rPr>
+                  <a:t>Kommunikationserweiterung durch DIAL</a:t>
+                </a:r>
+                <a:endParaRPr lang="de-DE" sz="1400" dirty="0">
+                  <a:solidFill>
+                    <a:sysClr val="windowText" lastClr="000000"/>
+                  </a:solidFill>
+                </a:endParaRPr>
+              </a:p>
+            </p:txBody>
+          </p:sp>
+          <p:sp>
+            <p:nvSpPr>
+              <p:cNvPr id="35" name="Rechteck 34"/>
+              <p:cNvSpPr/>
+              <p:nvPr/>
+            </p:nvSpPr>
+            <p:spPr>
+              <a:xfrm>
+                <a:off x="6385106" y="2996952"/>
+                <a:ext cx="995206" cy="174606"/>
+              </a:xfrm>
+              <a:prstGeom prst="rect">
+                <a:avLst/>
+              </a:prstGeom>
+              <a:noFill/>
+              <a:ln w="12700">
+                <a:noFill/>
+              </a:ln>
+            </p:spPr>
+            <p:style>
+              <a:lnRef idx="2">
+                <a:schemeClr val="accent1">
+                  <a:shade val="50000"/>
+                </a:schemeClr>
+              </a:lnRef>
+              <a:fillRef idx="1">
+                <a:schemeClr val="accent1"/>
+              </a:fillRef>
+              <a:effectRef idx="0">
+                <a:schemeClr val="accent1"/>
+              </a:effectRef>
+              <a:fontRef idx="minor">
+                <a:schemeClr val="lt1"/>
+              </a:fontRef>
+            </p:style>
+            <p:txBody>
+              <a:bodyPr rtlCol="0" anchor="ctr"/>
+              <a:lstStyle/>
+              <a:p>
+                <a:r>
+                  <a:rPr lang="de-DE" sz="1400" dirty="0" smtClean="0">
+                    <a:solidFill>
+                      <a:sysClr val="windowText" lastClr="000000"/>
+                    </a:solidFill>
+                  </a:rPr>
+                  <a:t>BBB Client</a:t>
+                </a:r>
+                <a:endParaRPr lang="de-DE" sz="1400" dirty="0">
+                  <a:solidFill>
+                    <a:sysClr val="windowText" lastClr="000000"/>
+                  </a:solidFill>
+                </a:endParaRPr>
+              </a:p>
+            </p:txBody>
+          </p:sp>
+        </p:grpSp>
+      </p:grpSp>
+      <p:sp>
+        <p:nvSpPr>
+          <p:cNvPr id="36" name="Rechteck 35"/>
+          <p:cNvSpPr/>
+          <p:nvPr/>
+        </p:nvSpPr>
+        <p:spPr>
+          <a:xfrm>
+            <a:off x="1095213" y="260648"/>
+            <a:ext cx="1332557" cy="595654"/>
+          </a:xfrm>
+          <a:prstGeom prst="rect">
+            <a:avLst/>
+          </a:prstGeom>
+          <a:noFill/>
+          <a:ln w="12700">
+            <a:noFill/>
+          </a:ln>
+        </p:spPr>
+        <p:style>
+          <a:lnRef idx="2">
+            <a:schemeClr val="accent1">
+              <a:shade val="50000"/>
+            </a:schemeClr>
+          </a:lnRef>
+          <a:fillRef idx="1">
+            <a:schemeClr val="accent1"/>
+          </a:fillRef>
+          <a:effectRef idx="0">
+            <a:schemeClr val="accent1"/>
+          </a:effectRef>
+          <a:fontRef idx="minor">
+            <a:schemeClr val="lt1"/>
+          </a:fontRef>
+        </p:style>
+        <p:txBody>
+          <a:bodyPr rtlCol="0" anchor="ctr"/>
+          <a:lstStyle/>
+          <a:p>
+            <a:pPr algn="r"/>
+            <a:r>
+              <a:rPr lang="de-DE" sz="1400" dirty="0" smtClean="0">
+                <a:solidFill>
+                  <a:srgbClr val="E20074"/>
+                </a:solidFill>
+              </a:rPr>
+              <a:t>Chat lesen</a:t>
+            </a:r>
+            <a:endParaRPr lang="de-DE" sz="1400" dirty="0">
+              <a:solidFill>
+                <a:srgbClr val="E20074"/>
+              </a:solidFill>
+            </a:endParaRPr>
+          </a:p>
+        </p:txBody>
+      </p:sp>
+      <p:sp>
+        <p:nvSpPr>
+          <p:cNvPr id="37" name="Rechteck 36"/>
+          <p:cNvSpPr/>
+          <p:nvPr/>
+        </p:nvSpPr>
+        <p:spPr>
+          <a:xfrm>
+            <a:off x="1070733" y="730447"/>
+            <a:ext cx="1332557" cy="595654"/>
+          </a:xfrm>
+          <a:prstGeom prst="rect">
+            <a:avLst/>
+          </a:prstGeom>
+          <a:noFill/>
+          <a:ln w="12700">
+            <a:noFill/>
+          </a:ln>
+        </p:spPr>
+        <p:style>
+          <a:lnRef idx="2">
+            <a:schemeClr val="accent1">
+              <a:shade val="50000"/>
+            </a:schemeClr>
+          </a:lnRef>
+          <a:fillRef idx="1">
+            <a:schemeClr val="accent1"/>
+          </a:fillRef>
+          <a:effectRef idx="0">
+            <a:schemeClr val="accent1"/>
+          </a:effectRef>
+          <a:fontRef idx="minor">
+            <a:schemeClr val="lt1"/>
+          </a:fontRef>
+        </p:style>
+        <p:txBody>
+          <a:bodyPr rtlCol="0" anchor="ctr"/>
+          <a:lstStyle/>
+          <a:p>
+            <a:pPr algn="r"/>
+            <a:r>
+              <a:rPr lang="de-DE" sz="1400" dirty="0" smtClean="0">
+                <a:solidFill>
+                  <a:srgbClr val="E20074"/>
+                </a:solidFill>
+              </a:rPr>
+              <a:t>Abfrage von</a:t>
+            </a:r>
+            <a:r>
+              <a:rPr lang="de-DE" sz="1400" dirty="0">
+                <a:solidFill>
+                  <a:srgbClr val="E20074"/>
+                </a:solidFill>
+              </a:rPr>
+              <a:t/>
+            </a:r>
+            <a:br>
+              <a:rPr lang="de-DE" sz="1400" dirty="0">
+                <a:solidFill>
+                  <a:srgbClr val="E20074"/>
+                </a:solidFill>
+              </a:rPr>
+            </a:br>
+            <a:r>
+              <a:rPr lang="de-DE" sz="1400" dirty="0" smtClean="0">
+                <a:solidFill>
+                  <a:srgbClr val="E20074"/>
+                </a:solidFill>
+              </a:rPr>
+              <a:t>Umfragen</a:t>
+            </a:r>
+            <a:endParaRPr lang="de-DE" sz="1400" dirty="0">
+              <a:solidFill>
+                <a:srgbClr val="E20074"/>
+              </a:solidFill>
+            </a:endParaRPr>
+          </a:p>
+        </p:txBody>
+      </p:sp>
+      <p:sp>
+        <p:nvSpPr>
+          <p:cNvPr id="38" name="Rechteck 37"/>
+          <p:cNvSpPr/>
+          <p:nvPr/>
+        </p:nvSpPr>
+        <p:spPr>
+          <a:xfrm>
+            <a:off x="2771800" y="730446"/>
+            <a:ext cx="1332557" cy="595654"/>
+          </a:xfrm>
+          <a:prstGeom prst="rect">
+            <a:avLst/>
+          </a:prstGeom>
+          <a:noFill/>
+          <a:ln w="12700">
+            <a:noFill/>
+          </a:ln>
+        </p:spPr>
+        <p:style>
+          <a:lnRef idx="2">
+            <a:schemeClr val="accent1">
+              <a:shade val="50000"/>
+            </a:schemeClr>
+          </a:lnRef>
+          <a:fillRef idx="1">
+            <a:schemeClr val="accent1"/>
+          </a:fillRef>
+          <a:effectRef idx="0">
+            <a:schemeClr val="accent1"/>
+          </a:effectRef>
+          <a:fontRef idx="minor">
+            <a:schemeClr val="lt1"/>
+          </a:fontRef>
+        </p:style>
+        <p:txBody>
+          <a:bodyPr rtlCol="0" anchor="ctr"/>
+          <a:lstStyle/>
+          <a:p>
+            <a:pPr algn="r"/>
+            <a:r>
+              <a:rPr lang="de-DE" sz="1400" dirty="0" smtClean="0">
+                <a:solidFill>
+                  <a:srgbClr val="E20074"/>
+                </a:solidFill>
+              </a:rPr>
+              <a:t>Teilnahme</a:t>
+            </a:r>
+            <a:br>
+              <a:rPr lang="de-DE" sz="1400" dirty="0" smtClean="0">
+                <a:solidFill>
+                  <a:srgbClr val="E20074"/>
+                </a:solidFill>
+              </a:rPr>
+            </a:br>
+            <a:r>
+              <a:rPr lang="de-DE" sz="1400" dirty="0" smtClean="0">
+                <a:solidFill>
+                  <a:srgbClr val="E20074"/>
+                </a:solidFill>
+              </a:rPr>
+              <a:t>an Umfragen</a:t>
+            </a:r>
+            <a:endParaRPr lang="de-DE" sz="1400" dirty="0">
+              <a:solidFill>
+                <a:srgbClr val="E20074"/>
+              </a:solidFill>
+            </a:endParaRPr>
+          </a:p>
+        </p:txBody>
+      </p:sp>
+      <p:sp>
+        <p:nvSpPr>
+          <p:cNvPr id="39" name="Rechteck 38"/>
+          <p:cNvSpPr/>
+          <p:nvPr/>
+        </p:nvSpPr>
+        <p:spPr>
+          <a:xfrm>
+            <a:off x="3023419" y="251091"/>
+            <a:ext cx="1332557" cy="595654"/>
+          </a:xfrm>
+          <a:prstGeom prst="rect">
+            <a:avLst/>
+          </a:prstGeom>
+          <a:noFill/>
+          <a:ln w="12700">
+            <a:noFill/>
+          </a:ln>
+        </p:spPr>
+        <p:style>
+          <a:lnRef idx="2">
+            <a:schemeClr val="accent1">
+              <a:shade val="50000"/>
+            </a:schemeClr>
+          </a:lnRef>
+          <a:fillRef idx="1">
+            <a:schemeClr val="accent1"/>
+          </a:fillRef>
+          <a:effectRef idx="0">
+            <a:schemeClr val="accent1"/>
+          </a:effectRef>
+          <a:fontRef idx="minor">
+            <a:schemeClr val="lt1"/>
+          </a:fontRef>
+        </p:style>
+        <p:txBody>
+          <a:bodyPr rtlCol="0" anchor="ctr"/>
+          <a:lstStyle/>
+          <a:p>
+            <a:r>
+              <a:rPr lang="de-DE" sz="1400" dirty="0" smtClean="0">
+                <a:solidFill>
+                  <a:srgbClr val="E20074"/>
+                </a:solidFill>
+              </a:rPr>
+              <a:t>Chat schreiben</a:t>
+            </a:r>
+            <a:endParaRPr lang="de-DE" sz="1400" dirty="0">
+              <a:solidFill>
+                <a:srgbClr val="E20074"/>
+              </a:solidFill>
+            </a:endParaRPr>
+          </a:p>
+        </p:txBody>
+      </p:sp>
+      <p:sp>
+        <p:nvSpPr>
+          <p:cNvPr id="27" name="Rechteck 26"/>
+          <p:cNvSpPr/>
+          <p:nvPr/>
+        </p:nvSpPr>
+        <p:spPr>
+          <a:xfrm>
+            <a:off x="467544" y="1628800"/>
+            <a:ext cx="4392489" cy="386329"/>
+          </a:xfrm>
+          <a:prstGeom prst="rect">
+            <a:avLst/>
+          </a:prstGeom>
+          <a:solidFill>
+            <a:srgbClr val="0070C0"/>
+          </a:solidFill>
+          <a:ln>
+            <a:noFill/>
+          </a:ln>
+        </p:spPr>
+        <p:style>
+          <a:lnRef idx="2">
+            <a:schemeClr val="accent1">
+              <a:shade val="50000"/>
+            </a:schemeClr>
+          </a:lnRef>
+          <a:fillRef idx="1">
+            <a:schemeClr val="accent1"/>
+          </a:fillRef>
+          <a:effectRef idx="0">
+            <a:schemeClr val="accent1"/>
+          </a:effectRef>
+          <a:fontRef idx="minor">
+            <a:schemeClr val="lt1"/>
+          </a:fontRef>
+        </p:style>
+        <p:txBody>
+          <a:bodyPr rtlCol="0" anchor="ctr"/>
+          <a:lstStyle/>
+          <a:p>
+            <a:pPr algn="ctr"/>
+            <a:r>
+              <a:rPr lang="de-DE" dirty="0" smtClean="0"/>
+              <a:t>DIAL Serverschnittstelle</a:t>
+            </a:r>
+            <a:endParaRPr lang="de-DE" dirty="0"/>
+          </a:p>
+        </p:txBody>
+      </p:sp>
       <p:cxnSp>
         <p:nvCxnSpPr>
-          <p:cNvPr id="30" name="Gerade Verbindung mit Pfeil 18"/>
-          <p:cNvCxnSpPr/>
+          <p:cNvPr id="32" name="Gerade Verbindung mit Pfeil 18"/>
+          <p:cNvCxnSpPr>
+            <a:stCxn id="14" idx="0"/>
+          </p:cNvCxnSpPr>
           <p:nvPr/>
         </p:nvCxnSpPr>
         <p:spPr>
-          <a:xfrm flipV="1">
-            <a:off x="179512" y="3068960"/>
-            <a:ext cx="1439922" cy="5345"/>
+          <a:xfrm flipH="1" flipV="1">
+            <a:off x="1257855" y="2024845"/>
+            <a:ext cx="1778" cy="468051"/>
           </a:xfrm>
           <a:prstGeom prst="straightConnector1">
             <a:avLst/>
@@ -13460,7 +13981,7 @@
               <a:srgbClr val="E20074"/>
             </a:solidFill>
             <a:prstDash val="dash"/>
-            <a:tailEnd type="none"/>
+            <a:tailEnd type="triangle"/>
           </a:ln>
         </p:spPr>
         <p:style>
@@ -13480,24 +14001,26 @@
       </p:cxnSp>
       <p:cxnSp>
         <p:nvCxnSpPr>
-          <p:cNvPr id="33" name="Gerade Verbindung mit Pfeil 18"/>
-          <p:cNvCxnSpPr/>
+          <p:cNvPr id="40" name="Gerade Verbindung mit Pfeil 18"/>
+          <p:cNvCxnSpPr>
+            <a:endCxn id="15" idx="0"/>
+          </p:cNvCxnSpPr>
           <p:nvPr/>
         </p:nvCxnSpPr>
         <p:spPr>
-          <a:xfrm flipV="1">
-            <a:off x="4932278" y="3068960"/>
-            <a:ext cx="1439922" cy="5345"/>
+          <a:xfrm>
+            <a:off x="4067945" y="2015129"/>
+            <a:ext cx="0" cy="477767"/>
           </a:xfrm>
           <a:prstGeom prst="straightConnector1">
             <a:avLst/>
           </a:prstGeom>
           <a:ln w="38100">
             <a:solidFill>
-              <a:srgbClr val="66CCFF"/>
+              <a:srgbClr val="E20074"/>
             </a:solidFill>
             <a:prstDash val="dash"/>
-            <a:tailEnd type="none"/>
+            <a:tailEnd type="triangle"/>
           </a:ln>
         </p:spPr>
         <p:style>
@@ -13515,377 +14038,6 @@
           </a:fontRef>
         </p:style>
       </p:cxnSp>
-      <p:sp>
-        <p:nvSpPr>
-          <p:cNvPr id="34" name="Rechteck 33"/>
-          <p:cNvSpPr/>
-          <p:nvPr/>
-        </p:nvSpPr>
-        <p:spPr>
-          <a:xfrm>
-            <a:off x="1619672" y="2996952"/>
-            <a:ext cx="3385193" cy="179332"/>
-          </a:xfrm>
-          <a:prstGeom prst="rect">
-            <a:avLst/>
-          </a:prstGeom>
-          <a:noFill/>
-          <a:ln w="12700">
-            <a:noFill/>
-          </a:ln>
-        </p:spPr>
-        <p:style>
-          <a:lnRef idx="2">
-            <a:schemeClr val="accent1">
-              <a:shade val="50000"/>
-            </a:schemeClr>
-          </a:lnRef>
-          <a:fillRef idx="1">
-            <a:schemeClr val="accent1"/>
-          </a:fillRef>
-          <a:effectRef idx="0">
-            <a:schemeClr val="accent1"/>
-          </a:effectRef>
-          <a:fontRef idx="minor">
-            <a:schemeClr val="lt1"/>
-          </a:fontRef>
-        </p:style>
-        <p:txBody>
-          <a:bodyPr rtlCol="0" anchor="ctr"/>
-          <a:lstStyle/>
-          <a:p>
-            <a:r>
-              <a:rPr lang="de-DE" sz="1400" dirty="0" smtClean="0">
-                <a:solidFill>
-                  <a:sysClr val="windowText" lastClr="000000"/>
-                </a:solidFill>
-              </a:rPr>
-              <a:t>Kommunikationserweiterung durch DIAL</a:t>
-            </a:r>
-            <a:endParaRPr lang="de-DE" sz="1400" dirty="0">
-              <a:solidFill>
-                <a:sysClr val="windowText" lastClr="000000"/>
-              </a:solidFill>
-            </a:endParaRPr>
-          </a:p>
-        </p:txBody>
-      </p:sp>
-      <p:sp>
-        <p:nvSpPr>
-          <p:cNvPr id="35" name="Rechteck 34"/>
-          <p:cNvSpPr/>
-          <p:nvPr/>
-        </p:nvSpPr>
-        <p:spPr>
-          <a:xfrm>
-            <a:off x="6385106" y="2996952"/>
-            <a:ext cx="995206" cy="174606"/>
-          </a:xfrm>
-          <a:prstGeom prst="rect">
-            <a:avLst/>
-          </a:prstGeom>
-          <a:noFill/>
-          <a:ln w="12700">
-            <a:noFill/>
-          </a:ln>
-        </p:spPr>
-        <p:style>
-          <a:lnRef idx="2">
-            <a:schemeClr val="accent1">
-              <a:shade val="50000"/>
-            </a:schemeClr>
-          </a:lnRef>
-          <a:fillRef idx="1">
-            <a:schemeClr val="accent1"/>
-          </a:fillRef>
-          <a:effectRef idx="0">
-            <a:schemeClr val="accent1"/>
-          </a:effectRef>
-          <a:fontRef idx="minor">
-            <a:schemeClr val="lt1"/>
-          </a:fontRef>
-        </p:style>
-        <p:txBody>
-          <a:bodyPr rtlCol="0" anchor="ctr"/>
-          <a:lstStyle/>
-          <a:p>
-            <a:r>
-              <a:rPr lang="de-DE" sz="1400" dirty="0" smtClean="0">
-                <a:solidFill>
-                  <a:sysClr val="windowText" lastClr="000000"/>
-                </a:solidFill>
-              </a:rPr>
-              <a:t>BBB Client</a:t>
-            </a:r>
-            <a:endParaRPr lang="de-DE" sz="1400" dirty="0">
-              <a:solidFill>
-                <a:sysClr val="windowText" lastClr="000000"/>
-              </a:solidFill>
-            </a:endParaRPr>
-          </a:p>
-        </p:txBody>
-      </p:sp>
-      <p:sp>
-        <p:nvSpPr>
-          <p:cNvPr id="36" name="Rechteck 35"/>
-          <p:cNvSpPr/>
-          <p:nvPr/>
-        </p:nvSpPr>
-        <p:spPr>
-          <a:xfrm>
-            <a:off x="1095213" y="260648"/>
-            <a:ext cx="1332557" cy="595654"/>
-          </a:xfrm>
-          <a:prstGeom prst="rect">
-            <a:avLst/>
-          </a:prstGeom>
-          <a:noFill/>
-          <a:ln w="12700">
-            <a:noFill/>
-          </a:ln>
-        </p:spPr>
-        <p:style>
-          <a:lnRef idx="2">
-            <a:schemeClr val="accent1">
-              <a:shade val="50000"/>
-            </a:schemeClr>
-          </a:lnRef>
-          <a:fillRef idx="1">
-            <a:schemeClr val="accent1"/>
-          </a:fillRef>
-          <a:effectRef idx="0">
-            <a:schemeClr val="accent1"/>
-          </a:effectRef>
-          <a:fontRef idx="minor">
-            <a:schemeClr val="lt1"/>
-          </a:fontRef>
-        </p:style>
-        <p:txBody>
-          <a:bodyPr rtlCol="0" anchor="ctr"/>
-          <a:lstStyle/>
-          <a:p>
-            <a:pPr algn="r"/>
-            <a:r>
-              <a:rPr lang="de-DE" sz="1400" dirty="0" smtClean="0">
-                <a:solidFill>
-                  <a:srgbClr val="E20074"/>
-                </a:solidFill>
-              </a:rPr>
-              <a:t>Chat lesen</a:t>
-            </a:r>
-            <a:endParaRPr lang="de-DE" sz="1400" dirty="0">
-              <a:solidFill>
-                <a:srgbClr val="E20074"/>
-              </a:solidFill>
-            </a:endParaRPr>
-          </a:p>
-        </p:txBody>
-      </p:sp>
-      <p:sp>
-        <p:nvSpPr>
-          <p:cNvPr id="37" name="Rechteck 36"/>
-          <p:cNvSpPr/>
-          <p:nvPr/>
-        </p:nvSpPr>
-        <p:spPr>
-          <a:xfrm>
-            <a:off x="1070733" y="730447"/>
-            <a:ext cx="1332557" cy="595654"/>
-          </a:xfrm>
-          <a:prstGeom prst="rect">
-            <a:avLst/>
-          </a:prstGeom>
-          <a:noFill/>
-          <a:ln w="12700">
-            <a:noFill/>
-          </a:ln>
-        </p:spPr>
-        <p:style>
-          <a:lnRef idx="2">
-            <a:schemeClr val="accent1">
-              <a:shade val="50000"/>
-            </a:schemeClr>
-          </a:lnRef>
-          <a:fillRef idx="1">
-            <a:schemeClr val="accent1"/>
-          </a:fillRef>
-          <a:effectRef idx="0">
-            <a:schemeClr val="accent1"/>
-          </a:effectRef>
-          <a:fontRef idx="minor">
-            <a:schemeClr val="lt1"/>
-          </a:fontRef>
-        </p:style>
-        <p:txBody>
-          <a:bodyPr rtlCol="0" anchor="ctr"/>
-          <a:lstStyle/>
-          <a:p>
-            <a:pPr algn="r"/>
-            <a:r>
-              <a:rPr lang="de-DE" sz="1400" dirty="0" smtClean="0">
-                <a:solidFill>
-                  <a:srgbClr val="E20074"/>
-                </a:solidFill>
-              </a:rPr>
-              <a:t>Abfrage von</a:t>
-            </a:r>
-            <a:r>
-              <a:rPr lang="de-DE" sz="1400" dirty="0">
-                <a:solidFill>
-                  <a:srgbClr val="E20074"/>
-                </a:solidFill>
-              </a:rPr>
-              <a:t/>
-            </a:r>
-            <a:br>
-              <a:rPr lang="de-DE" sz="1400" dirty="0">
-                <a:solidFill>
-                  <a:srgbClr val="E20074"/>
-                </a:solidFill>
-              </a:rPr>
-            </a:br>
-            <a:r>
-              <a:rPr lang="de-DE" sz="1400" dirty="0" smtClean="0">
-                <a:solidFill>
-                  <a:srgbClr val="E20074"/>
-                </a:solidFill>
-              </a:rPr>
-              <a:t>Umfragen</a:t>
-            </a:r>
-            <a:endParaRPr lang="de-DE" sz="1400" dirty="0">
-              <a:solidFill>
-                <a:srgbClr val="E20074"/>
-              </a:solidFill>
-            </a:endParaRPr>
-          </a:p>
-        </p:txBody>
-      </p:sp>
-      <p:sp>
-        <p:nvSpPr>
-          <p:cNvPr id="38" name="Rechteck 37"/>
-          <p:cNvSpPr/>
-          <p:nvPr/>
-        </p:nvSpPr>
-        <p:spPr>
-          <a:xfrm>
-            <a:off x="2771800" y="730446"/>
-            <a:ext cx="1332557" cy="595654"/>
-          </a:xfrm>
-          <a:prstGeom prst="rect">
-            <a:avLst/>
-          </a:prstGeom>
-          <a:noFill/>
-          <a:ln w="12700">
-            <a:noFill/>
-          </a:ln>
-        </p:spPr>
-        <p:style>
-          <a:lnRef idx="2">
-            <a:schemeClr val="accent1">
-              <a:shade val="50000"/>
-            </a:schemeClr>
-          </a:lnRef>
-          <a:fillRef idx="1">
-            <a:schemeClr val="accent1"/>
-          </a:fillRef>
-          <a:effectRef idx="0">
-            <a:schemeClr val="accent1"/>
-          </a:effectRef>
-          <a:fontRef idx="minor">
-            <a:schemeClr val="lt1"/>
-          </a:fontRef>
-        </p:style>
-        <p:txBody>
-          <a:bodyPr rtlCol="0" anchor="ctr"/>
-          <a:lstStyle/>
-          <a:p>
-            <a:pPr algn="r"/>
-            <a:r>
-              <a:rPr lang="de-DE" sz="1400" dirty="0" smtClean="0">
-                <a:solidFill>
-                  <a:srgbClr val="E20074"/>
-                </a:solidFill>
-              </a:rPr>
-              <a:t>Teilnahme</a:t>
-            </a:r>
-            <a:br>
-              <a:rPr lang="de-DE" sz="1400" dirty="0" smtClean="0">
-                <a:solidFill>
-                  <a:srgbClr val="E20074"/>
-                </a:solidFill>
-              </a:rPr>
-            </a:br>
-            <a:r>
-              <a:rPr lang="de-DE" sz="1400" dirty="0" smtClean="0">
-                <a:solidFill>
-                  <a:srgbClr val="E20074"/>
-                </a:solidFill>
-              </a:rPr>
-              <a:t>an Umfragen</a:t>
-            </a:r>
-            <a:endParaRPr lang="de-DE" sz="1400" dirty="0">
-              <a:solidFill>
-                <a:srgbClr val="E20074"/>
-              </a:solidFill>
-            </a:endParaRPr>
-          </a:p>
-        </p:txBody>
-      </p:sp>
-      <p:sp>
-        <p:nvSpPr>
-          <p:cNvPr id="39" name="Rechteck 38"/>
-          <p:cNvSpPr/>
-          <p:nvPr/>
-        </p:nvSpPr>
-        <p:spPr>
-          <a:xfrm>
-            <a:off x="3023419" y="251091"/>
-            <a:ext cx="1332557" cy="595654"/>
-          </a:xfrm>
-          <a:prstGeom prst="rect">
-            <a:avLst/>
-          </a:prstGeom>
-          <a:noFill/>
-          <a:ln w="12700">
-            <a:noFill/>
-          </a:ln>
-        </p:spPr>
-        <p:style>
-          <a:lnRef idx="2">
-            <a:schemeClr val="accent1">
-              <a:shade val="50000"/>
-            </a:schemeClr>
-          </a:lnRef>
-          <a:fillRef idx="1">
-            <a:schemeClr val="accent1"/>
-          </a:fillRef>
-          <a:effectRef idx="0">
-            <a:schemeClr val="accent1"/>
-          </a:effectRef>
-          <a:fontRef idx="minor">
-            <a:schemeClr val="lt1"/>
-          </a:fontRef>
-        </p:style>
-        <p:txBody>
-          <a:bodyPr rtlCol="0" anchor="ctr"/>
-          <a:lstStyle/>
-          <a:p>
-            <a:r>
-              <a:rPr lang="de-DE" sz="1400" dirty="0" smtClean="0">
-                <a:solidFill>
-                  <a:srgbClr val="E20074"/>
-                </a:solidFill>
-              </a:rPr>
-              <a:t>Chat schreiben</a:t>
-            </a:r>
-            <a:endParaRPr lang="de-DE" sz="1400" dirty="0">
-              <a:solidFill>
-                <a:srgbClr val="E20074"/>
-              </a:solidFill>
-            </a:endParaRPr>
-          </a:p>
-        </p:txBody>
-      </p:sp>
     </p:spTree>
     <p:extLst>
       <p:ext uri="{BB962C8B-B14F-4D97-AF65-F5344CB8AC3E}">

--- a/Grafiken/Loesungskonzepte.pptx
+++ b/Grafiken/Loesungskonzepte.pptx
@@ -12178,45 +12178,6 @@
       </p:grpSp>
       <p:cxnSp>
         <p:nvCxnSpPr>
-          <p:cNvPr id="109" name="Gerade Verbindung mit Pfeil 11"/>
-          <p:cNvCxnSpPr>
-            <a:stCxn id="4" idx="2"/>
-            <a:endCxn id="103" idx="3"/>
-          </p:cNvCxnSpPr>
-          <p:nvPr/>
-        </p:nvCxnSpPr>
-        <p:spPr>
-          <a:xfrm rot="5400000">
-            <a:off x="7560967" y="921033"/>
-            <a:ext cx="310309" cy="451856"/>
-          </a:xfrm>
-          <a:prstGeom prst="bentConnector2">
-            <a:avLst/>
-          </a:prstGeom>
-          <a:ln>
-            <a:solidFill>
-              <a:schemeClr val="tx1"/>
-            </a:solidFill>
-            <a:tailEnd type="triangle"/>
-          </a:ln>
-        </p:spPr>
-        <p:style>
-          <a:lnRef idx="1">
-            <a:schemeClr val="accent1"/>
-          </a:lnRef>
-          <a:fillRef idx="0">
-            <a:schemeClr val="accent1"/>
-          </a:fillRef>
-          <a:effectRef idx="0">
-            <a:schemeClr val="accent1"/>
-          </a:effectRef>
-          <a:fontRef idx="minor">
-            <a:schemeClr val="tx1"/>
-          </a:fontRef>
-        </p:style>
-      </p:cxnSp>
-      <p:cxnSp>
-        <p:nvCxnSpPr>
           <p:cNvPr id="113" name="Gerade Verbindung mit Pfeil 11"/>
           <p:cNvCxnSpPr/>
           <p:nvPr/>
@@ -12788,6 +12749,45 @@
           </p:txBody>
         </p:sp>
       </p:grpSp>
+      <p:cxnSp>
+        <p:nvCxnSpPr>
+          <p:cNvPr id="109" name="Gerade Verbindung mit Pfeil 11"/>
+          <p:cNvCxnSpPr>
+            <a:stCxn id="4" idx="2"/>
+            <a:endCxn id="103" idx="3"/>
+          </p:cNvCxnSpPr>
+          <p:nvPr/>
+        </p:nvCxnSpPr>
+        <p:spPr>
+          <a:xfrm rot="5400000">
+            <a:off x="7560967" y="921033"/>
+            <a:ext cx="310309" cy="451856"/>
+          </a:xfrm>
+          <a:prstGeom prst="bentConnector2">
+            <a:avLst/>
+          </a:prstGeom>
+          <a:ln>
+            <a:solidFill>
+              <a:srgbClr val="00B050"/>
+            </a:solidFill>
+            <a:tailEnd type="triangle"/>
+          </a:ln>
+        </p:spPr>
+        <p:style>
+          <a:lnRef idx="1">
+            <a:schemeClr val="accent1"/>
+          </a:lnRef>
+          <a:fillRef idx="0">
+            <a:schemeClr val="accent1"/>
+          </a:fillRef>
+          <a:effectRef idx="0">
+            <a:schemeClr val="accent1"/>
+          </a:effectRef>
+          <a:fontRef idx="minor">
+            <a:schemeClr val="tx1"/>
+          </a:fontRef>
+        </p:style>
+      </p:cxnSp>
     </p:spTree>
     <p:extLst>
       <p:ext uri="{BB962C8B-B14F-4D97-AF65-F5344CB8AC3E}">

--- a/Grafiken/Loesungskonzepte.pptx
+++ b/Grafiken/Loesungskonzepte.pptx
@@ -311,7 +311,7 @@
           <a:p>
             <a:fld id="{62A7EEA7-7CF7-4A21-92C8-3CFB69AD4175}" type="datetimeFigureOut">
               <a:rPr lang="de-DE" smtClean="0"/>
-              <a:t>03.03.2017</a:t>
+              <a:t>05.03.2017</a:t>
             </a:fld>
             <a:endParaRPr lang="de-DE"/>
           </a:p>
@@ -481,7 +481,7 @@
           <a:p>
             <a:fld id="{62A7EEA7-7CF7-4A21-92C8-3CFB69AD4175}" type="datetimeFigureOut">
               <a:rPr lang="de-DE" smtClean="0"/>
-              <a:t>03.03.2017</a:t>
+              <a:t>05.03.2017</a:t>
             </a:fld>
             <a:endParaRPr lang="de-DE"/>
           </a:p>
@@ -661,7 +661,7 @@
           <a:p>
             <a:fld id="{62A7EEA7-7CF7-4A21-92C8-3CFB69AD4175}" type="datetimeFigureOut">
               <a:rPr lang="de-DE" smtClean="0"/>
-              <a:t>03.03.2017</a:t>
+              <a:t>05.03.2017</a:t>
             </a:fld>
             <a:endParaRPr lang="de-DE"/>
           </a:p>
@@ -831,7 +831,7 @@
           <a:p>
             <a:fld id="{62A7EEA7-7CF7-4A21-92C8-3CFB69AD4175}" type="datetimeFigureOut">
               <a:rPr lang="de-DE" smtClean="0"/>
-              <a:t>03.03.2017</a:t>
+              <a:t>05.03.2017</a:t>
             </a:fld>
             <a:endParaRPr lang="de-DE"/>
           </a:p>
@@ -1077,7 +1077,7 @@
           <a:p>
             <a:fld id="{62A7EEA7-7CF7-4A21-92C8-3CFB69AD4175}" type="datetimeFigureOut">
               <a:rPr lang="de-DE" smtClean="0"/>
-              <a:t>03.03.2017</a:t>
+              <a:t>05.03.2017</a:t>
             </a:fld>
             <a:endParaRPr lang="de-DE"/>
           </a:p>
@@ -1365,7 +1365,7 @@
           <a:p>
             <a:fld id="{62A7EEA7-7CF7-4A21-92C8-3CFB69AD4175}" type="datetimeFigureOut">
               <a:rPr lang="de-DE" smtClean="0"/>
-              <a:t>03.03.2017</a:t>
+              <a:t>05.03.2017</a:t>
             </a:fld>
             <a:endParaRPr lang="de-DE"/>
           </a:p>
@@ -1787,7 +1787,7 @@
           <a:p>
             <a:fld id="{62A7EEA7-7CF7-4A21-92C8-3CFB69AD4175}" type="datetimeFigureOut">
               <a:rPr lang="de-DE" smtClean="0"/>
-              <a:t>03.03.2017</a:t>
+              <a:t>05.03.2017</a:t>
             </a:fld>
             <a:endParaRPr lang="de-DE"/>
           </a:p>
@@ -1905,7 +1905,7 @@
           <a:p>
             <a:fld id="{62A7EEA7-7CF7-4A21-92C8-3CFB69AD4175}" type="datetimeFigureOut">
               <a:rPr lang="de-DE" smtClean="0"/>
-              <a:t>03.03.2017</a:t>
+              <a:t>05.03.2017</a:t>
             </a:fld>
             <a:endParaRPr lang="de-DE"/>
           </a:p>
@@ -2000,7 +2000,7 @@
           <a:p>
             <a:fld id="{62A7EEA7-7CF7-4A21-92C8-3CFB69AD4175}" type="datetimeFigureOut">
               <a:rPr lang="de-DE" smtClean="0"/>
-              <a:t>03.03.2017</a:t>
+              <a:t>05.03.2017</a:t>
             </a:fld>
             <a:endParaRPr lang="de-DE"/>
           </a:p>
@@ -2277,7 +2277,7 @@
           <a:p>
             <a:fld id="{62A7EEA7-7CF7-4A21-92C8-3CFB69AD4175}" type="datetimeFigureOut">
               <a:rPr lang="de-DE" smtClean="0"/>
-              <a:t>03.03.2017</a:t>
+              <a:t>05.03.2017</a:t>
             </a:fld>
             <a:endParaRPr lang="de-DE"/>
           </a:p>
@@ -2530,7 +2530,7 @@
           <a:p>
             <a:fld id="{62A7EEA7-7CF7-4A21-92C8-3CFB69AD4175}" type="datetimeFigureOut">
               <a:rPr lang="de-DE" smtClean="0"/>
-              <a:t>03.03.2017</a:t>
+              <a:t>05.03.2017</a:t>
             </a:fld>
             <a:endParaRPr lang="de-DE"/>
           </a:p>
@@ -2743,7 +2743,7 @@
           <a:p>
             <a:fld id="{62A7EEA7-7CF7-4A21-92C8-3CFB69AD4175}" type="datetimeFigureOut">
               <a:rPr lang="de-DE" smtClean="0"/>
-              <a:t>03.03.2017</a:t>
+              <a:t>05.03.2017</a:t>
             </a:fld>
             <a:endParaRPr lang="de-DE"/>
           </a:p>
@@ -10080,7 +10080,7 @@
         </p:nvGrpSpPr>
         <p:grpSpPr>
           <a:xfrm>
-            <a:off x="5284404" y="3023466"/>
+            <a:off x="467544" y="3023466"/>
             <a:ext cx="2952328" cy="172755"/>
             <a:chOff x="1221878" y="3117608"/>
             <a:chExt cx="2952328" cy="172755"/>
@@ -10559,7 +10559,7 @@
             <a:prstGeom prst="bentConnector2">
               <a:avLst/>
             </a:prstGeom>
-            <a:ln>
+            <a:ln w="19050">
               <a:solidFill>
                 <a:schemeClr val="tx1"/>
               </a:solidFill>
@@ -10597,7 +10597,7 @@
             <a:prstGeom prst="straightConnector1">
               <a:avLst/>
             </a:prstGeom>
-            <a:ln>
+            <a:ln w="19050">
               <a:solidFill>
                 <a:schemeClr val="tx1"/>
               </a:solidFill>
@@ -11177,7 +11177,7 @@
             <a:prstGeom prst="bentConnector2">
               <a:avLst/>
             </a:prstGeom>
-            <a:ln>
+            <a:ln w="19050">
               <a:solidFill>
                 <a:schemeClr val="tx1"/>
               </a:solidFill>
@@ -11215,7 +11215,7 @@
             <a:prstGeom prst="straightConnector1">
               <a:avLst/>
             </a:prstGeom>
-            <a:ln>
+            <a:ln w="19050">
               <a:solidFill>
                 <a:schemeClr val="tx1"/>
               </a:solidFill>
@@ -11809,7 +11809,7 @@
               <a:prstGeom prst="bentConnector2">
                 <a:avLst/>
               </a:prstGeom>
-              <a:ln>
+              <a:ln w="19050">
                 <a:solidFill>
                   <a:schemeClr val="tx1"/>
                 </a:solidFill>
@@ -11847,7 +11847,7 @@
               <a:prstGeom prst="straightConnector1">
                 <a:avLst/>
               </a:prstGeom>
-              <a:ln>
+              <a:ln w="19050">
                 <a:solidFill>
                   <a:schemeClr val="tx1"/>
                 </a:solidFill>
@@ -12178,45 +12178,6 @@
       </p:grpSp>
       <p:cxnSp>
         <p:nvCxnSpPr>
-          <p:cNvPr id="113" name="Gerade Verbindung mit Pfeil 11"/>
-          <p:cNvCxnSpPr/>
-          <p:nvPr/>
-        </p:nvCxnSpPr>
-        <p:spPr>
-          <a:xfrm rot="10800000" flipV="1">
-            <a:off x="6582519" y="991806"/>
-            <a:ext cx="1359535" cy="490329"/>
-          </a:xfrm>
-          <a:prstGeom prst="bentConnector3">
-            <a:avLst>
-              <a:gd name="adj1" fmla="val -78"/>
-            </a:avLst>
-          </a:prstGeom>
-          <a:ln>
-            <a:solidFill>
-              <a:schemeClr val="tx1"/>
-            </a:solidFill>
-            <a:prstDash val="dash"/>
-            <a:tailEnd type="triangle"/>
-          </a:ln>
-        </p:spPr>
-        <p:style>
-          <a:lnRef idx="1">
-            <a:schemeClr val="accent1"/>
-          </a:lnRef>
-          <a:fillRef idx="0">
-            <a:schemeClr val="accent1"/>
-          </a:fillRef>
-          <a:effectRef idx="0">
-            <a:schemeClr val="accent1"/>
-          </a:effectRef>
-          <a:fontRef idx="minor">
-            <a:schemeClr val="tx1"/>
-          </a:fontRef>
-        </p:style>
-      </p:cxnSp>
-      <p:cxnSp>
-        <p:nvCxnSpPr>
           <p:cNvPr id="127" name="Gerade Verbindung mit Pfeil 1039"/>
           <p:cNvCxnSpPr>
             <a:stCxn id="62" idx="2"/>
@@ -12232,9 +12193,9 @@
           <a:prstGeom prst="bentConnector2">
             <a:avLst/>
           </a:prstGeom>
-          <a:ln>
+          <a:ln w="19050">
             <a:solidFill>
-              <a:srgbClr val="00B0F0"/>
+              <a:schemeClr val="tx1"/>
             </a:solidFill>
             <a:prstDash val="lgDash"/>
             <a:headEnd type="triangle"/>
@@ -12275,10 +12236,11 @@
               <a:gd name="adj1" fmla="val 50000"/>
             </a:avLst>
           </a:prstGeom>
-          <a:ln>
+          <a:ln w="25400">
             <a:solidFill>
-              <a:srgbClr val="00B050"/>
+              <a:schemeClr val="tx1"/>
             </a:solidFill>
+            <a:prstDash val="sysDot"/>
             <a:tailEnd type="triangle"/>
           </a:ln>
         </p:spPr>
@@ -12300,15 +12262,12 @@
       <p:cxnSp>
         <p:nvCxnSpPr>
           <p:cNvPr id="142" name="Gerade Verbindung mit Pfeil 1039"/>
-          <p:cNvCxnSpPr>
-            <a:stCxn id="7" idx="0"/>
-            <a:endCxn id="83" idx="2"/>
-          </p:cNvCxnSpPr>
+          <p:cNvCxnSpPr/>
           <p:nvPr/>
         </p:nvCxnSpPr>
         <p:spPr>
           <a:xfrm rot="5400000" flipH="1" flipV="1">
-            <a:off x="4175765" y="1569607"/>
+            <a:off x="4175766" y="1569607"/>
             <a:ext cx="675075" cy="460956"/>
           </a:xfrm>
           <a:prstGeom prst="bentConnector3">
@@ -12316,10 +12275,11 @@
               <a:gd name="adj1" fmla="val 50000"/>
             </a:avLst>
           </a:prstGeom>
-          <a:ln>
+          <a:ln w="25400">
             <a:solidFill>
-              <a:srgbClr val="00B050"/>
+              <a:schemeClr val="tx1"/>
             </a:solidFill>
+            <a:prstDash val="sysDot"/>
             <a:tailEnd type="triangle"/>
           </a:ln>
         </p:spPr>
@@ -12355,9 +12315,9 @@
           <a:prstGeom prst="bentConnector2">
             <a:avLst/>
           </a:prstGeom>
-          <a:ln>
+          <a:ln w="19050">
             <a:solidFill>
-              <a:srgbClr val="00B0F0"/>
+              <a:schemeClr val="tx1"/>
             </a:solidFill>
             <a:prstDash val="lgDash"/>
             <a:headEnd type="triangle"/>
@@ -12395,9 +12355,9 @@
           <a:prstGeom prst="bentConnector2">
             <a:avLst/>
           </a:prstGeom>
-          <a:ln>
+          <a:ln w="19050">
             <a:solidFill>
-              <a:srgbClr val="00B0F0"/>
+              <a:schemeClr val="tx1"/>
             </a:solidFill>
             <a:prstDash val="lgDash"/>
             <a:headEnd type="triangle"/>
@@ -12438,10 +12398,11 @@
               <a:gd name="adj1" fmla="val 50000"/>
             </a:avLst>
           </a:prstGeom>
-          <a:ln>
+          <a:ln w="25400">
             <a:solidFill>
-              <a:srgbClr val="00B050"/>
+              <a:schemeClr val="tx1"/>
             </a:solidFill>
+            <a:prstDash val="sysDot"/>
             <a:headEnd type="triangle"/>
             <a:tailEnd type="triangle"/>
           </a:ln>
@@ -12469,10 +12430,10 @@
         </p:nvGrpSpPr>
         <p:grpSpPr>
           <a:xfrm>
-            <a:off x="6156176" y="1988840"/>
-            <a:ext cx="2808312" cy="790713"/>
-            <a:chOff x="683568" y="3470418"/>
-            <a:chExt cx="2808312" cy="790713"/>
+            <a:off x="6156176" y="2135548"/>
+            <a:ext cx="2987824" cy="1008112"/>
+            <a:chOff x="683568" y="3614434"/>
+            <a:chExt cx="2987824" cy="1008112"/>
           </a:xfrm>
         </p:grpSpPr>
         <p:cxnSp>
@@ -12483,15 +12444,15 @@
           </p:nvCxnSpPr>
           <p:spPr>
             <a:xfrm>
-              <a:off x="683568" y="4005064"/>
+              <a:off x="683568" y="4334514"/>
               <a:ext cx="475672" cy="0"/>
             </a:xfrm>
             <a:prstGeom prst="line">
               <a:avLst/>
             </a:prstGeom>
-            <a:ln>
+            <a:ln w="19050">
               <a:solidFill>
-                <a:srgbClr val="66CCFF"/>
+                <a:schemeClr val="tx1"/>
               </a:solidFill>
               <a:prstDash val="lgDash"/>
             </a:ln>
@@ -12519,13 +12480,13 @@
           </p:nvCxnSpPr>
           <p:spPr>
             <a:xfrm>
-              <a:off x="683568" y="3789040"/>
+              <a:off x="683568" y="4046482"/>
               <a:ext cx="475672" cy="0"/>
             </a:xfrm>
             <a:prstGeom prst="line">
               <a:avLst/>
             </a:prstGeom>
-            <a:ln>
+            <a:ln w="19050">
               <a:solidFill>
                 <a:schemeClr val="tx1"/>
               </a:solidFill>
@@ -12555,17 +12516,17 @@
           </p:nvCxnSpPr>
           <p:spPr>
             <a:xfrm>
-              <a:off x="683568" y="3573016"/>
+              <a:off x="683568" y="3614434"/>
               <a:ext cx="475672" cy="0"/>
             </a:xfrm>
             <a:prstGeom prst="line">
               <a:avLst/>
             </a:prstGeom>
-            <a:ln>
+            <a:ln w="25400">
               <a:solidFill>
-                <a:srgbClr val="00B050"/>
+                <a:schemeClr val="tx1"/>
               </a:solidFill>
-              <a:prstDash val="solid"/>
+              <a:prstDash val="sysDot"/>
             </a:ln>
           </p:spPr>
           <p:style>
@@ -12591,8 +12552,8 @@
           </p:nvSpPr>
           <p:spPr>
             <a:xfrm>
-              <a:off x="1128522" y="3470418"/>
-              <a:ext cx="995206" cy="174606"/>
+              <a:off x="1128522" y="3640747"/>
+              <a:ext cx="2542870" cy="117703"/>
             </a:xfrm>
             <a:prstGeom prst="rect">
               <a:avLst/>
@@ -12628,6 +12589,21 @@
                     <a:sysClr val="windowText" lastClr="000000"/>
                   </a:solidFill>
                 </a:rPr>
+                <a:t>Kommunikation über</a:t>
+              </a:r>
+              <a:br>
+                <a:rPr lang="de-DE" sz="1400" dirty="0" smtClean="0">
+                  <a:solidFill>
+                    <a:sysClr val="windowText" lastClr="000000"/>
+                  </a:solidFill>
+                </a:rPr>
+              </a:br>
+              <a:r>
+                <a:rPr lang="de-DE" sz="1400" dirty="0" smtClean="0">
+                  <a:solidFill>
+                    <a:sysClr val="windowText" lastClr="000000"/>
+                  </a:solidFill>
+                </a:rPr>
                 <a:t>BBB Client</a:t>
               </a:r>
               <a:endParaRPr lang="de-DE" sz="1400" dirty="0">
@@ -12646,7 +12622,7 @@
           </p:nvSpPr>
           <p:spPr>
             <a:xfrm>
-              <a:off x="1115616" y="3902466"/>
+              <a:off x="1118728" y="4263881"/>
               <a:ext cx="2376264" cy="358665"/>
             </a:xfrm>
             <a:prstGeom prst="rect">
@@ -12701,7 +12677,7 @@
           </p:nvSpPr>
           <p:spPr>
             <a:xfrm>
-              <a:off x="1115616" y="3679718"/>
+              <a:off x="1118728" y="3974474"/>
               <a:ext cx="1395735" cy="181330"/>
             </a:xfrm>
             <a:prstGeom prst="rect">
@@ -12733,12 +12709,12 @@
             <a:lstStyle/>
             <a:p>
               <a:r>
-                <a:rPr lang="de-DE" sz="1400" dirty="0" smtClean="0">
+                <a:rPr lang="de-DE" sz="1400" dirty="0" err="1" smtClean="0">
                   <a:solidFill>
                     <a:sysClr val="windowText" lastClr="000000"/>
                   </a:solidFill>
                 </a:rPr>
-                <a:t>Audio &amp; Video</a:t>
+                <a:t>Medienstreams</a:t>
               </a:r>
               <a:endParaRPr lang="de-DE" sz="1400" dirty="0">
                 <a:solidFill>
@@ -12752,24 +12728,22 @@
       <p:cxnSp>
         <p:nvCxnSpPr>
           <p:cNvPr id="109" name="Gerade Verbindung mit Pfeil 11"/>
-          <p:cNvCxnSpPr>
-            <a:stCxn id="4" idx="2"/>
-            <a:endCxn id="103" idx="3"/>
-          </p:cNvCxnSpPr>
+          <p:cNvCxnSpPr/>
           <p:nvPr/>
         </p:nvCxnSpPr>
         <p:spPr>
           <a:xfrm rot="5400000">
-            <a:off x="7560967" y="921033"/>
+            <a:off x="7560967" y="921035"/>
             <a:ext cx="310309" cy="451856"/>
           </a:xfrm>
           <a:prstGeom prst="bentConnector2">
             <a:avLst/>
           </a:prstGeom>
-          <a:ln>
+          <a:ln w="19050">
             <a:solidFill>
-              <a:srgbClr val="00B050"/>
+              <a:schemeClr val="tx1"/>
             </a:solidFill>
+            <a:headEnd type="triangle"/>
             <a:tailEnd type="triangle"/>
           </a:ln>
         </p:spPr>
@@ -13074,11 +13048,11 @@
         <p:spPr>
           <a:xfrm>
             <a:off x="3046495" y="745265"/>
-            <a:ext cx="1057862" cy="883534"/>
+            <a:ext cx="1021450" cy="883534"/>
           </a:xfrm>
           <a:prstGeom prst="bentConnector3">
             <a:avLst>
-              <a:gd name="adj1" fmla="val 100134"/>
+              <a:gd name="adj1" fmla="val 100131"/>
             </a:avLst>
           </a:prstGeom>
           <a:ln w="38100">
@@ -13121,11 +13095,11 @@
           <a:prstGeom prst="bentConnector2">
             <a:avLst/>
           </a:prstGeom>
-          <a:ln w="38100">
+          <a:ln w="25400">
             <a:solidFill>
               <a:srgbClr val="66CCFF"/>
             </a:solidFill>
-            <a:prstDash val="dash"/>
+            <a:prstDash val="solid"/>
             <a:headEnd type="triangle"/>
             <a:tailEnd type="triangle"/>
           </a:ln>
@@ -13514,11 +13488,11 @@
               <a:prstGeom prst="straightConnector1">
                 <a:avLst/>
               </a:prstGeom>
-              <a:ln w="38100">
+              <a:ln w="25400">
                 <a:solidFill>
                   <a:srgbClr val="66CCFF"/>
                 </a:solidFill>
-                <a:prstDash val="dash"/>
+                <a:prstDash val="solid"/>
                 <a:tailEnd type="none"/>
               </a:ln>
             </p:spPr>
